--- a/Documentation/Presentation/final_se.pptx
+++ b/Documentation/Presentation/final_se.pptx
@@ -12,7 +12,7 @@
     <p:sldMasterId id="2147483739" r:id="rId8"/>
   </p:sldMasterIdLst>
   <p:notesMasterIdLst>
-    <p:notesMasterId r:id="rId38"/>
+    <p:notesMasterId r:id="rId39"/>
   </p:notesMasterIdLst>
   <p:sldIdLst>
     <p:sldId id="256" r:id="rId9"/>
@@ -23,27 +23,28 @@
     <p:sldId id="261" r:id="rId14"/>
     <p:sldId id="262" r:id="rId15"/>
     <p:sldId id="263" r:id="rId16"/>
-    <p:sldId id="264" r:id="rId17"/>
+    <p:sldId id="287" r:id="rId17"/>
     <p:sldId id="265" r:id="rId18"/>
-    <p:sldId id="266" r:id="rId19"/>
-    <p:sldId id="267" r:id="rId20"/>
-    <p:sldId id="268" r:id="rId21"/>
-    <p:sldId id="269" r:id="rId22"/>
-    <p:sldId id="270" r:id="rId23"/>
-    <p:sldId id="281" r:id="rId24"/>
-    <p:sldId id="271" r:id="rId25"/>
-    <p:sldId id="272" r:id="rId26"/>
-    <p:sldId id="273" r:id="rId27"/>
-    <p:sldId id="280" r:id="rId28"/>
-    <p:sldId id="282" r:id="rId29"/>
-    <p:sldId id="283" r:id="rId30"/>
-    <p:sldId id="284" r:id="rId31"/>
-    <p:sldId id="274" r:id="rId32"/>
-    <p:sldId id="275" r:id="rId33"/>
-    <p:sldId id="276" r:id="rId34"/>
-    <p:sldId id="277" r:id="rId35"/>
-    <p:sldId id="278" r:id="rId36"/>
-    <p:sldId id="279" r:id="rId37"/>
+    <p:sldId id="285" r:id="rId19"/>
+    <p:sldId id="286" r:id="rId20"/>
+    <p:sldId id="267" r:id="rId21"/>
+    <p:sldId id="268" r:id="rId22"/>
+    <p:sldId id="269" r:id="rId23"/>
+    <p:sldId id="270" r:id="rId24"/>
+    <p:sldId id="281" r:id="rId25"/>
+    <p:sldId id="271" r:id="rId26"/>
+    <p:sldId id="272" r:id="rId27"/>
+    <p:sldId id="273" r:id="rId28"/>
+    <p:sldId id="280" r:id="rId29"/>
+    <p:sldId id="282" r:id="rId30"/>
+    <p:sldId id="283" r:id="rId31"/>
+    <p:sldId id="284" r:id="rId32"/>
+    <p:sldId id="274" r:id="rId33"/>
+    <p:sldId id="275" r:id="rId34"/>
+    <p:sldId id="276" r:id="rId35"/>
+    <p:sldId id="277" r:id="rId36"/>
+    <p:sldId id="278" r:id="rId37"/>
+    <p:sldId id="279" r:id="rId38"/>
   </p:sldIdLst>
   <p:sldSz cx="12193588" cy="6858000"/>
   <p:notesSz cx="6858000" cy="9144000"/>
@@ -142,6 +143,11 @@
       </a:defRPr>
     </a:lvl9pPr>
   </p:defaultTextStyle>
+  <p:extLst>
+    <p:ext uri="{EFAFB233-063F-42B5-8137-9DF3F51BA10A}">
+      <p15:sldGuideLst xmlns:p15="http://schemas.microsoft.com/office/powerpoint/2012/main"/>
+    </p:ext>
+  </p:extLst>
 </p:presentation>
 </file>
 
@@ -369,7 +375,7 @@
               <a:rPr lang="de-DE" sz="1400" b="0" strike="noStrike" spc="-1">
                 <a:latin typeface="Times New Roman"/>
               </a:rPr>
-              <a:t>‹#›</a:t>
+              <a:t>‹Nr.›</a:t>
             </a:fld>
             <a:endParaRPr lang="de-DE" sz="1400" b="0" strike="noStrike" spc="-1">
               <a:latin typeface="Times New Roman"/>
@@ -522,12 +528,9 @@
                 <a:spcPct val="100000"/>
               </a:lnSpc>
             </a:pPr>
-            <a:r>
-              <a:rPr lang="de-DE" sz="2000" b="0" strike="noStrike" spc="-1">
-                <a:latin typeface="Arial"/>
-              </a:rPr>
-              <a:t>it does not necessarily have to be about studying</a:t>
-            </a:r>
+            <a:endParaRPr lang="de-DE" sz="2000" b="0" strike="noStrike" spc="-1" dirty="0">
+              <a:latin typeface="Arial"/>
+            </a:endParaRPr>
           </a:p>
           <a:p>
             <a:pPr marL="216000" indent="-214560">
@@ -535,7 +538,7 @@
                 <a:spcPct val="100000"/>
               </a:lnSpc>
             </a:pPr>
-            <a:endParaRPr lang="de-DE" sz="2000" b="0" strike="noStrike" spc="-1">
+            <a:endParaRPr lang="de-DE" sz="2000" b="0" strike="noStrike" spc="-1" dirty="0">
               <a:latin typeface="Arial"/>
             </a:endParaRPr>
           </a:p>
@@ -546,7 +549,7 @@
               </a:lnSpc>
             </a:pPr>
             <a:r>
-              <a:rPr lang="de-DE" sz="2000" b="0" strike="noStrike" spc="-1">
+              <a:rPr lang="de-DE" sz="2000" b="0" strike="noStrike" spc="-1" dirty="0">
                 <a:latin typeface="Arial"/>
               </a:rPr>
               <a:t>Mit linker Hand Zeugs erledigen</a:t>
@@ -559,7 +562,7 @@
               </a:lnSpc>
             </a:pPr>
             <a:r>
-              <a:rPr lang="de-DE" sz="2000" b="0" strike="noStrike" spc="-1">
+              <a:rPr lang="de-DE" sz="2000" b="0" strike="noStrike" spc="-1" dirty="0">
                 <a:latin typeface="Arial"/>
               </a:rPr>
               <a:t>Statur behalten</a:t>
@@ -24525,6 +24528,13 @@
   <p:clrMapOvr>
     <a:masterClrMapping/>
   </p:clrMapOvr>
+  <p:timing>
+    <p:tnLst>
+      <p:par>
+        <p:cTn id="1" dur="indefinite" restart="never" nodeType="tmRoot"/>
+      </p:par>
+    </p:tnLst>
+  </p:timing>
 </p:sld>
 </file>
 
@@ -24588,7 +24598,7 @@
               </a:lnSpc>
             </a:pPr>
             <a:r>
-              <a:rPr lang="de-DE" sz="3600" b="0" strike="noStrike" spc="-1">
+              <a:rPr lang="de-DE" sz="3600" b="0" strike="noStrike" spc="-1" dirty="0">
                 <a:solidFill>
                   <a:srgbClr val="EBEBEB"/>
                 </a:solidFill>
@@ -24597,7 +24607,7 @@
               </a:rPr>
               <a:t>RUP</a:t>
             </a:r>
-            <a:endParaRPr lang="de-DE" sz="3600" b="0" strike="noStrike" spc="-1">
+            <a:endParaRPr lang="de-DE" sz="3600" b="0" strike="noStrike" spc="-1" dirty="0">
               <a:latin typeface="Arial"/>
             </a:endParaRPr>
           </a:p>
@@ -24605,25 +24615,32 @@
       </p:sp>
       <p:pic>
         <p:nvPicPr>
-          <p:cNvPr id="442" name="Content Placeholder 4"/>
-          <p:cNvPicPr/>
+          <p:cNvPr id="2" name="Grafik 1"/>
+          <p:cNvPicPr>
+            <a:picLocks noChangeAspect="1"/>
+          </p:cNvPicPr>
           <p:nvPr/>
         </p:nvPicPr>
         <p:blipFill>
-          <a:blip r:embed="rId3"/>
-          <a:stretch/>
+          <a:blip r:embed="rId3">
+            <a:extLst>
+              <a:ext uri="{28A0092B-C50C-407E-A947-70E740481C1C}">
+                <a14:useLocalDpi xmlns:a14="http://schemas.microsoft.com/office/drawing/2010/main" val="0"/>
+              </a:ext>
+            </a:extLst>
+          </a:blip>
+          <a:stretch>
+            <a:fillRect/>
+          </a:stretch>
         </p:blipFill>
         <p:spPr>
           <a:xfrm>
-            <a:off x="2507760" y="360000"/>
-            <a:ext cx="9683280" cy="6301800"/>
-          </a:xfrm>
-          <a:prstGeom prst="rect">
-            <a:avLst/>
-          </a:prstGeom>
-          <a:ln>
-            <a:noFill/>
-          </a:ln>
+            <a:off x="2863693" y="7527"/>
+            <a:ext cx="9329895" cy="6850473"/>
+          </a:xfrm>
+          <a:prstGeom prst="rect">
+            <a:avLst/>
+          </a:prstGeom>
         </p:spPr>
       </p:pic>
     </p:spTree>
@@ -24653,86 +24670,88 @@
       </p:grpSpPr>
       <p:sp>
         <p:nvSpPr>
-          <p:cNvPr id="443" name="CustomShape 1"/>
+          <p:cNvPr id="4" name="Rechteck 3"/>
           <p:cNvSpPr/>
           <p:nvPr/>
         </p:nvSpPr>
         <p:spPr>
           <a:xfrm>
-            <a:off x="1154880" y="973800"/>
-            <a:ext cx="8760240" cy="705240"/>
-          </a:xfrm>
-          <a:prstGeom prst="rect">
-            <a:avLst/>
-          </a:prstGeom>
-          <a:noFill/>
-          <a:ln>
-            <a:noFill/>
-          </a:ln>
-        </p:spPr>
-        <p:style>
-          <a:lnRef idx="0">
-            <a:scrgbClr r="0" g="0" b="0"/>
-          </a:lnRef>
-          <a:fillRef idx="0">
-            <a:scrgbClr r="0" g="0" b="0"/>
-          </a:fillRef>
-          <a:effectRef idx="0">
-            <a:scrgbClr r="0" g="0" b="0"/>
-          </a:effectRef>
-          <a:fontRef idx="minor"/>
-        </p:style>
-        <p:txBody>
-          <a:bodyPr lIns="90000" tIns="45000" rIns="90000" bIns="45000" anchor="ctr">
-            <a:noAutofit/>
-          </a:bodyPr>
-          <a:lstStyle/>
-          <a:p>
-            <a:pPr>
-              <a:lnSpc>
-                <a:spcPct val="100000"/>
-              </a:lnSpc>
-            </a:pPr>
-            <a:r>
-              <a:rPr lang="de-DE" sz="3600" b="0" strike="noStrike" spc="-1">
+            <a:off x="683012" y="596794"/>
+            <a:ext cx="4221027" cy="646331"/>
+          </a:xfrm>
+          <a:prstGeom prst="rect">
+            <a:avLst/>
+          </a:prstGeom>
+        </p:spPr>
+        <p:txBody>
+          <a:bodyPr wrap="none">
+            <a:spAutoFit/>
+          </a:bodyPr>
+          <a:lstStyle/>
+          <a:p>
+            <a:r>
+              <a:rPr lang="de-DE" sz="3600" dirty="0">
                 <a:solidFill>
-                  <a:srgbClr val="EBEBEB"/>
+                  <a:schemeClr val="bg1"/>
                 </a:solidFill>
-                <a:latin typeface="Century Gothic"/>
-                <a:ea typeface="DejaVu Sans"/>
-              </a:rPr>
-              <a:t>Burndown</a:t>
-            </a:r>
-            <a:endParaRPr lang="de-DE" sz="3600" b="0" strike="noStrike" spc="-1">
-              <a:latin typeface="Arial"/>
+                <a:latin typeface="Century Gothic" panose="020B0502020202020204" pitchFamily="34" charset="0"/>
+              </a:rPr>
+              <a:t>FP Time </a:t>
+            </a:r>
+            <a:r>
+              <a:rPr lang="de-DE" sz="3600" dirty="0" err="1">
+                <a:solidFill>
+                  <a:schemeClr val="bg1"/>
+                </a:solidFill>
+                <a:latin typeface="Century Gothic" panose="020B0502020202020204" pitchFamily="34" charset="0"/>
+              </a:rPr>
+              <a:t>Estimation</a:t>
+            </a:r>
+            <a:endParaRPr lang="de-DE" sz="3600" dirty="0">
+              <a:solidFill>
+                <a:schemeClr val="bg1"/>
+              </a:solidFill>
+              <a:latin typeface="Century Gothic" panose="020B0502020202020204" pitchFamily="34" charset="0"/>
             </a:endParaRPr>
           </a:p>
         </p:txBody>
       </p:sp>
       <p:pic>
         <p:nvPicPr>
-          <p:cNvPr id="444" name="Content Placeholder 4"/>
-          <p:cNvPicPr/>
+          <p:cNvPr id="5" name="Grafik 4"/>
+          <p:cNvPicPr>
+            <a:picLocks noChangeAspect="1"/>
+          </p:cNvPicPr>
           <p:nvPr/>
         </p:nvPicPr>
         <p:blipFill>
-          <a:blip r:embed="rId2"/>
-          <a:stretch/>
+          <a:blip r:embed="rId2">
+            <a:extLst>
+              <a:ext uri="{28A0092B-C50C-407E-A947-70E740481C1C}">
+                <a14:useLocalDpi xmlns:a14="http://schemas.microsoft.com/office/drawing/2010/main" val="0"/>
+              </a:ext>
+            </a:extLst>
+          </a:blip>
+          <a:stretch>
+            <a:fillRect/>
+          </a:stretch>
         </p:blipFill>
         <p:spPr>
           <a:xfrm>
-            <a:off x="1154880" y="1680480"/>
-            <a:ext cx="9243000" cy="5177160"/>
-          </a:xfrm>
-          <a:prstGeom prst="rect">
-            <a:avLst/>
-          </a:prstGeom>
-          <a:ln>
-            <a:noFill/>
-          </a:ln>
+            <a:off x="1910669" y="1493847"/>
+            <a:ext cx="8189669" cy="5260913"/>
+          </a:xfrm>
+          <a:prstGeom prst="rect">
+            <a:avLst/>
+          </a:prstGeom>
         </p:spPr>
       </p:pic>
     </p:spTree>
+    <p:extLst>
+      <p:ext uri="{BB962C8B-B14F-4D97-AF65-F5344CB8AC3E}">
+        <p14:creationId xmlns:p14="http://schemas.microsoft.com/office/powerpoint/2010/main" val="3069816378"/>
+      </p:ext>
+    </p:extLst>
   </p:cSld>
   <p:clrMapOvr>
     <a:masterClrMapping/>
@@ -24759,282 +24778,80 @@
       </p:grpSpPr>
       <p:sp>
         <p:nvSpPr>
-          <p:cNvPr id="445" name="CustomShape 1"/>
-          <p:cNvSpPr/>
+          <p:cNvPr id="4" name="Textfeld 3"/>
+          <p:cNvSpPr txBox="1"/>
           <p:nvPr/>
         </p:nvSpPr>
         <p:spPr>
           <a:xfrm>
-            <a:off x="1154880" y="2677680"/>
-            <a:ext cx="4349520" cy="2282040"/>
+            <a:off x="707922" y="693174"/>
+            <a:ext cx="2435282" cy="646331"/>
           </a:xfrm>
           <a:prstGeom prst="rect">
             <a:avLst/>
           </a:prstGeom>
           <a:noFill/>
-          <a:ln>
-            <a:noFill/>
-          </a:ln>
-        </p:spPr>
-        <p:style>
-          <a:lnRef idx="0">
-            <a:scrgbClr r="0" g="0" b="0"/>
-          </a:lnRef>
-          <a:fillRef idx="0">
-            <a:scrgbClr r="0" g="0" b="0"/>
-          </a:fillRef>
-          <a:effectRef idx="0">
-            <a:scrgbClr r="0" g="0" b="0"/>
-          </a:effectRef>
-          <a:fontRef idx="minor"/>
-        </p:style>
-        <p:txBody>
-          <a:bodyPr lIns="90000" tIns="45000" rIns="90000" bIns="45000" anchor="ctr">
-            <a:noAutofit/>
-          </a:bodyPr>
-          <a:lstStyle/>
-          <a:p>
-            <a:pPr>
-              <a:lnSpc>
-                <a:spcPct val="100000"/>
-              </a:lnSpc>
-            </a:pPr>
-            <a:r>
-              <a:rPr lang="de-DE" sz="4000" b="0" strike="noStrike" spc="-1">
+        </p:spPr>
+        <p:txBody>
+          <a:bodyPr wrap="none" rtlCol="0">
+            <a:spAutoFit/>
+          </a:bodyPr>
+          <a:lstStyle/>
+          <a:p>
+            <a:r>
+              <a:rPr lang="de-DE" sz="3600" dirty="0" err="1" smtClean="0">
                 <a:solidFill>
-                  <a:srgbClr val="EBEBEB"/>
+                  <a:schemeClr val="bg1"/>
                 </a:solidFill>
-                <a:latin typeface="Century Gothic"/>
-                <a:ea typeface="DejaVu Sans"/>
-              </a:rPr>
-              <a:t>Quality</a:t>
-            </a:r>
-            <a:endParaRPr lang="de-DE" sz="4000" b="0" strike="noStrike" spc="-1">
-              <a:latin typeface="Arial"/>
-            </a:endParaRPr>
-          </a:p>
-        </p:txBody>
-      </p:sp>
-      <p:sp>
-        <p:nvSpPr>
-          <p:cNvPr id="446" name="CustomShape 2"/>
-          <p:cNvSpPr/>
+                <a:latin typeface="Century Gothic" panose="020B0502020202020204" pitchFamily="34" charset="0"/>
+              </a:rPr>
+              <a:t>Burndown</a:t>
+            </a:r>
+            <a:endParaRPr lang="de-DE" sz="3600" dirty="0">
+              <a:solidFill>
+                <a:schemeClr val="bg1"/>
+              </a:solidFill>
+              <a:latin typeface="Century Gothic" panose="020B0502020202020204" pitchFamily="34" charset="0"/>
+            </a:endParaRPr>
+          </a:p>
+        </p:txBody>
+      </p:sp>
+      <p:pic>
+        <p:nvPicPr>
+          <p:cNvPr id="5" name="Grafik 4"/>
+          <p:cNvPicPr>
+            <a:picLocks noChangeAspect="1"/>
+          </p:cNvPicPr>
           <p:nvPr/>
-        </p:nvSpPr>
-        <p:spPr>
-          <a:xfrm>
-            <a:off x="6895800" y="2677680"/>
-            <a:ext cx="4407840" cy="2282040"/>
-          </a:xfrm>
-          <a:prstGeom prst="rect">
-            <a:avLst/>
-          </a:prstGeom>
-          <a:noFill/>
-          <a:ln>
-            <a:noFill/>
-          </a:ln>
-        </p:spPr>
-        <p:style>
-          <a:lnRef idx="0">
-            <a:scrgbClr r="0" g="0" b="0"/>
-          </a:lnRef>
-          <a:fillRef idx="0">
-            <a:scrgbClr r="0" g="0" b="0"/>
-          </a:fillRef>
-          <a:effectRef idx="0">
-            <a:scrgbClr r="0" g="0" b="0"/>
-          </a:effectRef>
-          <a:fontRef idx="minor"/>
-        </p:style>
-        <p:txBody>
-          <a:bodyPr lIns="90000" tIns="45000" rIns="90000" bIns="45000" anchor="ctr">
-            <a:noAutofit/>
-          </a:bodyPr>
-          <a:lstStyle/>
-          <a:p>
-            <a:pPr>
-              <a:lnSpc>
-                <a:spcPct val="100000"/>
-              </a:lnSpc>
-              <a:spcBef>
-                <a:spcPts val="1001"/>
-              </a:spcBef>
-            </a:pPr>
-            <a:r>
-              <a:rPr lang="de-DE" sz="2200" b="0" strike="noStrike" cap="all" spc="-1">
-                <a:solidFill>
-                  <a:srgbClr val="EF53A5"/>
-                </a:solidFill>
-                <a:latin typeface="Century Gothic"/>
-                <a:ea typeface="DejaVu Sans"/>
-              </a:rPr>
-              <a:t>Workflow</a:t>
-            </a:r>
-            <a:r>
-              <a:rPr lang="de-DE" sz="1400" b="0" strike="noStrike" cap="all" spc="-1">
-                <a:solidFill>
-                  <a:srgbClr val="EF53A5"/>
-                </a:solidFill>
-                <a:latin typeface="Century Gothic"/>
-                <a:ea typeface="DejaVu Sans"/>
-              </a:rPr>
-              <a:t>// Git, Youtrack, Sonar...</a:t>
-            </a:r>
-            <a:endParaRPr lang="de-DE" sz="1400" b="0" strike="noStrike" spc="-1">
-              <a:latin typeface="Arial"/>
-            </a:endParaRPr>
-          </a:p>
-          <a:p>
-            <a:pPr>
-              <a:lnSpc>
-                <a:spcPct val="100000"/>
-              </a:lnSpc>
-              <a:spcBef>
-                <a:spcPts val="1001"/>
-              </a:spcBef>
-            </a:pPr>
-            <a:r>
-              <a:rPr lang="de-DE" sz="2200" b="0" strike="noStrike" cap="all" spc="-1">
-                <a:solidFill>
-                  <a:srgbClr val="EF53A5"/>
-                </a:solidFill>
-                <a:latin typeface="Century Gothic"/>
-                <a:ea typeface="DejaVu Sans"/>
-              </a:rPr>
-              <a:t>Config</a:t>
-            </a:r>
-            <a:endParaRPr lang="de-DE" sz="2200" b="0" strike="noStrike" spc="-1">
-              <a:latin typeface="Arial"/>
-            </a:endParaRPr>
-          </a:p>
-          <a:p>
-            <a:pPr>
-              <a:lnSpc>
-                <a:spcPct val="100000"/>
-              </a:lnSpc>
-              <a:spcBef>
-                <a:spcPts val="1001"/>
-              </a:spcBef>
-            </a:pPr>
-            <a:r>
-              <a:rPr lang="de-DE" sz="2200" b="0" strike="noStrike" cap="all" spc="-1">
-                <a:solidFill>
-                  <a:srgbClr val="EF53A5"/>
-                </a:solidFill>
-                <a:latin typeface="Century Gothic"/>
-                <a:ea typeface="DejaVu Sans"/>
-              </a:rPr>
-              <a:t>Testing</a:t>
-            </a:r>
-            <a:endParaRPr lang="de-DE" sz="2200" b="0" strike="noStrike" spc="-1">
-              <a:latin typeface="Arial"/>
-            </a:endParaRPr>
-          </a:p>
-          <a:p>
-            <a:pPr>
-              <a:lnSpc>
-                <a:spcPct val="100000"/>
-              </a:lnSpc>
-              <a:spcBef>
-                <a:spcPts val="1001"/>
-              </a:spcBef>
-            </a:pPr>
-            <a:r>
-              <a:rPr lang="de-DE" sz="2200" b="0" strike="noStrike" cap="all" spc="-1">
-                <a:solidFill>
-                  <a:srgbClr val="EF53A5"/>
-                </a:solidFill>
-                <a:latin typeface="Century Gothic"/>
-                <a:ea typeface="DejaVu Sans"/>
-              </a:rPr>
-              <a:t>Automation</a:t>
-            </a:r>
-            <a:endParaRPr lang="de-DE" sz="2200" b="0" strike="noStrike" spc="-1">
-              <a:latin typeface="Arial"/>
-            </a:endParaRPr>
-          </a:p>
-          <a:p>
-            <a:pPr>
-              <a:lnSpc>
-                <a:spcPct val="100000"/>
-              </a:lnSpc>
-              <a:spcBef>
-                <a:spcPts val="1001"/>
-              </a:spcBef>
-            </a:pPr>
-            <a:r>
-              <a:rPr lang="de-DE" sz="2200" b="0" strike="noStrike" cap="all" spc="-1">
-                <a:solidFill>
-                  <a:srgbClr val="EF53A5"/>
-                </a:solidFill>
-                <a:latin typeface="Century Gothic"/>
-                <a:ea typeface="DejaVu Sans"/>
-              </a:rPr>
-              <a:t>Architecture</a:t>
-            </a:r>
-            <a:endParaRPr lang="de-DE" sz="2200" b="0" strike="noStrike" spc="-1">
-              <a:latin typeface="Arial"/>
-            </a:endParaRPr>
-          </a:p>
-          <a:p>
-            <a:pPr>
-              <a:lnSpc>
-                <a:spcPct val="100000"/>
-              </a:lnSpc>
-              <a:spcBef>
-                <a:spcPts val="1001"/>
-              </a:spcBef>
-            </a:pPr>
-            <a:r>
-              <a:rPr lang="de-DE" sz="2200" b="0" strike="noStrike" cap="all" spc="-1">
-                <a:solidFill>
-                  <a:srgbClr val="EF53A5"/>
-                </a:solidFill>
-                <a:latin typeface="Century Gothic"/>
-                <a:ea typeface="DejaVu Sans"/>
-              </a:rPr>
-              <a:t>Patterns</a:t>
-            </a:r>
-            <a:endParaRPr lang="de-DE" sz="2200" b="0" strike="noStrike" spc="-1">
-              <a:latin typeface="Arial"/>
-            </a:endParaRPr>
-          </a:p>
-          <a:p>
-            <a:pPr>
-              <a:lnSpc>
-                <a:spcPct val="100000"/>
-              </a:lnSpc>
-              <a:spcBef>
-                <a:spcPts val="1001"/>
-              </a:spcBef>
-            </a:pPr>
-            <a:r>
-              <a:rPr lang="de-DE" sz="2200" b="0" strike="noStrike" cap="all" spc="-1">
-                <a:solidFill>
-                  <a:srgbClr val="EF53A5"/>
-                </a:solidFill>
-                <a:latin typeface="Century Gothic"/>
-                <a:ea typeface="DejaVu Sans"/>
-              </a:rPr>
-              <a:t>Metrics</a:t>
-            </a:r>
-            <a:r>
-              <a:rPr lang="de-DE" sz="2000" b="0" strike="noStrike" cap="all" spc="-1">
-                <a:solidFill>
-                  <a:srgbClr val="EF53A5"/>
-                </a:solidFill>
-                <a:latin typeface="Century Gothic"/>
-                <a:ea typeface="DejaVu Sans"/>
-              </a:rPr>
-              <a:t> </a:t>
-            </a:r>
-            <a:endParaRPr lang="de-DE" sz="2000" b="0" strike="noStrike" spc="-1">
-              <a:latin typeface="Arial"/>
-            </a:endParaRPr>
-          </a:p>
-        </p:txBody>
-      </p:sp>
+        </p:nvPicPr>
+        <p:blipFill>
+          <a:blip r:embed="rId2">
+            <a:extLst>
+              <a:ext uri="{28A0092B-C50C-407E-A947-70E740481C1C}">
+                <a14:useLocalDpi xmlns:a14="http://schemas.microsoft.com/office/drawing/2010/main" val="0"/>
+              </a:ext>
+            </a:extLst>
+          </a:blip>
+          <a:stretch>
+            <a:fillRect/>
+          </a:stretch>
+        </p:blipFill>
+        <p:spPr>
+          <a:xfrm>
+            <a:off x="0" y="235974"/>
+            <a:ext cx="12237904" cy="6032090"/>
+          </a:xfrm>
+          <a:prstGeom prst="rect">
+            <a:avLst/>
+          </a:prstGeom>
+        </p:spPr>
+      </p:pic>
     </p:spTree>
+    <p:extLst>
+      <p:ext uri="{BB962C8B-B14F-4D97-AF65-F5344CB8AC3E}">
+        <p14:creationId xmlns:p14="http://schemas.microsoft.com/office/powerpoint/2010/main" val="1587493344"/>
+      </p:ext>
+    </p:extLst>
   </p:cSld>
   <p:clrMapOvr>
     <a:masterClrMapping/>
@@ -25061,14 +24878,14 @@
       </p:grpSpPr>
       <p:sp>
         <p:nvSpPr>
-          <p:cNvPr id="447" name="CustomShape 1"/>
+          <p:cNvPr id="445" name="CustomShape 1"/>
           <p:cNvSpPr/>
           <p:nvPr/>
         </p:nvSpPr>
         <p:spPr>
           <a:xfrm>
-            <a:off x="1154880" y="973800"/>
-            <a:ext cx="8760240" cy="705240"/>
+            <a:off x="1154880" y="2677680"/>
+            <a:ext cx="4349520" cy="2282040"/>
           </a:xfrm>
           <a:prstGeom prst="rect">
             <a:avLst/>
@@ -25102,31 +24919,31 @@
               </a:lnSpc>
             </a:pPr>
             <a:r>
-              <a:rPr lang="de-DE" sz="3600" b="0" strike="noStrike" spc="-1">
+              <a:rPr lang="de-DE" sz="4000" b="0" strike="noStrike" spc="-1">
                 <a:solidFill>
                   <a:srgbClr val="EBEBEB"/>
                 </a:solidFill>
                 <a:latin typeface="Century Gothic"/>
                 <a:ea typeface="DejaVu Sans"/>
               </a:rPr>
-              <a:t>Configuration</a:t>
-            </a:r>
-            <a:endParaRPr lang="de-DE" sz="3600" b="0" strike="noStrike" spc="-1">
-              <a:latin typeface="Arial"/>
-            </a:endParaRPr>
-          </a:p>
-        </p:txBody>
-      </p:sp>
-      <p:sp>
-        <p:nvSpPr>
-          <p:cNvPr id="448" name="CustomShape 2"/>
+              <a:t>Quality</a:t>
+            </a:r>
+            <a:endParaRPr lang="de-DE" sz="4000" b="0" strike="noStrike" spc="-1">
+              <a:latin typeface="Arial"/>
+            </a:endParaRPr>
+          </a:p>
+        </p:txBody>
+      </p:sp>
+      <p:sp>
+        <p:nvSpPr>
+          <p:cNvPr id="446" name="CustomShape 2"/>
           <p:cNvSpPr/>
           <p:nvPr/>
         </p:nvSpPr>
         <p:spPr>
           <a:xfrm>
-            <a:off x="1154880" y="2603520"/>
-            <a:ext cx="8824680" cy="3414600"/>
+            <a:off x="6895800" y="2677680"/>
+            <a:ext cx="4407840" cy="2282040"/>
           </a:xfrm>
           <a:prstGeom prst="rect">
             <a:avLst/>
@@ -25149,7 +24966,7 @@
           <a:fontRef idx="minor"/>
         </p:style>
         <p:txBody>
-          <a:bodyPr lIns="90000" tIns="45000" rIns="90000" bIns="45000">
+          <a:bodyPr lIns="90000" tIns="45000" rIns="90000" bIns="45000" anchor="ctr">
             <a:noAutofit/>
           </a:bodyPr>
           <a:lstStyle/>
@@ -25162,7 +24979,27 @@
                 <a:spcPts val="1001"/>
               </a:spcBef>
             </a:pPr>
-            <a:endParaRPr lang="de-DE" sz="1800" b="0" strike="noStrike" spc="-1">
+            <a:r>
+              <a:rPr lang="de-DE" sz="2200" b="0" strike="noStrike" cap="all" spc="-1">
+                <a:solidFill>
+                  <a:srgbClr val="EF53A5"/>
+                </a:solidFill>
+                <a:latin typeface="Century Gothic"/>
+                <a:ea typeface="DejaVu Sans"/>
+              </a:rPr>
+              <a:t>Workflow</a:t>
+            </a:r>
+            <a:r>
+              <a:rPr lang="de-DE" sz="1400" b="0" strike="noStrike" cap="all" spc="-1">
+                <a:solidFill>
+                  <a:srgbClr val="EF53A5"/>
+                </a:solidFill>
+                <a:latin typeface="Century Gothic"/>
+                <a:ea typeface="DejaVu Sans"/>
+              </a:rPr>
+              <a:t>// Git, Youtrack, Sonar...</a:t>
+            </a:r>
+            <a:endParaRPr lang="de-DE" sz="1400" b="0" strike="noStrike" spc="-1">
               <a:latin typeface="Arial"/>
             </a:endParaRPr>
           </a:p>
@@ -25175,7 +25012,142 @@
                 <a:spcPts val="1001"/>
               </a:spcBef>
             </a:pPr>
-            <a:endParaRPr lang="de-DE" sz="1800" b="0" strike="noStrike" spc="-1">
+            <a:r>
+              <a:rPr lang="de-DE" sz="2200" b="0" strike="noStrike" cap="all" spc="-1">
+                <a:solidFill>
+                  <a:srgbClr val="EF53A5"/>
+                </a:solidFill>
+                <a:latin typeface="Century Gothic"/>
+                <a:ea typeface="DejaVu Sans"/>
+              </a:rPr>
+              <a:t>Config</a:t>
+            </a:r>
+            <a:endParaRPr lang="de-DE" sz="2200" b="0" strike="noStrike" spc="-1">
+              <a:latin typeface="Arial"/>
+            </a:endParaRPr>
+          </a:p>
+          <a:p>
+            <a:pPr>
+              <a:lnSpc>
+                <a:spcPct val="100000"/>
+              </a:lnSpc>
+              <a:spcBef>
+                <a:spcPts val="1001"/>
+              </a:spcBef>
+            </a:pPr>
+            <a:r>
+              <a:rPr lang="de-DE" sz="2200" b="0" strike="noStrike" cap="all" spc="-1">
+                <a:solidFill>
+                  <a:srgbClr val="EF53A5"/>
+                </a:solidFill>
+                <a:latin typeface="Century Gothic"/>
+                <a:ea typeface="DejaVu Sans"/>
+              </a:rPr>
+              <a:t>Testing</a:t>
+            </a:r>
+            <a:endParaRPr lang="de-DE" sz="2200" b="0" strike="noStrike" spc="-1">
+              <a:latin typeface="Arial"/>
+            </a:endParaRPr>
+          </a:p>
+          <a:p>
+            <a:pPr>
+              <a:lnSpc>
+                <a:spcPct val="100000"/>
+              </a:lnSpc>
+              <a:spcBef>
+                <a:spcPts val="1001"/>
+              </a:spcBef>
+            </a:pPr>
+            <a:r>
+              <a:rPr lang="de-DE" sz="2200" b="0" strike="noStrike" cap="all" spc="-1">
+                <a:solidFill>
+                  <a:srgbClr val="EF53A5"/>
+                </a:solidFill>
+                <a:latin typeface="Century Gothic"/>
+                <a:ea typeface="DejaVu Sans"/>
+              </a:rPr>
+              <a:t>Automation</a:t>
+            </a:r>
+            <a:endParaRPr lang="de-DE" sz="2200" b="0" strike="noStrike" spc="-1">
+              <a:latin typeface="Arial"/>
+            </a:endParaRPr>
+          </a:p>
+          <a:p>
+            <a:pPr>
+              <a:lnSpc>
+                <a:spcPct val="100000"/>
+              </a:lnSpc>
+              <a:spcBef>
+                <a:spcPts val="1001"/>
+              </a:spcBef>
+            </a:pPr>
+            <a:r>
+              <a:rPr lang="de-DE" sz="2200" b="0" strike="noStrike" cap="all" spc="-1">
+                <a:solidFill>
+                  <a:srgbClr val="EF53A5"/>
+                </a:solidFill>
+                <a:latin typeface="Century Gothic"/>
+                <a:ea typeface="DejaVu Sans"/>
+              </a:rPr>
+              <a:t>Architecture</a:t>
+            </a:r>
+            <a:endParaRPr lang="de-DE" sz="2200" b="0" strike="noStrike" spc="-1">
+              <a:latin typeface="Arial"/>
+            </a:endParaRPr>
+          </a:p>
+          <a:p>
+            <a:pPr>
+              <a:lnSpc>
+                <a:spcPct val="100000"/>
+              </a:lnSpc>
+              <a:spcBef>
+                <a:spcPts val="1001"/>
+              </a:spcBef>
+            </a:pPr>
+            <a:r>
+              <a:rPr lang="de-DE" sz="2200" b="0" strike="noStrike" cap="all" spc="-1">
+                <a:solidFill>
+                  <a:srgbClr val="EF53A5"/>
+                </a:solidFill>
+                <a:latin typeface="Century Gothic"/>
+                <a:ea typeface="DejaVu Sans"/>
+              </a:rPr>
+              <a:t>Patterns</a:t>
+            </a:r>
+            <a:endParaRPr lang="de-DE" sz="2200" b="0" strike="noStrike" spc="-1">
+              <a:latin typeface="Arial"/>
+            </a:endParaRPr>
+          </a:p>
+          <a:p>
+            <a:pPr>
+              <a:lnSpc>
+                <a:spcPct val="100000"/>
+              </a:lnSpc>
+              <a:spcBef>
+                <a:spcPts val="1001"/>
+              </a:spcBef>
+            </a:pPr>
+            <a:r>
+              <a:rPr lang="de-DE" sz="2200" b="0" strike="noStrike" cap="all" spc="-1">
+                <a:solidFill>
+                  <a:srgbClr val="EF53A5"/>
+                </a:solidFill>
+                <a:latin typeface="Century Gothic"/>
+                <a:ea typeface="DejaVu Sans"/>
+              </a:rPr>
+              <a:t>Metrics</a:t>
+            </a:r>
+            <a:r>
+              <a:rPr lang="de-DE" sz="2000" b="0" strike="noStrike" cap="all" spc="-1">
+                <a:solidFill>
+                  <a:srgbClr val="EF53A5"/>
+                </a:solidFill>
+                <a:latin typeface="Century Gothic"/>
+                <a:ea typeface="DejaVu Sans"/>
+              </a:rPr>
+              <a:t> </a:t>
+            </a:r>
+            <a:endParaRPr lang="de-DE" sz="2000" b="0" strike="noStrike" spc="-1">
               <a:latin typeface="Arial"/>
             </a:endParaRPr>
           </a:p>
@@ -25208,7 +25180,7 @@
       </p:grpSpPr>
       <p:sp>
         <p:nvSpPr>
-          <p:cNvPr id="449" name="CustomShape 1"/>
+          <p:cNvPr id="447" name="CustomShape 1"/>
           <p:cNvSpPr/>
           <p:nvPr/>
         </p:nvSpPr>
@@ -25256,7 +25228,7 @@
                 <a:latin typeface="Century Gothic"/>
                 <a:ea typeface="DejaVu Sans"/>
               </a:rPr>
-              <a:t>Testing</a:t>
+              <a:t>Configuration</a:t>
             </a:r>
             <a:endParaRPr lang="de-DE" sz="3600" b="0" strike="noStrike" spc="-1">
               <a:latin typeface="Arial"/>
@@ -25266,7 +25238,7 @@
       </p:sp>
       <p:sp>
         <p:nvSpPr>
-          <p:cNvPr id="450" name="CustomShape 2"/>
+          <p:cNvPr id="448" name="CustomShape 2"/>
           <p:cNvSpPr/>
           <p:nvPr/>
         </p:nvSpPr>
@@ -25309,517 +25281,6 @@
                 <a:spcPts val="1001"/>
               </a:spcBef>
             </a:pPr>
-            <a:endParaRPr lang="de-DE" sz="1800" b="0" strike="noStrike" spc="-1">
-              <a:latin typeface="Arial"/>
-            </a:endParaRPr>
-          </a:p>
-          <a:p>
-            <a:pPr>
-              <a:lnSpc>
-                <a:spcPct val="100000"/>
-              </a:lnSpc>
-              <a:spcBef>
-                <a:spcPts val="1001"/>
-              </a:spcBef>
-            </a:pPr>
-            <a:endParaRPr lang="de-DE" sz="1800" b="0" strike="noStrike" spc="-1">
-              <a:latin typeface="Arial"/>
-            </a:endParaRPr>
-          </a:p>
-        </p:txBody>
-      </p:sp>
-      <p:sp>
-        <p:nvSpPr>
-          <p:cNvPr id="451" name="CustomShape 3"/>
-          <p:cNvSpPr/>
-          <p:nvPr/>
-        </p:nvSpPr>
-        <p:spPr>
-          <a:xfrm>
-            <a:off x="6408360" y="2603520"/>
-            <a:ext cx="4823640" cy="574560"/>
-          </a:xfrm>
-          <a:prstGeom prst="rect">
-            <a:avLst/>
-          </a:prstGeom>
-          <a:noFill/>
-          <a:ln>
-            <a:noFill/>
-          </a:ln>
-        </p:spPr>
-        <p:style>
-          <a:lnRef idx="0">
-            <a:scrgbClr r="0" g="0" b="0"/>
-          </a:lnRef>
-          <a:fillRef idx="0">
-            <a:scrgbClr r="0" g="0" b="0"/>
-          </a:fillRef>
-          <a:effectRef idx="0">
-            <a:scrgbClr r="0" g="0" b="0"/>
-          </a:effectRef>
-          <a:fontRef idx="minor"/>
-        </p:style>
-        <p:txBody>
-          <a:bodyPr lIns="90000" tIns="45000" rIns="90000" bIns="45000" anchor="b">
-            <a:noAutofit/>
-          </a:bodyPr>
-          <a:lstStyle/>
-          <a:p>
-            <a:pPr>
-              <a:lnSpc>
-                <a:spcPct val="100000"/>
-              </a:lnSpc>
-              <a:spcBef>
-                <a:spcPts val="1001"/>
-              </a:spcBef>
-            </a:pPr>
-            <a:r>
-              <a:rPr lang="de-DE" sz="2400" b="0" u="sng" strike="noStrike" spc="-1">
-                <a:solidFill>
-                  <a:srgbClr val="B31166"/>
-                </a:solidFill>
-                <a:uFillTx/>
-                <a:latin typeface="Century Gothic"/>
-                <a:ea typeface="DejaVu Sans"/>
-              </a:rPr>
-              <a:t>Functional Testing</a:t>
-            </a:r>
-            <a:endParaRPr lang="de-DE" sz="2400" b="0" strike="noStrike" spc="-1">
-              <a:latin typeface="Arial"/>
-            </a:endParaRPr>
-          </a:p>
-        </p:txBody>
-      </p:sp>
-      <p:sp>
-        <p:nvSpPr>
-          <p:cNvPr id="452" name="CustomShape 4"/>
-          <p:cNvSpPr/>
-          <p:nvPr/>
-        </p:nvSpPr>
-        <p:spPr>
-          <a:xfrm>
-            <a:off x="1154880" y="2592720"/>
-            <a:ext cx="4823640" cy="574560"/>
-          </a:xfrm>
-          <a:prstGeom prst="rect">
-            <a:avLst/>
-          </a:prstGeom>
-          <a:noFill/>
-          <a:ln>
-            <a:noFill/>
-          </a:ln>
-        </p:spPr>
-        <p:style>
-          <a:lnRef idx="0">
-            <a:scrgbClr r="0" g="0" b="0"/>
-          </a:lnRef>
-          <a:fillRef idx="0">
-            <a:scrgbClr r="0" g="0" b="0"/>
-          </a:fillRef>
-          <a:effectRef idx="0">
-            <a:scrgbClr r="0" g="0" b="0"/>
-          </a:effectRef>
-          <a:fontRef idx="minor"/>
-        </p:style>
-        <p:txBody>
-          <a:bodyPr lIns="90000" tIns="45000" rIns="90000" bIns="45000" anchor="b">
-            <a:noAutofit/>
-          </a:bodyPr>
-          <a:lstStyle/>
-          <a:p>
-            <a:pPr>
-              <a:lnSpc>
-                <a:spcPct val="100000"/>
-              </a:lnSpc>
-              <a:spcBef>
-                <a:spcPts val="1001"/>
-              </a:spcBef>
-            </a:pPr>
-            <a:r>
-              <a:rPr lang="de-DE" sz="2400" b="0" u="sng" strike="noStrike" spc="-1">
-                <a:solidFill>
-                  <a:srgbClr val="B31166"/>
-                </a:solidFill>
-                <a:uFillTx/>
-                <a:latin typeface="Century Gothic"/>
-                <a:ea typeface="DejaVu Sans"/>
-              </a:rPr>
-              <a:t>Unit Testing</a:t>
-            </a:r>
-            <a:endParaRPr lang="de-DE" sz="2400" b="0" strike="noStrike" spc="-1">
-              <a:latin typeface="Arial"/>
-            </a:endParaRPr>
-          </a:p>
-        </p:txBody>
-      </p:sp>
-      <p:sp>
-        <p:nvSpPr>
-          <p:cNvPr id="453" name="CustomShape 5"/>
-          <p:cNvSpPr/>
-          <p:nvPr/>
-        </p:nvSpPr>
-        <p:spPr>
-          <a:xfrm>
-            <a:off x="1154880" y="4320000"/>
-            <a:ext cx="4823640" cy="574560"/>
-          </a:xfrm>
-          <a:prstGeom prst="rect">
-            <a:avLst/>
-          </a:prstGeom>
-          <a:noFill/>
-          <a:ln>
-            <a:noFill/>
-          </a:ln>
-        </p:spPr>
-        <p:style>
-          <a:lnRef idx="0">
-            <a:scrgbClr r="0" g="0" b="0"/>
-          </a:lnRef>
-          <a:fillRef idx="0">
-            <a:scrgbClr r="0" g="0" b="0"/>
-          </a:fillRef>
-          <a:effectRef idx="0">
-            <a:scrgbClr r="0" g="0" b="0"/>
-          </a:effectRef>
-          <a:fontRef idx="minor"/>
-        </p:style>
-        <p:txBody>
-          <a:bodyPr lIns="90000" tIns="45000" rIns="90000" bIns="45000" anchor="b">
-            <a:noAutofit/>
-          </a:bodyPr>
-          <a:lstStyle/>
-          <a:p>
-            <a:pPr>
-              <a:lnSpc>
-                <a:spcPct val="100000"/>
-              </a:lnSpc>
-              <a:spcBef>
-                <a:spcPts val="1001"/>
-              </a:spcBef>
-            </a:pPr>
-            <a:r>
-              <a:rPr lang="de-DE" sz="2400" b="0" u="sng" strike="noStrike" spc="-1">
-                <a:solidFill>
-                  <a:srgbClr val="B31166"/>
-                </a:solidFill>
-                <a:uFillTx/>
-                <a:latin typeface="Century Gothic"/>
-                <a:ea typeface="DejaVu Sans"/>
-              </a:rPr>
-              <a:t>User Testing</a:t>
-            </a:r>
-            <a:endParaRPr lang="de-DE" sz="2400" b="0" strike="noStrike" spc="-1">
-              <a:latin typeface="Arial"/>
-            </a:endParaRPr>
-          </a:p>
-        </p:txBody>
-      </p:sp>
-      <p:pic>
-        <p:nvPicPr>
-          <p:cNvPr id="454" name="Picture 453"/>
-          <p:cNvPicPr/>
-          <p:nvPr/>
-        </p:nvPicPr>
-        <p:blipFill>
-          <a:blip r:embed="rId2"/>
-          <a:stretch/>
-        </p:blipFill>
-        <p:spPr>
-          <a:xfrm>
-            <a:off x="9072720" y="2438280"/>
-            <a:ext cx="2090880" cy="729000"/>
-          </a:xfrm>
-          <a:prstGeom prst="rect">
-            <a:avLst/>
-          </a:prstGeom>
-          <a:ln>
-            <a:noFill/>
-          </a:ln>
-        </p:spPr>
-      </p:pic>
-      <p:pic>
-        <p:nvPicPr>
-          <p:cNvPr id="455" name="Picture 454"/>
-          <p:cNvPicPr/>
-          <p:nvPr/>
-        </p:nvPicPr>
-        <p:blipFill>
-          <a:blip r:embed="rId3"/>
-          <a:stretch/>
-        </p:blipFill>
-        <p:spPr>
-          <a:xfrm>
-            <a:off x="3024000" y="2329200"/>
-            <a:ext cx="1007280" cy="830160"/>
-          </a:xfrm>
-          <a:prstGeom prst="rect">
-            <a:avLst/>
-          </a:prstGeom>
-          <a:ln>
-            <a:noFill/>
-          </a:ln>
-        </p:spPr>
-      </p:pic>
-      <p:sp>
-        <p:nvSpPr>
-          <p:cNvPr id="456" name="CustomShape 6"/>
-          <p:cNvSpPr/>
-          <p:nvPr/>
-        </p:nvSpPr>
-        <p:spPr>
-          <a:xfrm>
-            <a:off x="1154880" y="2808000"/>
-            <a:ext cx="4823640" cy="2838240"/>
-          </a:xfrm>
-          <a:prstGeom prst="rect">
-            <a:avLst/>
-          </a:prstGeom>
-          <a:noFill/>
-          <a:ln>
-            <a:noFill/>
-          </a:ln>
-        </p:spPr>
-        <p:style>
-          <a:lnRef idx="0">
-            <a:scrgbClr r="0" g="0" b="0"/>
-          </a:lnRef>
-          <a:fillRef idx="0">
-            <a:scrgbClr r="0" g="0" b="0"/>
-          </a:fillRef>
-          <a:effectRef idx="0">
-            <a:scrgbClr r="0" g="0" b="0"/>
-          </a:effectRef>
-          <a:fontRef idx="minor"/>
-        </p:style>
-        <p:txBody>
-          <a:bodyPr lIns="90000" tIns="45000" rIns="90000" bIns="45000">
-            <a:noAutofit/>
-          </a:bodyPr>
-          <a:lstStyle/>
-          <a:p>
-            <a:pPr>
-              <a:lnSpc>
-                <a:spcPct val="100000"/>
-              </a:lnSpc>
-              <a:spcBef>
-                <a:spcPts val="1001"/>
-              </a:spcBef>
-            </a:pPr>
-            <a:endParaRPr lang="de-DE" sz="1800" b="0" strike="noStrike" spc="-1">
-              <a:latin typeface="Arial"/>
-            </a:endParaRPr>
-          </a:p>
-          <a:p>
-            <a:pPr marL="343080" indent="-341280">
-              <a:lnSpc>
-                <a:spcPct val="100000"/>
-              </a:lnSpc>
-              <a:spcBef>
-                <a:spcPts val="1001"/>
-              </a:spcBef>
-              <a:buClr>
-                <a:srgbClr val="B31166"/>
-              </a:buClr>
-              <a:buSzPct val="80000"/>
-              <a:buFont typeface="Wingdings 3" charset="2"/>
-              <a:buChar char=""/>
-            </a:pPr>
-            <a:r>
-              <a:rPr lang="de-DE" sz="1800" b="0" strike="noStrike" spc="-1">
-                <a:solidFill>
-                  <a:srgbClr val="404040"/>
-                </a:solidFill>
-                <a:latin typeface="Century Gothic"/>
-                <a:ea typeface="DejaVu Sans"/>
-              </a:rPr>
-              <a:t>Testing the functionality of individual functions</a:t>
-            </a:r>
-            <a:endParaRPr lang="de-DE" sz="1800" b="0" strike="noStrike" spc="-1">
-              <a:latin typeface="Arial"/>
-            </a:endParaRPr>
-          </a:p>
-          <a:p>
-            <a:pPr>
-              <a:lnSpc>
-                <a:spcPct val="100000"/>
-              </a:lnSpc>
-              <a:spcBef>
-                <a:spcPts val="1001"/>
-              </a:spcBef>
-            </a:pPr>
-            <a:endParaRPr lang="de-DE" sz="1800" b="0" strike="noStrike" spc="-1">
-              <a:latin typeface="Arial"/>
-            </a:endParaRPr>
-          </a:p>
-        </p:txBody>
-      </p:sp>
-      <p:sp>
-        <p:nvSpPr>
-          <p:cNvPr id="457" name="CustomShape 7"/>
-          <p:cNvSpPr/>
-          <p:nvPr/>
-        </p:nvSpPr>
-        <p:spPr>
-          <a:xfrm>
-            <a:off x="6408360" y="2808000"/>
-            <a:ext cx="4823640" cy="2838240"/>
-          </a:xfrm>
-          <a:prstGeom prst="rect">
-            <a:avLst/>
-          </a:prstGeom>
-          <a:noFill/>
-          <a:ln>
-            <a:noFill/>
-          </a:ln>
-        </p:spPr>
-        <p:style>
-          <a:lnRef idx="0">
-            <a:scrgbClr r="0" g="0" b="0"/>
-          </a:lnRef>
-          <a:fillRef idx="0">
-            <a:scrgbClr r="0" g="0" b="0"/>
-          </a:fillRef>
-          <a:effectRef idx="0">
-            <a:scrgbClr r="0" g="0" b="0"/>
-          </a:effectRef>
-          <a:fontRef idx="minor"/>
-        </p:style>
-        <p:txBody>
-          <a:bodyPr lIns="90000" tIns="45000" rIns="90000" bIns="45000">
-            <a:noAutofit/>
-          </a:bodyPr>
-          <a:lstStyle/>
-          <a:p>
-            <a:pPr>
-              <a:lnSpc>
-                <a:spcPct val="100000"/>
-              </a:lnSpc>
-              <a:spcBef>
-                <a:spcPts val="1001"/>
-              </a:spcBef>
-            </a:pPr>
-            <a:endParaRPr lang="de-DE" sz="1800" b="0" strike="noStrike" spc="-1">
-              <a:latin typeface="Arial"/>
-            </a:endParaRPr>
-          </a:p>
-          <a:p>
-            <a:pPr marL="343080" indent="-341280">
-              <a:lnSpc>
-                <a:spcPct val="100000"/>
-              </a:lnSpc>
-              <a:spcBef>
-                <a:spcPts val="1001"/>
-              </a:spcBef>
-              <a:buClr>
-                <a:srgbClr val="B31166"/>
-              </a:buClr>
-              <a:buSzPct val="80000"/>
-              <a:buFont typeface="Wingdings 3" charset="2"/>
-              <a:buChar char=""/>
-            </a:pPr>
-            <a:r>
-              <a:rPr lang="de-DE" sz="1800" b="0" strike="noStrike" spc="-1">
-                <a:solidFill>
-                  <a:srgbClr val="404040"/>
-                </a:solidFill>
-                <a:latin typeface="Century Gothic"/>
-                <a:ea typeface="DejaVu Sans"/>
-              </a:rPr>
-              <a:t>Testing a complete functionality of the application</a:t>
-            </a:r>
-            <a:endParaRPr lang="de-DE" sz="1800" b="0" strike="noStrike" spc="-1">
-              <a:latin typeface="Arial"/>
-            </a:endParaRPr>
-          </a:p>
-          <a:p>
-            <a:pPr>
-              <a:lnSpc>
-                <a:spcPct val="100000"/>
-              </a:lnSpc>
-              <a:spcBef>
-                <a:spcPts val="1001"/>
-              </a:spcBef>
-            </a:pPr>
-            <a:endParaRPr lang="de-DE" sz="1800" b="0" strike="noStrike" spc="-1">
-              <a:latin typeface="Arial"/>
-            </a:endParaRPr>
-          </a:p>
-        </p:txBody>
-      </p:sp>
-      <p:sp>
-        <p:nvSpPr>
-          <p:cNvPr id="458" name="CustomShape 8"/>
-          <p:cNvSpPr/>
-          <p:nvPr/>
-        </p:nvSpPr>
-        <p:spPr>
-          <a:xfrm>
-            <a:off x="1154880" y="4536000"/>
-            <a:ext cx="4823640" cy="2838240"/>
-          </a:xfrm>
-          <a:prstGeom prst="rect">
-            <a:avLst/>
-          </a:prstGeom>
-          <a:noFill/>
-          <a:ln>
-            <a:noFill/>
-          </a:ln>
-        </p:spPr>
-        <p:style>
-          <a:lnRef idx="0">
-            <a:scrgbClr r="0" g="0" b="0"/>
-          </a:lnRef>
-          <a:fillRef idx="0">
-            <a:scrgbClr r="0" g="0" b="0"/>
-          </a:fillRef>
-          <a:effectRef idx="0">
-            <a:scrgbClr r="0" g="0" b="0"/>
-          </a:effectRef>
-          <a:fontRef idx="minor"/>
-        </p:style>
-        <p:txBody>
-          <a:bodyPr lIns="90000" tIns="45000" rIns="90000" bIns="45000">
-            <a:noAutofit/>
-          </a:bodyPr>
-          <a:lstStyle/>
-          <a:p>
-            <a:pPr>
-              <a:lnSpc>
-                <a:spcPct val="100000"/>
-              </a:lnSpc>
-              <a:spcBef>
-                <a:spcPts val="1001"/>
-              </a:spcBef>
-            </a:pPr>
-            <a:endParaRPr lang="de-DE" sz="1800" b="0" strike="noStrike" spc="-1">
-              <a:latin typeface="Arial"/>
-            </a:endParaRPr>
-          </a:p>
-          <a:p>
-            <a:pPr marL="343080" indent="-341280">
-              <a:lnSpc>
-                <a:spcPct val="100000"/>
-              </a:lnSpc>
-              <a:spcBef>
-                <a:spcPts val="1001"/>
-              </a:spcBef>
-              <a:buClr>
-                <a:srgbClr val="B31166"/>
-              </a:buClr>
-              <a:buSzPct val="80000"/>
-              <a:buFont typeface="Wingdings 3" charset="2"/>
-              <a:buChar char=""/>
-            </a:pPr>
-            <a:r>
-              <a:rPr lang="de-DE" sz="1800" b="0" strike="noStrike" spc="-1">
-                <a:solidFill>
-                  <a:srgbClr val="404040"/>
-                </a:solidFill>
-                <a:latin typeface="Century Gothic"/>
-                <a:ea typeface="DejaVu Sans"/>
-              </a:rPr>
-              <a:t>Testing the usability</a:t>
-            </a:r>
             <a:endParaRPr lang="de-DE" sz="1800" b="0" strike="noStrike" spc="-1">
               <a:latin typeface="Arial"/>
             </a:endParaRPr>
@@ -25866,6 +25327,664 @@
       </p:grpSpPr>
       <p:sp>
         <p:nvSpPr>
+          <p:cNvPr id="449" name="CustomShape 1"/>
+          <p:cNvSpPr/>
+          <p:nvPr/>
+        </p:nvSpPr>
+        <p:spPr>
+          <a:xfrm>
+            <a:off x="1154880" y="973800"/>
+            <a:ext cx="8760240" cy="705240"/>
+          </a:xfrm>
+          <a:prstGeom prst="rect">
+            <a:avLst/>
+          </a:prstGeom>
+          <a:noFill/>
+          <a:ln>
+            <a:noFill/>
+          </a:ln>
+        </p:spPr>
+        <p:style>
+          <a:lnRef idx="0">
+            <a:scrgbClr r="0" g="0" b="0"/>
+          </a:lnRef>
+          <a:fillRef idx="0">
+            <a:scrgbClr r="0" g="0" b="0"/>
+          </a:fillRef>
+          <a:effectRef idx="0">
+            <a:scrgbClr r="0" g="0" b="0"/>
+          </a:effectRef>
+          <a:fontRef idx="minor"/>
+        </p:style>
+        <p:txBody>
+          <a:bodyPr lIns="90000" tIns="45000" rIns="90000" bIns="45000" anchor="ctr">
+            <a:noAutofit/>
+          </a:bodyPr>
+          <a:lstStyle/>
+          <a:p>
+            <a:pPr>
+              <a:lnSpc>
+                <a:spcPct val="100000"/>
+              </a:lnSpc>
+            </a:pPr>
+            <a:r>
+              <a:rPr lang="de-DE" sz="3600" b="0" strike="noStrike" spc="-1">
+                <a:solidFill>
+                  <a:srgbClr val="EBEBEB"/>
+                </a:solidFill>
+                <a:latin typeface="Century Gothic"/>
+                <a:ea typeface="DejaVu Sans"/>
+              </a:rPr>
+              <a:t>Testing</a:t>
+            </a:r>
+            <a:endParaRPr lang="de-DE" sz="3600" b="0" strike="noStrike" spc="-1">
+              <a:latin typeface="Arial"/>
+            </a:endParaRPr>
+          </a:p>
+        </p:txBody>
+      </p:sp>
+      <p:sp>
+        <p:nvSpPr>
+          <p:cNvPr id="450" name="CustomShape 2"/>
+          <p:cNvSpPr/>
+          <p:nvPr/>
+        </p:nvSpPr>
+        <p:spPr>
+          <a:xfrm>
+            <a:off x="1154880" y="2603520"/>
+            <a:ext cx="8824680" cy="3414600"/>
+          </a:xfrm>
+          <a:prstGeom prst="rect">
+            <a:avLst/>
+          </a:prstGeom>
+          <a:noFill/>
+          <a:ln>
+            <a:noFill/>
+          </a:ln>
+        </p:spPr>
+        <p:style>
+          <a:lnRef idx="0">
+            <a:scrgbClr r="0" g="0" b="0"/>
+          </a:lnRef>
+          <a:fillRef idx="0">
+            <a:scrgbClr r="0" g="0" b="0"/>
+          </a:fillRef>
+          <a:effectRef idx="0">
+            <a:scrgbClr r="0" g="0" b="0"/>
+          </a:effectRef>
+          <a:fontRef idx="minor"/>
+        </p:style>
+        <p:txBody>
+          <a:bodyPr lIns="90000" tIns="45000" rIns="90000" bIns="45000">
+            <a:noAutofit/>
+          </a:bodyPr>
+          <a:lstStyle/>
+          <a:p>
+            <a:pPr>
+              <a:lnSpc>
+                <a:spcPct val="100000"/>
+              </a:lnSpc>
+              <a:spcBef>
+                <a:spcPts val="1001"/>
+              </a:spcBef>
+            </a:pPr>
+            <a:endParaRPr lang="de-DE" sz="1800" b="0" strike="noStrike" spc="-1">
+              <a:latin typeface="Arial"/>
+            </a:endParaRPr>
+          </a:p>
+          <a:p>
+            <a:pPr>
+              <a:lnSpc>
+                <a:spcPct val="100000"/>
+              </a:lnSpc>
+              <a:spcBef>
+                <a:spcPts val="1001"/>
+              </a:spcBef>
+            </a:pPr>
+            <a:endParaRPr lang="de-DE" sz="1800" b="0" strike="noStrike" spc="-1">
+              <a:latin typeface="Arial"/>
+            </a:endParaRPr>
+          </a:p>
+        </p:txBody>
+      </p:sp>
+      <p:sp>
+        <p:nvSpPr>
+          <p:cNvPr id="451" name="CustomShape 3"/>
+          <p:cNvSpPr/>
+          <p:nvPr/>
+        </p:nvSpPr>
+        <p:spPr>
+          <a:xfrm>
+            <a:off x="6408360" y="2603520"/>
+            <a:ext cx="4823640" cy="574560"/>
+          </a:xfrm>
+          <a:prstGeom prst="rect">
+            <a:avLst/>
+          </a:prstGeom>
+          <a:noFill/>
+          <a:ln>
+            <a:noFill/>
+          </a:ln>
+        </p:spPr>
+        <p:style>
+          <a:lnRef idx="0">
+            <a:scrgbClr r="0" g="0" b="0"/>
+          </a:lnRef>
+          <a:fillRef idx="0">
+            <a:scrgbClr r="0" g="0" b="0"/>
+          </a:fillRef>
+          <a:effectRef idx="0">
+            <a:scrgbClr r="0" g="0" b="0"/>
+          </a:effectRef>
+          <a:fontRef idx="minor"/>
+        </p:style>
+        <p:txBody>
+          <a:bodyPr lIns="90000" tIns="45000" rIns="90000" bIns="45000" anchor="b">
+            <a:noAutofit/>
+          </a:bodyPr>
+          <a:lstStyle/>
+          <a:p>
+            <a:pPr>
+              <a:lnSpc>
+                <a:spcPct val="100000"/>
+              </a:lnSpc>
+              <a:spcBef>
+                <a:spcPts val="1001"/>
+              </a:spcBef>
+            </a:pPr>
+            <a:r>
+              <a:rPr lang="de-DE" sz="2400" b="0" u="sng" strike="noStrike" spc="-1">
+                <a:solidFill>
+                  <a:srgbClr val="B31166"/>
+                </a:solidFill>
+                <a:uFillTx/>
+                <a:latin typeface="Century Gothic"/>
+                <a:ea typeface="DejaVu Sans"/>
+              </a:rPr>
+              <a:t>Functional Testing</a:t>
+            </a:r>
+            <a:endParaRPr lang="de-DE" sz="2400" b="0" strike="noStrike" spc="-1">
+              <a:latin typeface="Arial"/>
+            </a:endParaRPr>
+          </a:p>
+        </p:txBody>
+      </p:sp>
+      <p:sp>
+        <p:nvSpPr>
+          <p:cNvPr id="452" name="CustomShape 4"/>
+          <p:cNvSpPr/>
+          <p:nvPr/>
+        </p:nvSpPr>
+        <p:spPr>
+          <a:xfrm>
+            <a:off x="1154880" y="2592720"/>
+            <a:ext cx="4823640" cy="574560"/>
+          </a:xfrm>
+          <a:prstGeom prst="rect">
+            <a:avLst/>
+          </a:prstGeom>
+          <a:noFill/>
+          <a:ln>
+            <a:noFill/>
+          </a:ln>
+        </p:spPr>
+        <p:style>
+          <a:lnRef idx="0">
+            <a:scrgbClr r="0" g="0" b="0"/>
+          </a:lnRef>
+          <a:fillRef idx="0">
+            <a:scrgbClr r="0" g="0" b="0"/>
+          </a:fillRef>
+          <a:effectRef idx="0">
+            <a:scrgbClr r="0" g="0" b="0"/>
+          </a:effectRef>
+          <a:fontRef idx="minor"/>
+        </p:style>
+        <p:txBody>
+          <a:bodyPr lIns="90000" tIns="45000" rIns="90000" bIns="45000" anchor="b">
+            <a:noAutofit/>
+          </a:bodyPr>
+          <a:lstStyle/>
+          <a:p>
+            <a:pPr>
+              <a:lnSpc>
+                <a:spcPct val="100000"/>
+              </a:lnSpc>
+              <a:spcBef>
+                <a:spcPts val="1001"/>
+              </a:spcBef>
+            </a:pPr>
+            <a:r>
+              <a:rPr lang="de-DE" sz="2400" b="0" u="sng" strike="noStrike" spc="-1">
+                <a:solidFill>
+                  <a:srgbClr val="B31166"/>
+                </a:solidFill>
+                <a:uFillTx/>
+                <a:latin typeface="Century Gothic"/>
+                <a:ea typeface="DejaVu Sans"/>
+              </a:rPr>
+              <a:t>Unit Testing</a:t>
+            </a:r>
+            <a:endParaRPr lang="de-DE" sz="2400" b="0" strike="noStrike" spc="-1">
+              <a:latin typeface="Arial"/>
+            </a:endParaRPr>
+          </a:p>
+        </p:txBody>
+      </p:sp>
+      <p:sp>
+        <p:nvSpPr>
+          <p:cNvPr id="453" name="CustomShape 5"/>
+          <p:cNvSpPr/>
+          <p:nvPr/>
+        </p:nvSpPr>
+        <p:spPr>
+          <a:xfrm>
+            <a:off x="1154880" y="4320000"/>
+            <a:ext cx="4823640" cy="574560"/>
+          </a:xfrm>
+          <a:prstGeom prst="rect">
+            <a:avLst/>
+          </a:prstGeom>
+          <a:noFill/>
+          <a:ln>
+            <a:noFill/>
+          </a:ln>
+        </p:spPr>
+        <p:style>
+          <a:lnRef idx="0">
+            <a:scrgbClr r="0" g="0" b="0"/>
+          </a:lnRef>
+          <a:fillRef idx="0">
+            <a:scrgbClr r="0" g="0" b="0"/>
+          </a:fillRef>
+          <a:effectRef idx="0">
+            <a:scrgbClr r="0" g="0" b="0"/>
+          </a:effectRef>
+          <a:fontRef idx="minor"/>
+        </p:style>
+        <p:txBody>
+          <a:bodyPr lIns="90000" tIns="45000" rIns="90000" bIns="45000" anchor="b">
+            <a:noAutofit/>
+          </a:bodyPr>
+          <a:lstStyle/>
+          <a:p>
+            <a:pPr>
+              <a:lnSpc>
+                <a:spcPct val="100000"/>
+              </a:lnSpc>
+              <a:spcBef>
+                <a:spcPts val="1001"/>
+              </a:spcBef>
+            </a:pPr>
+            <a:r>
+              <a:rPr lang="de-DE" sz="2400" b="0" u="sng" strike="noStrike" spc="-1">
+                <a:solidFill>
+                  <a:srgbClr val="B31166"/>
+                </a:solidFill>
+                <a:uFillTx/>
+                <a:latin typeface="Century Gothic"/>
+                <a:ea typeface="DejaVu Sans"/>
+              </a:rPr>
+              <a:t>User Testing</a:t>
+            </a:r>
+            <a:endParaRPr lang="de-DE" sz="2400" b="0" strike="noStrike" spc="-1">
+              <a:latin typeface="Arial"/>
+            </a:endParaRPr>
+          </a:p>
+        </p:txBody>
+      </p:sp>
+      <p:pic>
+        <p:nvPicPr>
+          <p:cNvPr id="454" name="Picture 453"/>
+          <p:cNvPicPr/>
+          <p:nvPr/>
+        </p:nvPicPr>
+        <p:blipFill>
+          <a:blip r:embed="rId2"/>
+          <a:stretch/>
+        </p:blipFill>
+        <p:spPr>
+          <a:xfrm>
+            <a:off x="9072720" y="2438280"/>
+            <a:ext cx="2090880" cy="729000"/>
+          </a:xfrm>
+          <a:prstGeom prst="rect">
+            <a:avLst/>
+          </a:prstGeom>
+          <a:ln>
+            <a:noFill/>
+          </a:ln>
+        </p:spPr>
+      </p:pic>
+      <p:pic>
+        <p:nvPicPr>
+          <p:cNvPr id="455" name="Picture 454"/>
+          <p:cNvPicPr/>
+          <p:nvPr/>
+        </p:nvPicPr>
+        <p:blipFill>
+          <a:blip r:embed="rId3"/>
+          <a:stretch/>
+        </p:blipFill>
+        <p:spPr>
+          <a:xfrm>
+            <a:off x="3024000" y="2329200"/>
+            <a:ext cx="1007280" cy="830160"/>
+          </a:xfrm>
+          <a:prstGeom prst="rect">
+            <a:avLst/>
+          </a:prstGeom>
+          <a:ln>
+            <a:noFill/>
+          </a:ln>
+        </p:spPr>
+      </p:pic>
+      <p:sp>
+        <p:nvSpPr>
+          <p:cNvPr id="456" name="CustomShape 6"/>
+          <p:cNvSpPr/>
+          <p:nvPr/>
+        </p:nvSpPr>
+        <p:spPr>
+          <a:xfrm>
+            <a:off x="1154880" y="2808000"/>
+            <a:ext cx="4823640" cy="2838240"/>
+          </a:xfrm>
+          <a:prstGeom prst="rect">
+            <a:avLst/>
+          </a:prstGeom>
+          <a:noFill/>
+          <a:ln>
+            <a:noFill/>
+          </a:ln>
+        </p:spPr>
+        <p:style>
+          <a:lnRef idx="0">
+            <a:scrgbClr r="0" g="0" b="0"/>
+          </a:lnRef>
+          <a:fillRef idx="0">
+            <a:scrgbClr r="0" g="0" b="0"/>
+          </a:fillRef>
+          <a:effectRef idx="0">
+            <a:scrgbClr r="0" g="0" b="0"/>
+          </a:effectRef>
+          <a:fontRef idx="minor"/>
+        </p:style>
+        <p:txBody>
+          <a:bodyPr lIns="90000" tIns="45000" rIns="90000" bIns="45000">
+            <a:noAutofit/>
+          </a:bodyPr>
+          <a:lstStyle/>
+          <a:p>
+            <a:pPr>
+              <a:lnSpc>
+                <a:spcPct val="100000"/>
+              </a:lnSpc>
+              <a:spcBef>
+                <a:spcPts val="1001"/>
+              </a:spcBef>
+            </a:pPr>
+            <a:endParaRPr lang="de-DE" sz="1800" b="0" strike="noStrike" spc="-1">
+              <a:latin typeface="Arial"/>
+            </a:endParaRPr>
+          </a:p>
+          <a:p>
+            <a:pPr marL="343080" indent="-341280">
+              <a:lnSpc>
+                <a:spcPct val="100000"/>
+              </a:lnSpc>
+              <a:spcBef>
+                <a:spcPts val="1001"/>
+              </a:spcBef>
+              <a:buClr>
+                <a:srgbClr val="B31166"/>
+              </a:buClr>
+              <a:buSzPct val="80000"/>
+              <a:buFont typeface="Wingdings 3" charset="2"/>
+              <a:buChar char=""/>
+            </a:pPr>
+            <a:r>
+              <a:rPr lang="de-DE" sz="1800" b="0" strike="noStrike" spc="-1">
+                <a:solidFill>
+                  <a:srgbClr val="404040"/>
+                </a:solidFill>
+                <a:latin typeface="Century Gothic"/>
+                <a:ea typeface="DejaVu Sans"/>
+              </a:rPr>
+              <a:t>Testing the functionality of individual functions</a:t>
+            </a:r>
+            <a:endParaRPr lang="de-DE" sz="1800" b="0" strike="noStrike" spc="-1">
+              <a:latin typeface="Arial"/>
+            </a:endParaRPr>
+          </a:p>
+          <a:p>
+            <a:pPr>
+              <a:lnSpc>
+                <a:spcPct val="100000"/>
+              </a:lnSpc>
+              <a:spcBef>
+                <a:spcPts val="1001"/>
+              </a:spcBef>
+            </a:pPr>
+            <a:endParaRPr lang="de-DE" sz="1800" b="0" strike="noStrike" spc="-1">
+              <a:latin typeface="Arial"/>
+            </a:endParaRPr>
+          </a:p>
+        </p:txBody>
+      </p:sp>
+      <p:sp>
+        <p:nvSpPr>
+          <p:cNvPr id="457" name="CustomShape 7"/>
+          <p:cNvSpPr/>
+          <p:nvPr/>
+        </p:nvSpPr>
+        <p:spPr>
+          <a:xfrm>
+            <a:off x="6408360" y="2808000"/>
+            <a:ext cx="4823640" cy="2838240"/>
+          </a:xfrm>
+          <a:prstGeom prst="rect">
+            <a:avLst/>
+          </a:prstGeom>
+          <a:noFill/>
+          <a:ln>
+            <a:noFill/>
+          </a:ln>
+        </p:spPr>
+        <p:style>
+          <a:lnRef idx="0">
+            <a:scrgbClr r="0" g="0" b="0"/>
+          </a:lnRef>
+          <a:fillRef idx="0">
+            <a:scrgbClr r="0" g="0" b="0"/>
+          </a:fillRef>
+          <a:effectRef idx="0">
+            <a:scrgbClr r="0" g="0" b="0"/>
+          </a:effectRef>
+          <a:fontRef idx="minor"/>
+        </p:style>
+        <p:txBody>
+          <a:bodyPr lIns="90000" tIns="45000" rIns="90000" bIns="45000">
+            <a:noAutofit/>
+          </a:bodyPr>
+          <a:lstStyle/>
+          <a:p>
+            <a:pPr>
+              <a:lnSpc>
+                <a:spcPct val="100000"/>
+              </a:lnSpc>
+              <a:spcBef>
+                <a:spcPts val="1001"/>
+              </a:spcBef>
+            </a:pPr>
+            <a:endParaRPr lang="de-DE" sz="1800" b="0" strike="noStrike" spc="-1">
+              <a:latin typeface="Arial"/>
+            </a:endParaRPr>
+          </a:p>
+          <a:p>
+            <a:pPr marL="343080" indent="-341280">
+              <a:lnSpc>
+                <a:spcPct val="100000"/>
+              </a:lnSpc>
+              <a:spcBef>
+                <a:spcPts val="1001"/>
+              </a:spcBef>
+              <a:buClr>
+                <a:srgbClr val="B31166"/>
+              </a:buClr>
+              <a:buSzPct val="80000"/>
+              <a:buFont typeface="Wingdings 3" charset="2"/>
+              <a:buChar char=""/>
+            </a:pPr>
+            <a:r>
+              <a:rPr lang="de-DE" sz="1800" b="0" strike="noStrike" spc="-1">
+                <a:solidFill>
+                  <a:srgbClr val="404040"/>
+                </a:solidFill>
+                <a:latin typeface="Century Gothic"/>
+                <a:ea typeface="DejaVu Sans"/>
+              </a:rPr>
+              <a:t>Testing a complete functionality of the application</a:t>
+            </a:r>
+            <a:endParaRPr lang="de-DE" sz="1800" b="0" strike="noStrike" spc="-1">
+              <a:latin typeface="Arial"/>
+            </a:endParaRPr>
+          </a:p>
+          <a:p>
+            <a:pPr>
+              <a:lnSpc>
+                <a:spcPct val="100000"/>
+              </a:lnSpc>
+              <a:spcBef>
+                <a:spcPts val="1001"/>
+              </a:spcBef>
+            </a:pPr>
+            <a:endParaRPr lang="de-DE" sz="1800" b="0" strike="noStrike" spc="-1">
+              <a:latin typeface="Arial"/>
+            </a:endParaRPr>
+          </a:p>
+        </p:txBody>
+      </p:sp>
+      <p:sp>
+        <p:nvSpPr>
+          <p:cNvPr id="458" name="CustomShape 8"/>
+          <p:cNvSpPr/>
+          <p:nvPr/>
+        </p:nvSpPr>
+        <p:spPr>
+          <a:xfrm>
+            <a:off x="1154880" y="4536000"/>
+            <a:ext cx="4823640" cy="2838240"/>
+          </a:xfrm>
+          <a:prstGeom prst="rect">
+            <a:avLst/>
+          </a:prstGeom>
+          <a:noFill/>
+          <a:ln>
+            <a:noFill/>
+          </a:ln>
+        </p:spPr>
+        <p:style>
+          <a:lnRef idx="0">
+            <a:scrgbClr r="0" g="0" b="0"/>
+          </a:lnRef>
+          <a:fillRef idx="0">
+            <a:scrgbClr r="0" g="0" b="0"/>
+          </a:fillRef>
+          <a:effectRef idx="0">
+            <a:scrgbClr r="0" g="0" b="0"/>
+          </a:effectRef>
+          <a:fontRef idx="minor"/>
+        </p:style>
+        <p:txBody>
+          <a:bodyPr lIns="90000" tIns="45000" rIns="90000" bIns="45000">
+            <a:noAutofit/>
+          </a:bodyPr>
+          <a:lstStyle/>
+          <a:p>
+            <a:pPr>
+              <a:lnSpc>
+                <a:spcPct val="100000"/>
+              </a:lnSpc>
+              <a:spcBef>
+                <a:spcPts val="1001"/>
+              </a:spcBef>
+            </a:pPr>
+            <a:endParaRPr lang="de-DE" sz="1800" b="0" strike="noStrike" spc="-1">
+              <a:latin typeface="Arial"/>
+            </a:endParaRPr>
+          </a:p>
+          <a:p>
+            <a:pPr marL="343080" indent="-341280">
+              <a:lnSpc>
+                <a:spcPct val="100000"/>
+              </a:lnSpc>
+              <a:spcBef>
+                <a:spcPts val="1001"/>
+              </a:spcBef>
+              <a:buClr>
+                <a:srgbClr val="B31166"/>
+              </a:buClr>
+              <a:buSzPct val="80000"/>
+              <a:buFont typeface="Wingdings 3" charset="2"/>
+              <a:buChar char=""/>
+            </a:pPr>
+            <a:r>
+              <a:rPr lang="de-DE" sz="1800" b="0" strike="noStrike" spc="-1">
+                <a:solidFill>
+                  <a:srgbClr val="404040"/>
+                </a:solidFill>
+                <a:latin typeface="Century Gothic"/>
+                <a:ea typeface="DejaVu Sans"/>
+              </a:rPr>
+              <a:t>Testing the usability</a:t>
+            </a:r>
+            <a:endParaRPr lang="de-DE" sz="1800" b="0" strike="noStrike" spc="-1">
+              <a:latin typeface="Arial"/>
+            </a:endParaRPr>
+          </a:p>
+          <a:p>
+            <a:pPr>
+              <a:lnSpc>
+                <a:spcPct val="100000"/>
+              </a:lnSpc>
+              <a:spcBef>
+                <a:spcPts val="1001"/>
+              </a:spcBef>
+            </a:pPr>
+            <a:endParaRPr lang="de-DE" sz="1800" b="0" strike="noStrike" spc="-1">
+              <a:latin typeface="Arial"/>
+            </a:endParaRPr>
+          </a:p>
+        </p:txBody>
+      </p:sp>
+    </p:spTree>
+  </p:cSld>
+  <p:clrMapOvr>
+    <a:masterClrMapping/>
+  </p:clrMapOvr>
+</p:sld>
+</file>
+
+<file path=ppt/slides/slide16.xml><?xml version="1.0" encoding="utf-8"?>
+<p:sld xmlns:a="http://schemas.openxmlformats.org/drawingml/2006/main" xmlns:r="http://schemas.openxmlformats.org/officeDocument/2006/relationships" xmlns:p="http://schemas.openxmlformats.org/presentationml/2006/main">
+  <p:cSld>
+    <p:spTree>
+      <p:nvGrpSpPr>
+        <p:cNvPr id="1" name=""/>
+        <p:cNvGrpSpPr/>
+        <p:nvPr/>
+      </p:nvGrpSpPr>
+      <p:grpSpPr>
+        <a:xfrm>
+          <a:off x="0" y="0"/>
+          <a:ext cx="0" cy="0"/>
+          <a:chOff x="0" y="0"/>
+          <a:chExt cx="0" cy="0"/>
+        </a:xfrm>
+      </p:grpSpPr>
+      <p:sp>
+        <p:nvSpPr>
           <p:cNvPr id="459" name="CustomShape 1"/>
           <p:cNvSpPr/>
           <p:nvPr/>
@@ -27222,7 +27341,7 @@
 </p:sld>
 </file>
 
-<file path=ppt/slides/slide16.xml><?xml version="1.0" encoding="utf-8"?>
+<file path=ppt/slides/slide17.xml><?xml version="1.0" encoding="utf-8"?>
 <p:sld xmlns:a="http://schemas.openxmlformats.org/drawingml/2006/main" xmlns:r="http://schemas.openxmlformats.org/officeDocument/2006/relationships" xmlns:p="http://schemas.openxmlformats.org/presentationml/2006/main">
   <p:cSld>
     <p:spTree>
@@ -27354,112 +27473,6 @@
 </p:sld>
 </file>
 
-<file path=ppt/slides/slide17.xml><?xml version="1.0" encoding="utf-8"?>
-<p:sld xmlns:a="http://schemas.openxmlformats.org/drawingml/2006/main" xmlns:r="http://schemas.openxmlformats.org/officeDocument/2006/relationships" xmlns:p="http://schemas.openxmlformats.org/presentationml/2006/main">
-  <p:cSld>
-    <p:spTree>
-      <p:nvGrpSpPr>
-        <p:cNvPr id="1" name=""/>
-        <p:cNvGrpSpPr/>
-        <p:nvPr/>
-      </p:nvGrpSpPr>
-      <p:grpSpPr>
-        <a:xfrm>
-          <a:off x="0" y="0"/>
-          <a:ext cx="0" cy="0"/>
-          <a:chOff x="0" y="0"/>
-          <a:chExt cx="0" cy="0"/>
-        </a:xfrm>
-      </p:grpSpPr>
-      <p:sp>
-        <p:nvSpPr>
-          <p:cNvPr id="480" name="CustomShape 1"/>
-          <p:cNvSpPr/>
-          <p:nvPr/>
-        </p:nvSpPr>
-        <p:spPr>
-          <a:xfrm>
-            <a:off x="1154880" y="973800"/>
-            <a:ext cx="8760240" cy="705240"/>
-          </a:xfrm>
-          <a:prstGeom prst="rect">
-            <a:avLst/>
-          </a:prstGeom>
-          <a:noFill/>
-          <a:ln>
-            <a:noFill/>
-          </a:ln>
-        </p:spPr>
-        <p:style>
-          <a:lnRef idx="0">
-            <a:scrgbClr r="0" g="0" b="0"/>
-          </a:lnRef>
-          <a:fillRef idx="0">
-            <a:scrgbClr r="0" g="0" b="0"/>
-          </a:fillRef>
-          <a:effectRef idx="0">
-            <a:scrgbClr r="0" g="0" b="0"/>
-          </a:effectRef>
-          <a:fontRef idx="minor"/>
-        </p:style>
-        <p:txBody>
-          <a:bodyPr lIns="90000" tIns="45000" rIns="90000" bIns="45000" anchor="ctr">
-            <a:noAutofit/>
-          </a:bodyPr>
-          <a:lstStyle/>
-          <a:p>
-            <a:pPr>
-              <a:lnSpc>
-                <a:spcPct val="100000"/>
-              </a:lnSpc>
-            </a:pPr>
-            <a:r>
-              <a:rPr lang="de-DE" sz="3600" b="0" strike="noStrike" spc="-1">
-                <a:solidFill>
-                  <a:srgbClr val="EBEBEB"/>
-                </a:solidFill>
-                <a:latin typeface="Century Gothic"/>
-                <a:ea typeface="DejaVu Sans"/>
-              </a:rPr>
-              <a:t>Architecture</a:t>
-            </a:r>
-            <a:endParaRPr lang="de-DE" sz="3600" b="0" strike="noStrike" spc="-1">
-              <a:latin typeface="Arial"/>
-            </a:endParaRPr>
-          </a:p>
-        </p:txBody>
-      </p:sp>
-      <p:pic>
-        <p:nvPicPr>
-          <p:cNvPr id="481" name="Content Placeholder 4"/>
-          <p:cNvPicPr/>
-          <p:nvPr/>
-        </p:nvPicPr>
-        <p:blipFill>
-          <a:blip r:embed="rId2"/>
-          <a:stretch/>
-        </p:blipFill>
-        <p:spPr>
-          <a:xfrm>
-            <a:off x="2403360" y="2421360"/>
-            <a:ext cx="7384320" cy="4246200"/>
-          </a:xfrm>
-          <a:prstGeom prst="rect">
-            <a:avLst/>
-          </a:prstGeom>
-          <a:ln>
-            <a:noFill/>
-          </a:ln>
-        </p:spPr>
-      </p:pic>
-    </p:spTree>
-  </p:cSld>
-  <p:clrMapOvr>
-    <a:masterClrMapping/>
-  </p:clrMapOvr>
-</p:sld>
-</file>
-
 <file path=ppt/slides/slide18.xml><?xml version="1.0" encoding="utf-8"?>
 <p:sld xmlns:a="http://schemas.openxmlformats.org/drawingml/2006/main" xmlns:r="http://schemas.openxmlformats.org/officeDocument/2006/relationships" xmlns:p="http://schemas.openxmlformats.org/presentationml/2006/main">
   <p:cSld>
@@ -27479,7 +27492,7 @@
       </p:grpSpPr>
       <p:sp>
         <p:nvSpPr>
-          <p:cNvPr id="482" name="CustomShape 1"/>
+          <p:cNvPr id="480" name="CustomShape 1"/>
           <p:cNvSpPr/>
           <p:nvPr/>
         </p:nvSpPr>
@@ -27527,7 +27540,7 @@
                 <a:latin typeface="Century Gothic"/>
                 <a:ea typeface="DejaVu Sans"/>
               </a:rPr>
-              <a:t>Architecture II</a:t>
+              <a:t>Architecture</a:t>
             </a:r>
             <a:endParaRPr lang="de-DE" sz="3600" b="0" strike="noStrike" spc="-1">
               <a:latin typeface="Arial"/>
@@ -27537,7 +27550,7 @@
       </p:sp>
       <p:pic>
         <p:nvPicPr>
-          <p:cNvPr id="483" name="Content Placeholder 4"/>
+          <p:cNvPr id="481" name="Content Placeholder 4"/>
           <p:cNvPicPr/>
           <p:nvPr/>
         </p:nvPicPr>
@@ -27547,8 +27560,8 @@
         </p:blipFill>
         <p:spPr>
           <a:xfrm>
-            <a:off x="3560400" y="2600640"/>
-            <a:ext cx="4213080" cy="3955320"/>
+            <a:off x="2403360" y="2421360"/>
+            <a:ext cx="7384320" cy="4246200"/>
           </a:xfrm>
           <a:prstGeom prst="rect">
             <a:avLst/>
@@ -27585,6 +27598,340 @@
       </p:grpSpPr>
       <p:sp>
         <p:nvSpPr>
+          <p:cNvPr id="482" name="CustomShape 1"/>
+          <p:cNvSpPr/>
+          <p:nvPr/>
+        </p:nvSpPr>
+        <p:spPr>
+          <a:xfrm>
+            <a:off x="1154880" y="973800"/>
+            <a:ext cx="8760240" cy="705240"/>
+          </a:xfrm>
+          <a:prstGeom prst="rect">
+            <a:avLst/>
+          </a:prstGeom>
+          <a:noFill/>
+          <a:ln>
+            <a:noFill/>
+          </a:ln>
+        </p:spPr>
+        <p:style>
+          <a:lnRef idx="0">
+            <a:scrgbClr r="0" g="0" b="0"/>
+          </a:lnRef>
+          <a:fillRef idx="0">
+            <a:scrgbClr r="0" g="0" b="0"/>
+          </a:fillRef>
+          <a:effectRef idx="0">
+            <a:scrgbClr r="0" g="0" b="0"/>
+          </a:effectRef>
+          <a:fontRef idx="minor"/>
+        </p:style>
+        <p:txBody>
+          <a:bodyPr lIns="90000" tIns="45000" rIns="90000" bIns="45000" anchor="ctr">
+            <a:noAutofit/>
+          </a:bodyPr>
+          <a:lstStyle/>
+          <a:p>
+            <a:pPr>
+              <a:lnSpc>
+                <a:spcPct val="100000"/>
+              </a:lnSpc>
+            </a:pPr>
+            <a:r>
+              <a:rPr lang="de-DE" sz="3600" b="0" strike="noStrike" spc="-1">
+                <a:solidFill>
+                  <a:srgbClr val="EBEBEB"/>
+                </a:solidFill>
+                <a:latin typeface="Century Gothic"/>
+                <a:ea typeface="DejaVu Sans"/>
+              </a:rPr>
+              <a:t>Architecture II</a:t>
+            </a:r>
+            <a:endParaRPr lang="de-DE" sz="3600" b="0" strike="noStrike" spc="-1">
+              <a:latin typeface="Arial"/>
+            </a:endParaRPr>
+          </a:p>
+        </p:txBody>
+      </p:sp>
+      <p:pic>
+        <p:nvPicPr>
+          <p:cNvPr id="483" name="Content Placeholder 4"/>
+          <p:cNvPicPr/>
+          <p:nvPr/>
+        </p:nvPicPr>
+        <p:blipFill>
+          <a:blip r:embed="rId2"/>
+          <a:stretch/>
+        </p:blipFill>
+        <p:spPr>
+          <a:xfrm>
+            <a:off x="3560400" y="2600640"/>
+            <a:ext cx="4213080" cy="3955320"/>
+          </a:xfrm>
+          <a:prstGeom prst="rect">
+            <a:avLst/>
+          </a:prstGeom>
+          <a:ln>
+            <a:noFill/>
+          </a:ln>
+        </p:spPr>
+      </p:pic>
+    </p:spTree>
+  </p:cSld>
+  <p:clrMapOvr>
+    <a:masterClrMapping/>
+  </p:clrMapOvr>
+</p:sld>
+</file>
+
+<file path=ppt/slides/slide2.xml><?xml version="1.0" encoding="utf-8"?>
+<p:sld xmlns:a="http://schemas.openxmlformats.org/drawingml/2006/main" xmlns:r="http://schemas.openxmlformats.org/officeDocument/2006/relationships" xmlns:p="http://schemas.openxmlformats.org/presentationml/2006/main">
+  <p:cSld>
+    <p:spTree>
+      <p:nvGrpSpPr>
+        <p:cNvPr id="1" name=""/>
+        <p:cNvGrpSpPr/>
+        <p:nvPr/>
+      </p:nvGrpSpPr>
+      <p:grpSpPr>
+        <a:xfrm>
+          <a:off x="0" y="0"/>
+          <a:ext cx="0" cy="0"/>
+          <a:chOff x="0" y="0"/>
+          <a:chExt cx="0" cy="0"/>
+        </a:xfrm>
+      </p:grpSpPr>
+      <p:sp>
+        <p:nvSpPr>
+          <p:cNvPr id="419" name="CustomShape 1"/>
+          <p:cNvSpPr/>
+          <p:nvPr/>
+        </p:nvSpPr>
+        <p:spPr>
+          <a:xfrm>
+            <a:off x="1154880" y="973800"/>
+            <a:ext cx="8760240" cy="705240"/>
+          </a:xfrm>
+          <a:prstGeom prst="rect">
+            <a:avLst/>
+          </a:prstGeom>
+          <a:noFill/>
+          <a:ln>
+            <a:noFill/>
+          </a:ln>
+        </p:spPr>
+        <p:style>
+          <a:lnRef idx="0">
+            <a:scrgbClr r="0" g="0" b="0"/>
+          </a:lnRef>
+          <a:fillRef idx="0">
+            <a:scrgbClr r="0" g="0" b="0"/>
+          </a:fillRef>
+          <a:effectRef idx="0">
+            <a:scrgbClr r="0" g="0" b="0"/>
+          </a:effectRef>
+          <a:fontRef idx="minor"/>
+        </p:style>
+        <p:txBody>
+          <a:bodyPr lIns="90000" tIns="45000" rIns="90000" bIns="45000" anchor="ctr">
+            <a:noAutofit/>
+          </a:bodyPr>
+          <a:lstStyle/>
+          <a:p>
+            <a:pPr>
+              <a:lnSpc>
+                <a:spcPct val="100000"/>
+              </a:lnSpc>
+            </a:pPr>
+            <a:r>
+              <a:rPr lang="de-DE" sz="3600" b="0" strike="noStrike" spc="-1">
+                <a:solidFill>
+                  <a:srgbClr val="EBEBEB"/>
+                </a:solidFill>
+                <a:latin typeface="Century Gothic"/>
+                <a:ea typeface="DejaVu Sans"/>
+              </a:rPr>
+              <a:t>Agenda</a:t>
+            </a:r>
+            <a:endParaRPr lang="de-DE" sz="3600" b="0" strike="noStrike" spc="-1">
+              <a:latin typeface="Arial"/>
+            </a:endParaRPr>
+          </a:p>
+        </p:txBody>
+      </p:sp>
+      <p:sp>
+        <p:nvSpPr>
+          <p:cNvPr id="420" name="CustomShape 2"/>
+          <p:cNvSpPr/>
+          <p:nvPr/>
+        </p:nvSpPr>
+        <p:spPr>
+          <a:xfrm>
+            <a:off x="1154880" y="2603520"/>
+            <a:ext cx="8824680" cy="3414600"/>
+          </a:xfrm>
+          <a:prstGeom prst="rect">
+            <a:avLst/>
+          </a:prstGeom>
+          <a:noFill/>
+          <a:ln>
+            <a:noFill/>
+          </a:ln>
+        </p:spPr>
+        <p:style>
+          <a:lnRef idx="0">
+            <a:scrgbClr r="0" g="0" b="0"/>
+          </a:lnRef>
+          <a:fillRef idx="0">
+            <a:scrgbClr r="0" g="0" b="0"/>
+          </a:fillRef>
+          <a:effectRef idx="0">
+            <a:scrgbClr r="0" g="0" b="0"/>
+          </a:effectRef>
+          <a:fontRef idx="minor"/>
+        </p:style>
+        <p:txBody>
+          <a:bodyPr lIns="90000" tIns="45000" rIns="90000" bIns="45000">
+            <a:noAutofit/>
+          </a:bodyPr>
+          <a:lstStyle/>
+          <a:p>
+            <a:pPr marL="343080" indent="-341280">
+              <a:lnSpc>
+                <a:spcPct val="100000"/>
+              </a:lnSpc>
+              <a:spcBef>
+                <a:spcPts val="1001"/>
+              </a:spcBef>
+              <a:buClr>
+                <a:srgbClr val="B31166"/>
+              </a:buClr>
+              <a:buSzPct val="80000"/>
+              <a:buFont typeface="Wingdings 3" charset="2"/>
+              <a:buChar char=""/>
+            </a:pPr>
+            <a:r>
+              <a:rPr lang="de-DE" sz="2400" b="1" strike="noStrike" spc="-1">
+                <a:solidFill>
+                  <a:srgbClr val="404040"/>
+                </a:solidFill>
+                <a:latin typeface="Century Gothic"/>
+                <a:ea typeface="DejaVu Sans"/>
+              </a:rPr>
+              <a:t>Business</a:t>
+            </a:r>
+            <a:endParaRPr lang="de-DE" sz="2400" b="0" strike="noStrike" spc="-1">
+              <a:latin typeface="Arial"/>
+            </a:endParaRPr>
+          </a:p>
+          <a:p>
+            <a:pPr marL="343080" indent="-341280">
+              <a:lnSpc>
+                <a:spcPct val="100000"/>
+              </a:lnSpc>
+              <a:spcBef>
+                <a:spcPts val="1001"/>
+              </a:spcBef>
+              <a:buClr>
+                <a:srgbClr val="B31166"/>
+              </a:buClr>
+              <a:buSzPct val="80000"/>
+              <a:buFont typeface="Wingdings 3" charset="2"/>
+              <a:buChar char=""/>
+            </a:pPr>
+            <a:r>
+              <a:rPr lang="de-DE" sz="2400" b="1" strike="noStrike" spc="-1">
+                <a:solidFill>
+                  <a:srgbClr val="404040"/>
+                </a:solidFill>
+                <a:latin typeface="Century Gothic"/>
+                <a:ea typeface="DejaVu Sans"/>
+              </a:rPr>
+              <a:t>Quality</a:t>
+            </a:r>
+            <a:endParaRPr lang="de-DE" sz="2400" b="0" strike="noStrike" spc="-1">
+              <a:latin typeface="Arial"/>
+            </a:endParaRPr>
+          </a:p>
+          <a:p>
+            <a:pPr marL="343080" indent="-341280">
+              <a:lnSpc>
+                <a:spcPct val="100000"/>
+              </a:lnSpc>
+              <a:spcBef>
+                <a:spcPts val="1001"/>
+              </a:spcBef>
+              <a:buClr>
+                <a:srgbClr val="B31166"/>
+              </a:buClr>
+              <a:buSzPct val="80000"/>
+              <a:buFont typeface="Wingdings 3" charset="2"/>
+              <a:buChar char=""/>
+            </a:pPr>
+            <a:r>
+              <a:rPr lang="de-DE" sz="2400" b="1" strike="noStrike" spc="-1">
+                <a:solidFill>
+                  <a:srgbClr val="404040"/>
+                </a:solidFill>
+                <a:latin typeface="Century Gothic"/>
+                <a:ea typeface="DejaVu Sans"/>
+              </a:rPr>
+              <a:t>Technical Ability</a:t>
+            </a:r>
+            <a:endParaRPr lang="de-DE" sz="2400" b="0" strike="noStrike" spc="-1">
+              <a:latin typeface="Arial"/>
+            </a:endParaRPr>
+          </a:p>
+          <a:p>
+            <a:pPr>
+              <a:lnSpc>
+                <a:spcPct val="100000"/>
+              </a:lnSpc>
+              <a:spcBef>
+                <a:spcPts val="1001"/>
+              </a:spcBef>
+            </a:pPr>
+            <a:endParaRPr lang="de-DE" sz="2400" b="0" strike="noStrike" spc="-1">
+              <a:latin typeface="Arial"/>
+            </a:endParaRPr>
+          </a:p>
+        </p:txBody>
+      </p:sp>
+    </p:spTree>
+  </p:cSld>
+  <p:clrMapOvr>
+    <a:masterClrMapping/>
+  </p:clrMapOvr>
+  <p:timing>
+    <p:tnLst>
+      <p:par>
+        <p:cTn id="1" dur="indefinite" restart="never" nodeType="tmRoot"/>
+      </p:par>
+    </p:tnLst>
+  </p:timing>
+</p:sld>
+</file>
+
+<file path=ppt/slides/slide20.xml><?xml version="1.0" encoding="utf-8"?>
+<p:sld xmlns:a="http://schemas.openxmlformats.org/drawingml/2006/main" xmlns:r="http://schemas.openxmlformats.org/officeDocument/2006/relationships" xmlns:p="http://schemas.openxmlformats.org/presentationml/2006/main">
+  <p:cSld>
+    <p:spTree>
+      <p:nvGrpSpPr>
+        <p:cNvPr id="1" name=""/>
+        <p:cNvGrpSpPr/>
+        <p:nvPr/>
+      </p:nvGrpSpPr>
+      <p:grpSpPr>
+        <a:xfrm>
+          <a:off x="0" y="0"/>
+          <a:ext cx="0" cy="0"/>
+          <a:chOff x="0" y="0"/>
+          <a:chExt cx="0" cy="0"/>
+        </a:xfrm>
+      </p:grpSpPr>
+      <p:sp>
+        <p:nvSpPr>
           <p:cNvPr id="484" name="CustomShape 1"/>
           <p:cNvSpPr/>
           <p:nvPr/>
@@ -27685,7 +28032,7 @@
 </p:sld>
 </file>
 
-<file path=ppt/slides/slide2.xml><?xml version="1.0" encoding="utf-8"?>
+<file path=ppt/slides/slide21.xml><?xml version="1.0" encoding="utf-8"?>
 <p:sld xmlns:a="http://schemas.openxmlformats.org/drawingml/2006/main" xmlns:r="http://schemas.openxmlformats.org/officeDocument/2006/relationships" xmlns:p="http://schemas.openxmlformats.org/presentationml/2006/main">
   <p:cSld>
     <p:spTree>
@@ -27704,7 +28051,7 @@
       </p:grpSpPr>
       <p:sp>
         <p:nvSpPr>
-          <p:cNvPr id="419" name="CustomShape 1"/>
+          <p:cNvPr id="437" name="CustomShape 1"/>
           <p:cNvSpPr/>
           <p:nvPr/>
         </p:nvSpPr>
@@ -27745,24 +28092,24 @@
               </a:lnSpc>
             </a:pPr>
             <a:r>
-              <a:rPr lang="de-DE" sz="3600" b="0" strike="noStrike" spc="-1">
+              <a:rPr lang="de-DE" sz="3600" b="0" strike="noStrike" spc="-1" dirty="0">
                 <a:solidFill>
                   <a:srgbClr val="EBEBEB"/>
                 </a:solidFill>
                 <a:latin typeface="Century Gothic"/>
                 <a:ea typeface="DejaVu Sans"/>
               </a:rPr>
-              <a:t>Agenda</a:t>
-            </a:r>
-            <a:endParaRPr lang="de-DE" sz="3600" b="0" strike="noStrike" spc="-1">
-              <a:latin typeface="Arial"/>
-            </a:endParaRPr>
-          </a:p>
-        </p:txBody>
-      </p:sp>
-      <p:sp>
-        <p:nvSpPr>
-          <p:cNvPr id="420" name="CustomShape 2"/>
+              <a:t>Design Patterns</a:t>
+            </a:r>
+            <a:endParaRPr lang="de-DE" sz="3600" b="0" strike="noStrike" spc="-1" dirty="0">
+              <a:latin typeface="Arial"/>
+            </a:endParaRPr>
+          </a:p>
+        </p:txBody>
+      </p:sp>
+      <p:sp>
+        <p:nvSpPr>
+          <p:cNvPr id="438" name="CustomShape 2"/>
           <p:cNvSpPr/>
           <p:nvPr/>
         </p:nvSpPr>
@@ -27812,18 +28159,32 @@
               <a:buChar char=""/>
             </a:pPr>
             <a:r>
-              <a:rPr lang="de-DE" sz="2400" b="1" strike="noStrike" spc="-1">
+              <a:rPr lang="de-DE" sz="1800" b="0" strike="noStrike" spc="-1" dirty="0">
                 <a:solidFill>
                   <a:srgbClr val="404040"/>
                 </a:solidFill>
                 <a:latin typeface="Century Gothic"/>
-                <a:ea typeface="DejaVu Sans"/>
-              </a:rPr>
-              <a:t>Business</a:t>
-            </a:r>
-            <a:endParaRPr lang="de-DE" sz="2400" b="0" strike="noStrike" spc="-1">
-              <a:latin typeface="Arial"/>
-            </a:endParaRPr>
+              </a:rPr>
+              <a:t>Factory </a:t>
+            </a:r>
+            <a:r>
+              <a:rPr lang="de-DE" sz="1800" b="0" strike="noStrike" spc="-1" dirty="0" err="1">
+                <a:solidFill>
+                  <a:srgbClr val="404040"/>
+                </a:solidFill>
+                <a:latin typeface="Century Gothic"/>
+              </a:rPr>
+              <a:t>Method</a:t>
+            </a:r>
+            <a:r>
+              <a:rPr lang="de-DE" sz="1800" b="0" strike="noStrike" spc="-1" dirty="0">
+                <a:solidFill>
+                  <a:srgbClr val="404040"/>
+                </a:solidFill>
+                <a:latin typeface="Century Gothic"/>
+              </a:rPr>
+              <a:t> Pattern</a:t>
+            </a:r>
           </a:p>
           <a:p>
             <a:pPr marL="343080" indent="-341280">
@@ -27841,17 +28202,199 @@
               <a:buChar char=""/>
             </a:pPr>
             <a:r>
-              <a:rPr lang="de-DE" sz="2400" b="1" strike="noStrike" spc="-1">
+              <a:rPr lang="de-DE" spc="-1" dirty="0" err="1">
                 <a:solidFill>
                   <a:srgbClr val="404040"/>
                 </a:solidFill>
                 <a:latin typeface="Century Gothic"/>
-                <a:ea typeface="DejaVu Sans"/>
-              </a:rPr>
-              <a:t>Quality</a:t>
-            </a:r>
-            <a:endParaRPr lang="de-DE" sz="2400" b="0" strike="noStrike" spc="-1">
-              <a:latin typeface="Arial"/>
+              </a:rPr>
+              <a:t>Idea</a:t>
+            </a:r>
+            <a:r>
+              <a:rPr lang="de-DE" spc="-1" dirty="0">
+                <a:solidFill>
+                  <a:srgbClr val="404040"/>
+                </a:solidFill>
+                <a:latin typeface="Century Gothic"/>
+              </a:rPr>
+              <a:t>: </a:t>
+            </a:r>
+            <a:r>
+              <a:rPr lang="de-DE" spc="-1" dirty="0" err="1">
+                <a:solidFill>
+                  <a:srgbClr val="404040"/>
+                </a:solidFill>
+                <a:latin typeface="Century Gothic"/>
+              </a:rPr>
+              <a:t>Disguise</a:t>
+            </a:r>
+            <a:r>
+              <a:rPr lang="de-DE" spc="-1" dirty="0">
+                <a:solidFill>
+                  <a:srgbClr val="404040"/>
+                </a:solidFill>
+                <a:latin typeface="Century Gothic"/>
+              </a:rPr>
+              <a:t> </a:t>
+            </a:r>
+            <a:r>
+              <a:rPr lang="de-DE" spc="-1" dirty="0" err="1">
+                <a:solidFill>
+                  <a:srgbClr val="404040"/>
+                </a:solidFill>
+                <a:latin typeface="Century Gothic"/>
+              </a:rPr>
+              <a:t>the</a:t>
+            </a:r>
+            <a:r>
+              <a:rPr lang="de-DE" spc="-1" dirty="0">
+                <a:solidFill>
+                  <a:srgbClr val="404040"/>
+                </a:solidFill>
+                <a:latin typeface="Century Gothic"/>
+              </a:rPr>
+              <a:t> </a:t>
+            </a:r>
+            <a:r>
+              <a:rPr lang="de-DE" spc="-1" dirty="0" err="1">
+                <a:solidFill>
+                  <a:srgbClr val="404040"/>
+                </a:solidFill>
+                <a:latin typeface="Century Gothic"/>
+              </a:rPr>
+              <a:t>construction</a:t>
+            </a:r>
+            <a:r>
+              <a:rPr lang="de-DE" spc="-1" dirty="0">
+                <a:solidFill>
+                  <a:srgbClr val="404040"/>
+                </a:solidFill>
+                <a:latin typeface="Century Gothic"/>
+              </a:rPr>
+              <a:t> </a:t>
+            </a:r>
+            <a:r>
+              <a:rPr lang="de-DE" spc="-1" dirty="0" err="1">
+                <a:solidFill>
+                  <a:srgbClr val="404040"/>
+                </a:solidFill>
+                <a:latin typeface="Century Gothic"/>
+              </a:rPr>
+              <a:t>of</a:t>
+            </a:r>
+            <a:r>
+              <a:rPr lang="de-DE" spc="-1" dirty="0">
+                <a:solidFill>
+                  <a:srgbClr val="404040"/>
+                </a:solidFill>
+                <a:latin typeface="Century Gothic"/>
+              </a:rPr>
+              <a:t> a </a:t>
+            </a:r>
+            <a:r>
+              <a:rPr lang="de-DE" spc="-1" dirty="0" err="1">
+                <a:solidFill>
+                  <a:srgbClr val="404040"/>
+                </a:solidFill>
+                <a:latin typeface="Century Gothic"/>
+              </a:rPr>
+              <a:t>model</a:t>
+            </a:r>
+            <a:r>
+              <a:rPr lang="de-DE" spc="-1" dirty="0">
+                <a:solidFill>
+                  <a:srgbClr val="404040"/>
+                </a:solidFill>
+                <a:latin typeface="Century Gothic"/>
+              </a:rPr>
+              <a:t> </a:t>
+            </a:r>
+            <a:r>
+              <a:rPr lang="de-DE" spc="-1" dirty="0" err="1">
+                <a:solidFill>
+                  <a:srgbClr val="404040"/>
+                </a:solidFill>
+                <a:latin typeface="Century Gothic"/>
+              </a:rPr>
+              <a:t>with</a:t>
+            </a:r>
+            <a:r>
+              <a:rPr lang="de-DE" spc="-1" dirty="0">
+                <a:solidFill>
+                  <a:srgbClr val="404040"/>
+                </a:solidFill>
+                <a:latin typeface="Century Gothic"/>
+              </a:rPr>
+              <a:t> </a:t>
+            </a:r>
+            <a:r>
+              <a:rPr lang="de-DE" spc="-1" dirty="0" err="1">
+                <a:solidFill>
+                  <a:srgbClr val="404040"/>
+                </a:solidFill>
+                <a:latin typeface="Century Gothic"/>
+              </a:rPr>
+              <a:t>another</a:t>
+            </a:r>
+            <a:r>
+              <a:rPr lang="de-DE" spc="-1" dirty="0">
+                <a:solidFill>
+                  <a:srgbClr val="404040"/>
+                </a:solidFill>
+                <a:latin typeface="Century Gothic"/>
+              </a:rPr>
+              <a:t> </a:t>
+            </a:r>
+            <a:r>
+              <a:rPr lang="de-DE" spc="-1" dirty="0" err="1">
+                <a:solidFill>
+                  <a:srgbClr val="404040"/>
+                </a:solidFill>
+                <a:latin typeface="Century Gothic"/>
+              </a:rPr>
+              <a:t>class</a:t>
+            </a:r>
+            <a:r>
+              <a:rPr lang="de-DE" spc="-1" dirty="0">
+                <a:solidFill>
+                  <a:srgbClr val="404040"/>
+                </a:solidFill>
+                <a:latin typeface="Century Gothic"/>
+              </a:rPr>
+              <a:t>, </a:t>
+            </a:r>
+            <a:r>
+              <a:rPr lang="de-DE" spc="-1" dirty="0" err="1">
+                <a:solidFill>
+                  <a:srgbClr val="404040"/>
+                </a:solidFill>
+                <a:latin typeface="Century Gothic"/>
+              </a:rPr>
+              <a:t>the</a:t>
+            </a:r>
+            <a:r>
+              <a:rPr lang="de-DE" spc="-1" dirty="0">
+                <a:solidFill>
+                  <a:srgbClr val="404040"/>
+                </a:solidFill>
+                <a:latin typeface="Century Gothic"/>
+              </a:rPr>
+              <a:t> </a:t>
+            </a:r>
+            <a:r>
+              <a:rPr lang="de-DE" spc="-1" dirty="0" err="1">
+                <a:solidFill>
+                  <a:srgbClr val="404040"/>
+                </a:solidFill>
+                <a:latin typeface="Century Gothic"/>
+              </a:rPr>
+              <a:t>factory</a:t>
+            </a:r>
+            <a:endParaRPr lang="de-DE" spc="-1" dirty="0">
+              <a:solidFill>
+                <a:srgbClr val="404040"/>
+              </a:solidFill>
+              <a:latin typeface="Century Gothic"/>
             </a:endParaRPr>
           </a:p>
           <a:p>
@@ -27870,153 +28413,174 @@
               <a:buChar char=""/>
             </a:pPr>
             <a:r>
-              <a:rPr lang="de-DE" sz="2400" b="1" strike="noStrike" spc="-1">
+              <a:rPr lang="de-DE" spc="-1" dirty="0">
                 <a:solidFill>
                   <a:srgbClr val="404040"/>
                 </a:solidFill>
                 <a:latin typeface="Century Gothic"/>
-                <a:ea typeface="DejaVu Sans"/>
-              </a:rPr>
-              <a:t>Technical Ability</a:t>
-            </a:r>
-            <a:endParaRPr lang="de-DE" sz="2400" b="0" strike="noStrike" spc="-1">
-              <a:latin typeface="Arial"/>
-            </a:endParaRPr>
-          </a:p>
-          <a:p>
-            <a:pPr>
-              <a:lnSpc>
-                <a:spcPct val="100000"/>
-              </a:lnSpc>
-              <a:spcBef>
-                <a:spcPts val="1001"/>
-              </a:spcBef>
-            </a:pPr>
-            <a:endParaRPr lang="de-DE" sz="2400" b="0" strike="noStrike" spc="-1">
-              <a:latin typeface="Arial"/>
-            </a:endParaRPr>
-          </a:p>
-        </p:txBody>
-      </p:sp>
-    </p:spTree>
-  </p:cSld>
-  <p:clrMapOvr>
-    <a:masterClrMapping/>
-  </p:clrMapOvr>
-</p:sld>
-</file>
-
-<file path=ppt/slides/slide20.xml><?xml version="1.0" encoding="utf-8"?>
-<p:sld xmlns:a="http://schemas.openxmlformats.org/drawingml/2006/main" xmlns:r="http://schemas.openxmlformats.org/officeDocument/2006/relationships" xmlns:p="http://schemas.openxmlformats.org/presentationml/2006/main">
-  <p:cSld>
-    <p:spTree>
-      <p:nvGrpSpPr>
-        <p:cNvPr id="1" name=""/>
-        <p:cNvGrpSpPr/>
-        <p:nvPr/>
-      </p:nvGrpSpPr>
-      <p:grpSpPr>
-        <a:xfrm>
-          <a:off x="0" y="0"/>
-          <a:ext cx="0" cy="0"/>
-          <a:chOff x="0" y="0"/>
-          <a:chExt cx="0" cy="0"/>
-        </a:xfrm>
-      </p:grpSpPr>
-      <p:sp>
-        <p:nvSpPr>
-          <p:cNvPr id="437" name="CustomShape 1"/>
-          <p:cNvSpPr/>
-          <p:nvPr/>
-        </p:nvSpPr>
-        <p:spPr>
-          <a:xfrm>
-            <a:off x="1154880" y="973800"/>
-            <a:ext cx="8760240" cy="705240"/>
-          </a:xfrm>
-          <a:prstGeom prst="rect">
-            <a:avLst/>
-          </a:prstGeom>
-          <a:noFill/>
-          <a:ln>
-            <a:noFill/>
-          </a:ln>
-        </p:spPr>
-        <p:style>
-          <a:lnRef idx="0">
-            <a:scrgbClr r="0" g="0" b="0"/>
-          </a:lnRef>
-          <a:fillRef idx="0">
-            <a:scrgbClr r="0" g="0" b="0"/>
-          </a:fillRef>
-          <a:effectRef idx="0">
-            <a:scrgbClr r="0" g="0" b="0"/>
-          </a:effectRef>
-          <a:fontRef idx="minor"/>
-        </p:style>
-        <p:txBody>
-          <a:bodyPr lIns="90000" tIns="45000" rIns="90000" bIns="45000" anchor="ctr">
-            <a:noAutofit/>
-          </a:bodyPr>
-          <a:lstStyle/>
-          <a:p>
-            <a:pPr>
-              <a:lnSpc>
-                <a:spcPct val="100000"/>
-              </a:lnSpc>
-            </a:pPr>
-            <a:r>
-              <a:rPr lang="de-DE" sz="3600" b="0" strike="noStrike" spc="-1" dirty="0">
+              </a:rPr>
+              <a:t>In </a:t>
+            </a:r>
+            <a:r>
+              <a:rPr lang="de-DE" spc="-1" dirty="0" err="1">
                 <a:solidFill>
-                  <a:srgbClr val="EBEBEB"/>
+                  <a:srgbClr val="404040"/>
                 </a:solidFill>
                 <a:latin typeface="Century Gothic"/>
-                <a:ea typeface="DejaVu Sans"/>
-              </a:rPr>
-              <a:t>Design Patterns</a:t>
-            </a:r>
-            <a:endParaRPr lang="de-DE" sz="3600" b="0" strike="noStrike" spc="-1" dirty="0">
-              <a:latin typeface="Arial"/>
-            </a:endParaRPr>
-          </a:p>
-        </p:txBody>
-      </p:sp>
-      <p:sp>
-        <p:nvSpPr>
-          <p:cNvPr id="438" name="CustomShape 2"/>
-          <p:cNvSpPr/>
-          <p:nvPr/>
-        </p:nvSpPr>
-        <p:spPr>
-          <a:xfrm>
-            <a:off x="1154880" y="2603520"/>
-            <a:ext cx="8824680" cy="3414600"/>
-          </a:xfrm>
-          <a:prstGeom prst="rect">
-            <a:avLst/>
-          </a:prstGeom>
-          <a:noFill/>
-          <a:ln>
-            <a:noFill/>
-          </a:ln>
-        </p:spPr>
-        <p:style>
-          <a:lnRef idx="0">
-            <a:scrgbClr r="0" g="0" b="0"/>
-          </a:lnRef>
-          <a:fillRef idx="0">
-            <a:scrgbClr r="0" g="0" b="0"/>
-          </a:fillRef>
-          <a:effectRef idx="0">
-            <a:scrgbClr r="0" g="0" b="0"/>
-          </a:effectRef>
-          <a:fontRef idx="minor"/>
-        </p:style>
-        <p:txBody>
-          <a:bodyPr lIns="90000" tIns="45000" rIns="90000" bIns="45000">
-            <a:noAutofit/>
-          </a:bodyPr>
-          <a:lstStyle/>
+              </a:rPr>
+              <a:t>our</a:t>
+            </a:r>
+            <a:r>
+              <a:rPr lang="de-DE" spc="-1" dirty="0">
+                <a:solidFill>
+                  <a:srgbClr val="404040"/>
+                </a:solidFill>
+                <a:latin typeface="Century Gothic"/>
+              </a:rPr>
+              <a:t> </a:t>
+            </a:r>
+            <a:r>
+              <a:rPr lang="de-DE" spc="-1" dirty="0" err="1">
+                <a:solidFill>
+                  <a:srgbClr val="404040"/>
+                </a:solidFill>
+                <a:latin typeface="Century Gothic"/>
+              </a:rPr>
+              <a:t>case</a:t>
+            </a:r>
+            <a:r>
+              <a:rPr lang="de-DE" spc="-1" dirty="0">
+                <a:solidFill>
+                  <a:srgbClr val="404040"/>
+                </a:solidFill>
+                <a:latin typeface="Century Gothic"/>
+              </a:rPr>
+              <a:t>: </a:t>
+            </a:r>
+            <a:r>
+              <a:rPr lang="de-DE" spc="-1" dirty="0" err="1">
+                <a:solidFill>
+                  <a:srgbClr val="404040"/>
+                </a:solidFill>
+                <a:latin typeface="Century Gothic"/>
+              </a:rPr>
+              <a:t>Static</a:t>
+            </a:r>
+            <a:r>
+              <a:rPr lang="de-DE" spc="-1" dirty="0">
+                <a:solidFill>
+                  <a:srgbClr val="404040"/>
+                </a:solidFill>
+                <a:latin typeface="Century Gothic"/>
+              </a:rPr>
+              <a:t> </a:t>
+            </a:r>
+            <a:r>
+              <a:rPr lang="de-DE" spc="-1" dirty="0" err="1">
+                <a:solidFill>
+                  <a:srgbClr val="404040"/>
+                </a:solidFill>
+                <a:latin typeface="Century Gothic"/>
+              </a:rPr>
+              <a:t>methods</a:t>
+            </a:r>
+            <a:r>
+              <a:rPr lang="de-DE" spc="-1" dirty="0">
+                <a:solidFill>
+                  <a:srgbClr val="404040"/>
+                </a:solidFill>
+                <a:latin typeface="Century Gothic"/>
+              </a:rPr>
+              <a:t> </a:t>
+            </a:r>
+            <a:r>
+              <a:rPr lang="de-DE" spc="-1" dirty="0" err="1">
+                <a:solidFill>
+                  <a:srgbClr val="404040"/>
+                </a:solidFill>
+                <a:latin typeface="Century Gothic"/>
+              </a:rPr>
+              <a:t>to</a:t>
+            </a:r>
+            <a:r>
+              <a:rPr lang="de-DE" spc="-1" dirty="0">
+                <a:solidFill>
+                  <a:srgbClr val="404040"/>
+                </a:solidFill>
+                <a:latin typeface="Century Gothic"/>
+              </a:rPr>
+              <a:t> </a:t>
+            </a:r>
+            <a:r>
+              <a:rPr lang="de-DE" spc="-1" dirty="0" err="1">
+                <a:solidFill>
+                  <a:srgbClr val="404040"/>
+                </a:solidFill>
+                <a:latin typeface="Century Gothic"/>
+              </a:rPr>
+              <a:t>create</a:t>
+            </a:r>
+            <a:r>
+              <a:rPr lang="de-DE" spc="-1" dirty="0">
+                <a:solidFill>
+                  <a:srgbClr val="404040"/>
+                </a:solidFill>
+                <a:latin typeface="Century Gothic"/>
+              </a:rPr>
+              <a:t> </a:t>
+            </a:r>
+            <a:r>
+              <a:rPr lang="de-DE" spc="-1" dirty="0" err="1">
+                <a:solidFill>
+                  <a:srgbClr val="404040"/>
+                </a:solidFill>
+                <a:latin typeface="Century Gothic"/>
+              </a:rPr>
+              <a:t>new</a:t>
+            </a:r>
+            <a:r>
+              <a:rPr lang="de-DE" spc="-1" dirty="0">
+                <a:solidFill>
+                  <a:srgbClr val="404040"/>
+                </a:solidFill>
+                <a:latin typeface="Century Gothic"/>
+              </a:rPr>
+              <a:t> </a:t>
+            </a:r>
+            <a:r>
+              <a:rPr lang="de-DE" spc="-1" dirty="0" err="1">
+                <a:solidFill>
+                  <a:srgbClr val="404040"/>
+                </a:solidFill>
+                <a:latin typeface="Century Gothic"/>
+              </a:rPr>
+              <a:t>model</a:t>
+            </a:r>
+            <a:r>
+              <a:rPr lang="de-DE" spc="-1" dirty="0">
+                <a:solidFill>
+                  <a:srgbClr val="404040"/>
+                </a:solidFill>
+                <a:latin typeface="Century Gothic"/>
+              </a:rPr>
+              <a:t> </a:t>
+            </a:r>
+            <a:r>
+              <a:rPr lang="de-DE" spc="-1" dirty="0" err="1">
+                <a:solidFill>
+                  <a:srgbClr val="404040"/>
+                </a:solidFill>
+                <a:latin typeface="Century Gothic"/>
+              </a:rPr>
+              <a:t>objects</a:t>
+            </a:r>
+            <a:endParaRPr lang="de-DE" spc="-1" dirty="0">
+              <a:solidFill>
+                <a:srgbClr val="404040"/>
+              </a:solidFill>
+              <a:latin typeface="Century Gothic"/>
+            </a:endParaRPr>
+          </a:p>
           <a:p>
             <a:pPr marL="343080" indent="-341280">
               <a:lnSpc>
@@ -28039,444 +28603,6 @@
                 </a:solidFill>
                 <a:latin typeface="Century Gothic"/>
               </a:rPr>
-              <a:t>Factory </a:t>
-            </a:r>
-            <a:r>
-              <a:rPr lang="de-DE" sz="1800" b="0" strike="noStrike" spc="-1" dirty="0" err="1">
-                <a:solidFill>
-                  <a:srgbClr val="404040"/>
-                </a:solidFill>
-                <a:latin typeface="Century Gothic"/>
-              </a:rPr>
-              <a:t>Method</a:t>
-            </a:r>
-            <a:r>
-              <a:rPr lang="de-DE" sz="1800" b="0" strike="noStrike" spc="-1" dirty="0">
-                <a:solidFill>
-                  <a:srgbClr val="404040"/>
-                </a:solidFill>
-                <a:latin typeface="Century Gothic"/>
-              </a:rPr>
-              <a:t> Pattern</a:t>
-            </a:r>
-          </a:p>
-          <a:p>
-            <a:pPr marL="343080" indent="-341280">
-              <a:lnSpc>
-                <a:spcPct val="100000"/>
-              </a:lnSpc>
-              <a:spcBef>
-                <a:spcPts val="1001"/>
-              </a:spcBef>
-              <a:buClr>
-                <a:srgbClr val="B31166"/>
-              </a:buClr>
-              <a:buSzPct val="80000"/>
-              <a:buFont typeface="Wingdings 3" charset="2"/>
-              <a:buChar char=""/>
-            </a:pPr>
-            <a:r>
-              <a:rPr lang="de-DE" spc="-1" dirty="0" err="1">
-                <a:solidFill>
-                  <a:srgbClr val="404040"/>
-                </a:solidFill>
-                <a:latin typeface="Century Gothic"/>
-              </a:rPr>
-              <a:t>Idea</a:t>
-            </a:r>
-            <a:r>
-              <a:rPr lang="de-DE" spc="-1" dirty="0">
-                <a:solidFill>
-                  <a:srgbClr val="404040"/>
-                </a:solidFill>
-                <a:latin typeface="Century Gothic"/>
-              </a:rPr>
-              <a:t>: </a:t>
-            </a:r>
-            <a:r>
-              <a:rPr lang="de-DE" spc="-1" dirty="0" err="1">
-                <a:solidFill>
-                  <a:srgbClr val="404040"/>
-                </a:solidFill>
-                <a:latin typeface="Century Gothic"/>
-              </a:rPr>
-              <a:t>Disguise</a:t>
-            </a:r>
-            <a:r>
-              <a:rPr lang="de-DE" spc="-1" dirty="0">
-                <a:solidFill>
-                  <a:srgbClr val="404040"/>
-                </a:solidFill>
-                <a:latin typeface="Century Gothic"/>
-              </a:rPr>
-              <a:t> </a:t>
-            </a:r>
-            <a:r>
-              <a:rPr lang="de-DE" spc="-1" dirty="0" err="1">
-                <a:solidFill>
-                  <a:srgbClr val="404040"/>
-                </a:solidFill>
-                <a:latin typeface="Century Gothic"/>
-              </a:rPr>
-              <a:t>the</a:t>
-            </a:r>
-            <a:r>
-              <a:rPr lang="de-DE" spc="-1" dirty="0">
-                <a:solidFill>
-                  <a:srgbClr val="404040"/>
-                </a:solidFill>
-                <a:latin typeface="Century Gothic"/>
-              </a:rPr>
-              <a:t> </a:t>
-            </a:r>
-            <a:r>
-              <a:rPr lang="de-DE" spc="-1" dirty="0" err="1">
-                <a:solidFill>
-                  <a:srgbClr val="404040"/>
-                </a:solidFill>
-                <a:latin typeface="Century Gothic"/>
-              </a:rPr>
-              <a:t>construction</a:t>
-            </a:r>
-            <a:r>
-              <a:rPr lang="de-DE" spc="-1" dirty="0">
-                <a:solidFill>
-                  <a:srgbClr val="404040"/>
-                </a:solidFill>
-                <a:latin typeface="Century Gothic"/>
-              </a:rPr>
-              <a:t> </a:t>
-            </a:r>
-            <a:r>
-              <a:rPr lang="de-DE" spc="-1" dirty="0" err="1">
-                <a:solidFill>
-                  <a:srgbClr val="404040"/>
-                </a:solidFill>
-                <a:latin typeface="Century Gothic"/>
-              </a:rPr>
-              <a:t>of</a:t>
-            </a:r>
-            <a:r>
-              <a:rPr lang="de-DE" spc="-1" dirty="0">
-                <a:solidFill>
-                  <a:srgbClr val="404040"/>
-                </a:solidFill>
-                <a:latin typeface="Century Gothic"/>
-              </a:rPr>
-              <a:t> a </a:t>
-            </a:r>
-            <a:r>
-              <a:rPr lang="de-DE" spc="-1" dirty="0" err="1">
-                <a:solidFill>
-                  <a:srgbClr val="404040"/>
-                </a:solidFill>
-                <a:latin typeface="Century Gothic"/>
-              </a:rPr>
-              <a:t>model</a:t>
-            </a:r>
-            <a:r>
-              <a:rPr lang="de-DE" spc="-1" dirty="0">
-                <a:solidFill>
-                  <a:srgbClr val="404040"/>
-                </a:solidFill>
-                <a:latin typeface="Century Gothic"/>
-              </a:rPr>
-              <a:t> </a:t>
-            </a:r>
-            <a:r>
-              <a:rPr lang="de-DE" spc="-1" dirty="0" err="1">
-                <a:solidFill>
-                  <a:srgbClr val="404040"/>
-                </a:solidFill>
-                <a:latin typeface="Century Gothic"/>
-              </a:rPr>
-              <a:t>with</a:t>
-            </a:r>
-            <a:r>
-              <a:rPr lang="de-DE" spc="-1" dirty="0">
-                <a:solidFill>
-                  <a:srgbClr val="404040"/>
-                </a:solidFill>
-                <a:latin typeface="Century Gothic"/>
-              </a:rPr>
-              <a:t> </a:t>
-            </a:r>
-            <a:r>
-              <a:rPr lang="de-DE" spc="-1" dirty="0" err="1">
-                <a:solidFill>
-                  <a:srgbClr val="404040"/>
-                </a:solidFill>
-                <a:latin typeface="Century Gothic"/>
-              </a:rPr>
-              <a:t>another</a:t>
-            </a:r>
-            <a:r>
-              <a:rPr lang="de-DE" spc="-1" dirty="0">
-                <a:solidFill>
-                  <a:srgbClr val="404040"/>
-                </a:solidFill>
-                <a:latin typeface="Century Gothic"/>
-              </a:rPr>
-              <a:t> </a:t>
-            </a:r>
-            <a:r>
-              <a:rPr lang="de-DE" spc="-1" dirty="0" err="1">
-                <a:solidFill>
-                  <a:srgbClr val="404040"/>
-                </a:solidFill>
-                <a:latin typeface="Century Gothic"/>
-              </a:rPr>
-              <a:t>class</a:t>
-            </a:r>
-            <a:r>
-              <a:rPr lang="de-DE" spc="-1" dirty="0">
-                <a:solidFill>
-                  <a:srgbClr val="404040"/>
-                </a:solidFill>
-                <a:latin typeface="Century Gothic"/>
-              </a:rPr>
-              <a:t>, </a:t>
-            </a:r>
-            <a:r>
-              <a:rPr lang="de-DE" spc="-1" dirty="0" err="1">
-                <a:solidFill>
-                  <a:srgbClr val="404040"/>
-                </a:solidFill>
-                <a:latin typeface="Century Gothic"/>
-              </a:rPr>
-              <a:t>the</a:t>
-            </a:r>
-            <a:r>
-              <a:rPr lang="de-DE" spc="-1" dirty="0">
-                <a:solidFill>
-                  <a:srgbClr val="404040"/>
-                </a:solidFill>
-                <a:latin typeface="Century Gothic"/>
-              </a:rPr>
-              <a:t> </a:t>
-            </a:r>
-            <a:r>
-              <a:rPr lang="de-DE" spc="-1" dirty="0" err="1">
-                <a:solidFill>
-                  <a:srgbClr val="404040"/>
-                </a:solidFill>
-                <a:latin typeface="Century Gothic"/>
-              </a:rPr>
-              <a:t>factory</a:t>
-            </a:r>
-            <a:endParaRPr lang="de-DE" spc="-1" dirty="0">
-              <a:solidFill>
-                <a:srgbClr val="404040"/>
-              </a:solidFill>
-              <a:latin typeface="Century Gothic"/>
-            </a:endParaRPr>
-          </a:p>
-          <a:p>
-            <a:pPr marL="343080" indent="-341280">
-              <a:lnSpc>
-                <a:spcPct val="100000"/>
-              </a:lnSpc>
-              <a:spcBef>
-                <a:spcPts val="1001"/>
-              </a:spcBef>
-              <a:buClr>
-                <a:srgbClr val="B31166"/>
-              </a:buClr>
-              <a:buSzPct val="80000"/>
-              <a:buFont typeface="Wingdings 3" charset="2"/>
-              <a:buChar char=""/>
-            </a:pPr>
-            <a:r>
-              <a:rPr lang="de-DE" spc="-1" dirty="0">
-                <a:solidFill>
-                  <a:srgbClr val="404040"/>
-                </a:solidFill>
-                <a:latin typeface="Century Gothic"/>
-              </a:rPr>
-              <a:t>In </a:t>
-            </a:r>
-            <a:r>
-              <a:rPr lang="de-DE" spc="-1" dirty="0" err="1">
-                <a:solidFill>
-                  <a:srgbClr val="404040"/>
-                </a:solidFill>
-                <a:latin typeface="Century Gothic"/>
-              </a:rPr>
-              <a:t>our</a:t>
-            </a:r>
-            <a:r>
-              <a:rPr lang="de-DE" spc="-1" dirty="0">
-                <a:solidFill>
-                  <a:srgbClr val="404040"/>
-                </a:solidFill>
-                <a:latin typeface="Century Gothic"/>
-              </a:rPr>
-              <a:t> </a:t>
-            </a:r>
-            <a:r>
-              <a:rPr lang="de-DE" spc="-1" dirty="0" err="1">
-                <a:solidFill>
-                  <a:srgbClr val="404040"/>
-                </a:solidFill>
-                <a:latin typeface="Century Gothic"/>
-              </a:rPr>
-              <a:t>case</a:t>
-            </a:r>
-            <a:r>
-              <a:rPr lang="de-DE" spc="-1" dirty="0">
-                <a:solidFill>
-                  <a:srgbClr val="404040"/>
-                </a:solidFill>
-                <a:latin typeface="Century Gothic"/>
-              </a:rPr>
-              <a:t>: </a:t>
-            </a:r>
-            <a:r>
-              <a:rPr lang="de-DE" spc="-1" dirty="0" err="1">
-                <a:solidFill>
-                  <a:srgbClr val="404040"/>
-                </a:solidFill>
-                <a:latin typeface="Century Gothic"/>
-              </a:rPr>
-              <a:t>Static</a:t>
-            </a:r>
-            <a:r>
-              <a:rPr lang="de-DE" spc="-1" dirty="0">
-                <a:solidFill>
-                  <a:srgbClr val="404040"/>
-                </a:solidFill>
-                <a:latin typeface="Century Gothic"/>
-              </a:rPr>
-              <a:t> </a:t>
-            </a:r>
-            <a:r>
-              <a:rPr lang="de-DE" spc="-1" dirty="0" err="1">
-                <a:solidFill>
-                  <a:srgbClr val="404040"/>
-                </a:solidFill>
-                <a:latin typeface="Century Gothic"/>
-              </a:rPr>
-              <a:t>methods</a:t>
-            </a:r>
-            <a:r>
-              <a:rPr lang="de-DE" spc="-1" dirty="0">
-                <a:solidFill>
-                  <a:srgbClr val="404040"/>
-                </a:solidFill>
-                <a:latin typeface="Century Gothic"/>
-              </a:rPr>
-              <a:t> </a:t>
-            </a:r>
-            <a:r>
-              <a:rPr lang="de-DE" spc="-1" dirty="0" err="1">
-                <a:solidFill>
-                  <a:srgbClr val="404040"/>
-                </a:solidFill>
-                <a:latin typeface="Century Gothic"/>
-              </a:rPr>
-              <a:t>to</a:t>
-            </a:r>
-            <a:r>
-              <a:rPr lang="de-DE" spc="-1" dirty="0">
-                <a:solidFill>
-                  <a:srgbClr val="404040"/>
-                </a:solidFill>
-                <a:latin typeface="Century Gothic"/>
-              </a:rPr>
-              <a:t> </a:t>
-            </a:r>
-            <a:r>
-              <a:rPr lang="de-DE" spc="-1" dirty="0" err="1">
-                <a:solidFill>
-                  <a:srgbClr val="404040"/>
-                </a:solidFill>
-                <a:latin typeface="Century Gothic"/>
-              </a:rPr>
-              <a:t>create</a:t>
-            </a:r>
-            <a:r>
-              <a:rPr lang="de-DE" spc="-1" dirty="0">
-                <a:solidFill>
-                  <a:srgbClr val="404040"/>
-                </a:solidFill>
-                <a:latin typeface="Century Gothic"/>
-              </a:rPr>
-              <a:t> </a:t>
-            </a:r>
-            <a:r>
-              <a:rPr lang="de-DE" spc="-1" dirty="0" err="1">
-                <a:solidFill>
-                  <a:srgbClr val="404040"/>
-                </a:solidFill>
-                <a:latin typeface="Century Gothic"/>
-              </a:rPr>
-              <a:t>new</a:t>
-            </a:r>
-            <a:r>
-              <a:rPr lang="de-DE" spc="-1" dirty="0">
-                <a:solidFill>
-                  <a:srgbClr val="404040"/>
-                </a:solidFill>
-                <a:latin typeface="Century Gothic"/>
-              </a:rPr>
-              <a:t> </a:t>
-            </a:r>
-            <a:r>
-              <a:rPr lang="de-DE" spc="-1" dirty="0" err="1">
-                <a:solidFill>
-                  <a:srgbClr val="404040"/>
-                </a:solidFill>
-                <a:latin typeface="Century Gothic"/>
-              </a:rPr>
-              <a:t>model</a:t>
-            </a:r>
-            <a:r>
-              <a:rPr lang="de-DE" spc="-1" dirty="0">
-                <a:solidFill>
-                  <a:srgbClr val="404040"/>
-                </a:solidFill>
-                <a:latin typeface="Century Gothic"/>
-              </a:rPr>
-              <a:t> </a:t>
-            </a:r>
-            <a:r>
-              <a:rPr lang="de-DE" spc="-1" dirty="0" err="1">
-                <a:solidFill>
-                  <a:srgbClr val="404040"/>
-                </a:solidFill>
-                <a:latin typeface="Century Gothic"/>
-              </a:rPr>
-              <a:t>objects</a:t>
-            </a:r>
-            <a:endParaRPr lang="de-DE" spc="-1" dirty="0">
-              <a:solidFill>
-                <a:srgbClr val="404040"/>
-              </a:solidFill>
-              <a:latin typeface="Century Gothic"/>
-            </a:endParaRPr>
-          </a:p>
-          <a:p>
-            <a:pPr marL="343080" indent="-341280">
-              <a:lnSpc>
-                <a:spcPct val="100000"/>
-              </a:lnSpc>
-              <a:spcBef>
-                <a:spcPts val="1001"/>
-              </a:spcBef>
-              <a:buClr>
-                <a:srgbClr val="B31166"/>
-              </a:buClr>
-              <a:buSzPct val="80000"/>
-              <a:buFont typeface="Wingdings 3" charset="2"/>
-              <a:buChar char=""/>
-            </a:pPr>
-            <a:r>
-              <a:rPr lang="de-DE" sz="1800" b="0" strike="noStrike" spc="-1" dirty="0">
-                <a:solidFill>
-                  <a:srgbClr val="404040"/>
-                </a:solidFill>
-                <a:latin typeface="Century Gothic"/>
-              </a:rPr>
               <a:t>-&gt; </a:t>
             </a:r>
             <a:r>
@@ -28579,7 +28705,7 @@
 </p:sld>
 </file>
 
-<file path=ppt/slides/slide21.xml><?xml version="1.0" encoding="utf-8"?>
+<file path=ppt/slides/slide22.xml><?xml version="1.0" encoding="utf-8"?>
 <p:sld xmlns:a="http://schemas.openxmlformats.org/drawingml/2006/main" xmlns:r="http://schemas.openxmlformats.org/officeDocument/2006/relationships" xmlns:p="http://schemas.openxmlformats.org/presentationml/2006/main">
   <p:cSld>
     <p:spTree>
@@ -28703,7 +28829,7 @@
 </p:sld>
 </file>
 
-<file path=ppt/slides/slide22.xml><?xml version="1.0" encoding="utf-8"?>
+<file path=ppt/slides/slide23.xml><?xml version="1.0" encoding="utf-8"?>
 <p:sld xmlns:a="http://schemas.openxmlformats.org/drawingml/2006/main" xmlns:r="http://schemas.openxmlformats.org/officeDocument/2006/relationships" xmlns:p="http://schemas.openxmlformats.org/presentationml/2006/main">
   <p:cSld>
     <p:spTree>
@@ -28827,7 +28953,7 @@
 </p:sld>
 </file>
 
-<file path=ppt/slides/slide23.xml><?xml version="1.0" encoding="utf-8"?>
+<file path=ppt/slides/slide24.xml><?xml version="1.0" encoding="utf-8"?>
 <p:sld xmlns:a="http://schemas.openxmlformats.org/drawingml/2006/main" xmlns:r="http://schemas.openxmlformats.org/officeDocument/2006/relationships" xmlns:p="http://schemas.openxmlformats.org/presentationml/2006/main">
   <p:cSld>
     <p:spTree>
@@ -28997,176 +29123,6 @@
 </p:sld>
 </file>
 
-<file path=ppt/slides/slide24.xml><?xml version="1.0" encoding="utf-8"?>
-<p:sld xmlns:a="http://schemas.openxmlformats.org/drawingml/2006/main" xmlns:r="http://schemas.openxmlformats.org/officeDocument/2006/relationships" xmlns:p="http://schemas.openxmlformats.org/presentationml/2006/main">
-  <p:cSld>
-    <p:spTree>
-      <p:nvGrpSpPr>
-        <p:cNvPr id="1" name=""/>
-        <p:cNvGrpSpPr/>
-        <p:nvPr/>
-      </p:nvGrpSpPr>
-      <p:grpSpPr>
-        <a:xfrm>
-          <a:off x="0" y="0"/>
-          <a:ext cx="0" cy="0"/>
-          <a:chOff x="0" y="0"/>
-          <a:chExt cx="0" cy="0"/>
-        </a:xfrm>
-      </p:grpSpPr>
-      <p:sp>
-        <p:nvSpPr>
-          <p:cNvPr id="486" name="CustomShape 1"/>
-          <p:cNvSpPr/>
-          <p:nvPr/>
-        </p:nvSpPr>
-        <p:spPr>
-          <a:xfrm>
-            <a:off x="1154880" y="973800"/>
-            <a:ext cx="8760240" cy="705240"/>
-          </a:xfrm>
-          <a:prstGeom prst="rect">
-            <a:avLst/>
-          </a:prstGeom>
-          <a:noFill/>
-          <a:ln>
-            <a:noFill/>
-          </a:ln>
-        </p:spPr>
-        <p:style>
-          <a:lnRef idx="0">
-            <a:scrgbClr r="0" g="0" b="0"/>
-          </a:lnRef>
-          <a:fillRef idx="0">
-            <a:scrgbClr r="0" g="0" b="0"/>
-          </a:fillRef>
-          <a:effectRef idx="0">
-            <a:scrgbClr r="0" g="0" b="0"/>
-          </a:effectRef>
-          <a:fontRef idx="minor"/>
-        </p:style>
-        <p:txBody>
-          <a:bodyPr lIns="90000" tIns="45000" rIns="90000" bIns="45000" anchor="ctr">
-            <a:noAutofit/>
-          </a:bodyPr>
-          <a:lstStyle/>
-          <a:p>
-            <a:pPr>
-              <a:lnSpc>
-                <a:spcPct val="100000"/>
-              </a:lnSpc>
-            </a:pPr>
-            <a:r>
-              <a:rPr lang="de-DE" sz="3600" b="0" strike="noStrike" spc="-1" dirty="0" err="1">
-                <a:solidFill>
-                  <a:srgbClr val="EBEBEB"/>
-                </a:solidFill>
-                <a:latin typeface="Century Gothic"/>
-                <a:ea typeface="DejaVu Sans"/>
-              </a:rPr>
-              <a:t>Configuration</a:t>
-            </a:r>
-            <a:endParaRPr lang="de-DE" sz="3600" b="0" strike="noStrike" spc="-1" dirty="0">
-              <a:latin typeface="Arial"/>
-            </a:endParaRPr>
-          </a:p>
-        </p:txBody>
-      </p:sp>
-      <p:sp>
-        <p:nvSpPr>
-          <p:cNvPr id="487" name="CustomShape 2"/>
-          <p:cNvSpPr/>
-          <p:nvPr/>
-        </p:nvSpPr>
-        <p:spPr>
-          <a:xfrm>
-            <a:off x="1154880" y="2603520"/>
-            <a:ext cx="8824680" cy="3414600"/>
-          </a:xfrm>
-          <a:prstGeom prst="rect">
-            <a:avLst/>
-          </a:prstGeom>
-          <a:noFill/>
-          <a:ln>
-            <a:noFill/>
-          </a:ln>
-        </p:spPr>
-        <p:style>
-          <a:lnRef idx="0">
-            <a:scrgbClr r="0" g="0" b="0"/>
-          </a:lnRef>
-          <a:fillRef idx="0">
-            <a:scrgbClr r="0" g="0" b="0"/>
-          </a:fillRef>
-          <a:effectRef idx="0">
-            <a:scrgbClr r="0" g="0" b="0"/>
-          </a:effectRef>
-          <a:fontRef idx="minor"/>
-        </p:style>
-        <p:txBody>
-          <a:bodyPr lIns="90000" tIns="45000" rIns="90000" bIns="45000">
-            <a:noAutofit/>
-          </a:bodyPr>
-          <a:lstStyle/>
-          <a:p>
-            <a:pPr marL="343080" indent="-341280">
-              <a:lnSpc>
-                <a:spcPct val="100000"/>
-              </a:lnSpc>
-              <a:spcBef>
-                <a:spcPts val="1001"/>
-              </a:spcBef>
-              <a:buClr>
-                <a:srgbClr val="B31166"/>
-              </a:buClr>
-              <a:buSzPct val="80000"/>
-              <a:buFont typeface="Wingdings 3" charset="2"/>
-              <a:buChar char=""/>
-            </a:pPr>
-            <a:r>
-              <a:rPr lang="de-DE" sz="1800" b="0" strike="noStrike" spc="-1" dirty="0" err="1">
-                <a:solidFill>
-                  <a:srgbClr val="404040"/>
-                </a:solidFill>
-                <a:latin typeface="Century Gothic"/>
-                <a:ea typeface="DejaVu Sans"/>
-              </a:rPr>
-              <a:t>No</a:t>
-            </a:r>
-            <a:r>
-              <a:rPr lang="de-DE" sz="1800" b="0" strike="noStrike" spc="-1" dirty="0">
-                <a:solidFill>
-                  <a:srgbClr val="404040"/>
-                </a:solidFill>
-                <a:latin typeface="Century Gothic"/>
-                <a:ea typeface="DejaVu Sans"/>
-              </a:rPr>
-              <a:t> </a:t>
-            </a:r>
-            <a:r>
-              <a:rPr lang="de-DE" sz="1800" b="0" strike="noStrike" spc="-1" dirty="0" err="1">
-                <a:solidFill>
-                  <a:srgbClr val="404040"/>
-                </a:solidFill>
-                <a:latin typeface="Century Gothic"/>
-                <a:ea typeface="DejaVu Sans"/>
-              </a:rPr>
-              <a:t>clue</a:t>
-            </a:r>
-            <a:endParaRPr lang="de-DE" sz="1800" b="0" strike="noStrike" spc="-1" dirty="0">
-              <a:latin typeface="Arial"/>
-            </a:endParaRPr>
-          </a:p>
-        </p:txBody>
-      </p:sp>
-    </p:spTree>
-  </p:cSld>
-  <p:clrMapOvr>
-    <a:masterClrMapping/>
-  </p:clrMapOvr>
-</p:sld>
-</file>
-
 <file path=ppt/slides/slide25.xml><?xml version="1.0" encoding="utf-8"?>
 <p:sld xmlns:a="http://schemas.openxmlformats.org/drawingml/2006/main" xmlns:r="http://schemas.openxmlformats.org/officeDocument/2006/relationships" xmlns:p="http://schemas.openxmlformats.org/presentationml/2006/main">
   <p:cSld>
@@ -29186,7 +29142,7 @@
       </p:grpSpPr>
       <p:sp>
         <p:nvSpPr>
-          <p:cNvPr id="488" name="CustomShape 1"/>
+          <p:cNvPr id="486" name="CustomShape 1"/>
           <p:cNvSpPr/>
           <p:nvPr/>
         </p:nvSpPr>
@@ -29227,24 +29183,24 @@
               </a:lnSpc>
             </a:pPr>
             <a:r>
-              <a:rPr lang="de-DE" sz="3600" b="0" strike="noStrike" spc="-1">
+              <a:rPr lang="de-DE" sz="3600" b="0" strike="noStrike" spc="-1" dirty="0" err="1">
                 <a:solidFill>
                   <a:srgbClr val="EBEBEB"/>
                 </a:solidFill>
                 <a:latin typeface="Century Gothic"/>
                 <a:ea typeface="DejaVu Sans"/>
               </a:rPr>
-              <a:t>Automation</a:t>
-            </a:r>
-            <a:endParaRPr lang="de-DE" sz="3600" b="0" strike="noStrike" spc="-1">
-              <a:latin typeface="Arial"/>
-            </a:endParaRPr>
-          </a:p>
-        </p:txBody>
-      </p:sp>
-      <p:sp>
-        <p:nvSpPr>
-          <p:cNvPr id="489" name="CustomShape 2"/>
+              <a:t>Configuration</a:t>
+            </a:r>
+            <a:endParaRPr lang="de-DE" sz="3600" b="0" strike="noStrike" spc="-1" dirty="0">
+              <a:latin typeface="Arial"/>
+            </a:endParaRPr>
+          </a:p>
+        </p:txBody>
+      </p:sp>
+      <p:sp>
+        <p:nvSpPr>
+          <p:cNvPr id="487" name="CustomShape 2"/>
           <p:cNvSpPr/>
           <p:nvPr/>
         </p:nvSpPr>
@@ -29275,7 +29231,7 @@
         </p:style>
         <p:txBody>
           <a:bodyPr lIns="90000" tIns="45000" rIns="90000" bIns="45000">
-            <a:normAutofit fontScale="88000" lnSpcReduction="20000"/>
+            <a:noAutofit/>
           </a:bodyPr>
           <a:lstStyle/>
           <a:p>
@@ -29294,135 +29250,36 @@
               <a:buChar char=""/>
             </a:pPr>
             <a:r>
-              <a:rPr lang="de-DE" sz="1800" b="0" strike="noStrike" spc="-1">
+              <a:rPr lang="de-DE" sz="1800" b="0" strike="noStrike" spc="-1" dirty="0" err="1">
                 <a:solidFill>
                   <a:srgbClr val="404040"/>
                 </a:solidFill>
                 <a:latin typeface="Century Gothic"/>
                 <a:ea typeface="DejaVu Sans"/>
               </a:rPr>
-              <a:t>Tests, DIE, git, YouTrack SHOW Integration</a:t>
-            </a:r>
-            <a:endParaRPr lang="de-DE" sz="1800" b="0" strike="noStrike" spc="-1">
-              <a:latin typeface="Arial"/>
-            </a:endParaRPr>
-          </a:p>
-          <a:p>
-            <a:pPr>
-              <a:lnSpc>
-                <a:spcPct val="100000"/>
-              </a:lnSpc>
-              <a:spcBef>
-                <a:spcPts val="1001"/>
-              </a:spcBef>
-            </a:pPr>
-            <a:endParaRPr lang="de-DE" sz="1800" b="0" strike="noStrike" spc="-1">
-              <a:latin typeface="Arial"/>
-            </a:endParaRPr>
-          </a:p>
-          <a:p>
-            <a:pPr marL="343080" indent="-341280">
-              <a:lnSpc>
-                <a:spcPct val="100000"/>
-              </a:lnSpc>
-              <a:spcBef>
-                <a:spcPts val="1001"/>
-              </a:spcBef>
-              <a:buClr>
-                <a:srgbClr val="B31166"/>
-              </a:buClr>
-              <a:buSzPct val="80000"/>
-              <a:buFont typeface="Wingdings 3" charset="2"/>
-              <a:buChar char=""/>
-            </a:pPr>
-            <a:r>
-              <a:rPr lang="de-DE" sz="1800" b="0" strike="noStrike" spc="-1">
+              <a:t>No</a:t>
+            </a:r>
+            <a:r>
+              <a:rPr lang="de-DE" sz="1800" b="0" strike="noStrike" spc="-1" dirty="0">
                 <a:solidFill>
                   <a:srgbClr val="404040"/>
                 </a:solidFill>
                 <a:latin typeface="Century Gothic"/>
                 <a:ea typeface="DejaVu Sans"/>
               </a:rPr>
-              <a:t>Automated testing is important, why is it important. Are you mentioning that in your talk, </a:t>
-            </a:r>
-            <a:br/>
-            <a:r>
-              <a:rPr lang="de-DE" sz="1800" b="0" strike="noStrike" spc="-1">
+              <a:t> </a:t>
+            </a:r>
+            <a:r>
+              <a:rPr lang="de-DE" sz="1800" b="0" strike="noStrike" spc="-1" dirty="0" err="1">
                 <a:solidFill>
                   <a:srgbClr val="404040"/>
                 </a:solidFill>
                 <a:latin typeface="Century Gothic"/>
                 <a:ea typeface="DejaVu Sans"/>
               </a:rPr>
-              <a:t>are you explaining how it is integrated into your project. what does this mean for the client? </a:t>
-            </a:r>
-            <a:br/>
-            <a:r>
-              <a:rPr lang="de-DE" sz="1800" b="1" strike="noStrike" spc="-1">
-                <a:solidFill>
-                  <a:srgbClr val="404040"/>
-                </a:solidFill>
-                <a:latin typeface="Century Gothic"/>
-                <a:ea typeface="DejaVu Sans"/>
-              </a:rPr>
-              <a:t>Present proof that yours are executed. </a:t>
-            </a:r>
-            <a:br/>
-            <a:r>
-              <a:rPr lang="de-DE" sz="1800" b="0" strike="noStrike" spc="-1">
-                <a:solidFill>
-                  <a:srgbClr val="404040"/>
-                </a:solidFill>
-                <a:latin typeface="Century Gothic"/>
-                <a:ea typeface="DejaVu Sans"/>
-              </a:rPr>
-              <a:t>So - not only are you implementing it technically, but you are also arguing in your presentation </a:t>
-            </a:r>
-            <a:br/>
-            <a:r>
-              <a:rPr lang="de-DE" sz="1800" b="0" strike="noStrike" spc="-1">
-                <a:solidFill>
-                  <a:srgbClr val="404040"/>
-                </a:solidFill>
-                <a:latin typeface="Century Gothic"/>
-                <a:ea typeface="DejaVu Sans"/>
-              </a:rPr>
-              <a:t>how it is integrated into your project management and software engineering process and </a:t>
-            </a:r>
-            <a:br/>
-            <a:r>
-              <a:rPr lang="de-DE" sz="1800" b="0" strike="noStrike" spc="-1">
-                <a:solidFill>
-                  <a:srgbClr val="404040"/>
-                </a:solidFill>
-                <a:latin typeface="Century Gothic"/>
-                <a:ea typeface="DejaVu Sans"/>
-              </a:rPr>
-              <a:t>methodology of running your project. </a:t>
-            </a:r>
-            <a:br/>
-            <a:r>
-              <a:rPr lang="de-DE" sz="1800" b="0" strike="noStrike" spc="-1">
-                <a:solidFill>
-                  <a:srgbClr val="404040"/>
-                </a:solidFill>
-                <a:latin typeface="Century Gothic"/>
-                <a:ea typeface="DejaVu Sans"/>
-              </a:rPr>
-              <a:t>You dont need to mention it 4 times, but for me I need to see whether you cover all aspects</a:t>
-            </a:r>
-            <a:br/>
-            <a:r>
-              <a:rPr lang="de-DE" sz="1800" b="0" strike="noStrike" spc="-1">
-                <a:solidFill>
-                  <a:srgbClr val="404040"/>
-                </a:solidFill>
-                <a:latin typeface="Century Gothic"/>
-                <a:ea typeface="DejaVu Sans"/>
-              </a:rPr>
-              <a:t>of the testing during your talk.</a:t>
-            </a:r>
-            <a:endParaRPr lang="de-DE" sz="1800" b="0" strike="noStrike" spc="-1">
+              <a:t>clue</a:t>
+            </a:r>
+            <a:endParaRPr lang="de-DE" sz="1800" b="0" strike="noStrike" spc="-1" dirty="0">
               <a:latin typeface="Arial"/>
             </a:endParaRPr>
           </a:p>
@@ -29455,14 +29312,14 @@
       </p:grpSpPr>
       <p:sp>
         <p:nvSpPr>
-          <p:cNvPr id="490" name="CustomShape 1"/>
+          <p:cNvPr id="488" name="CustomShape 1"/>
           <p:cNvSpPr/>
           <p:nvPr/>
         </p:nvSpPr>
         <p:spPr>
           <a:xfrm>
-            <a:off x="1154880" y="2677680"/>
-            <a:ext cx="4349520" cy="2282040"/>
+            <a:off x="1154880" y="973800"/>
+            <a:ext cx="8760240" cy="705240"/>
           </a:xfrm>
           <a:prstGeom prst="rect">
             <a:avLst/>
@@ -29496,31 +29353,31 @@
               </a:lnSpc>
             </a:pPr>
             <a:r>
-              <a:rPr lang="de-DE" sz="4000" b="0" strike="noStrike" spc="-1">
+              <a:rPr lang="de-DE" sz="3600" b="0" strike="noStrike" spc="-1">
                 <a:solidFill>
                   <a:srgbClr val="EBEBEB"/>
                 </a:solidFill>
                 <a:latin typeface="Century Gothic"/>
                 <a:ea typeface="DejaVu Sans"/>
               </a:rPr>
-              <a:t>Technology</a:t>
-            </a:r>
-            <a:endParaRPr lang="de-DE" sz="4000" b="0" strike="noStrike" spc="-1">
-              <a:latin typeface="Arial"/>
-            </a:endParaRPr>
-          </a:p>
-        </p:txBody>
-      </p:sp>
-      <p:sp>
-        <p:nvSpPr>
-          <p:cNvPr id="491" name="CustomShape 2"/>
+              <a:t>Automation</a:t>
+            </a:r>
+            <a:endParaRPr lang="de-DE" sz="3600" b="0" strike="noStrike" spc="-1">
+              <a:latin typeface="Arial"/>
+            </a:endParaRPr>
+          </a:p>
+        </p:txBody>
+      </p:sp>
+      <p:sp>
+        <p:nvSpPr>
+          <p:cNvPr id="489" name="CustomShape 2"/>
           <p:cNvSpPr/>
           <p:nvPr/>
         </p:nvSpPr>
         <p:spPr>
           <a:xfrm>
-            <a:off x="6895800" y="2677680"/>
-            <a:ext cx="3756240" cy="2282040"/>
+            <a:off x="1154880" y="2603520"/>
+            <a:ext cx="8824680" cy="3414600"/>
           </a:xfrm>
           <a:prstGeom prst="rect">
             <a:avLst/>
@@ -29543,10 +29400,39 @@
           <a:fontRef idx="minor"/>
         </p:style>
         <p:txBody>
-          <a:bodyPr lIns="90000" tIns="45000" rIns="90000" bIns="45000" anchor="ctr">
-            <a:noAutofit/>
-          </a:bodyPr>
-          <a:lstStyle/>
+          <a:bodyPr lIns="90000" tIns="45000" rIns="90000" bIns="45000">
+            <a:normAutofit fontScale="88000" lnSpcReduction="20000"/>
+          </a:bodyPr>
+          <a:lstStyle/>
+          <a:p>
+            <a:pPr marL="343080" indent="-341280">
+              <a:lnSpc>
+                <a:spcPct val="100000"/>
+              </a:lnSpc>
+              <a:spcBef>
+                <a:spcPts val="1001"/>
+              </a:spcBef>
+              <a:buClr>
+                <a:srgbClr val="B31166"/>
+              </a:buClr>
+              <a:buSzPct val="80000"/>
+              <a:buFont typeface="Wingdings 3" charset="2"/>
+              <a:buChar char=""/>
+            </a:pPr>
+            <a:r>
+              <a:rPr lang="de-DE" sz="1800" b="0" strike="noStrike" spc="-1">
+                <a:solidFill>
+                  <a:srgbClr val="404040"/>
+                </a:solidFill>
+                <a:latin typeface="Century Gothic"/>
+                <a:ea typeface="DejaVu Sans"/>
+              </a:rPr>
+              <a:t>Tests, DIE, git, YouTrack SHOW Integration</a:t>
+            </a:r>
+            <a:endParaRPr lang="de-DE" sz="1800" b="0" strike="noStrike" spc="-1">
+              <a:latin typeface="Arial"/>
+            </a:endParaRPr>
+          </a:p>
           <a:p>
             <a:pPr>
               <a:lnSpc>
@@ -29556,63 +29442,134 @@
                 <a:spcPts val="1001"/>
               </a:spcBef>
             </a:pPr>
-            <a:r>
-              <a:rPr lang="de-DE" sz="2000" b="0" strike="noStrike" cap="all" spc="-1">
-                <a:solidFill>
-                  <a:srgbClr val="EF53A5"/>
-                </a:solidFill>
-                <a:latin typeface="Century Gothic"/>
-                <a:ea typeface="DejaVu Sans"/>
-              </a:rPr>
-              <a:t>Class diagram</a:t>
-            </a:r>
-            <a:endParaRPr lang="de-DE" sz="2000" b="0" strike="noStrike" spc="-1">
-              <a:latin typeface="Arial"/>
-            </a:endParaRPr>
-          </a:p>
-          <a:p>
-            <a:pPr>
+            <a:endParaRPr lang="de-DE" sz="1800" b="0" strike="noStrike" spc="-1">
+              <a:latin typeface="Arial"/>
+            </a:endParaRPr>
+          </a:p>
+          <a:p>
+            <a:pPr marL="343080" indent="-341280">
               <a:lnSpc>
                 <a:spcPct val="100000"/>
               </a:lnSpc>
               <a:spcBef>
                 <a:spcPts val="1001"/>
               </a:spcBef>
+              <a:buClr>
+                <a:srgbClr val="B31166"/>
+              </a:buClr>
+              <a:buSzPct val="80000"/>
+              <a:buFont typeface="Wingdings 3" charset="2"/>
+              <a:buChar char=""/>
             </a:pPr>
             <a:r>
-              <a:rPr lang="de-DE" sz="2000" b="0" strike="noStrike" cap="all" spc="-1">
+              <a:rPr lang="de-DE" sz="1800" b="0" strike="noStrike" spc="-1">
                 <a:solidFill>
-                  <a:srgbClr val="EF53A5"/>
+                  <a:srgbClr val="404040"/>
                 </a:solidFill>
                 <a:latin typeface="Century Gothic"/>
                 <a:ea typeface="DejaVu Sans"/>
               </a:rPr>
-              <a:t>Technical Ability</a:t>
-            </a:r>
-            <a:endParaRPr lang="de-DE" sz="2000" b="0" strike="noStrike" spc="-1">
-              <a:latin typeface="Arial"/>
-            </a:endParaRPr>
-          </a:p>
-          <a:p>
-            <a:pPr>
-              <a:lnSpc>
-                <a:spcPct val="100000"/>
-              </a:lnSpc>
-              <a:spcBef>
-                <a:spcPts val="1001"/>
-              </a:spcBef>
-            </a:pPr>
-            <a:r>
-              <a:rPr lang="de-DE" sz="2000" b="0" strike="noStrike" cap="all" spc="-1">
+              <a:t>Automated testing is important, why is it important. Are you mentioning that in your talk, </a:t>
+            </a:r>
+            <a:r>
+              <a:t/>
+            </a:r>
+            <a:br/>
+            <a:r>
+              <a:rPr lang="de-DE" sz="1800" b="0" strike="noStrike" spc="-1">
                 <a:solidFill>
-                  <a:srgbClr val="EF53A5"/>
+                  <a:srgbClr val="404040"/>
                 </a:solidFill>
                 <a:latin typeface="Century Gothic"/>
                 <a:ea typeface="DejaVu Sans"/>
               </a:rPr>
-              <a:t>live demo</a:t>
-            </a:r>
-            <a:endParaRPr lang="de-DE" sz="2000" b="0" strike="noStrike" spc="-1">
+              <a:t>are you explaining how it is integrated into your project. what does this mean for the client? </a:t>
+            </a:r>
+            <a:r>
+              <a:t/>
+            </a:r>
+            <a:br/>
+            <a:r>
+              <a:rPr lang="de-DE" sz="1800" b="1" strike="noStrike" spc="-1">
+                <a:solidFill>
+                  <a:srgbClr val="404040"/>
+                </a:solidFill>
+                <a:latin typeface="Century Gothic"/>
+                <a:ea typeface="DejaVu Sans"/>
+              </a:rPr>
+              <a:t>Present proof that yours are executed. </a:t>
+            </a:r>
+            <a:r>
+              <a:t/>
+            </a:r>
+            <a:br/>
+            <a:r>
+              <a:rPr lang="de-DE" sz="1800" b="0" strike="noStrike" spc="-1">
+                <a:solidFill>
+                  <a:srgbClr val="404040"/>
+                </a:solidFill>
+                <a:latin typeface="Century Gothic"/>
+                <a:ea typeface="DejaVu Sans"/>
+              </a:rPr>
+              <a:t>So - not only are you implementing it technically, but you are also arguing in your presentation </a:t>
+            </a:r>
+            <a:r>
+              <a:t/>
+            </a:r>
+            <a:br/>
+            <a:r>
+              <a:rPr lang="de-DE" sz="1800" b="0" strike="noStrike" spc="-1">
+                <a:solidFill>
+                  <a:srgbClr val="404040"/>
+                </a:solidFill>
+                <a:latin typeface="Century Gothic"/>
+                <a:ea typeface="DejaVu Sans"/>
+              </a:rPr>
+              <a:t>how it is integrated into your project management and software engineering process and </a:t>
+            </a:r>
+            <a:r>
+              <a:t/>
+            </a:r>
+            <a:br/>
+            <a:r>
+              <a:rPr lang="de-DE" sz="1800" b="0" strike="noStrike" spc="-1">
+                <a:solidFill>
+                  <a:srgbClr val="404040"/>
+                </a:solidFill>
+                <a:latin typeface="Century Gothic"/>
+                <a:ea typeface="DejaVu Sans"/>
+              </a:rPr>
+              <a:t>methodology of running your project. </a:t>
+            </a:r>
+            <a:r>
+              <a:t/>
+            </a:r>
+            <a:br/>
+            <a:r>
+              <a:rPr lang="de-DE" sz="1800" b="0" strike="noStrike" spc="-1">
+                <a:solidFill>
+                  <a:srgbClr val="404040"/>
+                </a:solidFill>
+                <a:latin typeface="Century Gothic"/>
+                <a:ea typeface="DejaVu Sans"/>
+              </a:rPr>
+              <a:t>You dont need to mention it 4 times, but for me I need to see whether you cover all aspects</a:t>
+            </a:r>
+            <a:r>
+              <a:t/>
+            </a:r>
+            <a:br/>
+            <a:r>
+              <a:rPr lang="de-DE" sz="1800" b="0" strike="noStrike" spc="-1">
+                <a:solidFill>
+                  <a:srgbClr val="404040"/>
+                </a:solidFill>
+                <a:latin typeface="Century Gothic"/>
+                <a:ea typeface="DejaVu Sans"/>
+              </a:rPr>
+              <a:t>of the testing during your talk.</a:t>
+            </a:r>
+            <a:endParaRPr lang="de-DE" sz="1800" b="0" strike="noStrike" spc="-1">
               <a:latin typeface="Arial"/>
             </a:endParaRPr>
           </a:p>
@@ -29627,6 +29584,196 @@
 </file>
 
 <file path=ppt/slides/slide27.xml><?xml version="1.0" encoding="utf-8"?>
+<p:sld xmlns:a="http://schemas.openxmlformats.org/drawingml/2006/main" xmlns:r="http://schemas.openxmlformats.org/officeDocument/2006/relationships" xmlns:p="http://schemas.openxmlformats.org/presentationml/2006/main">
+  <p:cSld>
+    <p:spTree>
+      <p:nvGrpSpPr>
+        <p:cNvPr id="1" name=""/>
+        <p:cNvGrpSpPr/>
+        <p:nvPr/>
+      </p:nvGrpSpPr>
+      <p:grpSpPr>
+        <a:xfrm>
+          <a:off x="0" y="0"/>
+          <a:ext cx="0" cy="0"/>
+          <a:chOff x="0" y="0"/>
+          <a:chExt cx="0" cy="0"/>
+        </a:xfrm>
+      </p:grpSpPr>
+      <p:sp>
+        <p:nvSpPr>
+          <p:cNvPr id="490" name="CustomShape 1"/>
+          <p:cNvSpPr/>
+          <p:nvPr/>
+        </p:nvSpPr>
+        <p:spPr>
+          <a:xfrm>
+            <a:off x="1154880" y="2677680"/>
+            <a:ext cx="4349520" cy="2282040"/>
+          </a:xfrm>
+          <a:prstGeom prst="rect">
+            <a:avLst/>
+          </a:prstGeom>
+          <a:noFill/>
+          <a:ln>
+            <a:noFill/>
+          </a:ln>
+        </p:spPr>
+        <p:style>
+          <a:lnRef idx="0">
+            <a:scrgbClr r="0" g="0" b="0"/>
+          </a:lnRef>
+          <a:fillRef idx="0">
+            <a:scrgbClr r="0" g="0" b="0"/>
+          </a:fillRef>
+          <a:effectRef idx="0">
+            <a:scrgbClr r="0" g="0" b="0"/>
+          </a:effectRef>
+          <a:fontRef idx="minor"/>
+        </p:style>
+        <p:txBody>
+          <a:bodyPr lIns="90000" tIns="45000" rIns="90000" bIns="45000" anchor="ctr">
+            <a:noAutofit/>
+          </a:bodyPr>
+          <a:lstStyle/>
+          <a:p>
+            <a:pPr>
+              <a:lnSpc>
+                <a:spcPct val="100000"/>
+              </a:lnSpc>
+            </a:pPr>
+            <a:r>
+              <a:rPr lang="de-DE" sz="4000" b="0" strike="noStrike" spc="-1">
+                <a:solidFill>
+                  <a:srgbClr val="EBEBEB"/>
+                </a:solidFill>
+                <a:latin typeface="Century Gothic"/>
+                <a:ea typeface="DejaVu Sans"/>
+              </a:rPr>
+              <a:t>Technology</a:t>
+            </a:r>
+            <a:endParaRPr lang="de-DE" sz="4000" b="0" strike="noStrike" spc="-1">
+              <a:latin typeface="Arial"/>
+            </a:endParaRPr>
+          </a:p>
+        </p:txBody>
+      </p:sp>
+      <p:sp>
+        <p:nvSpPr>
+          <p:cNvPr id="491" name="CustomShape 2"/>
+          <p:cNvSpPr/>
+          <p:nvPr/>
+        </p:nvSpPr>
+        <p:spPr>
+          <a:xfrm>
+            <a:off x="6895800" y="2677680"/>
+            <a:ext cx="3756240" cy="2282040"/>
+          </a:xfrm>
+          <a:prstGeom prst="rect">
+            <a:avLst/>
+          </a:prstGeom>
+          <a:noFill/>
+          <a:ln>
+            <a:noFill/>
+          </a:ln>
+        </p:spPr>
+        <p:style>
+          <a:lnRef idx="0">
+            <a:scrgbClr r="0" g="0" b="0"/>
+          </a:lnRef>
+          <a:fillRef idx="0">
+            <a:scrgbClr r="0" g="0" b="0"/>
+          </a:fillRef>
+          <a:effectRef idx="0">
+            <a:scrgbClr r="0" g="0" b="0"/>
+          </a:effectRef>
+          <a:fontRef idx="minor"/>
+        </p:style>
+        <p:txBody>
+          <a:bodyPr lIns="90000" tIns="45000" rIns="90000" bIns="45000" anchor="ctr">
+            <a:noAutofit/>
+          </a:bodyPr>
+          <a:lstStyle/>
+          <a:p>
+            <a:pPr>
+              <a:lnSpc>
+                <a:spcPct val="100000"/>
+              </a:lnSpc>
+              <a:spcBef>
+                <a:spcPts val="1001"/>
+              </a:spcBef>
+            </a:pPr>
+            <a:r>
+              <a:rPr lang="de-DE" sz="2000" b="0" strike="noStrike" cap="all" spc="-1">
+                <a:solidFill>
+                  <a:srgbClr val="EF53A5"/>
+                </a:solidFill>
+                <a:latin typeface="Century Gothic"/>
+                <a:ea typeface="DejaVu Sans"/>
+              </a:rPr>
+              <a:t>Class diagram</a:t>
+            </a:r>
+            <a:endParaRPr lang="de-DE" sz="2000" b="0" strike="noStrike" spc="-1">
+              <a:latin typeface="Arial"/>
+            </a:endParaRPr>
+          </a:p>
+          <a:p>
+            <a:pPr>
+              <a:lnSpc>
+                <a:spcPct val="100000"/>
+              </a:lnSpc>
+              <a:spcBef>
+                <a:spcPts val="1001"/>
+              </a:spcBef>
+            </a:pPr>
+            <a:r>
+              <a:rPr lang="de-DE" sz="2000" b="0" strike="noStrike" cap="all" spc="-1">
+                <a:solidFill>
+                  <a:srgbClr val="EF53A5"/>
+                </a:solidFill>
+                <a:latin typeface="Century Gothic"/>
+                <a:ea typeface="DejaVu Sans"/>
+              </a:rPr>
+              <a:t>Technical Ability</a:t>
+            </a:r>
+            <a:endParaRPr lang="de-DE" sz="2000" b="0" strike="noStrike" spc="-1">
+              <a:latin typeface="Arial"/>
+            </a:endParaRPr>
+          </a:p>
+          <a:p>
+            <a:pPr>
+              <a:lnSpc>
+                <a:spcPct val="100000"/>
+              </a:lnSpc>
+              <a:spcBef>
+                <a:spcPts val="1001"/>
+              </a:spcBef>
+            </a:pPr>
+            <a:r>
+              <a:rPr lang="de-DE" sz="2000" b="0" strike="noStrike" cap="all" spc="-1">
+                <a:solidFill>
+                  <a:srgbClr val="EF53A5"/>
+                </a:solidFill>
+                <a:latin typeface="Century Gothic"/>
+                <a:ea typeface="DejaVu Sans"/>
+              </a:rPr>
+              <a:t>live demo</a:t>
+            </a:r>
+            <a:endParaRPr lang="de-DE" sz="2000" b="0" strike="noStrike" spc="-1">
+              <a:latin typeface="Arial"/>
+            </a:endParaRPr>
+          </a:p>
+        </p:txBody>
+      </p:sp>
+    </p:spTree>
+  </p:cSld>
+  <p:clrMapOvr>
+    <a:masterClrMapping/>
+  </p:clrMapOvr>
+</p:sld>
+</file>
+
+<file path=ppt/slides/slide28.xml><?xml version="1.0" encoding="utf-8"?>
 <p:sld xmlns:a="http://schemas.openxmlformats.org/drawingml/2006/main" xmlns:r="http://schemas.openxmlformats.org/officeDocument/2006/relationships" xmlns:p="http://schemas.openxmlformats.org/presentationml/2006/main">
   <p:cSld>
     <p:bg>
@@ -29682,277 +29829,6 @@
 </p:sld>
 </file>
 
-<file path=ppt/slides/slide28.xml><?xml version="1.0" encoding="utf-8"?>
-<p:sld xmlns:a="http://schemas.openxmlformats.org/drawingml/2006/main" xmlns:r="http://schemas.openxmlformats.org/officeDocument/2006/relationships" xmlns:p="http://schemas.openxmlformats.org/presentationml/2006/main">
-  <p:cSld>
-    <p:spTree>
-      <p:nvGrpSpPr>
-        <p:cNvPr id="1" name=""/>
-        <p:cNvGrpSpPr/>
-        <p:nvPr/>
-      </p:nvGrpSpPr>
-      <p:grpSpPr>
-        <a:xfrm>
-          <a:off x="0" y="0"/>
-          <a:ext cx="0" cy="0"/>
-          <a:chOff x="0" y="0"/>
-          <a:chExt cx="0" cy="0"/>
-        </a:xfrm>
-      </p:grpSpPr>
-      <p:sp>
-        <p:nvSpPr>
-          <p:cNvPr id="493" name="CustomShape 1"/>
-          <p:cNvSpPr/>
-          <p:nvPr/>
-        </p:nvSpPr>
-        <p:spPr>
-          <a:xfrm>
-            <a:off x="432000" y="812520"/>
-            <a:ext cx="5327280" cy="670320"/>
-          </a:xfrm>
-          <a:prstGeom prst="rect">
-            <a:avLst/>
-          </a:prstGeom>
-          <a:noFill/>
-          <a:ln>
-            <a:noFill/>
-          </a:ln>
-        </p:spPr>
-        <p:style>
-          <a:lnRef idx="0">
-            <a:scrgbClr r="0" g="0" b="0"/>
-          </a:lnRef>
-          <a:fillRef idx="0">
-            <a:scrgbClr r="0" g="0" b="0"/>
-          </a:fillRef>
-          <a:effectRef idx="0">
-            <a:scrgbClr r="0" g="0" b="0"/>
-          </a:effectRef>
-          <a:fontRef idx="minor"/>
-        </p:style>
-        <p:txBody>
-          <a:bodyPr lIns="0" tIns="0" rIns="0" bIns="0" anchor="ctr">
-            <a:noAutofit/>
-          </a:bodyPr>
-          <a:lstStyle/>
-          <a:p>
-            <a:pPr algn="ctr">
-              <a:lnSpc>
-                <a:spcPct val="100000"/>
-              </a:lnSpc>
-            </a:pPr>
-            <a:r>
-              <a:rPr lang="de-DE" sz="4400" b="0" strike="noStrike" spc="-1">
-                <a:solidFill>
-                  <a:srgbClr val="FFFFFF"/>
-                </a:solidFill>
-                <a:latin typeface="Arial"/>
-                <a:ea typeface="DejaVu Sans"/>
-              </a:rPr>
-              <a:t>Technical Ability</a:t>
-            </a:r>
-            <a:endParaRPr lang="de-DE" sz="4400" b="0" strike="noStrike" spc="-1">
-              <a:latin typeface="Arial"/>
-            </a:endParaRPr>
-          </a:p>
-        </p:txBody>
-      </p:sp>
-      <p:sp>
-        <p:nvSpPr>
-          <p:cNvPr id="494" name="CustomShape 2"/>
-          <p:cNvSpPr/>
-          <p:nvPr/>
-        </p:nvSpPr>
-        <p:spPr>
-          <a:xfrm>
-            <a:off x="609480" y="1604520"/>
-            <a:ext cx="10972440" cy="3976200"/>
-          </a:xfrm>
-          <a:prstGeom prst="rect">
-            <a:avLst/>
-          </a:prstGeom>
-          <a:noFill/>
-          <a:ln>
-            <a:noFill/>
-          </a:ln>
-        </p:spPr>
-        <p:style>
-          <a:lnRef idx="0">
-            <a:scrgbClr r="0" g="0" b="0"/>
-          </a:lnRef>
-          <a:fillRef idx="0">
-            <a:scrgbClr r="0" g="0" b="0"/>
-          </a:fillRef>
-          <a:effectRef idx="0">
-            <a:scrgbClr r="0" g="0" b="0"/>
-          </a:effectRef>
-          <a:fontRef idx="minor"/>
-        </p:style>
-      </p:sp>
-      <p:sp>
-        <p:nvSpPr>
-          <p:cNvPr id="495" name="TextShape 3"/>
-          <p:cNvSpPr txBox="1"/>
-          <p:nvPr/>
-        </p:nvSpPr>
-        <p:spPr>
-          <a:xfrm>
-            <a:off x="547560" y="2358720"/>
-            <a:ext cx="10973520" cy="3977280"/>
-          </a:xfrm>
-          <a:prstGeom prst="rect">
-            <a:avLst/>
-          </a:prstGeom>
-          <a:noFill/>
-          <a:ln>
-            <a:noFill/>
-          </a:ln>
-        </p:spPr>
-        <p:txBody>
-          <a:bodyPr lIns="0" tIns="0" rIns="0" bIns="0">
-            <a:normAutofit/>
-          </a:bodyPr>
-          <a:lstStyle/>
-          <a:p>
-            <a:pPr marL="432000" indent="-324000">
-              <a:spcBef>
-                <a:spcPts val="1414"/>
-              </a:spcBef>
-              <a:buClr>
-                <a:srgbClr val="000000"/>
-              </a:buClr>
-              <a:buSzPct val="45000"/>
-              <a:buFont typeface="Wingdings" charset="2"/>
-              <a:buChar char=""/>
-            </a:pPr>
-            <a:r>
-              <a:rPr lang="de-DE" sz="3200" b="0" strike="noStrike" spc="-1">
-                <a:latin typeface="Arial"/>
-              </a:rPr>
-              <a:t>Account</a:t>
-            </a:r>
-          </a:p>
-          <a:p>
-            <a:pPr marL="432000" indent="-324000">
-              <a:spcBef>
-                <a:spcPts val="1414"/>
-              </a:spcBef>
-              <a:buClr>
-                <a:srgbClr val="000000"/>
-              </a:buClr>
-              <a:buSzPct val="45000"/>
-              <a:buFont typeface="Wingdings" charset="2"/>
-              <a:buChar char=""/>
-            </a:pPr>
-            <a:r>
-              <a:rPr lang="de-DE" sz="3200" b="0" strike="noStrike" spc="-1">
-                <a:latin typeface="Arial"/>
-              </a:rPr>
-              <a:t>CRUD Missions</a:t>
-            </a:r>
-          </a:p>
-          <a:p>
-            <a:pPr marL="432000" indent="-324000">
-              <a:spcBef>
-                <a:spcPts val="1414"/>
-              </a:spcBef>
-              <a:buClr>
-                <a:srgbClr val="000000"/>
-              </a:buClr>
-              <a:buSzPct val="45000"/>
-              <a:buFont typeface="Wingdings" charset="2"/>
-              <a:buChar char=""/>
-            </a:pPr>
-            <a:r>
-              <a:rPr lang="de-DE" sz="3200" b="0" strike="noStrike" spc="-1">
-                <a:latin typeface="Arial"/>
-              </a:rPr>
-              <a:t>CRUD Tasks</a:t>
-            </a:r>
-          </a:p>
-          <a:p>
-            <a:pPr marL="432000" indent="-324000">
-              <a:spcBef>
-                <a:spcPts val="1414"/>
-              </a:spcBef>
-              <a:buClr>
-                <a:srgbClr val="000000"/>
-              </a:buClr>
-              <a:buSzPct val="45000"/>
-              <a:buFont typeface="Wingdings" charset="2"/>
-              <a:buChar char=""/>
-            </a:pPr>
-            <a:r>
-              <a:rPr lang="de-DE" sz="3200" b="0" strike="noStrike" spc="-1">
-                <a:latin typeface="Arial"/>
-              </a:rPr>
-              <a:t>CRUD Rewards</a:t>
-            </a:r>
-          </a:p>
-          <a:p>
-            <a:pPr marL="432000" indent="-324000">
-              <a:spcBef>
-                <a:spcPts val="1414"/>
-              </a:spcBef>
-              <a:buClr>
-                <a:srgbClr val="000000"/>
-              </a:buClr>
-              <a:buSzPct val="45000"/>
-              <a:buFont typeface="Wingdings" charset="2"/>
-              <a:buChar char=""/>
-            </a:pPr>
-            <a:r>
-              <a:rPr lang="de-DE" sz="3200" b="0" strike="noStrike" spc="-1">
-                <a:latin typeface="Arial"/>
-              </a:rPr>
-              <a:t>Statistics</a:t>
-            </a:r>
-          </a:p>
-          <a:p>
-            <a:pPr marL="432000" indent="-324000">
-              <a:spcBef>
-                <a:spcPts val="1414"/>
-              </a:spcBef>
-              <a:buClr>
-                <a:srgbClr val="000000"/>
-              </a:buClr>
-              <a:buSzPct val="45000"/>
-              <a:buFont typeface="Wingdings" charset="2"/>
-              <a:buChar char=""/>
-            </a:pPr>
-            <a:r>
-              <a:rPr lang="de-DE" sz="3200" b="0" strike="noStrike" spc="-1">
-                <a:latin typeface="Arial"/>
-              </a:rPr>
-              <a:t>Achievements</a:t>
-            </a:r>
-          </a:p>
-          <a:p>
-            <a:pPr marL="432000" indent="-324000">
-              <a:spcBef>
-                <a:spcPts val="1414"/>
-              </a:spcBef>
-              <a:buClr>
-                <a:srgbClr val="000000"/>
-              </a:buClr>
-              <a:buSzPct val="45000"/>
-              <a:buFont typeface="Wingdings" charset="2"/>
-              <a:buChar char=""/>
-            </a:pPr>
-            <a:endParaRPr lang="de-DE" sz="3200" b="0" strike="noStrike" spc="-1">
-              <a:latin typeface="Arial"/>
-            </a:endParaRPr>
-          </a:p>
-        </p:txBody>
-      </p:sp>
-    </p:spTree>
-  </p:cSld>
-  <p:clrMapOvr>
-    <a:masterClrMapping/>
-  </p:clrMapOvr>
-</p:sld>
-</file>
-
 <file path=ppt/slides/slide29.xml><?xml version="1.0" encoding="utf-8"?>
 <p:sld xmlns:a="http://schemas.openxmlformats.org/drawingml/2006/main" xmlns:r="http://schemas.openxmlformats.org/officeDocument/2006/relationships" xmlns:p="http://schemas.openxmlformats.org/presentationml/2006/main">
   <p:cSld>
@@ -29972,14 +29848,14 @@
       </p:grpSpPr>
       <p:sp>
         <p:nvSpPr>
-          <p:cNvPr id="496" name="CustomShape 1"/>
+          <p:cNvPr id="493" name="CustomShape 1"/>
           <p:cNvSpPr/>
           <p:nvPr/>
         </p:nvSpPr>
         <p:spPr>
           <a:xfrm>
-            <a:off x="1154880" y="973800"/>
-            <a:ext cx="8760240" cy="705240"/>
+            <a:off x="432000" y="812520"/>
+            <a:ext cx="5327280" cy="670320"/>
           </a:xfrm>
           <a:prstGeom prst="rect">
             <a:avLst/>
@@ -30002,27 +29878,215 @@
           <a:fontRef idx="minor"/>
         </p:style>
         <p:txBody>
-          <a:bodyPr lIns="90000" tIns="45000" rIns="90000" bIns="45000" anchor="ctr">
+          <a:bodyPr lIns="0" tIns="0" rIns="0" bIns="0" anchor="ctr">
             <a:noAutofit/>
           </a:bodyPr>
           <a:lstStyle/>
           <a:p>
-            <a:pPr>
+            <a:pPr algn="ctr">
               <a:lnSpc>
                 <a:spcPct val="100000"/>
               </a:lnSpc>
             </a:pPr>
             <a:r>
-              <a:rPr lang="de-DE" sz="3600" b="0" strike="noStrike" spc="-1">
+              <a:rPr lang="de-DE" sz="4400" b="0" strike="noStrike" spc="-1">
                 <a:solidFill>
-                  <a:srgbClr val="EBEBEB"/>
+                  <a:srgbClr val="FFFFFF"/>
                 </a:solidFill>
-                <a:latin typeface="Century Gothic"/>
+                <a:latin typeface="Arial"/>
                 <a:ea typeface="DejaVu Sans"/>
               </a:rPr>
-              <a:t>Demo</a:t>
-            </a:r>
-            <a:endParaRPr lang="de-DE" sz="3600" b="0" strike="noStrike" spc="-1">
+              <a:t>Technical Ability</a:t>
+            </a:r>
+            <a:endParaRPr lang="de-DE" sz="4400" b="0" strike="noStrike" spc="-1">
+              <a:latin typeface="Arial"/>
+            </a:endParaRPr>
+          </a:p>
+        </p:txBody>
+      </p:sp>
+      <p:sp>
+        <p:nvSpPr>
+          <p:cNvPr id="494" name="CustomShape 2"/>
+          <p:cNvSpPr/>
+          <p:nvPr/>
+        </p:nvSpPr>
+        <p:spPr>
+          <a:xfrm>
+            <a:off x="609480" y="1604520"/>
+            <a:ext cx="10972440" cy="3976200"/>
+          </a:xfrm>
+          <a:prstGeom prst="rect">
+            <a:avLst/>
+          </a:prstGeom>
+          <a:noFill/>
+          <a:ln>
+            <a:noFill/>
+          </a:ln>
+        </p:spPr>
+        <p:style>
+          <a:lnRef idx="0">
+            <a:scrgbClr r="0" g="0" b="0"/>
+          </a:lnRef>
+          <a:fillRef idx="0">
+            <a:scrgbClr r="0" g="0" b="0"/>
+          </a:fillRef>
+          <a:effectRef idx="0">
+            <a:scrgbClr r="0" g="0" b="0"/>
+          </a:effectRef>
+          <a:fontRef idx="minor"/>
+        </p:style>
+      </p:sp>
+      <p:sp>
+        <p:nvSpPr>
+          <p:cNvPr id="495" name="TextShape 3"/>
+          <p:cNvSpPr txBox="1"/>
+          <p:nvPr/>
+        </p:nvSpPr>
+        <p:spPr>
+          <a:xfrm>
+            <a:off x="547560" y="2358720"/>
+            <a:ext cx="10973520" cy="3977280"/>
+          </a:xfrm>
+          <a:prstGeom prst="rect">
+            <a:avLst/>
+          </a:prstGeom>
+          <a:noFill/>
+          <a:ln>
+            <a:noFill/>
+          </a:ln>
+        </p:spPr>
+        <p:txBody>
+          <a:bodyPr lIns="0" tIns="0" rIns="0" bIns="0">
+            <a:normAutofit/>
+          </a:bodyPr>
+          <a:lstStyle/>
+          <a:p>
+            <a:pPr marL="432000" indent="-324000">
+              <a:spcBef>
+                <a:spcPts val="1414"/>
+              </a:spcBef>
+              <a:buClr>
+                <a:srgbClr val="000000"/>
+              </a:buClr>
+              <a:buSzPct val="45000"/>
+              <a:buFont typeface="Wingdings" charset="2"/>
+              <a:buChar char=""/>
+            </a:pPr>
+            <a:r>
+              <a:rPr lang="de-DE" sz="3200" b="0" strike="noStrike" spc="-1">
+                <a:latin typeface="Arial"/>
+              </a:rPr>
+              <a:t>Account</a:t>
+            </a:r>
+          </a:p>
+          <a:p>
+            <a:pPr marL="432000" indent="-324000">
+              <a:spcBef>
+                <a:spcPts val="1414"/>
+              </a:spcBef>
+              <a:buClr>
+                <a:srgbClr val="000000"/>
+              </a:buClr>
+              <a:buSzPct val="45000"/>
+              <a:buFont typeface="Wingdings" charset="2"/>
+              <a:buChar char=""/>
+            </a:pPr>
+            <a:r>
+              <a:rPr lang="de-DE" sz="3200" b="0" strike="noStrike" spc="-1">
+                <a:latin typeface="Arial"/>
+              </a:rPr>
+              <a:t>CRUD Missions</a:t>
+            </a:r>
+          </a:p>
+          <a:p>
+            <a:pPr marL="432000" indent="-324000">
+              <a:spcBef>
+                <a:spcPts val="1414"/>
+              </a:spcBef>
+              <a:buClr>
+                <a:srgbClr val="000000"/>
+              </a:buClr>
+              <a:buSzPct val="45000"/>
+              <a:buFont typeface="Wingdings" charset="2"/>
+              <a:buChar char=""/>
+            </a:pPr>
+            <a:r>
+              <a:rPr lang="de-DE" sz="3200" b="0" strike="noStrike" spc="-1">
+                <a:latin typeface="Arial"/>
+              </a:rPr>
+              <a:t>CRUD Tasks</a:t>
+            </a:r>
+          </a:p>
+          <a:p>
+            <a:pPr marL="432000" indent="-324000">
+              <a:spcBef>
+                <a:spcPts val="1414"/>
+              </a:spcBef>
+              <a:buClr>
+                <a:srgbClr val="000000"/>
+              </a:buClr>
+              <a:buSzPct val="45000"/>
+              <a:buFont typeface="Wingdings" charset="2"/>
+              <a:buChar char=""/>
+            </a:pPr>
+            <a:r>
+              <a:rPr lang="de-DE" sz="3200" b="0" strike="noStrike" spc="-1">
+                <a:latin typeface="Arial"/>
+              </a:rPr>
+              <a:t>CRUD Rewards</a:t>
+            </a:r>
+          </a:p>
+          <a:p>
+            <a:pPr marL="432000" indent="-324000">
+              <a:spcBef>
+                <a:spcPts val="1414"/>
+              </a:spcBef>
+              <a:buClr>
+                <a:srgbClr val="000000"/>
+              </a:buClr>
+              <a:buSzPct val="45000"/>
+              <a:buFont typeface="Wingdings" charset="2"/>
+              <a:buChar char=""/>
+            </a:pPr>
+            <a:r>
+              <a:rPr lang="de-DE" sz="3200" b="0" strike="noStrike" spc="-1">
+                <a:latin typeface="Arial"/>
+              </a:rPr>
+              <a:t>Statistics</a:t>
+            </a:r>
+          </a:p>
+          <a:p>
+            <a:pPr marL="432000" indent="-324000">
+              <a:spcBef>
+                <a:spcPts val="1414"/>
+              </a:spcBef>
+              <a:buClr>
+                <a:srgbClr val="000000"/>
+              </a:buClr>
+              <a:buSzPct val="45000"/>
+              <a:buFont typeface="Wingdings" charset="2"/>
+              <a:buChar char=""/>
+            </a:pPr>
+            <a:r>
+              <a:rPr lang="de-DE" sz="3200" b="0" strike="noStrike" spc="-1">
+                <a:latin typeface="Arial"/>
+              </a:rPr>
+              <a:t>Achievements</a:t>
+            </a:r>
+          </a:p>
+          <a:p>
+            <a:pPr marL="432000" indent="-324000">
+              <a:spcBef>
+                <a:spcPts val="1414"/>
+              </a:spcBef>
+              <a:buClr>
+                <a:srgbClr val="000000"/>
+              </a:buClr>
+              <a:buSzPct val="45000"/>
+              <a:buFont typeface="Wingdings" charset="2"/>
+              <a:buChar char=""/>
+            </a:pPr>
+            <a:endParaRPr lang="de-DE" sz="3200" b="0" strike="noStrike" spc="-1">
               <a:latin typeface="Arial"/>
             </a:endParaRPr>
           </a:p>
@@ -30105,6 +30169,9 @@
               </a:rPr>
               <a:t>Business</a:t>
             </a:r>
+            <a:r>
+              <a:t/>
+            </a:r>
             <a:br/>
             <a:endParaRPr lang="de-DE" sz="4000" b="0" strike="noStrike" spc="-1">
               <a:latin typeface="Arial"/>
@@ -30158,7 +30225,7 @@
               </a:spcBef>
             </a:pPr>
             <a:r>
-              <a:rPr lang="de-DE" sz="2000" b="0" strike="noStrike" cap="all" spc="-1">
+              <a:rPr lang="de-DE" sz="2000" b="0" strike="noStrike" cap="all" spc="-1" dirty="0">
                 <a:solidFill>
                   <a:srgbClr val="EF53A5"/>
                 </a:solidFill>
@@ -30167,7 +30234,7 @@
               </a:rPr>
               <a:t>Vision</a:t>
             </a:r>
-            <a:endParaRPr lang="de-DE" sz="2000" b="0" strike="noStrike" spc="-1">
+            <a:endParaRPr lang="de-DE" sz="2000" b="0" strike="noStrike" spc="-1" dirty="0">
               <a:latin typeface="Arial"/>
             </a:endParaRPr>
           </a:p>
@@ -30181,16 +30248,24 @@
               </a:spcBef>
             </a:pPr>
             <a:r>
-              <a:rPr lang="de-DE" sz="2000" b="0" strike="noStrike" cap="all" spc="-1">
+              <a:rPr lang="de-DE" sz="2000" cap="all" spc="-1" dirty="0" err="1" smtClean="0">
                 <a:solidFill>
                   <a:srgbClr val="EF53A5"/>
                 </a:solidFill>
                 <a:latin typeface="Century Gothic"/>
-                <a:ea typeface="DejaVu Sans"/>
-              </a:rPr>
-              <a:t>Scope //UC</a:t>
-            </a:r>
-            <a:endParaRPr lang="de-DE" sz="2000" b="0" strike="noStrike" spc="-1">
+              </a:rPr>
+              <a:t>Use</a:t>
+            </a:r>
+            <a:r>
+              <a:rPr lang="de-DE" sz="2000" cap="all" spc="-1" dirty="0" smtClean="0">
+                <a:solidFill>
+                  <a:srgbClr val="EF53A5"/>
+                </a:solidFill>
+                <a:latin typeface="Century Gothic"/>
+              </a:rPr>
+              <a:t> Cases</a:t>
+            </a:r>
+            <a:endParaRPr lang="de-DE" sz="2000" b="0" strike="noStrike" spc="-1" dirty="0">
               <a:latin typeface="Arial"/>
             </a:endParaRPr>
           </a:p>
@@ -30204,16 +30279,26 @@
               </a:spcBef>
             </a:pPr>
             <a:r>
-              <a:rPr lang="de-DE" sz="2000" b="0" strike="noStrike" cap="all" spc="-1">
+              <a:rPr lang="de-DE" sz="2000" b="0" strike="noStrike" cap="all" spc="-1" dirty="0" smtClean="0">
                 <a:solidFill>
                   <a:srgbClr val="EF53A5"/>
                 </a:solidFill>
                 <a:latin typeface="Century Gothic"/>
                 <a:ea typeface="DejaVu Sans"/>
               </a:rPr>
-              <a:t>PM // AGILE RUp</a:t>
-            </a:r>
-            <a:endParaRPr lang="de-DE" sz="2000" b="0" strike="noStrike" spc="-1">
+              <a:t>Project </a:t>
+            </a:r>
+            <a:r>
+              <a:rPr lang="de-DE" sz="2000" b="0" strike="noStrike" cap="all" spc="-1" dirty="0" err="1" smtClean="0">
+                <a:solidFill>
+                  <a:srgbClr val="EF53A5"/>
+                </a:solidFill>
+                <a:latin typeface="Century Gothic"/>
+                <a:ea typeface="DejaVu Sans"/>
+              </a:rPr>
+              <a:t>management</a:t>
+            </a:r>
+            <a:endParaRPr lang="de-DE" sz="2000" b="0" strike="noStrike" spc="-1" dirty="0">
               <a:latin typeface="Arial"/>
             </a:endParaRPr>
           </a:p>
@@ -30227,16 +30312,133 @@
               </a:spcBef>
             </a:pPr>
             <a:r>
-              <a:rPr lang="de-DE" sz="2000" b="0" strike="noStrike" cap="all" spc="-1">
+              <a:rPr lang="de-DE" sz="2000" cap="all" spc="-1" dirty="0" smtClean="0">
                 <a:solidFill>
                   <a:srgbClr val="EF53A5"/>
                 </a:solidFill>
                 <a:latin typeface="Century Gothic"/>
+              </a:rPr>
+              <a:t>RUP</a:t>
+            </a:r>
+          </a:p>
+          <a:p>
+            <a:pPr>
+              <a:lnSpc>
+                <a:spcPct val="100000"/>
+              </a:lnSpc>
+              <a:spcBef>
+                <a:spcPts val="1001"/>
+              </a:spcBef>
+            </a:pPr>
+            <a:r>
+              <a:rPr lang="de-DE" sz="2000" b="0" strike="noStrike" cap="all" spc="-1" dirty="0" smtClean="0">
+                <a:solidFill>
+                  <a:srgbClr val="EF53A5"/>
+                </a:solidFill>
+                <a:latin typeface="Century Gothic"/>
+              </a:rPr>
+              <a:t>Time </a:t>
+            </a:r>
+            <a:r>
+              <a:rPr lang="de-DE" sz="2000" b="0" strike="noStrike" cap="all" spc="-1" dirty="0" err="1" smtClean="0">
+                <a:solidFill>
+                  <a:srgbClr val="EF53A5"/>
+                </a:solidFill>
+                <a:latin typeface="Century Gothic"/>
+              </a:rPr>
+              <a:t>estimation</a:t>
+            </a:r>
+            <a:endParaRPr lang="de-DE" sz="2000" b="0" strike="noStrike" spc="-1" dirty="0">
+              <a:latin typeface="Arial"/>
+            </a:endParaRPr>
+          </a:p>
+        </p:txBody>
+      </p:sp>
+    </p:spTree>
+  </p:cSld>
+  <p:clrMapOvr>
+    <a:masterClrMapping/>
+  </p:clrMapOvr>
+  <p:timing>
+    <p:tnLst>
+      <p:par>
+        <p:cTn id="1" dur="indefinite" restart="never" nodeType="tmRoot"/>
+      </p:par>
+    </p:tnLst>
+  </p:timing>
+</p:sld>
+</file>
+
+<file path=ppt/slides/slide30.xml><?xml version="1.0" encoding="utf-8"?>
+<p:sld xmlns:a="http://schemas.openxmlformats.org/drawingml/2006/main" xmlns:r="http://schemas.openxmlformats.org/officeDocument/2006/relationships" xmlns:p="http://schemas.openxmlformats.org/presentationml/2006/main">
+  <p:cSld>
+    <p:spTree>
+      <p:nvGrpSpPr>
+        <p:cNvPr id="1" name=""/>
+        <p:cNvGrpSpPr/>
+        <p:nvPr/>
+      </p:nvGrpSpPr>
+      <p:grpSpPr>
+        <a:xfrm>
+          <a:off x="0" y="0"/>
+          <a:ext cx="0" cy="0"/>
+          <a:chOff x="0" y="0"/>
+          <a:chExt cx="0" cy="0"/>
+        </a:xfrm>
+      </p:grpSpPr>
+      <p:sp>
+        <p:nvSpPr>
+          <p:cNvPr id="496" name="CustomShape 1"/>
+          <p:cNvSpPr/>
+          <p:nvPr/>
+        </p:nvSpPr>
+        <p:spPr>
+          <a:xfrm>
+            <a:off x="1154880" y="973800"/>
+            <a:ext cx="8760240" cy="705240"/>
+          </a:xfrm>
+          <a:prstGeom prst="rect">
+            <a:avLst/>
+          </a:prstGeom>
+          <a:noFill/>
+          <a:ln>
+            <a:noFill/>
+          </a:ln>
+        </p:spPr>
+        <p:style>
+          <a:lnRef idx="0">
+            <a:scrgbClr r="0" g="0" b="0"/>
+          </a:lnRef>
+          <a:fillRef idx="0">
+            <a:scrgbClr r="0" g="0" b="0"/>
+          </a:fillRef>
+          <a:effectRef idx="0">
+            <a:scrgbClr r="0" g="0" b="0"/>
+          </a:effectRef>
+          <a:fontRef idx="minor"/>
+        </p:style>
+        <p:txBody>
+          <a:bodyPr lIns="90000" tIns="45000" rIns="90000" bIns="45000" anchor="ctr">
+            <a:noAutofit/>
+          </a:bodyPr>
+          <a:lstStyle/>
+          <a:p>
+            <a:pPr>
+              <a:lnSpc>
+                <a:spcPct val="100000"/>
+              </a:lnSpc>
+            </a:pPr>
+            <a:r>
+              <a:rPr lang="de-DE" sz="3600" b="0" strike="noStrike" spc="-1">
+                <a:solidFill>
+                  <a:srgbClr val="EBEBEB"/>
+                </a:solidFill>
+                <a:latin typeface="Century Gothic"/>
                 <a:ea typeface="DejaVu Sans"/>
               </a:rPr>
-              <a:t>FP</a:t>
-            </a:r>
-            <a:endParaRPr lang="de-DE" sz="2000" b="0" strike="noStrike" spc="-1">
+              <a:t>Demo</a:t>
+            </a:r>
+            <a:endParaRPr lang="de-DE" sz="3600" b="0" strike="noStrike" spc="-1">
               <a:latin typeface="Arial"/>
             </a:endParaRPr>
           </a:p>
@@ -30377,16 +30579,186 @@
               <a:buChar char=""/>
             </a:pPr>
             <a:r>
-              <a:rPr lang="de-DE" sz="2400" b="1" strike="noStrike" spc="-1">
+              <a:rPr lang="de-DE" sz="2400" b="1" strike="noStrike" spc="-1" dirty="0" err="1">
                 <a:solidFill>
                   <a:srgbClr val="404040"/>
                 </a:solidFill>
                 <a:latin typeface="Century Gothic"/>
                 <a:ea typeface="DejaVu Sans"/>
               </a:rPr>
-              <a:t>Blow up your motivation levels for reaching your goals!</a:t>
-            </a:r>
-            <a:endParaRPr lang="de-DE" sz="2400" b="0" strike="noStrike" spc="-1">
+              <a:t>Blow</a:t>
+            </a:r>
+            <a:r>
+              <a:rPr lang="de-DE" sz="2400" b="1" strike="noStrike" spc="-1" dirty="0">
+                <a:solidFill>
+                  <a:srgbClr val="404040"/>
+                </a:solidFill>
+                <a:latin typeface="Century Gothic"/>
+                <a:ea typeface="DejaVu Sans"/>
+              </a:rPr>
+              <a:t> </a:t>
+            </a:r>
+            <a:r>
+              <a:rPr lang="de-DE" sz="2400" b="1" strike="noStrike" spc="-1" dirty="0" err="1">
+                <a:solidFill>
+                  <a:srgbClr val="404040"/>
+                </a:solidFill>
+                <a:latin typeface="Century Gothic"/>
+                <a:ea typeface="DejaVu Sans"/>
+              </a:rPr>
+              <a:t>up</a:t>
+            </a:r>
+            <a:r>
+              <a:rPr lang="de-DE" sz="2400" b="1" strike="noStrike" spc="-1" dirty="0">
+                <a:solidFill>
+                  <a:srgbClr val="404040"/>
+                </a:solidFill>
+                <a:latin typeface="Century Gothic"/>
+                <a:ea typeface="DejaVu Sans"/>
+              </a:rPr>
+              <a:t> </a:t>
+            </a:r>
+            <a:r>
+              <a:rPr lang="de-DE" sz="2400" b="1" strike="noStrike" spc="-1" dirty="0" err="1">
+                <a:solidFill>
+                  <a:srgbClr val="404040"/>
+                </a:solidFill>
+                <a:latin typeface="Century Gothic"/>
+                <a:ea typeface="DejaVu Sans"/>
+              </a:rPr>
+              <a:t>your</a:t>
+            </a:r>
+            <a:r>
+              <a:rPr lang="de-DE" sz="2400" b="1" strike="noStrike" spc="-1" dirty="0">
+                <a:solidFill>
+                  <a:srgbClr val="404040"/>
+                </a:solidFill>
+                <a:latin typeface="Century Gothic"/>
+                <a:ea typeface="DejaVu Sans"/>
+              </a:rPr>
+              <a:t> </a:t>
+            </a:r>
+            <a:r>
+              <a:rPr lang="de-DE" sz="2400" b="1" strike="noStrike" spc="-1" dirty="0" err="1">
+                <a:solidFill>
+                  <a:srgbClr val="404040"/>
+                </a:solidFill>
+                <a:latin typeface="Century Gothic"/>
+                <a:ea typeface="DejaVu Sans"/>
+              </a:rPr>
+              <a:t>motivation</a:t>
+            </a:r>
+            <a:r>
+              <a:rPr lang="de-DE" sz="2400" b="1" strike="noStrike" spc="-1" dirty="0">
+                <a:solidFill>
+                  <a:srgbClr val="404040"/>
+                </a:solidFill>
+                <a:latin typeface="Century Gothic"/>
+                <a:ea typeface="DejaVu Sans"/>
+              </a:rPr>
+              <a:t> </a:t>
+            </a:r>
+            <a:r>
+              <a:rPr lang="de-DE" sz="2400" b="1" strike="noStrike" spc="-1" dirty="0" err="1">
+                <a:solidFill>
+                  <a:srgbClr val="404040"/>
+                </a:solidFill>
+                <a:latin typeface="Century Gothic"/>
+                <a:ea typeface="DejaVu Sans"/>
+              </a:rPr>
+              <a:t>levels</a:t>
+            </a:r>
+            <a:r>
+              <a:rPr lang="de-DE" sz="2400" b="1" strike="noStrike" spc="-1" dirty="0">
+                <a:solidFill>
+                  <a:srgbClr val="404040"/>
+                </a:solidFill>
+                <a:latin typeface="Century Gothic"/>
+                <a:ea typeface="DejaVu Sans"/>
+              </a:rPr>
+              <a:t> </a:t>
+            </a:r>
+            <a:r>
+              <a:rPr lang="de-DE" sz="2400" b="1" strike="noStrike" spc="-1" dirty="0" err="1">
+                <a:solidFill>
+                  <a:srgbClr val="404040"/>
+                </a:solidFill>
+                <a:latin typeface="Century Gothic"/>
+                <a:ea typeface="DejaVu Sans"/>
+              </a:rPr>
+              <a:t>for</a:t>
+            </a:r>
+            <a:r>
+              <a:rPr lang="de-DE" sz="2400" b="1" strike="noStrike" spc="-1" dirty="0">
+                <a:solidFill>
+                  <a:srgbClr val="404040"/>
+                </a:solidFill>
+                <a:latin typeface="Century Gothic"/>
+                <a:ea typeface="DejaVu Sans"/>
+              </a:rPr>
+              <a:t> </a:t>
+            </a:r>
+            <a:r>
+              <a:rPr lang="de-DE" sz="2400" b="1" strike="noStrike" spc="-1" dirty="0" err="1">
+                <a:solidFill>
+                  <a:srgbClr val="404040"/>
+                </a:solidFill>
+                <a:latin typeface="Century Gothic"/>
+                <a:ea typeface="DejaVu Sans"/>
+              </a:rPr>
+              <a:t>reaching</a:t>
+            </a:r>
+            <a:r>
+              <a:rPr lang="de-DE" sz="2400" b="1" strike="noStrike" spc="-1" dirty="0">
+                <a:solidFill>
+                  <a:srgbClr val="404040"/>
+                </a:solidFill>
+                <a:latin typeface="Century Gothic"/>
+                <a:ea typeface="DejaVu Sans"/>
+              </a:rPr>
+              <a:t> </a:t>
+            </a:r>
+            <a:r>
+              <a:rPr lang="de-DE" sz="2400" b="1" strike="noStrike" spc="-1" dirty="0" err="1">
+                <a:solidFill>
+                  <a:srgbClr val="404040"/>
+                </a:solidFill>
+                <a:latin typeface="Century Gothic"/>
+                <a:ea typeface="DejaVu Sans"/>
+              </a:rPr>
+              <a:t>your</a:t>
+            </a:r>
+            <a:r>
+              <a:rPr lang="de-DE" sz="2400" b="1" strike="noStrike" spc="-1" dirty="0">
+                <a:solidFill>
+                  <a:srgbClr val="404040"/>
+                </a:solidFill>
+                <a:latin typeface="Century Gothic"/>
+                <a:ea typeface="DejaVu Sans"/>
+              </a:rPr>
+              <a:t> </a:t>
+            </a:r>
+            <a:r>
+              <a:rPr lang="de-DE" sz="2400" b="1" strike="noStrike" spc="-1" dirty="0" err="1">
+                <a:solidFill>
+                  <a:srgbClr val="404040"/>
+                </a:solidFill>
+                <a:latin typeface="Century Gothic"/>
+                <a:ea typeface="DejaVu Sans"/>
+              </a:rPr>
+              <a:t>goals</a:t>
+            </a:r>
+            <a:r>
+              <a:rPr lang="de-DE" sz="2400" b="1" strike="noStrike" spc="-1" dirty="0">
+                <a:solidFill>
+                  <a:srgbClr val="404040"/>
+                </a:solidFill>
+                <a:latin typeface="Century Gothic"/>
+                <a:ea typeface="DejaVu Sans"/>
+              </a:rPr>
+              <a:t>!</a:t>
+            </a:r>
+            <a:endParaRPr lang="de-DE" sz="2400" b="0" strike="noStrike" spc="-1" dirty="0">
               <a:latin typeface="Arial"/>
             </a:endParaRPr>
           </a:p>
@@ -30399,7 +30771,7 @@
                 <a:spcPts val="1001"/>
               </a:spcBef>
             </a:pPr>
-            <a:endParaRPr lang="de-DE" sz="2400" b="0" strike="noStrike" spc="-1">
+            <a:endParaRPr lang="de-DE" sz="2400" b="0" strike="noStrike" spc="-1" dirty="0">
               <a:latin typeface="Arial"/>
             </a:endParaRPr>
           </a:p>
@@ -30419,16 +30791,136 @@
               <a:buChar char=""/>
             </a:pPr>
             <a:r>
-              <a:rPr lang="de-DE" sz="2400" b="1" strike="noStrike" spc="-1">
+              <a:rPr lang="de-DE" sz="2400" b="1" strike="noStrike" spc="-1" dirty="0">
                 <a:solidFill>
                   <a:srgbClr val="404040"/>
                 </a:solidFill>
                 <a:latin typeface="Century Gothic"/>
                 <a:ea typeface="DejaVu Sans"/>
               </a:rPr>
-              <a:t>Turn mundane tasks such as studying into a game!</a:t>
-            </a:r>
-            <a:endParaRPr lang="de-DE" sz="2400" b="0" strike="noStrike" spc="-1">
+              <a:t>Turn </a:t>
+            </a:r>
+            <a:r>
+              <a:rPr lang="de-DE" sz="2400" b="1" strike="noStrike" spc="-1" dirty="0" err="1">
+                <a:solidFill>
+                  <a:srgbClr val="404040"/>
+                </a:solidFill>
+                <a:latin typeface="Century Gothic"/>
+                <a:ea typeface="DejaVu Sans"/>
+              </a:rPr>
+              <a:t>mundane</a:t>
+            </a:r>
+            <a:r>
+              <a:rPr lang="de-DE" sz="2400" b="1" strike="noStrike" spc="-1" dirty="0">
+                <a:solidFill>
+                  <a:srgbClr val="404040"/>
+                </a:solidFill>
+                <a:latin typeface="Century Gothic"/>
+                <a:ea typeface="DejaVu Sans"/>
+              </a:rPr>
+              <a:t> </a:t>
+            </a:r>
+            <a:r>
+              <a:rPr lang="de-DE" sz="2400" b="1" strike="noStrike" spc="-1" dirty="0" err="1">
+                <a:solidFill>
+                  <a:srgbClr val="404040"/>
+                </a:solidFill>
+                <a:latin typeface="Century Gothic"/>
+                <a:ea typeface="DejaVu Sans"/>
+              </a:rPr>
+              <a:t>tasks</a:t>
+            </a:r>
+            <a:r>
+              <a:rPr lang="de-DE" sz="2400" b="1" strike="noStrike" spc="-1" dirty="0">
+                <a:solidFill>
+                  <a:srgbClr val="404040"/>
+                </a:solidFill>
+                <a:latin typeface="Century Gothic"/>
+                <a:ea typeface="DejaVu Sans"/>
+              </a:rPr>
+              <a:t> such </a:t>
+            </a:r>
+            <a:r>
+              <a:rPr lang="de-DE" sz="2400" b="1" strike="noStrike" spc="-1" dirty="0" err="1">
+                <a:solidFill>
+                  <a:srgbClr val="404040"/>
+                </a:solidFill>
+                <a:latin typeface="Century Gothic"/>
+                <a:ea typeface="DejaVu Sans"/>
+              </a:rPr>
+              <a:t>as</a:t>
+            </a:r>
+            <a:r>
+              <a:rPr lang="de-DE" sz="2400" b="1" strike="noStrike" spc="-1" dirty="0">
+                <a:solidFill>
+                  <a:srgbClr val="404040"/>
+                </a:solidFill>
+                <a:latin typeface="Century Gothic"/>
+                <a:ea typeface="DejaVu Sans"/>
+              </a:rPr>
+              <a:t> </a:t>
+            </a:r>
+            <a:r>
+              <a:rPr lang="de-DE" sz="2400" b="1" strike="noStrike" spc="-1" dirty="0" err="1">
+                <a:solidFill>
+                  <a:srgbClr val="404040"/>
+                </a:solidFill>
+                <a:latin typeface="Century Gothic"/>
+                <a:ea typeface="DejaVu Sans"/>
+              </a:rPr>
+              <a:t>studying</a:t>
+            </a:r>
+            <a:r>
+              <a:rPr lang="de-DE" sz="2400" b="1" strike="noStrike" spc="-1" dirty="0">
+                <a:solidFill>
+                  <a:srgbClr val="404040"/>
+                </a:solidFill>
+                <a:latin typeface="Century Gothic"/>
+                <a:ea typeface="DejaVu Sans"/>
+              </a:rPr>
+              <a:t> </a:t>
+            </a:r>
+            <a:r>
+              <a:rPr lang="de-DE" sz="2400" b="1" strike="noStrike" spc="-1" dirty="0" err="1">
+                <a:solidFill>
+                  <a:srgbClr val="404040"/>
+                </a:solidFill>
+                <a:latin typeface="Century Gothic"/>
+                <a:ea typeface="DejaVu Sans"/>
+              </a:rPr>
+              <a:t>into</a:t>
+            </a:r>
+            <a:r>
+              <a:rPr lang="de-DE" sz="2400" b="1" strike="noStrike" spc="-1" dirty="0">
+                <a:solidFill>
+                  <a:srgbClr val="404040"/>
+                </a:solidFill>
+                <a:latin typeface="Century Gothic"/>
+                <a:ea typeface="DejaVu Sans"/>
+              </a:rPr>
+              <a:t> a </a:t>
+            </a:r>
+            <a:r>
+              <a:rPr lang="de-DE" sz="2400" b="1" strike="noStrike" spc="-1" dirty="0" err="1">
+                <a:solidFill>
+                  <a:srgbClr val="404040"/>
+                </a:solidFill>
+                <a:latin typeface="Century Gothic"/>
+                <a:ea typeface="DejaVu Sans"/>
+              </a:rPr>
+              <a:t>game</a:t>
+            </a:r>
+            <a:r>
+              <a:rPr lang="de-DE" sz="2400" b="1" strike="noStrike" spc="-1" dirty="0">
+                <a:solidFill>
+                  <a:srgbClr val="404040"/>
+                </a:solidFill>
+                <a:latin typeface="Century Gothic"/>
+                <a:ea typeface="DejaVu Sans"/>
+              </a:rPr>
+              <a:t>!</a:t>
+            </a:r>
+            <a:endParaRPr lang="de-DE" sz="2400" b="0" strike="noStrike" spc="-1" dirty="0">
               <a:latin typeface="Arial"/>
             </a:endParaRPr>
           </a:p>
@@ -30441,7 +30933,7 @@
                 <a:spcPts val="1001"/>
               </a:spcBef>
             </a:pPr>
-            <a:endParaRPr lang="de-DE" sz="2400" b="0" strike="noStrike" spc="-1">
+            <a:endParaRPr lang="de-DE" sz="2400" b="0" strike="noStrike" spc="-1" dirty="0">
               <a:latin typeface="Arial"/>
             </a:endParaRPr>
           </a:p>
@@ -30452,6 +30944,13 @@
   <p:clrMapOvr>
     <a:masterClrMapping/>
   </p:clrMapOvr>
+  <p:timing>
+    <p:tnLst>
+      <p:par>
+        <p:cTn id="1" dur="indefinite" restart="never" nodeType="tmRoot"/>
+      </p:par>
+    </p:tnLst>
+  </p:timing>
 </p:sld>
 </file>
 
@@ -30515,16 +31014,46 @@
               </a:lnSpc>
             </a:pPr>
             <a:r>
-              <a:rPr lang="de-DE" sz="3600" b="0" strike="noStrike" spc="-1">
+              <a:rPr lang="de-DE" sz="3600" b="0" strike="noStrike" spc="-1" dirty="0">
                 <a:solidFill>
                   <a:srgbClr val="EBEBEB"/>
                 </a:solidFill>
                 <a:latin typeface="Century Gothic"/>
                 <a:ea typeface="DejaVu Sans"/>
               </a:rPr>
-              <a:t>Vision - Mission</a:t>
-            </a:r>
-            <a:endParaRPr lang="de-DE" sz="3600" b="0" strike="noStrike" spc="-1">
+              <a:t>Vision </a:t>
+            </a:r>
+            <a:r>
+              <a:rPr lang="de-DE" sz="3600" b="0" strike="noStrike" spc="-1" dirty="0" smtClean="0">
+                <a:solidFill>
+                  <a:srgbClr val="EBEBEB"/>
+                </a:solidFill>
+                <a:latin typeface="Century Gothic"/>
+                <a:ea typeface="DejaVu Sans"/>
+              </a:rPr>
+              <a:t>– </a:t>
+            </a:r>
+            <a:r>
+              <a:rPr lang="de-DE" sz="3600" spc="-1" dirty="0" smtClean="0">
+                <a:solidFill>
+                  <a:srgbClr val="EBEBEB"/>
+                </a:solidFill>
+                <a:latin typeface="Century Gothic"/>
+                <a:ea typeface="DejaVu Sans"/>
+              </a:rPr>
+              <a:t>Structured </a:t>
+            </a:r>
+            <a:r>
+              <a:rPr lang="de-DE" sz="3600" spc="-1" dirty="0" err="1" smtClean="0">
+                <a:solidFill>
+                  <a:srgbClr val="EBEBEB"/>
+                </a:solidFill>
+                <a:latin typeface="Century Gothic"/>
+                <a:ea typeface="DejaVu Sans"/>
+              </a:rPr>
+              <a:t>learning</a:t>
+            </a:r>
+            <a:endParaRPr lang="de-DE" sz="3600" b="0" strike="noStrike" spc="-1" dirty="0">
               <a:latin typeface="Arial"/>
             </a:endParaRPr>
           </a:p>
@@ -30582,76 +31111,140 @@
               <a:buChar char=""/>
             </a:pPr>
             <a:r>
-              <a:rPr lang="de-DE" sz="1800" b="0" strike="noStrike" spc="-1">
+              <a:rPr lang="de-DE" sz="2400" spc="-1" dirty="0" err="1" smtClean="0">
                 <a:solidFill>
                   <a:srgbClr val="404040"/>
                 </a:solidFill>
-                <a:latin typeface="Century Gothic"/>
+                <a:latin typeface="Century Gothic" panose="020B0502020202020204" pitchFamily="34" charset="0"/>
                 <a:ea typeface="DejaVu Sans"/>
               </a:rPr>
-              <a:t>You can create your own </a:t>
-            </a:r>
-            <a:r>
-              <a:rPr lang="de-DE" sz="1800" b="1" strike="noStrike" spc="-1">
+              <a:t>Make</a:t>
+            </a:r>
+            <a:r>
+              <a:rPr lang="de-DE" sz="2400" spc="-1" dirty="0" smtClean="0">
                 <a:solidFill>
                   <a:srgbClr val="404040"/>
                 </a:solidFill>
-                <a:latin typeface="Century Gothic"/>
+                <a:latin typeface="Century Gothic" panose="020B0502020202020204" pitchFamily="34" charset="0"/>
                 <a:ea typeface="DejaVu Sans"/>
               </a:rPr>
-              <a:t>mission</a:t>
-            </a:r>
-            <a:endParaRPr lang="de-DE" sz="1800" b="0" strike="noStrike" spc="-1">
-              <a:latin typeface="Arial"/>
-            </a:endParaRPr>
-          </a:p>
-          <a:p>
-            <a:pPr marL="743040" lvl="1" indent="-284040">
-              <a:lnSpc>
-                <a:spcPct val="100000"/>
-              </a:lnSpc>
-              <a:spcBef>
-                <a:spcPts val="1001"/>
-              </a:spcBef>
-              <a:buClr>
-                <a:srgbClr val="B31166"/>
-              </a:buClr>
-              <a:buSzPct val="80000"/>
-              <a:buFont typeface="Wingdings 3" charset="2"/>
-              <a:buChar char=""/>
-            </a:pPr>
-            <a:r>
-              <a:rPr lang="de-DE" sz="1600" b="0" strike="noStrike" spc="-1">
+              <a:t> </a:t>
+            </a:r>
+            <a:r>
+              <a:rPr lang="de-DE" sz="2400" spc="-1" dirty="0" err="1" smtClean="0">
                 <a:solidFill>
                   <a:srgbClr val="404040"/>
                 </a:solidFill>
-                <a:latin typeface="Century Gothic"/>
+                <a:latin typeface="Century Gothic" panose="020B0502020202020204" pitchFamily="34" charset="0"/>
                 <a:ea typeface="DejaVu Sans"/>
               </a:rPr>
-              <a:t>Consists of </a:t>
-            </a:r>
-            <a:r>
-              <a:rPr lang="de-DE" sz="1600" b="1" strike="noStrike" spc="-1">
+              <a:t>progress</a:t>
+            </a:r>
+            <a:r>
+              <a:rPr lang="de-DE" sz="2400" spc="-1" dirty="0" smtClean="0">
                 <a:solidFill>
                   <a:srgbClr val="404040"/>
                 </a:solidFill>
-                <a:latin typeface="Century Gothic"/>
+                <a:latin typeface="Century Gothic" panose="020B0502020202020204" pitchFamily="34" charset="0"/>
                 <a:ea typeface="DejaVu Sans"/>
               </a:rPr>
-              <a:t>tasks</a:t>
-            </a:r>
-            <a:endParaRPr lang="de-DE" sz="1600" b="0" strike="noStrike" spc="-1">
-              <a:latin typeface="Arial"/>
-            </a:endParaRPr>
-          </a:p>
-          <a:p>
-            <a:pPr>
-              <a:lnSpc>
-                <a:spcPct val="100000"/>
-              </a:lnSpc>
-            </a:pPr>
-            <a:endParaRPr lang="de-DE" sz="1600" b="0" strike="noStrike" spc="-1">
-              <a:latin typeface="Arial"/>
+              <a:t> </a:t>
+            </a:r>
+            <a:r>
+              <a:rPr lang="de-DE" sz="2400" spc="-1" dirty="0" err="1" smtClean="0">
+                <a:solidFill>
+                  <a:srgbClr val="404040"/>
+                </a:solidFill>
+                <a:latin typeface="Century Gothic" panose="020B0502020202020204" pitchFamily="34" charset="0"/>
+                <a:ea typeface="DejaVu Sans"/>
+              </a:rPr>
+              <a:t>of</a:t>
+            </a:r>
+            <a:r>
+              <a:rPr lang="de-DE" sz="2400" spc="-1" dirty="0" smtClean="0">
+                <a:solidFill>
+                  <a:srgbClr val="404040"/>
+                </a:solidFill>
+                <a:latin typeface="Century Gothic" panose="020B0502020202020204" pitchFamily="34" charset="0"/>
+                <a:ea typeface="DejaVu Sans"/>
+              </a:rPr>
+              <a:t> </a:t>
+            </a:r>
+            <a:r>
+              <a:rPr lang="de-DE" sz="2400" spc="-1" dirty="0" err="1" smtClean="0">
+                <a:solidFill>
+                  <a:srgbClr val="404040"/>
+                </a:solidFill>
+                <a:latin typeface="Century Gothic" panose="020B0502020202020204" pitchFamily="34" charset="0"/>
+                <a:ea typeface="DejaVu Sans"/>
+              </a:rPr>
+              <a:t>learning</a:t>
+            </a:r>
+            <a:r>
+              <a:rPr lang="de-DE" sz="2400" spc="-1" dirty="0" smtClean="0">
+                <a:solidFill>
+                  <a:srgbClr val="404040"/>
+                </a:solidFill>
+                <a:latin typeface="Century Gothic" panose="020B0502020202020204" pitchFamily="34" charset="0"/>
+                <a:ea typeface="DejaVu Sans"/>
+              </a:rPr>
+              <a:t> digital </a:t>
+            </a:r>
+            <a:r>
+              <a:rPr lang="de-DE" sz="2400" spc="-1" dirty="0" err="1" smtClean="0">
+                <a:solidFill>
+                  <a:srgbClr val="404040"/>
+                </a:solidFill>
+                <a:latin typeface="Century Gothic" panose="020B0502020202020204" pitchFamily="34" charset="0"/>
+                <a:ea typeface="DejaVu Sans"/>
+              </a:rPr>
+              <a:t>and</a:t>
+            </a:r>
+            <a:r>
+              <a:rPr lang="de-DE" sz="2400" spc="-1" dirty="0" smtClean="0">
+                <a:solidFill>
+                  <a:srgbClr val="404040"/>
+                </a:solidFill>
+                <a:latin typeface="Century Gothic" panose="020B0502020202020204" pitchFamily="34" charset="0"/>
+                <a:ea typeface="DejaVu Sans"/>
+              </a:rPr>
+              <a:t> </a:t>
+            </a:r>
+            <a:r>
+              <a:rPr lang="de-DE" sz="2400" spc="-1" dirty="0" err="1" smtClean="0">
+                <a:solidFill>
+                  <a:srgbClr val="404040"/>
+                </a:solidFill>
+                <a:latin typeface="Century Gothic" panose="020B0502020202020204" pitchFamily="34" charset="0"/>
+                <a:ea typeface="DejaVu Sans"/>
+              </a:rPr>
+              <a:t>competitive</a:t>
+            </a:r>
+            <a:r>
+              <a:rPr lang="de-DE" sz="2400" spc="-1" dirty="0">
+                <a:solidFill>
+                  <a:srgbClr val="404040"/>
+                </a:solidFill>
+                <a:latin typeface="Century Gothic" panose="020B0502020202020204" pitchFamily="34" charset="0"/>
+                <a:ea typeface="DejaVu Sans"/>
+              </a:rPr>
+              <a:t/>
+            </a:r>
+            <a:br>
+              <a:rPr lang="de-DE" sz="2400" spc="-1" dirty="0">
+                <a:solidFill>
+                  <a:srgbClr val="404040"/>
+                </a:solidFill>
+                <a:latin typeface="Century Gothic" panose="020B0502020202020204" pitchFamily="34" charset="0"/>
+                <a:ea typeface="DejaVu Sans"/>
+              </a:rPr>
+            </a:br>
+            <a:endParaRPr lang="de-DE" sz="2400" spc="-1" dirty="0">
+              <a:solidFill>
+                <a:srgbClr val="404040"/>
+              </a:solidFill>
+              <a:latin typeface="Century Gothic" panose="020B0502020202020204" pitchFamily="34" charset="0"/>
+              <a:ea typeface="DejaVu Sans"/>
             </a:endParaRPr>
           </a:p>
           <a:p>
@@ -30670,17 +31263,279 @@
               <a:buChar char=""/>
             </a:pPr>
             <a:r>
-              <a:rPr lang="de-DE" sz="1800" b="0" strike="noStrike" spc="-1">
+              <a:rPr lang="de-DE" sz="2400" spc="-1" dirty="0" err="1" smtClean="0">
                 <a:solidFill>
                   <a:srgbClr val="404040"/>
                 </a:solidFill>
-                <a:latin typeface="Century Gothic"/>
-                <a:ea typeface="DejaVu Sans"/>
-              </a:rPr>
-              <a:t>Definition of a „Mission“ is up to you!!</a:t>
-            </a:r>
-            <a:endParaRPr lang="de-DE" sz="1800" b="0" strike="noStrike" spc="-1">
-              <a:latin typeface="Arial"/>
+                <a:latin typeface="Century Gothic" panose="020B0502020202020204" pitchFamily="34" charset="0"/>
+              </a:rPr>
+              <a:t>Stay</a:t>
+            </a:r>
+            <a:r>
+              <a:rPr lang="de-DE" sz="2400" spc="-1" dirty="0" smtClean="0">
+                <a:solidFill>
+                  <a:srgbClr val="404040"/>
+                </a:solidFill>
+                <a:latin typeface="Century Gothic" panose="020B0502020202020204" pitchFamily="34" charset="0"/>
+              </a:rPr>
+              <a:t> </a:t>
+            </a:r>
+            <a:r>
+              <a:rPr lang="de-DE" sz="2400" spc="-1" dirty="0" err="1" smtClean="0">
+                <a:solidFill>
+                  <a:srgbClr val="404040"/>
+                </a:solidFill>
+                <a:latin typeface="Century Gothic" panose="020B0502020202020204" pitchFamily="34" charset="0"/>
+              </a:rPr>
+              <a:t>as</a:t>
+            </a:r>
+            <a:r>
+              <a:rPr lang="de-DE" sz="2400" spc="-1" dirty="0" smtClean="0">
+                <a:solidFill>
+                  <a:srgbClr val="404040"/>
+                </a:solidFill>
+                <a:latin typeface="Century Gothic" panose="020B0502020202020204" pitchFamily="34" charset="0"/>
+              </a:rPr>
+              <a:t> </a:t>
+            </a:r>
+            <a:r>
+              <a:rPr lang="de-DE" sz="2400" spc="-1" dirty="0" err="1" smtClean="0">
+                <a:solidFill>
+                  <a:srgbClr val="404040"/>
+                </a:solidFill>
+                <a:latin typeface="Century Gothic" panose="020B0502020202020204" pitchFamily="34" charset="0"/>
+              </a:rPr>
+              <a:t>motivated</a:t>
+            </a:r>
+            <a:r>
+              <a:rPr lang="de-DE" sz="2400" spc="-1" dirty="0" smtClean="0">
+                <a:solidFill>
+                  <a:srgbClr val="404040"/>
+                </a:solidFill>
+                <a:latin typeface="Century Gothic" panose="020B0502020202020204" pitchFamily="34" charset="0"/>
+              </a:rPr>
+              <a:t> </a:t>
+            </a:r>
+            <a:r>
+              <a:rPr lang="de-DE" sz="2400" spc="-1" dirty="0" err="1" smtClean="0">
+                <a:solidFill>
+                  <a:srgbClr val="404040"/>
+                </a:solidFill>
+                <a:latin typeface="Century Gothic" panose="020B0502020202020204" pitchFamily="34" charset="0"/>
+              </a:rPr>
+              <a:t>as</a:t>
+            </a:r>
+            <a:r>
+              <a:rPr lang="de-DE" sz="2400" spc="-1" dirty="0" smtClean="0">
+                <a:solidFill>
+                  <a:srgbClr val="404040"/>
+                </a:solidFill>
+                <a:latin typeface="Century Gothic" panose="020B0502020202020204" pitchFamily="34" charset="0"/>
+              </a:rPr>
+              <a:t> </a:t>
+            </a:r>
+            <a:r>
+              <a:rPr lang="de-DE" sz="2400" spc="-1" dirty="0" err="1" smtClean="0">
+                <a:solidFill>
+                  <a:srgbClr val="404040"/>
+                </a:solidFill>
+                <a:latin typeface="Century Gothic" panose="020B0502020202020204" pitchFamily="34" charset="0"/>
+              </a:rPr>
+              <a:t>you</a:t>
+            </a:r>
+            <a:r>
+              <a:rPr lang="de-DE" sz="2400" spc="-1" dirty="0" smtClean="0">
+                <a:solidFill>
+                  <a:srgbClr val="404040"/>
+                </a:solidFill>
+                <a:latin typeface="Century Gothic" panose="020B0502020202020204" pitchFamily="34" charset="0"/>
+              </a:rPr>
+              <a:t> </a:t>
+            </a:r>
+            <a:r>
+              <a:rPr lang="de-DE" sz="2400" spc="-1" dirty="0" err="1" smtClean="0">
+                <a:solidFill>
+                  <a:srgbClr val="404040"/>
+                </a:solidFill>
+                <a:latin typeface="Century Gothic" panose="020B0502020202020204" pitchFamily="34" charset="0"/>
+              </a:rPr>
+              <a:t>were</a:t>
+            </a:r>
+            <a:r>
+              <a:rPr lang="de-DE" sz="2400" spc="-1" dirty="0" smtClean="0">
+                <a:solidFill>
+                  <a:srgbClr val="404040"/>
+                </a:solidFill>
+                <a:latin typeface="Century Gothic" panose="020B0502020202020204" pitchFamily="34" charset="0"/>
+              </a:rPr>
+              <a:t> in </a:t>
+            </a:r>
+            <a:r>
+              <a:rPr lang="de-DE" sz="2400" spc="-1" dirty="0" err="1" smtClean="0">
+                <a:solidFill>
+                  <a:srgbClr val="404040"/>
+                </a:solidFill>
+                <a:latin typeface="Century Gothic" panose="020B0502020202020204" pitchFamily="34" charset="0"/>
+              </a:rPr>
+              <a:t>the</a:t>
+            </a:r>
+            <a:r>
+              <a:rPr lang="de-DE" sz="2400" spc="-1" dirty="0" smtClean="0">
+                <a:solidFill>
+                  <a:srgbClr val="404040"/>
+                </a:solidFill>
+                <a:latin typeface="Century Gothic" panose="020B0502020202020204" pitchFamily="34" charset="0"/>
+              </a:rPr>
+              <a:t> </a:t>
+            </a:r>
+            <a:r>
+              <a:rPr lang="de-DE" sz="2400" spc="-1" dirty="0" err="1" smtClean="0">
+                <a:solidFill>
+                  <a:srgbClr val="404040"/>
+                </a:solidFill>
+                <a:latin typeface="Century Gothic" panose="020B0502020202020204" pitchFamily="34" charset="0"/>
+              </a:rPr>
+              <a:t>beginning</a:t>
+            </a:r>
+            <a:endParaRPr lang="de-DE" sz="2400" b="0" strike="noStrike" spc="-1" dirty="0">
+              <a:latin typeface="Century Gothic" panose="020B0502020202020204" pitchFamily="34" charset="0"/>
+            </a:endParaRPr>
+          </a:p>
+          <a:p>
+            <a:pPr>
+              <a:lnSpc>
+                <a:spcPct val="100000"/>
+              </a:lnSpc>
+            </a:pPr>
+            <a:endParaRPr lang="de-DE" sz="2400" b="0" strike="noStrike" spc="-1" dirty="0">
+              <a:latin typeface="Century Gothic" panose="020B0502020202020204" pitchFamily="34" charset="0"/>
+            </a:endParaRPr>
+          </a:p>
+          <a:p>
+            <a:pPr marL="343080" indent="-341280">
+              <a:lnSpc>
+                <a:spcPct val="100000"/>
+              </a:lnSpc>
+              <a:spcBef>
+                <a:spcPts val="1001"/>
+              </a:spcBef>
+              <a:buClr>
+                <a:srgbClr val="B31166"/>
+              </a:buClr>
+              <a:buSzPct val="80000"/>
+              <a:buFont typeface="Wingdings 3" charset="2"/>
+              <a:buChar char=""/>
+            </a:pPr>
+            <a:r>
+              <a:rPr lang="de-DE" sz="2400" spc="-1" dirty="0" smtClean="0">
+                <a:solidFill>
+                  <a:srgbClr val="404040"/>
+                </a:solidFill>
+                <a:latin typeface="Century Gothic" panose="020B0502020202020204" pitchFamily="34" charset="0"/>
+              </a:rPr>
+              <a:t>Split </a:t>
+            </a:r>
+            <a:r>
+              <a:rPr lang="de-DE" sz="2400" spc="-1" dirty="0" err="1" smtClean="0">
+                <a:solidFill>
+                  <a:srgbClr val="404040"/>
+                </a:solidFill>
+                <a:latin typeface="Century Gothic" panose="020B0502020202020204" pitchFamily="34" charset="0"/>
+              </a:rPr>
+              <a:t>your</a:t>
+            </a:r>
+            <a:r>
+              <a:rPr lang="de-DE" sz="2400" spc="-1" dirty="0" smtClean="0">
+                <a:solidFill>
+                  <a:srgbClr val="404040"/>
+                </a:solidFill>
+                <a:latin typeface="Century Gothic" panose="020B0502020202020204" pitchFamily="34" charset="0"/>
+              </a:rPr>
+              <a:t> </a:t>
+            </a:r>
+            <a:r>
+              <a:rPr lang="de-DE" sz="2400" spc="-1" dirty="0" err="1" smtClean="0">
+                <a:solidFill>
+                  <a:srgbClr val="404040"/>
+                </a:solidFill>
+                <a:latin typeface="Century Gothic" panose="020B0502020202020204" pitchFamily="34" charset="0"/>
+              </a:rPr>
+              <a:t>learning</a:t>
+            </a:r>
+            <a:r>
+              <a:rPr lang="de-DE" sz="2400" spc="-1" dirty="0" smtClean="0">
+                <a:solidFill>
+                  <a:srgbClr val="404040"/>
+                </a:solidFill>
+                <a:latin typeface="Century Gothic" panose="020B0502020202020204" pitchFamily="34" charset="0"/>
+              </a:rPr>
+              <a:t> </a:t>
+            </a:r>
+            <a:r>
+              <a:rPr lang="de-DE" sz="2400" spc="-1" dirty="0" err="1" smtClean="0">
+                <a:solidFill>
+                  <a:srgbClr val="404040"/>
+                </a:solidFill>
+                <a:latin typeface="Century Gothic" panose="020B0502020202020204" pitchFamily="34" charset="0"/>
+              </a:rPr>
+              <a:t>goal</a:t>
+            </a:r>
+            <a:r>
+              <a:rPr lang="de-DE" sz="2400" spc="-1" dirty="0" smtClean="0">
+                <a:solidFill>
+                  <a:srgbClr val="404040"/>
+                </a:solidFill>
+                <a:latin typeface="Century Gothic" panose="020B0502020202020204" pitchFamily="34" charset="0"/>
+              </a:rPr>
+              <a:t> </a:t>
+            </a:r>
+            <a:r>
+              <a:rPr lang="de-DE" sz="2400" spc="-1" dirty="0" err="1" smtClean="0">
+                <a:solidFill>
+                  <a:srgbClr val="404040"/>
+                </a:solidFill>
+                <a:latin typeface="Century Gothic" panose="020B0502020202020204" pitchFamily="34" charset="0"/>
+              </a:rPr>
+              <a:t>into</a:t>
+            </a:r>
+            <a:r>
+              <a:rPr lang="de-DE" sz="2400" spc="-1" dirty="0" smtClean="0">
+                <a:solidFill>
+                  <a:srgbClr val="404040"/>
+                </a:solidFill>
+                <a:latin typeface="Century Gothic" panose="020B0502020202020204" pitchFamily="34" charset="0"/>
+              </a:rPr>
+              <a:t> </a:t>
+            </a:r>
+            <a:r>
+              <a:rPr lang="de-DE" sz="2400" spc="-1" dirty="0" err="1" smtClean="0">
+                <a:solidFill>
+                  <a:srgbClr val="404040"/>
+                </a:solidFill>
+                <a:latin typeface="Century Gothic" panose="020B0502020202020204" pitchFamily="34" charset="0"/>
+              </a:rPr>
+              <a:t>various</a:t>
+            </a:r>
+            <a:r>
+              <a:rPr lang="de-DE" sz="2400" spc="-1" dirty="0" smtClean="0">
+                <a:solidFill>
+                  <a:srgbClr val="404040"/>
+                </a:solidFill>
+                <a:latin typeface="Century Gothic" panose="020B0502020202020204" pitchFamily="34" charset="0"/>
+              </a:rPr>
+              <a:t> </a:t>
+            </a:r>
+            <a:r>
+              <a:rPr lang="de-DE" sz="2400" spc="-1" dirty="0" err="1" smtClean="0">
+                <a:solidFill>
+                  <a:srgbClr val="404040"/>
+                </a:solidFill>
+                <a:latin typeface="Century Gothic" panose="020B0502020202020204" pitchFamily="34" charset="0"/>
+              </a:rPr>
+              <a:t>tasks</a:t>
+            </a:r>
+            <a:endParaRPr lang="de-DE" sz="2400" b="0" strike="noStrike" spc="-1" dirty="0">
+              <a:latin typeface="Century Gothic" panose="020B0502020202020204" pitchFamily="34" charset="0"/>
             </a:endParaRPr>
           </a:p>
         </p:txBody>
@@ -30690,6 +31545,13 @@
   <p:clrMapOvr>
     <a:masterClrMapping/>
   </p:clrMapOvr>
+  <p:timing>
+    <p:tnLst>
+      <p:par>
+        <p:cTn id="1" dur="indefinite" restart="never" nodeType="tmRoot"/>
+      </p:par>
+    </p:tnLst>
+  </p:timing>
 </p:sld>
 </file>
 
@@ -30875,7 +31737,7 @@
                 <a:spcPts val="1001"/>
               </a:spcBef>
             </a:pPr>
-            <a:endParaRPr lang="de-DE" sz="1800" b="0" strike="noStrike" spc="-1">
+            <a:endParaRPr lang="de-DE" sz="1800" b="0" strike="noStrike" spc="-1" dirty="0">
               <a:latin typeface="Arial"/>
             </a:endParaRPr>
           </a:p>
@@ -30895,16 +31757,66 @@
               <a:buChar char=""/>
             </a:pPr>
             <a:r>
-              <a:rPr lang="de-DE" sz="1800" b="0" strike="noStrike" spc="-1">
+              <a:rPr lang="de-DE" sz="2400" b="0" strike="noStrike" spc="-1" dirty="0">
                 <a:solidFill>
                   <a:srgbClr val="404040"/>
                 </a:solidFill>
                 <a:latin typeface="Century Gothic"/>
                 <a:ea typeface="DejaVu Sans"/>
               </a:rPr>
-              <a:t>Points for completing tasks</a:t>
-            </a:r>
-            <a:endParaRPr lang="de-DE" sz="1800" b="0" strike="noStrike" spc="-1">
+              <a:t>Points </a:t>
+            </a:r>
+            <a:r>
+              <a:rPr lang="de-DE" sz="2400" b="0" strike="noStrike" spc="-1" dirty="0" err="1">
+                <a:solidFill>
+                  <a:srgbClr val="404040"/>
+                </a:solidFill>
+                <a:latin typeface="Century Gothic"/>
+                <a:ea typeface="DejaVu Sans"/>
+              </a:rPr>
+              <a:t>for</a:t>
+            </a:r>
+            <a:r>
+              <a:rPr lang="de-DE" sz="2400" b="0" strike="noStrike" spc="-1" dirty="0">
+                <a:solidFill>
+                  <a:srgbClr val="404040"/>
+                </a:solidFill>
+                <a:latin typeface="Century Gothic"/>
+                <a:ea typeface="DejaVu Sans"/>
+              </a:rPr>
+              <a:t> </a:t>
+            </a:r>
+            <a:r>
+              <a:rPr lang="de-DE" sz="2400" b="0" strike="noStrike" spc="-1" dirty="0" err="1">
+                <a:solidFill>
+                  <a:srgbClr val="404040"/>
+                </a:solidFill>
+                <a:latin typeface="Century Gothic"/>
+                <a:ea typeface="DejaVu Sans"/>
+              </a:rPr>
+              <a:t>completing</a:t>
+            </a:r>
+            <a:r>
+              <a:rPr lang="de-DE" sz="2400" b="0" strike="noStrike" spc="-1" dirty="0">
+                <a:solidFill>
+                  <a:srgbClr val="404040"/>
+                </a:solidFill>
+                <a:latin typeface="Century Gothic"/>
+                <a:ea typeface="DejaVu Sans"/>
+              </a:rPr>
+              <a:t> </a:t>
+            </a:r>
+            <a:r>
+              <a:rPr lang="de-DE" sz="2400" b="0" strike="noStrike" spc="-1" dirty="0" err="1">
+                <a:solidFill>
+                  <a:srgbClr val="404040"/>
+                </a:solidFill>
+                <a:latin typeface="Century Gothic"/>
+                <a:ea typeface="DejaVu Sans"/>
+              </a:rPr>
+              <a:t>tasks</a:t>
+            </a:r>
+            <a:endParaRPr lang="de-DE" sz="2400" b="0" strike="noStrike" spc="-1" dirty="0">
               <a:latin typeface="Arial"/>
             </a:endParaRPr>
           </a:p>
@@ -30924,16 +31836,36 @@
               <a:buChar char=""/>
             </a:pPr>
             <a:r>
-              <a:rPr lang="de-DE" sz="1800" b="0" strike="noStrike" spc="-1">
+              <a:rPr lang="de-DE" sz="2400" b="0" strike="noStrike" spc="-1" dirty="0" err="1">
                 <a:solidFill>
                   <a:srgbClr val="404040"/>
                 </a:solidFill>
                 <a:latin typeface="Century Gothic"/>
                 <a:ea typeface="DejaVu Sans"/>
               </a:rPr>
-              <a:t>Highscore system</a:t>
-            </a:r>
-            <a:endParaRPr lang="de-DE" sz="1800" b="0" strike="noStrike" spc="-1">
+              <a:t>Highscore</a:t>
+            </a:r>
+            <a:r>
+              <a:rPr lang="de-DE" sz="2400" b="0" strike="noStrike" spc="-1" dirty="0">
+                <a:solidFill>
+                  <a:srgbClr val="404040"/>
+                </a:solidFill>
+                <a:latin typeface="Century Gothic"/>
+                <a:ea typeface="DejaVu Sans"/>
+              </a:rPr>
+              <a:t> </a:t>
+            </a:r>
+            <a:r>
+              <a:rPr lang="de-DE" sz="2400" b="0" strike="noStrike" spc="-1" dirty="0" err="1">
+                <a:solidFill>
+                  <a:srgbClr val="404040"/>
+                </a:solidFill>
+                <a:latin typeface="Century Gothic"/>
+                <a:ea typeface="DejaVu Sans"/>
+              </a:rPr>
+              <a:t>system</a:t>
+            </a:r>
+            <a:endParaRPr lang="de-DE" sz="2400" b="0" strike="noStrike" spc="-1" dirty="0">
               <a:latin typeface="Arial"/>
             </a:endParaRPr>
           </a:p>
@@ -30953,16 +31885,152 @@
               <a:buChar char=""/>
             </a:pPr>
             <a:r>
-              <a:rPr lang="de-DE" sz="1800" b="0" strike="noStrike" spc="-1">
+              <a:rPr lang="de-DE" sz="2400" b="0" strike="noStrike" spc="-1" dirty="0">
                 <a:solidFill>
                   <a:srgbClr val="404040"/>
                 </a:solidFill>
                 <a:latin typeface="Century Gothic"/>
                 <a:ea typeface="DejaVu Sans"/>
               </a:rPr>
-              <a:t>Group statistics</a:t>
-            </a:r>
-            <a:endParaRPr lang="de-DE" sz="1800" b="0" strike="noStrike" spc="-1">
+              <a:t>Group </a:t>
+            </a:r>
+            <a:r>
+              <a:rPr lang="de-DE" sz="2400" b="0" strike="noStrike" spc="-1" dirty="0" err="1" smtClean="0">
+                <a:solidFill>
+                  <a:srgbClr val="404040"/>
+                </a:solidFill>
+                <a:latin typeface="Century Gothic"/>
+                <a:ea typeface="DejaVu Sans"/>
+              </a:rPr>
+              <a:t>statistics</a:t>
+            </a:r>
+            <a:endParaRPr lang="de-DE" sz="2400" b="0" strike="noStrike" spc="-1" dirty="0">
+              <a:latin typeface="Arial"/>
+            </a:endParaRPr>
+          </a:p>
+          <a:p>
+            <a:pPr>
+              <a:lnSpc>
+                <a:spcPct val="100000"/>
+              </a:lnSpc>
+              <a:spcBef>
+                <a:spcPts val="1001"/>
+              </a:spcBef>
+            </a:pPr>
+            <a:endParaRPr lang="de-DE" sz="1800" b="0" strike="noStrike" spc="-1" dirty="0">
+              <a:latin typeface="Arial"/>
+            </a:endParaRPr>
+          </a:p>
+        </p:txBody>
+      </p:sp>
+      <p:sp>
+        <p:nvSpPr>
+          <p:cNvPr id="430" name="CustomShape 4"/>
+          <p:cNvSpPr/>
+          <p:nvPr/>
+        </p:nvSpPr>
+        <p:spPr>
+          <a:xfrm>
+            <a:off x="6208920" y="2603520"/>
+            <a:ext cx="4823640" cy="574560"/>
+          </a:xfrm>
+          <a:prstGeom prst="rect">
+            <a:avLst/>
+          </a:prstGeom>
+          <a:noFill/>
+          <a:ln>
+            <a:noFill/>
+          </a:ln>
+        </p:spPr>
+        <p:style>
+          <a:lnRef idx="0">
+            <a:scrgbClr r="0" g="0" b="0"/>
+          </a:lnRef>
+          <a:fillRef idx="0">
+            <a:scrgbClr r="0" g="0" b="0"/>
+          </a:fillRef>
+          <a:effectRef idx="0">
+            <a:scrgbClr r="0" g="0" b="0"/>
+          </a:effectRef>
+          <a:fontRef idx="minor"/>
+        </p:style>
+        <p:txBody>
+          <a:bodyPr lIns="90000" tIns="45000" rIns="90000" bIns="45000" anchor="b">
+            <a:noAutofit/>
+          </a:bodyPr>
+          <a:lstStyle/>
+          <a:p>
+            <a:pPr>
+              <a:lnSpc>
+                <a:spcPct val="100000"/>
+              </a:lnSpc>
+              <a:spcBef>
+                <a:spcPts val="1001"/>
+              </a:spcBef>
+            </a:pPr>
+            <a:r>
+              <a:rPr lang="de-DE" sz="2400" b="0" u="sng" strike="noStrike" spc="-1">
+                <a:solidFill>
+                  <a:srgbClr val="B31166"/>
+                </a:solidFill>
+                <a:uFillTx/>
+                <a:latin typeface="Century Gothic"/>
+                <a:ea typeface="DejaVu Sans"/>
+              </a:rPr>
+              <a:t>Self-reflection</a:t>
+            </a:r>
+            <a:endParaRPr lang="de-DE" sz="2400" b="0" strike="noStrike" spc="-1">
+              <a:latin typeface="Arial"/>
+            </a:endParaRPr>
+          </a:p>
+        </p:txBody>
+      </p:sp>
+      <p:sp>
+        <p:nvSpPr>
+          <p:cNvPr id="431" name="CustomShape 5"/>
+          <p:cNvSpPr/>
+          <p:nvPr/>
+        </p:nvSpPr>
+        <p:spPr>
+          <a:xfrm>
+            <a:off x="6208919" y="3179880"/>
+            <a:ext cx="5442753" cy="2838240"/>
+          </a:xfrm>
+          <a:prstGeom prst="rect">
+            <a:avLst/>
+          </a:prstGeom>
+          <a:noFill/>
+          <a:ln>
+            <a:noFill/>
+          </a:ln>
+        </p:spPr>
+        <p:style>
+          <a:lnRef idx="0">
+            <a:scrgbClr r="0" g="0" b="0"/>
+          </a:lnRef>
+          <a:fillRef idx="0">
+            <a:scrgbClr r="0" g="0" b="0"/>
+          </a:fillRef>
+          <a:effectRef idx="0">
+            <a:scrgbClr r="0" g="0" b="0"/>
+          </a:effectRef>
+          <a:fontRef idx="minor"/>
+        </p:style>
+        <p:txBody>
+          <a:bodyPr lIns="90000" tIns="45000" rIns="90000" bIns="45000">
+            <a:noAutofit/>
+          </a:bodyPr>
+          <a:lstStyle/>
+          <a:p>
+            <a:pPr>
+              <a:lnSpc>
+                <a:spcPct val="100000"/>
+              </a:lnSpc>
+              <a:spcBef>
+                <a:spcPts val="1001"/>
+              </a:spcBef>
+            </a:pPr>
+            <a:endParaRPr lang="de-DE" sz="1800" b="0" strike="noStrike" spc="-1" dirty="0">
               <a:latin typeface="Arial"/>
             </a:endParaRPr>
           </a:p>
@@ -30982,142 +32050,86 @@
               <a:buChar char=""/>
             </a:pPr>
             <a:r>
-              <a:rPr lang="de-DE" sz="1800" b="0" strike="noStrike" spc="-1">
+              <a:rPr lang="de-DE" sz="2400" b="0" strike="noStrike" spc="-1" dirty="0">
                 <a:solidFill>
                   <a:srgbClr val="404040"/>
                 </a:solidFill>
                 <a:latin typeface="Century Gothic"/>
                 <a:ea typeface="DejaVu Sans"/>
               </a:rPr>
-              <a:t>Push notification</a:t>
-            </a:r>
-            <a:endParaRPr lang="de-DE" sz="1800" b="0" strike="noStrike" spc="-1">
-              <a:latin typeface="Arial"/>
-            </a:endParaRPr>
-          </a:p>
-          <a:p>
-            <a:pPr>
-              <a:lnSpc>
-                <a:spcPct val="100000"/>
-              </a:lnSpc>
-              <a:spcBef>
-                <a:spcPts val="1001"/>
-              </a:spcBef>
-            </a:pPr>
-            <a:endParaRPr lang="de-DE" sz="1800" b="0" strike="noStrike" spc="-1">
-              <a:latin typeface="Arial"/>
-            </a:endParaRPr>
-          </a:p>
-        </p:txBody>
-      </p:sp>
-      <p:sp>
-        <p:nvSpPr>
-          <p:cNvPr id="430" name="CustomShape 4"/>
-          <p:cNvSpPr/>
-          <p:nvPr/>
-        </p:nvSpPr>
-        <p:spPr>
-          <a:xfrm>
-            <a:off x="6208920" y="2603520"/>
-            <a:ext cx="4823640" cy="574560"/>
-          </a:xfrm>
-          <a:prstGeom prst="rect">
-            <a:avLst/>
-          </a:prstGeom>
-          <a:noFill/>
-          <a:ln>
-            <a:noFill/>
-          </a:ln>
-        </p:spPr>
-        <p:style>
-          <a:lnRef idx="0">
-            <a:scrgbClr r="0" g="0" b="0"/>
-          </a:lnRef>
-          <a:fillRef idx="0">
-            <a:scrgbClr r="0" g="0" b="0"/>
-          </a:fillRef>
-          <a:effectRef idx="0">
-            <a:scrgbClr r="0" g="0" b="0"/>
-          </a:effectRef>
-          <a:fontRef idx="minor"/>
-        </p:style>
-        <p:txBody>
-          <a:bodyPr lIns="90000" tIns="45000" rIns="90000" bIns="45000" anchor="b">
-            <a:noAutofit/>
-          </a:bodyPr>
-          <a:lstStyle/>
-          <a:p>
-            <a:pPr>
-              <a:lnSpc>
-                <a:spcPct val="100000"/>
-              </a:lnSpc>
-              <a:spcBef>
-                <a:spcPts val="1001"/>
-              </a:spcBef>
-            </a:pPr>
-            <a:r>
-              <a:rPr lang="de-DE" sz="2400" b="0" u="sng" strike="noStrike" spc="-1">
+              <a:t>Individual </a:t>
+            </a:r>
+            <a:r>
+              <a:rPr lang="de-DE" sz="2400" b="0" strike="noStrike" spc="-1" dirty="0" err="1">
                 <a:solidFill>
-                  <a:srgbClr val="B31166"/>
+                  <a:srgbClr val="404040"/>
                 </a:solidFill>
-                <a:uFillTx/>
                 <a:latin typeface="Century Gothic"/>
                 <a:ea typeface="DejaVu Sans"/>
               </a:rPr>
-              <a:t>Self-reflection</a:t>
-            </a:r>
-            <a:endParaRPr lang="de-DE" sz="2400" b="0" strike="noStrike" spc="-1">
-              <a:latin typeface="Arial"/>
-            </a:endParaRPr>
-          </a:p>
-        </p:txBody>
-      </p:sp>
-      <p:sp>
-        <p:nvSpPr>
-          <p:cNvPr id="431" name="CustomShape 5"/>
-          <p:cNvSpPr/>
-          <p:nvPr/>
-        </p:nvSpPr>
-        <p:spPr>
-          <a:xfrm>
-            <a:off x="6208920" y="3179880"/>
-            <a:ext cx="4823640" cy="2838240"/>
-          </a:xfrm>
-          <a:prstGeom prst="rect">
-            <a:avLst/>
-          </a:prstGeom>
-          <a:noFill/>
-          <a:ln>
-            <a:noFill/>
-          </a:ln>
-        </p:spPr>
-        <p:style>
-          <a:lnRef idx="0">
-            <a:scrgbClr r="0" g="0" b="0"/>
-          </a:lnRef>
-          <a:fillRef idx="0">
-            <a:scrgbClr r="0" g="0" b="0"/>
-          </a:fillRef>
-          <a:effectRef idx="0">
-            <a:scrgbClr r="0" g="0" b="0"/>
-          </a:effectRef>
-          <a:fontRef idx="minor"/>
-        </p:style>
-        <p:txBody>
-          <a:bodyPr lIns="90000" tIns="45000" rIns="90000" bIns="45000">
-            <a:noAutofit/>
-          </a:bodyPr>
-          <a:lstStyle/>
-          <a:p>
-            <a:pPr>
-              <a:lnSpc>
-                <a:spcPct val="100000"/>
-              </a:lnSpc>
-              <a:spcBef>
-                <a:spcPts val="1001"/>
-              </a:spcBef>
-            </a:pPr>
-            <a:endParaRPr lang="de-DE" sz="1800" b="0" strike="noStrike" spc="-1">
+              <a:t>rating</a:t>
+            </a:r>
+            <a:r>
+              <a:rPr lang="de-DE" sz="2400" b="0" strike="noStrike" spc="-1" dirty="0">
+                <a:solidFill>
+                  <a:srgbClr val="404040"/>
+                </a:solidFill>
+                <a:latin typeface="Century Gothic"/>
+                <a:ea typeface="DejaVu Sans"/>
+              </a:rPr>
+              <a:t> </a:t>
+            </a:r>
+            <a:r>
+              <a:rPr lang="de-DE" sz="2400" b="0" strike="noStrike" spc="-1" dirty="0" err="1">
+                <a:solidFill>
+                  <a:srgbClr val="404040"/>
+                </a:solidFill>
+                <a:latin typeface="Century Gothic"/>
+                <a:ea typeface="DejaVu Sans"/>
+              </a:rPr>
+              <a:t>of</a:t>
+            </a:r>
+            <a:r>
+              <a:rPr lang="de-DE" sz="2400" b="0" strike="noStrike" spc="-1" dirty="0">
+                <a:solidFill>
+                  <a:srgbClr val="404040"/>
+                </a:solidFill>
+                <a:latin typeface="Century Gothic"/>
+                <a:ea typeface="DejaVu Sans"/>
+              </a:rPr>
+              <a:t> (</a:t>
+            </a:r>
+            <a:r>
+              <a:rPr lang="de-DE" sz="2400" b="0" strike="noStrike" spc="-1" dirty="0" err="1">
+                <a:solidFill>
+                  <a:srgbClr val="404040"/>
+                </a:solidFill>
+                <a:latin typeface="Century Gothic"/>
+                <a:ea typeface="DejaVu Sans"/>
+              </a:rPr>
+              <a:t>completed</a:t>
+            </a:r>
+            <a:r>
+              <a:rPr lang="de-DE" sz="2400" b="0" strike="noStrike" spc="-1" dirty="0">
+                <a:solidFill>
+                  <a:srgbClr val="404040"/>
+                </a:solidFill>
+                <a:latin typeface="Century Gothic"/>
+                <a:ea typeface="DejaVu Sans"/>
+              </a:rPr>
+              <a:t>) </a:t>
+            </a:r>
+            <a:r>
+              <a:rPr lang="de-DE" sz="2400" b="0" strike="noStrike" spc="-1" dirty="0" err="1">
+                <a:solidFill>
+                  <a:srgbClr val="404040"/>
+                </a:solidFill>
+                <a:latin typeface="Century Gothic"/>
+                <a:ea typeface="DejaVu Sans"/>
+              </a:rPr>
+              <a:t>tasks</a:t>
+            </a:r>
+            <a:endParaRPr lang="de-DE" sz="2400" b="0" strike="noStrike" spc="-1" dirty="0">
               <a:latin typeface="Arial"/>
             </a:endParaRPr>
           </a:p>
@@ -31137,16 +32149,56 @@
               <a:buChar char=""/>
             </a:pPr>
             <a:r>
-              <a:rPr lang="de-DE" sz="1800" b="0" strike="noStrike" spc="-1">
+              <a:rPr lang="de-DE" sz="2400" b="0" strike="noStrike" spc="-1" dirty="0" err="1">
                 <a:solidFill>
                   <a:srgbClr val="404040"/>
                 </a:solidFill>
                 <a:latin typeface="Century Gothic"/>
                 <a:ea typeface="DejaVu Sans"/>
               </a:rPr>
-              <a:t>Individual rating of (completed) tasks</a:t>
-            </a:r>
-            <a:endParaRPr lang="de-DE" sz="1800" b="0" strike="noStrike" spc="-1">
+              <a:t>Reward</a:t>
+            </a:r>
+            <a:r>
+              <a:rPr lang="de-DE" sz="2400" b="0" strike="noStrike" spc="-1" dirty="0">
+                <a:solidFill>
+                  <a:srgbClr val="404040"/>
+                </a:solidFill>
+                <a:latin typeface="Century Gothic"/>
+                <a:ea typeface="DejaVu Sans"/>
+              </a:rPr>
+              <a:t> </a:t>
+            </a:r>
+            <a:r>
+              <a:rPr lang="de-DE" sz="2400" b="0" strike="noStrike" spc="-1" dirty="0" err="1">
+                <a:solidFill>
+                  <a:srgbClr val="404040"/>
+                </a:solidFill>
+                <a:latin typeface="Century Gothic"/>
+                <a:ea typeface="DejaVu Sans"/>
+              </a:rPr>
+              <a:t>system</a:t>
+            </a:r>
+            <a:r>
+              <a:rPr lang="de-DE" sz="2400" b="0" strike="noStrike" spc="-1" dirty="0">
+                <a:solidFill>
+                  <a:srgbClr val="404040"/>
+                </a:solidFill>
+                <a:latin typeface="Century Gothic"/>
+                <a:ea typeface="DejaVu Sans"/>
+              </a:rPr>
+              <a:t> outside </a:t>
+            </a:r>
+            <a:r>
+              <a:rPr lang="de-DE" sz="2400" b="0" strike="noStrike" spc="-1" dirty="0" err="1">
+                <a:solidFill>
+                  <a:srgbClr val="404040"/>
+                </a:solidFill>
+                <a:latin typeface="Century Gothic"/>
+                <a:ea typeface="DejaVu Sans"/>
+              </a:rPr>
+              <a:t>groups</a:t>
+            </a:r>
+            <a:endParaRPr lang="de-DE" sz="2400" b="0" strike="noStrike" spc="-1" dirty="0">
               <a:latin typeface="Arial"/>
             </a:endParaRPr>
           </a:p>
@@ -31166,45 +32218,56 @@
               <a:buChar char=""/>
             </a:pPr>
             <a:r>
-              <a:rPr lang="de-DE" sz="1800" b="0" strike="noStrike" spc="-1">
+              <a:rPr lang="de-DE" sz="2400" b="0" strike="noStrike" spc="-1" dirty="0" err="1">
                 <a:solidFill>
                   <a:srgbClr val="404040"/>
                 </a:solidFill>
                 <a:latin typeface="Century Gothic"/>
                 <a:ea typeface="DejaVu Sans"/>
               </a:rPr>
-              <a:t>Reward system outside groups</a:t>
-            </a:r>
-            <a:endParaRPr lang="de-DE" sz="1800" b="0" strike="noStrike" spc="-1">
-              <a:latin typeface="Arial"/>
-            </a:endParaRPr>
-          </a:p>
-          <a:p>
-            <a:pPr marL="343080" indent="-341280">
-              <a:lnSpc>
-                <a:spcPct val="100000"/>
-              </a:lnSpc>
-              <a:spcBef>
-                <a:spcPts val="1001"/>
-              </a:spcBef>
-              <a:buClr>
-                <a:srgbClr val="B31166"/>
-              </a:buClr>
-              <a:buSzPct val="80000"/>
-              <a:buFont typeface="Wingdings 3" charset="2"/>
-              <a:buChar char=""/>
-            </a:pPr>
-            <a:r>
-              <a:rPr lang="de-DE" sz="1800" b="0" strike="noStrike" spc="-1">
+              <a:t>Spend</a:t>
+            </a:r>
+            <a:r>
+              <a:rPr lang="de-DE" sz="2400" b="0" strike="noStrike" spc="-1" dirty="0">
                 <a:solidFill>
                   <a:srgbClr val="404040"/>
                 </a:solidFill>
                 <a:latin typeface="Century Gothic"/>
                 <a:ea typeface="DejaVu Sans"/>
               </a:rPr>
-              <a:t>Spend points on personal rewards</a:t>
-            </a:r>
-            <a:endParaRPr lang="de-DE" sz="1800" b="0" strike="noStrike" spc="-1">
+              <a:t> </a:t>
+            </a:r>
+            <a:r>
+              <a:rPr lang="de-DE" sz="2400" b="0" strike="noStrike" spc="-1" dirty="0" err="1">
+                <a:solidFill>
+                  <a:srgbClr val="404040"/>
+                </a:solidFill>
+                <a:latin typeface="Century Gothic"/>
+                <a:ea typeface="DejaVu Sans"/>
+              </a:rPr>
+              <a:t>points</a:t>
+            </a:r>
+            <a:r>
+              <a:rPr lang="de-DE" sz="2400" b="0" strike="noStrike" spc="-1" dirty="0">
+                <a:solidFill>
+                  <a:srgbClr val="404040"/>
+                </a:solidFill>
+                <a:latin typeface="Century Gothic"/>
+                <a:ea typeface="DejaVu Sans"/>
+              </a:rPr>
+              <a:t> on personal </a:t>
+            </a:r>
+            <a:r>
+              <a:rPr lang="de-DE" sz="2400" b="0" strike="noStrike" spc="-1" dirty="0" err="1">
+                <a:solidFill>
+                  <a:srgbClr val="404040"/>
+                </a:solidFill>
+                <a:latin typeface="Century Gothic"/>
+                <a:ea typeface="DejaVu Sans"/>
+              </a:rPr>
+              <a:t>rewards</a:t>
+            </a:r>
+            <a:endParaRPr lang="de-DE" sz="2400" b="0" strike="noStrike" spc="-1" dirty="0">
               <a:latin typeface="Arial"/>
             </a:endParaRPr>
           </a:p>
@@ -31217,7 +32280,7 @@
                 <a:spcPts val="1001"/>
               </a:spcBef>
             </a:pPr>
-            <a:endParaRPr lang="de-DE" sz="1800" b="0" strike="noStrike" spc="-1">
+            <a:endParaRPr lang="de-DE" sz="1800" b="0" strike="noStrike" spc="-1" dirty="0">
               <a:latin typeface="Arial"/>
             </a:endParaRPr>
           </a:p>
@@ -31228,6 +32291,13 @@
   <p:clrMapOvr>
     <a:masterClrMapping/>
   </p:clrMapOvr>
+  <p:timing>
+    <p:tnLst>
+      <p:par>
+        <p:cTn id="1" dur="indefinite" restart="never" nodeType="tmRoot"/>
+      </p:par>
+    </p:tnLst>
+  </p:timing>
 </p:sld>
 </file>
 
@@ -31291,55 +32361,68 @@
               </a:lnSpc>
             </a:pPr>
             <a:r>
-              <a:rPr lang="de-DE" sz="3600" b="0" strike="noStrike" spc="-1">
+              <a:rPr lang="de-DE" sz="3600" b="0" strike="noStrike" spc="-1" dirty="0" err="1">
                 <a:solidFill>
                   <a:srgbClr val="EBEBEB"/>
                 </a:solidFill>
                 <a:latin typeface="Century Gothic"/>
                 <a:ea typeface="DejaVu Sans"/>
               </a:rPr>
-              <a:t>Scope:</a:t>
-            </a:r>
-            <a:br/>
-            <a:r>
-              <a:rPr lang="de-DE" sz="3600" b="0" strike="noStrike" spc="-1">
+              <a:t>Scope</a:t>
+            </a:r>
+            <a:r>
+              <a:rPr lang="de-DE" sz="3600" b="0" strike="noStrike" spc="-1" dirty="0">
                 <a:solidFill>
                   <a:srgbClr val="EBEBEB"/>
                 </a:solidFill>
                 <a:latin typeface="Century Gothic"/>
                 <a:ea typeface="DejaVu Sans"/>
               </a:rPr>
-              <a:t>Use-Case Diagram</a:t>
-            </a:r>
-            <a:endParaRPr lang="de-DE" sz="3600" b="0" strike="noStrike" spc="-1">
-              <a:latin typeface="Arial"/>
-            </a:endParaRPr>
-          </a:p>
-        </p:txBody>
-      </p:sp>
-      <p:pic>
-        <p:nvPicPr>
-          <p:cNvPr id="433" name="Content Placeholder 4"/>
-          <p:cNvPicPr/>
-          <p:nvPr/>
-        </p:nvPicPr>
-        <p:blipFill>
-          <a:blip r:embed="rId2"/>
-          <a:stretch/>
-        </p:blipFill>
-        <p:spPr>
-          <a:xfrm>
-            <a:off x="5525640" y="416160"/>
-            <a:ext cx="6740280" cy="6440040"/>
-          </a:xfrm>
-          <a:prstGeom prst="rect">
-            <a:avLst/>
-          </a:prstGeom>
-          <a:ln>
-            <a:noFill/>
-          </a:ln>
-        </p:spPr>
-      </p:pic>
+              <a:t>:</a:t>
+            </a:r>
+            <a:r>
+              <a:rPr dirty="0"/>
+              <a:t/>
+            </a:r>
+            <a:br>
+              <a:rPr dirty="0"/>
+            </a:br>
+            <a:r>
+              <a:rPr lang="de-DE" sz="3600" b="0" strike="noStrike" spc="-1" dirty="0" err="1">
+                <a:solidFill>
+                  <a:srgbClr val="EBEBEB"/>
+                </a:solidFill>
+                <a:latin typeface="Century Gothic"/>
+                <a:ea typeface="DejaVu Sans"/>
+              </a:rPr>
+              <a:t>Use</a:t>
+            </a:r>
+            <a:r>
+              <a:rPr lang="de-DE" sz="3600" b="0" strike="noStrike" spc="-1" dirty="0">
+                <a:solidFill>
+                  <a:srgbClr val="EBEBEB"/>
+                </a:solidFill>
+                <a:latin typeface="Century Gothic"/>
+                <a:ea typeface="DejaVu Sans"/>
+              </a:rPr>
+              <a:t>-Case </a:t>
+            </a:r>
+            <a:r>
+              <a:rPr lang="de-DE" sz="3600" b="0" strike="noStrike" spc="-1" dirty="0" err="1">
+                <a:solidFill>
+                  <a:srgbClr val="EBEBEB"/>
+                </a:solidFill>
+                <a:latin typeface="Century Gothic"/>
+                <a:ea typeface="DejaVu Sans"/>
+              </a:rPr>
+              <a:t>Diagram</a:t>
+            </a:r>
+            <a:endParaRPr lang="de-DE" sz="3600" b="0" strike="noStrike" spc="-1" dirty="0">
+              <a:latin typeface="Arial"/>
+            </a:endParaRPr>
+          </a:p>
+        </p:txBody>
+      </p:sp>
       <p:sp>
         <p:nvSpPr>
           <p:cNvPr id="434" name="CustomShape 2"/>
@@ -31387,102 +32470,7 @@
               <a:buFont typeface="StarSymbol"/>
               <a:buAutoNum type="arabicParenR"/>
             </a:pPr>
-            <a:r>
-              <a:rPr lang="de-DE" sz="1800" b="0" strike="noStrike" spc="-1">
-                <a:solidFill>
-                  <a:srgbClr val="000000"/>
-                </a:solidFill>
-                <a:latin typeface="Century Gothic"/>
-                <a:ea typeface="DejaVu Sans"/>
-              </a:rPr>
-              <a:t>Account system </a:t>
-            </a:r>
-            <a:r>
-              <a:rPr lang="de-DE" sz="1800" b="0" strike="noStrike" spc="-1">
-                <a:solidFill>
-                  <a:srgbClr val="000000"/>
-                </a:solidFill>
-                <a:latin typeface="Wingdings"/>
-                <a:ea typeface="DejaVu Sans"/>
-              </a:rPr>
-              <a:t></a:t>
-            </a:r>
-            <a:endParaRPr lang="de-DE" sz="1800" b="0" strike="noStrike" spc="-1">
-              <a:latin typeface="Arial"/>
-            </a:endParaRPr>
-          </a:p>
-          <a:p>
-            <a:pPr marL="343080" indent="-341280">
-              <a:lnSpc>
-                <a:spcPct val="100000"/>
-              </a:lnSpc>
-              <a:buClr>
-                <a:srgbClr val="000000"/>
-              </a:buClr>
-              <a:buFont typeface="StarSymbol"/>
-              <a:buAutoNum type="arabicParenR"/>
-            </a:pPr>
-            <a:r>
-              <a:rPr lang="de-DE" sz="1800" b="0" strike="noStrike" spc="-1">
-                <a:solidFill>
-                  <a:srgbClr val="000000"/>
-                </a:solidFill>
-                <a:latin typeface="Century Gothic"/>
-                <a:ea typeface="DejaVu Sans"/>
-              </a:rPr>
-              <a:t>Create/View Mission</a:t>
-            </a:r>
-            <a:endParaRPr lang="de-DE" sz="1800" b="0" strike="noStrike" spc="-1">
-              <a:latin typeface="Arial"/>
-            </a:endParaRPr>
-          </a:p>
-          <a:p>
-            <a:pPr marL="343080" indent="-341280">
-              <a:lnSpc>
-                <a:spcPct val="100000"/>
-              </a:lnSpc>
-              <a:buClr>
-                <a:srgbClr val="000000"/>
-              </a:buClr>
-              <a:buFont typeface="StarSymbol"/>
-              <a:buAutoNum type="arabicParenR"/>
-            </a:pPr>
-            <a:r>
-              <a:rPr lang="de-DE" sz="1800" b="0" strike="noStrike" spc="-1">
-                <a:solidFill>
-                  <a:srgbClr val="000000"/>
-                </a:solidFill>
-                <a:latin typeface="Century Gothic"/>
-                <a:ea typeface="DejaVu Sans"/>
-              </a:rPr>
-              <a:t>Add user</a:t>
-            </a:r>
-            <a:endParaRPr lang="de-DE" sz="1800" b="0" strike="noStrike" spc="-1">
-              <a:latin typeface="Arial"/>
-            </a:endParaRPr>
-          </a:p>
-          <a:p>
-            <a:pPr marL="343080" indent="-341280">
-              <a:lnSpc>
-                <a:spcPct val="100000"/>
-              </a:lnSpc>
-              <a:buClr>
-                <a:srgbClr val="000000"/>
-              </a:buClr>
-              <a:buFont typeface="StarSymbol"/>
-              <a:buAutoNum type="arabicParenR"/>
-            </a:pPr>
-            <a:r>
-              <a:rPr lang="de-DE" sz="1800" b="0" strike="noStrike" spc="-1">
-                <a:solidFill>
-                  <a:srgbClr val="000000"/>
-                </a:solidFill>
-                <a:latin typeface="Century Gothic"/>
-                <a:ea typeface="DejaVu Sans"/>
-              </a:rPr>
-              <a:t>Manage Tasks</a:t>
-            </a:r>
-            <a:endParaRPr lang="de-DE" sz="1800" b="0" strike="noStrike" spc="-1">
+            <a:endParaRPr lang="de-DE" sz="1800" b="0" strike="noStrike" spc="-1" dirty="0">
               <a:latin typeface="Arial"/>
             </a:endParaRPr>
           </a:p>
@@ -31530,78 +32518,251 @@
                 <a:spcPct val="100000"/>
               </a:lnSpc>
             </a:pPr>
-            <a:r>
-              <a:rPr lang="de-DE" sz="3200" b="1" i="1" strike="noStrike" spc="-1">
-                <a:solidFill>
-                  <a:srgbClr val="000000"/>
-                </a:solidFill>
-                <a:latin typeface="Century Gothic"/>
-                <a:ea typeface="DejaVu Sans"/>
-              </a:rPr>
-              <a:t>Gamification</a:t>
-            </a:r>
-            <a:br/>
-            <a:r>
-              <a:rPr lang="de-DE" sz="1800" b="1" i="1" strike="noStrike" spc="-1">
-                <a:solidFill>
-                  <a:srgbClr val="000000"/>
-                </a:solidFill>
-                <a:latin typeface="Century Gothic"/>
-                <a:ea typeface="DejaVu Sans"/>
-              </a:rPr>
-              <a:t>coming next semester!</a:t>
-            </a:r>
-            <a:endParaRPr lang="de-DE" sz="1800" b="0" strike="noStrike" spc="-1">
-              <a:latin typeface="Arial"/>
-            </a:endParaRPr>
-          </a:p>
-        </p:txBody>
-      </p:sp>
-      <p:sp>
-        <p:nvSpPr>
-          <p:cNvPr id="436" name="CustomShape 4"/>
-          <p:cNvSpPr/>
+            <a:endParaRPr lang="de-DE" sz="1800" b="0" strike="noStrike" spc="-1" dirty="0">
+              <a:latin typeface="Arial"/>
+            </a:endParaRPr>
+          </a:p>
+        </p:txBody>
+      </p:sp>
+      <p:pic>
+        <p:nvPicPr>
+          <p:cNvPr id="2" name="Grafik 1"/>
+          <p:cNvPicPr>
+            <a:picLocks noChangeAspect="1"/>
+          </p:cNvPicPr>
           <p:nvPr/>
-        </p:nvSpPr>
-        <p:spPr>
-          <a:xfrm>
-            <a:off x="182520" y="5414400"/>
-            <a:ext cx="825120" cy="446040"/>
-          </a:xfrm>
-          <a:prstGeom prst="rightArrow">
-            <a:avLst>
-              <a:gd name="adj1" fmla="val 50000"/>
-              <a:gd name="adj2" fmla="val 50000"/>
-            </a:avLst>
-          </a:prstGeom>
-          <a:solidFill>
-            <a:srgbClr val="B31166"/>
-          </a:solidFill>
-          <a:ln w="25560">
-            <a:solidFill>
-              <a:srgbClr val="840C4B"/>
-            </a:solidFill>
-            <a:round/>
-          </a:ln>
-        </p:spPr>
-        <p:style>
-          <a:lnRef idx="0">
-            <a:scrgbClr r="0" g="0" b="0"/>
-          </a:lnRef>
-          <a:fillRef idx="0">
-            <a:scrgbClr r="0" g="0" b="0"/>
-          </a:fillRef>
-          <a:effectRef idx="0">
-            <a:scrgbClr r="0" g="0" b="0"/>
-          </a:effectRef>
-          <a:fontRef idx="minor"/>
-        </p:style>
+        </p:nvPicPr>
+        <p:blipFill>
+          <a:blip r:embed="rId2">
+            <a:extLst>
+              <a:ext uri="{28A0092B-C50C-407E-A947-70E740481C1C}">
+                <a14:useLocalDpi xmlns:a14="http://schemas.microsoft.com/office/drawing/2010/main" val="0"/>
+              </a:ext>
+            </a:extLst>
+          </a:blip>
+          <a:stretch>
+            <a:fillRect/>
+          </a:stretch>
+        </p:blipFill>
+        <p:spPr>
+          <a:xfrm>
+            <a:off x="5490720" y="204829"/>
+            <a:ext cx="6800920" cy="6498905"/>
+          </a:xfrm>
+          <a:prstGeom prst="rect">
+            <a:avLst/>
+          </a:prstGeom>
+        </p:spPr>
+      </p:pic>
+      <p:sp>
+        <p:nvSpPr>
+          <p:cNvPr id="3" name="Textfeld 2"/>
+          <p:cNvSpPr txBox="1"/>
+          <p:nvPr/>
+        </p:nvSpPr>
+        <p:spPr>
+          <a:xfrm>
+            <a:off x="527798" y="5339880"/>
+            <a:ext cx="2872902" cy="830997"/>
+          </a:xfrm>
+          <a:prstGeom prst="rect">
+            <a:avLst/>
+          </a:prstGeom>
+          <a:noFill/>
+        </p:spPr>
+        <p:txBody>
+          <a:bodyPr wrap="none" rtlCol="0">
+            <a:spAutoFit/>
+          </a:bodyPr>
+          <a:lstStyle/>
+          <a:p>
+            <a:r>
+              <a:rPr lang="de-DE" sz="2400" dirty="0" err="1" smtClean="0">
+                <a:latin typeface="Century Gothic" panose="020B0502020202020204" pitchFamily="34" charset="0"/>
+              </a:rPr>
+              <a:t>Dropped</a:t>
+            </a:r>
+            <a:endParaRPr lang="de-DE" sz="2400" dirty="0" smtClean="0">
+              <a:latin typeface="Century Gothic" panose="020B0502020202020204" pitchFamily="34" charset="0"/>
+            </a:endParaRPr>
+          </a:p>
+          <a:p>
+            <a:r>
+              <a:rPr lang="de-DE" sz="2400" dirty="0">
+                <a:latin typeface="Century Gothic" panose="020B0502020202020204" pitchFamily="34" charset="0"/>
+              </a:rPr>
+              <a:t> </a:t>
+            </a:r>
+            <a:r>
+              <a:rPr lang="de-DE" sz="2400" dirty="0" smtClean="0">
+                <a:latin typeface="Century Gothic" panose="020B0502020202020204" pitchFamily="34" charset="0"/>
+              </a:rPr>
+              <a:t>* Delete Account</a:t>
+            </a:r>
+            <a:endParaRPr lang="de-DE" sz="2400" dirty="0">
+              <a:latin typeface="Century Gothic" panose="020B0502020202020204" pitchFamily="34" charset="0"/>
+            </a:endParaRPr>
+          </a:p>
+        </p:txBody>
+      </p:sp>
+      <p:sp>
+        <p:nvSpPr>
+          <p:cNvPr id="4" name="Textfeld 3"/>
+          <p:cNvSpPr txBox="1"/>
+          <p:nvPr/>
+        </p:nvSpPr>
+        <p:spPr>
+          <a:xfrm>
+            <a:off x="527798" y="2518382"/>
+            <a:ext cx="3348994" cy="2308324"/>
+          </a:xfrm>
+          <a:prstGeom prst="rect">
+            <a:avLst/>
+          </a:prstGeom>
+          <a:noFill/>
+        </p:spPr>
+        <p:txBody>
+          <a:bodyPr wrap="none" rtlCol="0">
+            <a:spAutoFit/>
+          </a:bodyPr>
+          <a:lstStyle/>
+          <a:p>
+            <a:r>
+              <a:rPr lang="de-DE" sz="2400" dirty="0" err="1" smtClean="0">
+                <a:latin typeface="Century Gothic" panose="020B0502020202020204" pitchFamily="34" charset="0"/>
+              </a:rPr>
+              <a:t>Important</a:t>
+            </a:r>
+            <a:r>
+              <a:rPr lang="de-DE" sz="2400" dirty="0" smtClean="0">
+                <a:latin typeface="Century Gothic" panose="020B0502020202020204" pitchFamily="34" charset="0"/>
+              </a:rPr>
+              <a:t> </a:t>
+            </a:r>
+            <a:r>
+              <a:rPr lang="de-DE" sz="2400" dirty="0" err="1" smtClean="0">
+                <a:latin typeface="Century Gothic" panose="020B0502020202020204" pitchFamily="34" charset="0"/>
+              </a:rPr>
+              <a:t>Use</a:t>
+            </a:r>
+            <a:r>
+              <a:rPr lang="de-DE" sz="2400" dirty="0" smtClean="0">
+                <a:latin typeface="Century Gothic" panose="020B0502020202020204" pitchFamily="34" charset="0"/>
+              </a:rPr>
+              <a:t>-Cases:</a:t>
+            </a:r>
+          </a:p>
+          <a:p>
+            <a:r>
+              <a:rPr lang="de-DE" sz="2400" dirty="0">
+                <a:latin typeface="Century Gothic" panose="020B0502020202020204" pitchFamily="34" charset="0"/>
+              </a:rPr>
+              <a:t> </a:t>
+            </a:r>
+            <a:r>
+              <a:rPr lang="de-DE" sz="2400" dirty="0" smtClean="0">
+                <a:latin typeface="Century Gothic" panose="020B0502020202020204" pitchFamily="34" charset="0"/>
+              </a:rPr>
+              <a:t>* Create Mission</a:t>
+            </a:r>
+          </a:p>
+          <a:p>
+            <a:r>
+              <a:rPr lang="de-DE" sz="2400" dirty="0">
+                <a:latin typeface="Century Gothic" panose="020B0502020202020204" pitchFamily="34" charset="0"/>
+              </a:rPr>
+              <a:t> </a:t>
+            </a:r>
+            <a:r>
+              <a:rPr lang="de-DE" sz="2400" dirty="0" smtClean="0">
+                <a:latin typeface="Century Gothic" panose="020B0502020202020204" pitchFamily="34" charset="0"/>
+              </a:rPr>
+              <a:t>* Manage Tasks</a:t>
+            </a:r>
+          </a:p>
+          <a:p>
+            <a:r>
+              <a:rPr lang="de-DE" sz="2400" dirty="0">
+                <a:latin typeface="Century Gothic" panose="020B0502020202020204" pitchFamily="34" charset="0"/>
+              </a:rPr>
+              <a:t> </a:t>
+            </a:r>
+            <a:r>
+              <a:rPr lang="de-DE" sz="2400" dirty="0" smtClean="0">
+                <a:latin typeface="Century Gothic" panose="020B0502020202020204" pitchFamily="34" charset="0"/>
+              </a:rPr>
+              <a:t>* </a:t>
+            </a:r>
+            <a:r>
+              <a:rPr lang="de-DE" sz="2400" dirty="0" err="1" smtClean="0">
+                <a:latin typeface="Century Gothic" panose="020B0502020202020204" pitchFamily="34" charset="0"/>
+              </a:rPr>
+              <a:t>Rewards</a:t>
+            </a:r>
+            <a:endParaRPr lang="de-DE" sz="2400" dirty="0" smtClean="0">
+              <a:latin typeface="Century Gothic" panose="020B0502020202020204" pitchFamily="34" charset="0"/>
+            </a:endParaRPr>
+          </a:p>
+          <a:p>
+            <a:r>
+              <a:rPr lang="de-DE" sz="2400" dirty="0">
+                <a:latin typeface="Century Gothic" panose="020B0502020202020204" pitchFamily="34" charset="0"/>
+              </a:rPr>
+              <a:t> </a:t>
+            </a:r>
+            <a:r>
+              <a:rPr lang="de-DE" sz="2400" dirty="0" smtClean="0">
+                <a:latin typeface="Century Gothic" panose="020B0502020202020204" pitchFamily="34" charset="0"/>
+              </a:rPr>
+              <a:t>* </a:t>
+            </a:r>
+            <a:r>
+              <a:rPr lang="de-DE" sz="2400" dirty="0" err="1" smtClean="0">
+                <a:latin typeface="Century Gothic" panose="020B0502020202020204" pitchFamily="34" charset="0"/>
+              </a:rPr>
+              <a:t>Achievements</a:t>
+            </a:r>
+            <a:endParaRPr lang="de-DE" sz="2400" dirty="0" smtClean="0">
+              <a:latin typeface="Century Gothic" panose="020B0502020202020204" pitchFamily="34" charset="0"/>
+            </a:endParaRPr>
+          </a:p>
+          <a:p>
+            <a:r>
+              <a:rPr lang="de-DE" sz="2400" dirty="0">
+                <a:latin typeface="Century Gothic" panose="020B0502020202020204" pitchFamily="34" charset="0"/>
+              </a:rPr>
+              <a:t> </a:t>
+            </a:r>
+            <a:r>
+              <a:rPr lang="de-DE" sz="2400" dirty="0" smtClean="0">
+                <a:latin typeface="Century Gothic" panose="020B0502020202020204" pitchFamily="34" charset="0"/>
+              </a:rPr>
+              <a:t>* </a:t>
+            </a:r>
+            <a:r>
+              <a:rPr lang="de-DE" sz="2400" dirty="0" err="1" smtClean="0">
+                <a:latin typeface="Century Gothic" panose="020B0502020202020204" pitchFamily="34" charset="0"/>
+              </a:rPr>
+              <a:t>Statistics</a:t>
+            </a:r>
+            <a:endParaRPr lang="de-DE" sz="2400" dirty="0">
+              <a:latin typeface="Century Gothic" panose="020B0502020202020204" pitchFamily="34" charset="0"/>
+            </a:endParaRPr>
+          </a:p>
+        </p:txBody>
       </p:sp>
     </p:spTree>
   </p:cSld>
   <p:clrMapOvr>
     <a:masterClrMapping/>
   </p:clrMapOvr>
+  <p:timing>
+    <p:tnLst>
+      <p:par>
+        <p:cTn id="1" dur="indefinite" restart="never" nodeType="tmRoot"/>
+      </p:par>
+    </p:tnLst>
+  </p:timing>
 </p:sld>
 </file>
 
@@ -31665,16 +32826,26 @@
               </a:lnSpc>
             </a:pPr>
             <a:r>
-              <a:rPr lang="de-DE" sz="3600" b="0" strike="noStrike" spc="-1">
+              <a:rPr lang="de-DE" sz="3600" b="0" strike="noStrike" spc="-1" dirty="0">
                 <a:solidFill>
                   <a:srgbClr val="EBEBEB"/>
                 </a:solidFill>
                 <a:latin typeface="Century Gothic"/>
                 <a:ea typeface="DejaVu Sans"/>
               </a:rPr>
-              <a:t>Project management</a:t>
-            </a:r>
-            <a:endParaRPr lang="de-DE" sz="3600" b="0" strike="noStrike" spc="-1">
+              <a:t>Project </a:t>
+            </a:r>
+            <a:r>
+              <a:rPr lang="de-DE" sz="3600" b="0" strike="noStrike" spc="-1" dirty="0" err="1">
+                <a:solidFill>
+                  <a:srgbClr val="EBEBEB"/>
+                </a:solidFill>
+                <a:latin typeface="Century Gothic"/>
+                <a:ea typeface="DejaVu Sans"/>
+              </a:rPr>
+              <a:t>management</a:t>
+            </a:r>
+            <a:endParaRPr lang="de-DE" sz="3600" b="0" strike="noStrike" spc="-1" dirty="0">
               <a:latin typeface="Arial"/>
             </a:endParaRPr>
           </a:p>
@@ -31732,38 +32903,125 @@
               <a:buChar char=""/>
             </a:pPr>
             <a:r>
-              <a:rPr lang="de-DE" sz="1800" b="1" strike="noStrike" spc="-1">
+              <a:rPr lang="de-DE" sz="2400" b="1" strike="noStrike" spc="-1" dirty="0">
                 <a:solidFill>
                   <a:srgbClr val="404040"/>
                 </a:solidFill>
-                <a:latin typeface="Century Gothic"/>
+                <a:latin typeface="Century Gothic" panose="020B0502020202020204" pitchFamily="34" charset="0"/>
                 <a:ea typeface="DejaVu Sans"/>
               </a:rPr>
               <a:t>SCRUMMING</a:t>
             </a:r>
             <a:r>
-              <a:rPr lang="de-DE" sz="1800" b="0" strike="noStrike" spc="-1">
+              <a:rPr lang="de-DE" sz="2400" strike="noStrike" spc="-1" dirty="0">
                 <a:solidFill>
                   <a:srgbClr val="404040"/>
                 </a:solidFill>
-                <a:latin typeface="Century Gothic"/>
+                <a:latin typeface="Century Gothic" panose="020B0502020202020204" pitchFamily="34" charset="0"/>
                 <a:ea typeface="DejaVu Sans"/>
               </a:rPr>
-              <a:t> with </a:t>
-            </a:r>
-            <a:r>
-              <a:rPr lang="de-DE" sz="1800" b="1" strike="noStrike" spc="-1">
+              <a:t> </a:t>
+            </a:r>
+            <a:r>
+              <a:rPr lang="de-DE" sz="2400" strike="noStrike" spc="-1" dirty="0" err="1">
                 <a:solidFill>
                   <a:srgbClr val="404040"/>
                 </a:solidFill>
-                <a:latin typeface="Century Gothic"/>
+                <a:latin typeface="Century Gothic" panose="020B0502020202020204" pitchFamily="34" charset="0"/>
                 <a:ea typeface="DejaVu Sans"/>
               </a:rPr>
+              <a:t>with</a:t>
+            </a:r>
+            <a:r>
+              <a:rPr lang="de-DE" sz="2400" strike="noStrike" spc="-1" dirty="0">
+                <a:solidFill>
+                  <a:srgbClr val="404040"/>
+                </a:solidFill>
+                <a:latin typeface="Century Gothic" panose="020B0502020202020204" pitchFamily="34" charset="0"/>
+                <a:ea typeface="DejaVu Sans"/>
+              </a:rPr>
+              <a:t> </a:t>
+            </a:r>
+            <a:r>
+              <a:rPr lang="de-DE" sz="2400" spc="-1" dirty="0" err="1" smtClean="0">
+                <a:solidFill>
+                  <a:srgbClr val="404040"/>
+                </a:solidFill>
+                <a:latin typeface="Century Gothic" panose="020B0502020202020204" pitchFamily="34" charset="0"/>
+                <a:ea typeface="DejaVu Sans"/>
+              </a:rPr>
+              <a:t>project</a:t>
+            </a:r>
+            <a:r>
+              <a:rPr lang="de-DE" sz="2400" spc="-1" dirty="0" smtClean="0">
+                <a:solidFill>
+                  <a:srgbClr val="404040"/>
+                </a:solidFill>
+                <a:latin typeface="Century Gothic" panose="020B0502020202020204" pitchFamily="34" charset="0"/>
+                <a:ea typeface="DejaVu Sans"/>
+              </a:rPr>
+              <a:t> </a:t>
+            </a:r>
+            <a:r>
+              <a:rPr lang="de-DE" sz="2400" spc="-1" dirty="0" err="1" smtClean="0">
+                <a:solidFill>
+                  <a:srgbClr val="404040"/>
+                </a:solidFill>
+                <a:latin typeface="Century Gothic" panose="020B0502020202020204" pitchFamily="34" charset="0"/>
+                <a:ea typeface="DejaVu Sans"/>
+              </a:rPr>
+              <a:t>management</a:t>
+            </a:r>
+            <a:r>
+              <a:rPr lang="de-DE" sz="2400" spc="-1" dirty="0" smtClean="0">
+                <a:solidFill>
+                  <a:srgbClr val="404040"/>
+                </a:solidFill>
+                <a:latin typeface="Century Gothic" panose="020B0502020202020204" pitchFamily="34" charset="0"/>
+                <a:ea typeface="DejaVu Sans"/>
+              </a:rPr>
+              <a:t> </a:t>
+            </a:r>
+            <a:r>
+              <a:rPr lang="de-DE" sz="2400" spc="-1" dirty="0" err="1" smtClean="0">
+                <a:solidFill>
+                  <a:srgbClr val="404040"/>
+                </a:solidFill>
+                <a:latin typeface="Century Gothic" panose="020B0502020202020204" pitchFamily="34" charset="0"/>
+                <a:ea typeface="DejaVu Sans"/>
+              </a:rPr>
+              <a:t>tool</a:t>
+            </a:r>
+            <a:r>
+              <a:rPr lang="de-DE" sz="2400" spc="-1" dirty="0" smtClean="0">
+                <a:solidFill>
+                  <a:srgbClr val="404040"/>
+                </a:solidFill>
+                <a:latin typeface="Century Gothic" panose="020B0502020202020204" pitchFamily="34" charset="0"/>
+                <a:ea typeface="DejaVu Sans"/>
+              </a:rPr>
+              <a:t> „</a:t>
+            </a:r>
+            <a:r>
+              <a:rPr lang="de-DE" sz="2400" strike="noStrike" spc="-1" dirty="0" err="1" smtClean="0">
+                <a:solidFill>
+                  <a:srgbClr val="404040"/>
+                </a:solidFill>
+                <a:latin typeface="Century Gothic" panose="020B0502020202020204" pitchFamily="34" charset="0"/>
+                <a:ea typeface="DejaVu Sans"/>
+              </a:rPr>
               <a:t>YouTrack</a:t>
             </a:r>
-            <a:endParaRPr lang="de-DE" sz="1800" b="0" strike="noStrike" spc="-1">
-              <a:latin typeface="Arial"/>
-            </a:endParaRPr>
+            <a:r>
+              <a:rPr lang="de-DE" sz="2400" strike="noStrike" spc="-1" dirty="0" smtClean="0">
+                <a:solidFill>
+                  <a:srgbClr val="404040"/>
+                </a:solidFill>
+                <a:latin typeface="Century Gothic" panose="020B0502020202020204" pitchFamily="34" charset="0"/>
+                <a:ea typeface="DejaVu Sans"/>
+              </a:rPr>
+              <a:t>“</a:t>
+            </a:r>
           </a:p>
           <a:p>
             <a:pPr marL="343080" indent="-341280">
@@ -31781,17 +33039,82 @@
               <a:buChar char=""/>
             </a:pPr>
             <a:r>
-              <a:rPr lang="de-DE" sz="1800" b="0" strike="noStrike" spc="-1">
+              <a:rPr lang="de-DE" sz="2400" spc="-1" dirty="0" smtClean="0">
                 <a:solidFill>
                   <a:srgbClr val="404040"/>
                 </a:solidFill>
-                <a:latin typeface="Century Gothic"/>
-                <a:ea typeface="DejaVu Sans"/>
-              </a:rPr>
-              <a:t>Dont assume that the people you present to know what scrum is.</a:t>
-            </a:r>
-            <a:endParaRPr lang="de-DE" sz="1800" b="0" strike="noStrike" spc="-1">
-              <a:latin typeface="Arial"/>
+                <a:latin typeface="Century Gothic" panose="020B0502020202020204" pitchFamily="34" charset="0"/>
+              </a:rPr>
+              <a:t>Every </a:t>
+            </a:r>
+            <a:r>
+              <a:rPr lang="de-DE" sz="2400" spc="-1" dirty="0" err="1" smtClean="0">
+                <a:solidFill>
+                  <a:srgbClr val="404040"/>
+                </a:solidFill>
+                <a:latin typeface="Century Gothic" panose="020B0502020202020204" pitchFamily="34" charset="0"/>
+              </a:rPr>
+              <a:t>week</a:t>
+            </a:r>
+            <a:r>
+              <a:rPr lang="de-DE" sz="2400" spc="-1" dirty="0" smtClean="0">
+                <a:solidFill>
+                  <a:srgbClr val="404040"/>
+                </a:solidFill>
+                <a:latin typeface="Century Gothic" panose="020B0502020202020204" pitchFamily="34" charset="0"/>
+              </a:rPr>
+              <a:t> </a:t>
+            </a:r>
+            <a:r>
+              <a:rPr lang="de-DE" sz="2400" spc="-1" dirty="0" err="1" smtClean="0">
+                <a:solidFill>
+                  <a:srgbClr val="404040"/>
+                </a:solidFill>
+                <a:latin typeface="Century Gothic" panose="020B0502020202020204" pitchFamily="34" charset="0"/>
+              </a:rPr>
+              <a:t>new</a:t>
+            </a:r>
+            <a:r>
+              <a:rPr lang="de-DE" sz="2400" spc="-1" dirty="0" smtClean="0">
+                <a:solidFill>
+                  <a:srgbClr val="404040"/>
+                </a:solidFill>
+                <a:latin typeface="Century Gothic" panose="020B0502020202020204" pitchFamily="34" charset="0"/>
+              </a:rPr>
+              <a:t> </a:t>
+            </a:r>
+            <a:r>
+              <a:rPr lang="de-DE" sz="2400" spc="-1" dirty="0" err="1" smtClean="0">
+                <a:solidFill>
+                  <a:srgbClr val="404040"/>
+                </a:solidFill>
+                <a:latin typeface="Century Gothic" panose="020B0502020202020204" pitchFamily="34" charset="0"/>
+              </a:rPr>
+              <a:t>sprint</a:t>
+            </a:r>
+            <a:r>
+              <a:rPr lang="de-DE" sz="2400" spc="-1" dirty="0" smtClean="0">
+                <a:solidFill>
+                  <a:srgbClr val="404040"/>
+                </a:solidFill>
+                <a:latin typeface="Century Gothic" panose="020B0502020202020204" pitchFamily="34" charset="0"/>
+              </a:rPr>
+              <a:t> </a:t>
+            </a:r>
+            <a:r>
+              <a:rPr lang="de-DE" sz="2400" spc="-1" dirty="0" err="1" smtClean="0">
+                <a:solidFill>
+                  <a:srgbClr val="404040"/>
+                </a:solidFill>
+                <a:latin typeface="Century Gothic" panose="020B0502020202020204" pitchFamily="34" charset="0"/>
+              </a:rPr>
+              <a:t>planning</a:t>
+            </a:r>
+            <a:endParaRPr lang="de-DE" sz="2400" spc="-1" dirty="0" smtClean="0">
+              <a:solidFill>
+                <a:srgbClr val="404040"/>
+              </a:solidFill>
+              <a:latin typeface="Century Gothic" panose="020B0502020202020204" pitchFamily="34" charset="0"/>
             </a:endParaRPr>
           </a:p>
           <a:p>
@@ -31810,17 +33133,200 @@
               <a:buChar char=""/>
             </a:pPr>
             <a:r>
-              <a:rPr lang="de-DE" sz="1800" b="0" strike="noStrike" spc="-1">
+              <a:rPr lang="de-DE" sz="2400" spc="-1" dirty="0" err="1" smtClean="0">
                 <a:solidFill>
                   <a:srgbClr val="404040"/>
                 </a:solidFill>
-                <a:latin typeface="Century Gothic"/>
-                <a:ea typeface="DejaVu Sans"/>
-              </a:rPr>
-              <a:t>So you can explain why you pick this method and how it affects the client.</a:t>
-            </a:r>
-            <a:endParaRPr lang="de-DE" sz="1800" b="0" strike="noStrike" spc="-1">
-              <a:latin typeface="Arial"/>
+                <a:latin typeface="Century Gothic" panose="020B0502020202020204" pitchFamily="34" charset="0"/>
+              </a:rPr>
+              <a:t>Gives</a:t>
+            </a:r>
+            <a:r>
+              <a:rPr lang="de-DE" sz="2400" spc="-1" dirty="0" smtClean="0">
+                <a:solidFill>
+                  <a:srgbClr val="404040"/>
+                </a:solidFill>
+                <a:latin typeface="Century Gothic" panose="020B0502020202020204" pitchFamily="34" charset="0"/>
+              </a:rPr>
+              <a:t> an </a:t>
+            </a:r>
+            <a:r>
+              <a:rPr lang="de-DE" sz="2400" spc="-1" dirty="0" err="1" smtClean="0">
+                <a:solidFill>
+                  <a:srgbClr val="404040"/>
+                </a:solidFill>
+                <a:latin typeface="Century Gothic" panose="020B0502020202020204" pitchFamily="34" charset="0"/>
+              </a:rPr>
+              <a:t>overview</a:t>
+            </a:r>
+            <a:r>
+              <a:rPr lang="de-DE" sz="2400" spc="-1" dirty="0" smtClean="0">
+                <a:solidFill>
+                  <a:srgbClr val="404040"/>
+                </a:solidFill>
+                <a:latin typeface="Century Gothic" panose="020B0502020202020204" pitchFamily="34" charset="0"/>
+              </a:rPr>
+              <a:t> </a:t>
+            </a:r>
+            <a:r>
+              <a:rPr lang="de-DE" sz="2400" spc="-1" dirty="0" err="1" smtClean="0">
+                <a:solidFill>
+                  <a:srgbClr val="404040"/>
+                </a:solidFill>
+                <a:latin typeface="Century Gothic" panose="020B0502020202020204" pitchFamily="34" charset="0"/>
+              </a:rPr>
+              <a:t>of</a:t>
+            </a:r>
+            <a:r>
+              <a:rPr lang="de-DE" sz="2400" spc="-1" dirty="0" smtClean="0">
+                <a:solidFill>
+                  <a:srgbClr val="404040"/>
+                </a:solidFill>
+                <a:latin typeface="Century Gothic" panose="020B0502020202020204" pitchFamily="34" charset="0"/>
+              </a:rPr>
+              <a:t>:</a:t>
+            </a:r>
+          </a:p>
+          <a:p>
+            <a:pPr marL="800280" lvl="1" indent="-341280">
+              <a:spcBef>
+                <a:spcPts val="1001"/>
+              </a:spcBef>
+              <a:buClr>
+                <a:srgbClr val="B31166"/>
+              </a:buClr>
+              <a:buSzPct val="80000"/>
+              <a:buFont typeface="Wingdings 3" charset="2"/>
+              <a:buChar char=""/>
+            </a:pPr>
+            <a:r>
+              <a:rPr lang="de-DE" sz="2400" spc="-1" dirty="0" err="1" smtClean="0">
+                <a:solidFill>
+                  <a:srgbClr val="404040"/>
+                </a:solidFill>
+                <a:latin typeface="Century Gothic" panose="020B0502020202020204" pitchFamily="34" charset="0"/>
+              </a:rPr>
+              <a:t>Spent</a:t>
+            </a:r>
+            <a:r>
+              <a:rPr lang="de-DE" sz="2400" spc="-1" dirty="0" smtClean="0">
+                <a:solidFill>
+                  <a:srgbClr val="404040"/>
+                </a:solidFill>
+                <a:latin typeface="Century Gothic" panose="020B0502020202020204" pitchFamily="34" charset="0"/>
+              </a:rPr>
+              <a:t> time</a:t>
+            </a:r>
+          </a:p>
+          <a:p>
+            <a:pPr marL="800280" lvl="1" indent="-341280">
+              <a:spcBef>
+                <a:spcPts val="1001"/>
+              </a:spcBef>
+              <a:buClr>
+                <a:srgbClr val="B31166"/>
+              </a:buClr>
+              <a:buSzPct val="80000"/>
+              <a:buFont typeface="Wingdings 3" charset="2"/>
+              <a:buChar char=""/>
+            </a:pPr>
+            <a:r>
+              <a:rPr lang="de-DE" sz="2400" spc="-1" dirty="0" smtClean="0">
+                <a:solidFill>
+                  <a:srgbClr val="404040"/>
+                </a:solidFill>
+                <a:latin typeface="Century Gothic" panose="020B0502020202020204" pitchFamily="34" charset="0"/>
+              </a:rPr>
+              <a:t>Tasks </a:t>
+            </a:r>
+            <a:r>
+              <a:rPr lang="de-DE" sz="2400" spc="-1" dirty="0" err="1" smtClean="0">
+                <a:solidFill>
+                  <a:srgbClr val="404040"/>
+                </a:solidFill>
+                <a:latin typeface="Century Gothic" panose="020B0502020202020204" pitchFamily="34" charset="0"/>
+              </a:rPr>
+              <a:t>ToDo</a:t>
+            </a:r>
+            <a:r>
+              <a:rPr lang="de-DE" sz="2400" spc="-1" dirty="0" smtClean="0">
+                <a:solidFill>
+                  <a:srgbClr val="404040"/>
+                </a:solidFill>
+                <a:latin typeface="Century Gothic" panose="020B0502020202020204" pitchFamily="34" charset="0"/>
+              </a:rPr>
+              <a:t>/ in Progress/ </a:t>
+            </a:r>
+            <a:r>
+              <a:rPr lang="de-DE" sz="2400" spc="-1" dirty="0" err="1" smtClean="0">
+                <a:solidFill>
+                  <a:srgbClr val="404040"/>
+                </a:solidFill>
+                <a:latin typeface="Century Gothic" panose="020B0502020202020204" pitchFamily="34" charset="0"/>
+              </a:rPr>
+              <a:t>Done</a:t>
+            </a:r>
+            <a:endParaRPr lang="de-DE" sz="2400" spc="-1" dirty="0" smtClean="0">
+              <a:solidFill>
+                <a:srgbClr val="404040"/>
+              </a:solidFill>
+              <a:latin typeface="Century Gothic" panose="020B0502020202020204" pitchFamily="34" charset="0"/>
+            </a:endParaRPr>
+          </a:p>
+          <a:p>
+            <a:pPr marL="800280" lvl="1" indent="-341280">
+              <a:spcBef>
+                <a:spcPts val="1001"/>
+              </a:spcBef>
+              <a:buClr>
+                <a:srgbClr val="B31166"/>
+              </a:buClr>
+              <a:buSzPct val="80000"/>
+              <a:buFont typeface="Wingdings 3" charset="2"/>
+              <a:buChar char=""/>
+            </a:pPr>
+            <a:r>
+              <a:rPr lang="de-DE" sz="2400" spc="-1" dirty="0" smtClean="0">
+                <a:solidFill>
+                  <a:srgbClr val="404040"/>
+                </a:solidFill>
+                <a:latin typeface="Century Gothic" panose="020B0502020202020204" pitchFamily="34" charset="0"/>
+              </a:rPr>
+              <a:t>Work </a:t>
+            </a:r>
+            <a:r>
+              <a:rPr lang="de-DE" sz="2400" spc="-1" dirty="0" err="1" smtClean="0">
+                <a:solidFill>
+                  <a:srgbClr val="404040"/>
+                </a:solidFill>
+                <a:latin typeface="Century Gothic" panose="020B0502020202020204" pitchFamily="34" charset="0"/>
+              </a:rPr>
+              <a:t>history</a:t>
+            </a:r>
+            <a:endParaRPr lang="de-DE" sz="2400" spc="-1" dirty="0" smtClean="0">
+              <a:solidFill>
+                <a:srgbClr val="404040"/>
+              </a:solidFill>
+              <a:latin typeface="Century Gothic" panose="020B0502020202020204" pitchFamily="34" charset="0"/>
+            </a:endParaRPr>
+          </a:p>
+          <a:p>
+            <a:pPr marL="343080" indent="-341280">
+              <a:lnSpc>
+                <a:spcPct val="100000"/>
+              </a:lnSpc>
+              <a:spcBef>
+                <a:spcPts val="1001"/>
+              </a:spcBef>
+              <a:buClr>
+                <a:srgbClr val="B31166"/>
+              </a:buClr>
+              <a:buSzPct val="80000"/>
+              <a:buFont typeface="Wingdings 3" charset="2"/>
+              <a:buChar char=""/>
+            </a:pPr>
+            <a:endParaRPr lang="de-DE" sz="2400" b="0" strike="noStrike" spc="-1" dirty="0" smtClean="0">
+              <a:latin typeface="Century Gothic" panose="020B0502020202020204" pitchFamily="34" charset="0"/>
             </a:endParaRPr>
           </a:p>
         </p:txBody>
@@ -31830,6 +33336,13 @@
   <p:clrMapOvr>
     <a:masterClrMapping/>
   </p:clrMapOvr>
+  <p:timing>
+    <p:tnLst>
+      <p:par>
+        <p:cTn id="1" dur="indefinite" restart="never" nodeType="tmRoot"/>
+      </p:par>
+    </p:tnLst>
+  </p:timing>
 </p:sld>
 </file>
 
@@ -31852,95 +33365,97 @@
       </p:grpSpPr>
       <p:sp>
         <p:nvSpPr>
-          <p:cNvPr id="439" name="CustomShape 1"/>
-          <p:cNvSpPr/>
+          <p:cNvPr id="2" name="Titel 1"/>
+          <p:cNvSpPr>
+            <a:spLocks noGrp="1"/>
+          </p:cNvSpPr>
+          <p:nvPr>
+            <p:ph type="title"/>
+          </p:nvPr>
+        </p:nvSpPr>
+        <p:spPr>
+          <a:xfrm>
+            <a:off x="609480" y="729437"/>
+            <a:ext cx="10973520" cy="498598"/>
+          </a:xfrm>
+        </p:spPr>
+        <p:txBody>
+          <a:bodyPr/>
+          <a:lstStyle/>
+          <a:p>
+            <a:r>
+              <a:rPr lang="de-DE" sz="3600" dirty="0" err="1" smtClean="0">
+                <a:solidFill>
+                  <a:schemeClr val="bg1"/>
+                </a:solidFill>
+                <a:latin typeface="Century Gothic" panose="020B0502020202020204" pitchFamily="34" charset="0"/>
+              </a:rPr>
+              <a:t>Youtrack</a:t>
+            </a:r>
+            <a:endParaRPr lang="de-DE" sz="3600" dirty="0">
+              <a:solidFill>
+                <a:schemeClr val="bg1"/>
+              </a:solidFill>
+              <a:latin typeface="Century Gothic" panose="020B0502020202020204" pitchFamily="34" charset="0"/>
+            </a:endParaRPr>
+          </a:p>
+        </p:txBody>
+      </p:sp>
+      <p:sp>
+        <p:nvSpPr>
+          <p:cNvPr id="3" name="Untertitel 2"/>
+          <p:cNvSpPr>
+            <a:spLocks noGrp="1"/>
+          </p:cNvSpPr>
+          <p:nvPr>
+            <p:ph type="subTitle"/>
+          </p:nvPr>
+        </p:nvSpPr>
+        <p:spPr/>
+        <p:txBody>
+          <a:bodyPr/>
+          <a:lstStyle/>
+          <a:p>
+            <a:endParaRPr lang="de-DE"/>
+          </a:p>
+        </p:txBody>
+      </p:sp>
+      <p:pic>
+        <p:nvPicPr>
+          <p:cNvPr id="4" name="Grafik 3"/>
+          <p:cNvPicPr>
+            <a:picLocks noChangeAspect="1"/>
+          </p:cNvPicPr>
           <p:nvPr/>
-        </p:nvSpPr>
-        <p:spPr>
-          <a:xfrm>
-            <a:off x="1154880" y="973800"/>
-            <a:ext cx="8760240" cy="705240"/>
-          </a:xfrm>
-          <a:prstGeom prst="rect">
-            <a:avLst/>
-          </a:prstGeom>
-          <a:noFill/>
-          <a:ln>
-            <a:noFill/>
-          </a:ln>
-        </p:spPr>
-        <p:style>
-          <a:lnRef idx="0">
-            <a:scrgbClr r="0" g="0" b="0"/>
-          </a:lnRef>
-          <a:fillRef idx="0">
-            <a:scrgbClr r="0" g="0" b="0"/>
-          </a:fillRef>
-          <a:effectRef idx="0">
-            <a:scrgbClr r="0" g="0" b="0"/>
-          </a:effectRef>
-          <a:fontRef idx="minor"/>
-        </p:style>
-        <p:txBody>
-          <a:bodyPr lIns="90000" tIns="45000" rIns="90000" bIns="45000" anchor="ctr">
-            <a:noAutofit/>
-          </a:bodyPr>
-          <a:lstStyle/>
-          <a:p>
-            <a:pPr>
-              <a:lnSpc>
-                <a:spcPct val="100000"/>
-              </a:lnSpc>
-            </a:pPr>
-            <a:r>
-              <a:rPr lang="de-DE" sz="3600" b="0" strike="noStrike" spc="-1">
-                <a:solidFill>
-                  <a:srgbClr val="EBEBEB"/>
-                </a:solidFill>
-                <a:latin typeface="Century Gothic"/>
-                <a:ea typeface="DejaVu Sans"/>
-              </a:rPr>
-              <a:t>SRS</a:t>
-            </a:r>
-            <a:endParaRPr lang="de-DE" sz="3600" b="0" strike="noStrike" spc="-1">
-              <a:latin typeface="Arial"/>
-            </a:endParaRPr>
-          </a:p>
-        </p:txBody>
-      </p:sp>
-      <p:sp>
-        <p:nvSpPr>
-          <p:cNvPr id="440" name="CustomShape 2"/>
-          <p:cNvSpPr/>
-          <p:nvPr/>
-        </p:nvSpPr>
-        <p:spPr>
-          <a:xfrm>
-            <a:off x="1154880" y="2603520"/>
-            <a:ext cx="8824680" cy="3414600"/>
-          </a:xfrm>
-          <a:prstGeom prst="rect">
-            <a:avLst/>
-          </a:prstGeom>
-          <a:noFill/>
-          <a:ln>
-            <a:noFill/>
-          </a:ln>
-        </p:spPr>
-        <p:style>
-          <a:lnRef idx="0">
-            <a:scrgbClr r="0" g="0" b="0"/>
-          </a:lnRef>
-          <a:fillRef idx="0">
-            <a:scrgbClr r="0" g="0" b="0"/>
-          </a:fillRef>
-          <a:effectRef idx="0">
-            <a:scrgbClr r="0" g="0" b="0"/>
-          </a:effectRef>
-          <a:fontRef idx="minor"/>
-        </p:style>
-      </p:sp>
+        </p:nvPicPr>
+        <p:blipFill>
+          <a:blip r:embed="rId2">
+            <a:extLst>
+              <a:ext uri="{28A0092B-C50C-407E-A947-70E740481C1C}">
+                <a14:useLocalDpi xmlns:a14="http://schemas.microsoft.com/office/drawing/2010/main" val="0"/>
+              </a:ext>
+            </a:extLst>
+          </a:blip>
+          <a:stretch>
+            <a:fillRect/>
+          </a:stretch>
+        </p:blipFill>
+        <p:spPr>
+          <a:xfrm>
+            <a:off x="0" y="1604520"/>
+            <a:ext cx="12193588" cy="5184708"/>
+          </a:xfrm>
+          <a:prstGeom prst="rect">
+            <a:avLst/>
+          </a:prstGeom>
+        </p:spPr>
+      </p:pic>
     </p:spTree>
+    <p:extLst>
+      <p:ext uri="{BB962C8B-B14F-4D97-AF65-F5344CB8AC3E}">
+        <p14:creationId xmlns:p14="http://schemas.microsoft.com/office/powerpoint/2010/main" val="1858774367"/>
+      </p:ext>
+    </p:extLst>
   </p:cSld>
   <p:clrMapOvr>
     <a:masterClrMapping/>

--- a/Documentation/Presentation/final_se.pptx
+++ b/Documentation/Presentation/final_se.pptx
@@ -12,7 +12,7 @@
     <p:sldMasterId id="2147483739" r:id="rId8"/>
   </p:sldMasterIdLst>
   <p:notesMasterIdLst>
-    <p:notesMasterId r:id="rId39"/>
+    <p:notesMasterId r:id="rId38"/>
   </p:notesMasterIdLst>
   <p:sldIdLst>
     <p:sldId id="256" r:id="rId9"/>
@@ -23,28 +23,27 @@
     <p:sldId id="261" r:id="rId14"/>
     <p:sldId id="262" r:id="rId15"/>
     <p:sldId id="263" r:id="rId16"/>
-    <p:sldId id="287" r:id="rId17"/>
+    <p:sldId id="264" r:id="rId17"/>
     <p:sldId id="265" r:id="rId18"/>
-    <p:sldId id="285" r:id="rId19"/>
-    <p:sldId id="286" r:id="rId20"/>
-    <p:sldId id="267" r:id="rId21"/>
-    <p:sldId id="268" r:id="rId22"/>
-    <p:sldId id="269" r:id="rId23"/>
-    <p:sldId id="270" r:id="rId24"/>
-    <p:sldId id="281" r:id="rId25"/>
-    <p:sldId id="271" r:id="rId26"/>
-    <p:sldId id="272" r:id="rId27"/>
-    <p:sldId id="273" r:id="rId28"/>
-    <p:sldId id="280" r:id="rId29"/>
-    <p:sldId id="282" r:id="rId30"/>
-    <p:sldId id="283" r:id="rId31"/>
-    <p:sldId id="284" r:id="rId32"/>
-    <p:sldId id="274" r:id="rId33"/>
-    <p:sldId id="275" r:id="rId34"/>
-    <p:sldId id="276" r:id="rId35"/>
-    <p:sldId id="277" r:id="rId36"/>
-    <p:sldId id="278" r:id="rId37"/>
-    <p:sldId id="279" r:id="rId38"/>
+    <p:sldId id="266" r:id="rId19"/>
+    <p:sldId id="267" r:id="rId20"/>
+    <p:sldId id="268" r:id="rId21"/>
+    <p:sldId id="269" r:id="rId22"/>
+    <p:sldId id="270" r:id="rId23"/>
+    <p:sldId id="281" r:id="rId24"/>
+    <p:sldId id="271" r:id="rId25"/>
+    <p:sldId id="272" r:id="rId26"/>
+    <p:sldId id="273" r:id="rId27"/>
+    <p:sldId id="280" r:id="rId28"/>
+    <p:sldId id="282" r:id="rId29"/>
+    <p:sldId id="283" r:id="rId30"/>
+    <p:sldId id="284" r:id="rId31"/>
+    <p:sldId id="274" r:id="rId32"/>
+    <p:sldId id="275" r:id="rId33"/>
+    <p:sldId id="276" r:id="rId34"/>
+    <p:sldId id="277" r:id="rId35"/>
+    <p:sldId id="278" r:id="rId36"/>
+    <p:sldId id="279" r:id="rId37"/>
   </p:sldIdLst>
   <p:sldSz cx="12193588" cy="6858000"/>
   <p:notesSz cx="6858000" cy="9144000"/>
@@ -143,11 +142,6 @@
       </a:defRPr>
     </a:lvl9pPr>
   </p:defaultTextStyle>
-  <p:extLst>
-    <p:ext uri="{EFAFB233-063F-42B5-8137-9DF3F51BA10A}">
-      <p15:sldGuideLst xmlns:p15="http://schemas.microsoft.com/office/powerpoint/2012/main"/>
-    </p:ext>
-  </p:extLst>
 </p:presentation>
 </file>
 
@@ -375,7 +369,7 @@
               <a:rPr lang="de-DE" sz="1400" b="0" strike="noStrike" spc="-1">
                 <a:latin typeface="Times New Roman"/>
               </a:rPr>
-              <a:t>‹Nr.›</a:t>
+              <a:t>‹#›</a:t>
             </a:fld>
             <a:endParaRPr lang="de-DE" sz="1400" b="0" strike="noStrike" spc="-1">
               <a:latin typeface="Times New Roman"/>
@@ -528,9 +522,12 @@
                 <a:spcPct val="100000"/>
               </a:lnSpc>
             </a:pPr>
-            <a:endParaRPr lang="de-DE" sz="2000" b="0" strike="noStrike" spc="-1" dirty="0">
-              <a:latin typeface="Arial"/>
-            </a:endParaRPr>
+            <a:r>
+              <a:rPr lang="de-DE" sz="2000" b="0" strike="noStrike" spc="-1">
+                <a:latin typeface="Arial"/>
+              </a:rPr>
+              <a:t>it does not necessarily have to be about studying</a:t>
+            </a:r>
           </a:p>
           <a:p>
             <a:pPr marL="216000" indent="-214560">
@@ -538,7 +535,7 @@
                 <a:spcPct val="100000"/>
               </a:lnSpc>
             </a:pPr>
-            <a:endParaRPr lang="de-DE" sz="2000" b="0" strike="noStrike" spc="-1" dirty="0">
+            <a:endParaRPr lang="de-DE" sz="2000" b="0" strike="noStrike" spc="-1">
               <a:latin typeface="Arial"/>
             </a:endParaRPr>
           </a:p>
@@ -549,7 +546,7 @@
               </a:lnSpc>
             </a:pPr>
             <a:r>
-              <a:rPr lang="de-DE" sz="2000" b="0" strike="noStrike" spc="-1" dirty="0">
+              <a:rPr lang="de-DE" sz="2000" b="0" strike="noStrike" spc="-1">
                 <a:latin typeface="Arial"/>
               </a:rPr>
               <a:t>Mit linker Hand Zeugs erledigen</a:t>
@@ -562,7 +559,7 @@
               </a:lnSpc>
             </a:pPr>
             <a:r>
-              <a:rPr lang="de-DE" sz="2000" b="0" strike="noStrike" spc="-1" dirty="0">
+              <a:rPr lang="de-DE" sz="2000" b="0" strike="noStrike" spc="-1">
                 <a:latin typeface="Arial"/>
               </a:rPr>
               <a:t>Statur behalten</a:t>
@@ -24528,13 +24525,6 @@
   <p:clrMapOvr>
     <a:masterClrMapping/>
   </p:clrMapOvr>
-  <p:timing>
-    <p:tnLst>
-      <p:par>
-        <p:cTn id="1" dur="indefinite" restart="never" nodeType="tmRoot"/>
-      </p:par>
-    </p:tnLst>
-  </p:timing>
 </p:sld>
 </file>
 
@@ -24598,7 +24588,7 @@
               </a:lnSpc>
             </a:pPr>
             <a:r>
-              <a:rPr lang="de-DE" sz="3600" b="0" strike="noStrike" spc="-1" dirty="0">
+              <a:rPr lang="de-DE" sz="3600" b="0" strike="noStrike" spc="-1">
                 <a:solidFill>
                   <a:srgbClr val="EBEBEB"/>
                 </a:solidFill>
@@ -24607,7 +24597,7 @@
               </a:rPr>
               <a:t>RUP</a:t>
             </a:r>
-            <a:endParaRPr lang="de-DE" sz="3600" b="0" strike="noStrike" spc="-1" dirty="0">
+            <a:endParaRPr lang="de-DE" sz="3600" b="0" strike="noStrike" spc="-1">
               <a:latin typeface="Arial"/>
             </a:endParaRPr>
           </a:p>
@@ -24615,32 +24605,25 @@
       </p:sp>
       <p:pic>
         <p:nvPicPr>
-          <p:cNvPr id="2" name="Grafik 1"/>
-          <p:cNvPicPr>
-            <a:picLocks noChangeAspect="1"/>
-          </p:cNvPicPr>
+          <p:cNvPr id="442" name="Content Placeholder 4"/>
+          <p:cNvPicPr/>
           <p:nvPr/>
         </p:nvPicPr>
         <p:blipFill>
-          <a:blip r:embed="rId3">
-            <a:extLst>
-              <a:ext uri="{28A0092B-C50C-407E-A947-70E740481C1C}">
-                <a14:useLocalDpi xmlns:a14="http://schemas.microsoft.com/office/drawing/2010/main" val="0"/>
-              </a:ext>
-            </a:extLst>
-          </a:blip>
-          <a:stretch>
-            <a:fillRect/>
-          </a:stretch>
+          <a:blip r:embed="rId3"/>
+          <a:stretch/>
         </p:blipFill>
         <p:spPr>
           <a:xfrm>
-            <a:off x="2863693" y="7527"/>
-            <a:ext cx="9329895" cy="6850473"/>
-          </a:xfrm>
-          <a:prstGeom prst="rect">
-            <a:avLst/>
-          </a:prstGeom>
+            <a:off x="2507760" y="360000"/>
+            <a:ext cx="9683280" cy="6301800"/>
+          </a:xfrm>
+          <a:prstGeom prst="rect">
+            <a:avLst/>
+          </a:prstGeom>
+          <a:ln>
+            <a:noFill/>
+          </a:ln>
         </p:spPr>
       </p:pic>
     </p:spTree>
@@ -24670,88 +24653,86 @@
       </p:grpSpPr>
       <p:sp>
         <p:nvSpPr>
-          <p:cNvPr id="4" name="Rechteck 3"/>
+          <p:cNvPr id="443" name="CustomShape 1"/>
           <p:cNvSpPr/>
           <p:nvPr/>
         </p:nvSpPr>
         <p:spPr>
           <a:xfrm>
-            <a:off x="683012" y="596794"/>
-            <a:ext cx="4221027" cy="646331"/>
-          </a:xfrm>
-          <a:prstGeom prst="rect">
-            <a:avLst/>
-          </a:prstGeom>
-        </p:spPr>
-        <p:txBody>
-          <a:bodyPr wrap="none">
-            <a:spAutoFit/>
-          </a:bodyPr>
-          <a:lstStyle/>
-          <a:p>
+            <a:off x="1154880" y="973800"/>
+            <a:ext cx="8760240" cy="705240"/>
+          </a:xfrm>
+          <a:prstGeom prst="rect">
+            <a:avLst/>
+          </a:prstGeom>
+          <a:noFill/>
+          <a:ln>
+            <a:noFill/>
+          </a:ln>
+        </p:spPr>
+        <p:style>
+          <a:lnRef idx="0">
+            <a:scrgbClr r="0" g="0" b="0"/>
+          </a:lnRef>
+          <a:fillRef idx="0">
+            <a:scrgbClr r="0" g="0" b="0"/>
+          </a:fillRef>
+          <a:effectRef idx="0">
+            <a:scrgbClr r="0" g="0" b="0"/>
+          </a:effectRef>
+          <a:fontRef idx="minor"/>
+        </p:style>
+        <p:txBody>
+          <a:bodyPr lIns="90000" tIns="45000" rIns="90000" bIns="45000" anchor="ctr">
+            <a:noAutofit/>
+          </a:bodyPr>
+          <a:lstStyle/>
+          <a:p>
+            <a:pPr>
+              <a:lnSpc>
+                <a:spcPct val="100000"/>
+              </a:lnSpc>
+            </a:pPr>
             <a:r>
-              <a:rPr lang="de-DE" sz="3600" dirty="0">
+              <a:rPr lang="de-DE" sz="3600" b="0" strike="noStrike" spc="-1">
                 <a:solidFill>
-                  <a:schemeClr val="bg1"/>
+                  <a:srgbClr val="EBEBEB"/>
                 </a:solidFill>
-                <a:latin typeface="Century Gothic" panose="020B0502020202020204" pitchFamily="34" charset="0"/>
+                <a:latin typeface="Century Gothic"/>
+                <a:ea typeface="DejaVu Sans"/>
               </a:rPr>
-              <a:t>FP Time </a:t>
+              <a:t>Burndown</a:t>
             </a:r>
-            <a:r>
-              <a:rPr lang="de-DE" sz="3600" dirty="0" err="1">
-                <a:solidFill>
-                  <a:schemeClr val="bg1"/>
-                </a:solidFill>
-                <a:latin typeface="Century Gothic" panose="020B0502020202020204" pitchFamily="34" charset="0"/>
-              </a:rPr>
-              <a:t>Estimation</a:t>
-            </a:r>
-            <a:endParaRPr lang="de-DE" sz="3600" dirty="0">
-              <a:solidFill>
-                <a:schemeClr val="bg1"/>
-              </a:solidFill>
-              <a:latin typeface="Century Gothic" panose="020B0502020202020204" pitchFamily="34" charset="0"/>
+            <a:endParaRPr lang="de-DE" sz="3600" b="0" strike="noStrike" spc="-1">
+              <a:latin typeface="Arial"/>
             </a:endParaRPr>
           </a:p>
         </p:txBody>
       </p:sp>
       <p:pic>
         <p:nvPicPr>
-          <p:cNvPr id="5" name="Grafik 4"/>
-          <p:cNvPicPr>
-            <a:picLocks noChangeAspect="1"/>
-          </p:cNvPicPr>
+          <p:cNvPr id="444" name="Content Placeholder 4"/>
+          <p:cNvPicPr/>
           <p:nvPr/>
         </p:nvPicPr>
         <p:blipFill>
-          <a:blip r:embed="rId2">
-            <a:extLst>
-              <a:ext uri="{28A0092B-C50C-407E-A947-70E740481C1C}">
-                <a14:useLocalDpi xmlns:a14="http://schemas.microsoft.com/office/drawing/2010/main" val="0"/>
-              </a:ext>
-            </a:extLst>
-          </a:blip>
-          <a:stretch>
-            <a:fillRect/>
-          </a:stretch>
+          <a:blip r:embed="rId2"/>
+          <a:stretch/>
         </p:blipFill>
         <p:spPr>
           <a:xfrm>
-            <a:off x="1910669" y="1493847"/>
-            <a:ext cx="8189669" cy="5260913"/>
-          </a:xfrm>
-          <a:prstGeom prst="rect">
-            <a:avLst/>
-          </a:prstGeom>
+            <a:off x="1154880" y="1680480"/>
+            <a:ext cx="9243000" cy="5177160"/>
+          </a:xfrm>
+          <a:prstGeom prst="rect">
+            <a:avLst/>
+          </a:prstGeom>
+          <a:ln>
+            <a:noFill/>
+          </a:ln>
         </p:spPr>
       </p:pic>
     </p:spTree>
-    <p:extLst>
-      <p:ext uri="{BB962C8B-B14F-4D97-AF65-F5344CB8AC3E}">
-        <p14:creationId xmlns:p14="http://schemas.microsoft.com/office/powerpoint/2010/main" val="3069816378"/>
-      </p:ext>
-    </p:extLst>
   </p:cSld>
   <p:clrMapOvr>
     <a:masterClrMapping/>
@@ -24760,106 +24741,6 @@
 </file>
 
 <file path=ppt/slides/slide12.xml><?xml version="1.0" encoding="utf-8"?>
-<p:sld xmlns:a="http://schemas.openxmlformats.org/drawingml/2006/main" xmlns:r="http://schemas.openxmlformats.org/officeDocument/2006/relationships" xmlns:p="http://schemas.openxmlformats.org/presentationml/2006/main">
-  <p:cSld>
-    <p:spTree>
-      <p:nvGrpSpPr>
-        <p:cNvPr id="1" name=""/>
-        <p:cNvGrpSpPr/>
-        <p:nvPr/>
-      </p:nvGrpSpPr>
-      <p:grpSpPr>
-        <a:xfrm>
-          <a:off x="0" y="0"/>
-          <a:ext cx="0" cy="0"/>
-          <a:chOff x="0" y="0"/>
-          <a:chExt cx="0" cy="0"/>
-        </a:xfrm>
-      </p:grpSpPr>
-      <p:sp>
-        <p:nvSpPr>
-          <p:cNvPr id="4" name="Textfeld 3"/>
-          <p:cNvSpPr txBox="1"/>
-          <p:nvPr/>
-        </p:nvSpPr>
-        <p:spPr>
-          <a:xfrm>
-            <a:off x="707922" y="693174"/>
-            <a:ext cx="2435282" cy="646331"/>
-          </a:xfrm>
-          <a:prstGeom prst="rect">
-            <a:avLst/>
-          </a:prstGeom>
-          <a:noFill/>
-        </p:spPr>
-        <p:txBody>
-          <a:bodyPr wrap="none" rtlCol="0">
-            <a:spAutoFit/>
-          </a:bodyPr>
-          <a:lstStyle/>
-          <a:p>
-            <a:r>
-              <a:rPr lang="de-DE" sz="3600" dirty="0" err="1" smtClean="0">
-                <a:solidFill>
-                  <a:schemeClr val="bg1"/>
-                </a:solidFill>
-                <a:latin typeface="Century Gothic" panose="020B0502020202020204" pitchFamily="34" charset="0"/>
-              </a:rPr>
-              <a:t>Burndown</a:t>
-            </a:r>
-            <a:endParaRPr lang="de-DE" sz="3600" dirty="0">
-              <a:solidFill>
-                <a:schemeClr val="bg1"/>
-              </a:solidFill>
-              <a:latin typeface="Century Gothic" panose="020B0502020202020204" pitchFamily="34" charset="0"/>
-            </a:endParaRPr>
-          </a:p>
-        </p:txBody>
-      </p:sp>
-      <p:pic>
-        <p:nvPicPr>
-          <p:cNvPr id="5" name="Grafik 4"/>
-          <p:cNvPicPr>
-            <a:picLocks noChangeAspect="1"/>
-          </p:cNvPicPr>
-          <p:nvPr/>
-        </p:nvPicPr>
-        <p:blipFill>
-          <a:blip r:embed="rId2">
-            <a:extLst>
-              <a:ext uri="{28A0092B-C50C-407E-A947-70E740481C1C}">
-                <a14:useLocalDpi xmlns:a14="http://schemas.microsoft.com/office/drawing/2010/main" val="0"/>
-              </a:ext>
-            </a:extLst>
-          </a:blip>
-          <a:stretch>
-            <a:fillRect/>
-          </a:stretch>
-        </p:blipFill>
-        <p:spPr>
-          <a:xfrm>
-            <a:off x="0" y="235974"/>
-            <a:ext cx="12237904" cy="6032090"/>
-          </a:xfrm>
-          <a:prstGeom prst="rect">
-            <a:avLst/>
-          </a:prstGeom>
-        </p:spPr>
-      </p:pic>
-    </p:spTree>
-    <p:extLst>
-      <p:ext uri="{BB962C8B-B14F-4D97-AF65-F5344CB8AC3E}">
-        <p14:creationId xmlns:p14="http://schemas.microsoft.com/office/powerpoint/2010/main" val="1587493344"/>
-      </p:ext>
-    </p:extLst>
-  </p:cSld>
-  <p:clrMapOvr>
-    <a:masterClrMapping/>
-  </p:clrMapOvr>
-</p:sld>
-</file>
-
-<file path=ppt/slides/slide13.xml><?xml version="1.0" encoding="utf-8"?>
 <p:sld xmlns:a="http://schemas.openxmlformats.org/drawingml/2006/main" xmlns:r="http://schemas.openxmlformats.org/officeDocument/2006/relationships" xmlns:p="http://schemas.openxmlformats.org/presentationml/2006/main">
   <p:cSld>
     <p:spTree>
@@ -25161,6 +25042,153 @@
 </p:sld>
 </file>
 
+<file path=ppt/slides/slide13.xml><?xml version="1.0" encoding="utf-8"?>
+<p:sld xmlns:a="http://schemas.openxmlformats.org/drawingml/2006/main" xmlns:r="http://schemas.openxmlformats.org/officeDocument/2006/relationships" xmlns:p="http://schemas.openxmlformats.org/presentationml/2006/main">
+  <p:cSld>
+    <p:spTree>
+      <p:nvGrpSpPr>
+        <p:cNvPr id="1" name=""/>
+        <p:cNvGrpSpPr/>
+        <p:nvPr/>
+      </p:nvGrpSpPr>
+      <p:grpSpPr>
+        <a:xfrm>
+          <a:off x="0" y="0"/>
+          <a:ext cx="0" cy="0"/>
+          <a:chOff x="0" y="0"/>
+          <a:chExt cx="0" cy="0"/>
+        </a:xfrm>
+      </p:grpSpPr>
+      <p:sp>
+        <p:nvSpPr>
+          <p:cNvPr id="447" name="CustomShape 1"/>
+          <p:cNvSpPr/>
+          <p:nvPr/>
+        </p:nvSpPr>
+        <p:spPr>
+          <a:xfrm>
+            <a:off x="1154880" y="973800"/>
+            <a:ext cx="8760240" cy="705240"/>
+          </a:xfrm>
+          <a:prstGeom prst="rect">
+            <a:avLst/>
+          </a:prstGeom>
+          <a:noFill/>
+          <a:ln>
+            <a:noFill/>
+          </a:ln>
+        </p:spPr>
+        <p:style>
+          <a:lnRef idx="0">
+            <a:scrgbClr r="0" g="0" b="0"/>
+          </a:lnRef>
+          <a:fillRef idx="0">
+            <a:scrgbClr r="0" g="0" b="0"/>
+          </a:fillRef>
+          <a:effectRef idx="0">
+            <a:scrgbClr r="0" g="0" b="0"/>
+          </a:effectRef>
+          <a:fontRef idx="minor"/>
+        </p:style>
+        <p:txBody>
+          <a:bodyPr lIns="90000" tIns="45000" rIns="90000" bIns="45000" anchor="ctr">
+            <a:noAutofit/>
+          </a:bodyPr>
+          <a:lstStyle/>
+          <a:p>
+            <a:pPr>
+              <a:lnSpc>
+                <a:spcPct val="100000"/>
+              </a:lnSpc>
+            </a:pPr>
+            <a:r>
+              <a:rPr lang="de-DE" sz="3600" b="0" strike="noStrike" spc="-1">
+                <a:solidFill>
+                  <a:srgbClr val="EBEBEB"/>
+                </a:solidFill>
+                <a:latin typeface="Century Gothic"/>
+                <a:ea typeface="DejaVu Sans"/>
+              </a:rPr>
+              <a:t>Configuration</a:t>
+            </a:r>
+            <a:endParaRPr lang="de-DE" sz="3600" b="0" strike="noStrike" spc="-1">
+              <a:latin typeface="Arial"/>
+            </a:endParaRPr>
+          </a:p>
+        </p:txBody>
+      </p:sp>
+      <p:sp>
+        <p:nvSpPr>
+          <p:cNvPr id="448" name="CustomShape 2"/>
+          <p:cNvSpPr/>
+          <p:nvPr/>
+        </p:nvSpPr>
+        <p:spPr>
+          <a:xfrm>
+            <a:off x="1154880" y="2603520"/>
+            <a:ext cx="8824680" cy="3414600"/>
+          </a:xfrm>
+          <a:prstGeom prst="rect">
+            <a:avLst/>
+          </a:prstGeom>
+          <a:noFill/>
+          <a:ln>
+            <a:noFill/>
+          </a:ln>
+        </p:spPr>
+        <p:style>
+          <a:lnRef idx="0">
+            <a:scrgbClr r="0" g="0" b="0"/>
+          </a:lnRef>
+          <a:fillRef idx="0">
+            <a:scrgbClr r="0" g="0" b="0"/>
+          </a:fillRef>
+          <a:effectRef idx="0">
+            <a:scrgbClr r="0" g="0" b="0"/>
+          </a:effectRef>
+          <a:fontRef idx="minor"/>
+        </p:style>
+        <p:txBody>
+          <a:bodyPr lIns="90000" tIns="45000" rIns="90000" bIns="45000">
+            <a:noAutofit/>
+          </a:bodyPr>
+          <a:lstStyle/>
+          <a:p>
+            <a:pPr>
+              <a:lnSpc>
+                <a:spcPct val="100000"/>
+              </a:lnSpc>
+              <a:spcBef>
+                <a:spcPts val="1001"/>
+              </a:spcBef>
+            </a:pPr>
+            <a:endParaRPr lang="de-DE" sz="1800" b="0" strike="noStrike" spc="-1">
+              <a:latin typeface="Arial"/>
+            </a:endParaRPr>
+          </a:p>
+          <a:p>
+            <a:pPr>
+              <a:lnSpc>
+                <a:spcPct val="100000"/>
+              </a:lnSpc>
+              <a:spcBef>
+                <a:spcPts val="1001"/>
+              </a:spcBef>
+            </a:pPr>
+            <a:endParaRPr lang="de-DE" sz="1800" b="0" strike="noStrike" spc="-1">
+              <a:latin typeface="Arial"/>
+            </a:endParaRPr>
+          </a:p>
+        </p:txBody>
+      </p:sp>
+    </p:spTree>
+  </p:cSld>
+  <p:clrMapOvr>
+    <a:masterClrMapping/>
+  </p:clrMapOvr>
+</p:sld>
+</file>
+
 <file path=ppt/slides/slide14.xml><?xml version="1.0" encoding="utf-8"?>
 <p:sld xmlns:a="http://schemas.openxmlformats.org/drawingml/2006/main" xmlns:r="http://schemas.openxmlformats.org/officeDocument/2006/relationships" xmlns:p="http://schemas.openxmlformats.org/presentationml/2006/main">
   <p:cSld>
@@ -25180,7 +25208,7 @@
       </p:grpSpPr>
       <p:sp>
         <p:nvSpPr>
-          <p:cNvPr id="447" name="CustomShape 1"/>
+          <p:cNvPr id="449" name="CustomShape 1"/>
           <p:cNvSpPr/>
           <p:nvPr/>
         </p:nvSpPr>
@@ -25228,7 +25256,7 @@
                 <a:latin typeface="Century Gothic"/>
                 <a:ea typeface="DejaVu Sans"/>
               </a:rPr>
-              <a:t>Configuration</a:t>
+              <a:t>Testing</a:t>
             </a:r>
             <a:endParaRPr lang="de-DE" sz="3600" b="0" strike="noStrike" spc="-1">
               <a:latin typeface="Arial"/>
@@ -25238,7 +25266,7 @@
       </p:sp>
       <p:sp>
         <p:nvSpPr>
-          <p:cNvPr id="448" name="CustomShape 2"/>
+          <p:cNvPr id="450" name="CustomShape 2"/>
           <p:cNvSpPr/>
           <p:nvPr/>
         </p:nvSpPr>
@@ -25281,6 +25309,517 @@
                 <a:spcPts val="1001"/>
               </a:spcBef>
             </a:pPr>
+            <a:endParaRPr lang="de-DE" sz="1800" b="0" strike="noStrike" spc="-1">
+              <a:latin typeface="Arial"/>
+            </a:endParaRPr>
+          </a:p>
+          <a:p>
+            <a:pPr>
+              <a:lnSpc>
+                <a:spcPct val="100000"/>
+              </a:lnSpc>
+              <a:spcBef>
+                <a:spcPts val="1001"/>
+              </a:spcBef>
+            </a:pPr>
+            <a:endParaRPr lang="de-DE" sz="1800" b="0" strike="noStrike" spc="-1">
+              <a:latin typeface="Arial"/>
+            </a:endParaRPr>
+          </a:p>
+        </p:txBody>
+      </p:sp>
+      <p:sp>
+        <p:nvSpPr>
+          <p:cNvPr id="451" name="CustomShape 3"/>
+          <p:cNvSpPr/>
+          <p:nvPr/>
+        </p:nvSpPr>
+        <p:spPr>
+          <a:xfrm>
+            <a:off x="6408360" y="2603520"/>
+            <a:ext cx="4823640" cy="574560"/>
+          </a:xfrm>
+          <a:prstGeom prst="rect">
+            <a:avLst/>
+          </a:prstGeom>
+          <a:noFill/>
+          <a:ln>
+            <a:noFill/>
+          </a:ln>
+        </p:spPr>
+        <p:style>
+          <a:lnRef idx="0">
+            <a:scrgbClr r="0" g="0" b="0"/>
+          </a:lnRef>
+          <a:fillRef idx="0">
+            <a:scrgbClr r="0" g="0" b="0"/>
+          </a:fillRef>
+          <a:effectRef idx="0">
+            <a:scrgbClr r="0" g="0" b="0"/>
+          </a:effectRef>
+          <a:fontRef idx="minor"/>
+        </p:style>
+        <p:txBody>
+          <a:bodyPr lIns="90000" tIns="45000" rIns="90000" bIns="45000" anchor="b">
+            <a:noAutofit/>
+          </a:bodyPr>
+          <a:lstStyle/>
+          <a:p>
+            <a:pPr>
+              <a:lnSpc>
+                <a:spcPct val="100000"/>
+              </a:lnSpc>
+              <a:spcBef>
+                <a:spcPts val="1001"/>
+              </a:spcBef>
+            </a:pPr>
+            <a:r>
+              <a:rPr lang="de-DE" sz="2400" b="0" u="sng" strike="noStrike" spc="-1">
+                <a:solidFill>
+                  <a:srgbClr val="B31166"/>
+                </a:solidFill>
+                <a:uFillTx/>
+                <a:latin typeface="Century Gothic"/>
+                <a:ea typeface="DejaVu Sans"/>
+              </a:rPr>
+              <a:t>Functional Testing</a:t>
+            </a:r>
+            <a:endParaRPr lang="de-DE" sz="2400" b="0" strike="noStrike" spc="-1">
+              <a:latin typeface="Arial"/>
+            </a:endParaRPr>
+          </a:p>
+        </p:txBody>
+      </p:sp>
+      <p:sp>
+        <p:nvSpPr>
+          <p:cNvPr id="452" name="CustomShape 4"/>
+          <p:cNvSpPr/>
+          <p:nvPr/>
+        </p:nvSpPr>
+        <p:spPr>
+          <a:xfrm>
+            <a:off x="1154880" y="2592720"/>
+            <a:ext cx="4823640" cy="574560"/>
+          </a:xfrm>
+          <a:prstGeom prst="rect">
+            <a:avLst/>
+          </a:prstGeom>
+          <a:noFill/>
+          <a:ln>
+            <a:noFill/>
+          </a:ln>
+        </p:spPr>
+        <p:style>
+          <a:lnRef idx="0">
+            <a:scrgbClr r="0" g="0" b="0"/>
+          </a:lnRef>
+          <a:fillRef idx="0">
+            <a:scrgbClr r="0" g="0" b="0"/>
+          </a:fillRef>
+          <a:effectRef idx="0">
+            <a:scrgbClr r="0" g="0" b="0"/>
+          </a:effectRef>
+          <a:fontRef idx="minor"/>
+        </p:style>
+        <p:txBody>
+          <a:bodyPr lIns="90000" tIns="45000" rIns="90000" bIns="45000" anchor="b">
+            <a:noAutofit/>
+          </a:bodyPr>
+          <a:lstStyle/>
+          <a:p>
+            <a:pPr>
+              <a:lnSpc>
+                <a:spcPct val="100000"/>
+              </a:lnSpc>
+              <a:spcBef>
+                <a:spcPts val="1001"/>
+              </a:spcBef>
+            </a:pPr>
+            <a:r>
+              <a:rPr lang="de-DE" sz="2400" b="0" u="sng" strike="noStrike" spc="-1">
+                <a:solidFill>
+                  <a:srgbClr val="B31166"/>
+                </a:solidFill>
+                <a:uFillTx/>
+                <a:latin typeface="Century Gothic"/>
+                <a:ea typeface="DejaVu Sans"/>
+              </a:rPr>
+              <a:t>Unit Testing</a:t>
+            </a:r>
+            <a:endParaRPr lang="de-DE" sz="2400" b="0" strike="noStrike" spc="-1">
+              <a:latin typeface="Arial"/>
+            </a:endParaRPr>
+          </a:p>
+        </p:txBody>
+      </p:sp>
+      <p:sp>
+        <p:nvSpPr>
+          <p:cNvPr id="453" name="CustomShape 5"/>
+          <p:cNvSpPr/>
+          <p:nvPr/>
+        </p:nvSpPr>
+        <p:spPr>
+          <a:xfrm>
+            <a:off x="1154880" y="4320000"/>
+            <a:ext cx="4823640" cy="574560"/>
+          </a:xfrm>
+          <a:prstGeom prst="rect">
+            <a:avLst/>
+          </a:prstGeom>
+          <a:noFill/>
+          <a:ln>
+            <a:noFill/>
+          </a:ln>
+        </p:spPr>
+        <p:style>
+          <a:lnRef idx="0">
+            <a:scrgbClr r="0" g="0" b="0"/>
+          </a:lnRef>
+          <a:fillRef idx="0">
+            <a:scrgbClr r="0" g="0" b="0"/>
+          </a:fillRef>
+          <a:effectRef idx="0">
+            <a:scrgbClr r="0" g="0" b="0"/>
+          </a:effectRef>
+          <a:fontRef idx="minor"/>
+        </p:style>
+        <p:txBody>
+          <a:bodyPr lIns="90000" tIns="45000" rIns="90000" bIns="45000" anchor="b">
+            <a:noAutofit/>
+          </a:bodyPr>
+          <a:lstStyle/>
+          <a:p>
+            <a:pPr>
+              <a:lnSpc>
+                <a:spcPct val="100000"/>
+              </a:lnSpc>
+              <a:spcBef>
+                <a:spcPts val="1001"/>
+              </a:spcBef>
+            </a:pPr>
+            <a:r>
+              <a:rPr lang="de-DE" sz="2400" b="0" u="sng" strike="noStrike" spc="-1">
+                <a:solidFill>
+                  <a:srgbClr val="B31166"/>
+                </a:solidFill>
+                <a:uFillTx/>
+                <a:latin typeface="Century Gothic"/>
+                <a:ea typeface="DejaVu Sans"/>
+              </a:rPr>
+              <a:t>User Testing</a:t>
+            </a:r>
+            <a:endParaRPr lang="de-DE" sz="2400" b="0" strike="noStrike" spc="-1">
+              <a:latin typeface="Arial"/>
+            </a:endParaRPr>
+          </a:p>
+        </p:txBody>
+      </p:sp>
+      <p:pic>
+        <p:nvPicPr>
+          <p:cNvPr id="454" name="Picture 453"/>
+          <p:cNvPicPr/>
+          <p:nvPr/>
+        </p:nvPicPr>
+        <p:blipFill>
+          <a:blip r:embed="rId2"/>
+          <a:stretch/>
+        </p:blipFill>
+        <p:spPr>
+          <a:xfrm>
+            <a:off x="9072720" y="2438280"/>
+            <a:ext cx="2090880" cy="729000"/>
+          </a:xfrm>
+          <a:prstGeom prst="rect">
+            <a:avLst/>
+          </a:prstGeom>
+          <a:ln>
+            <a:noFill/>
+          </a:ln>
+        </p:spPr>
+      </p:pic>
+      <p:pic>
+        <p:nvPicPr>
+          <p:cNvPr id="455" name="Picture 454"/>
+          <p:cNvPicPr/>
+          <p:nvPr/>
+        </p:nvPicPr>
+        <p:blipFill>
+          <a:blip r:embed="rId3"/>
+          <a:stretch/>
+        </p:blipFill>
+        <p:spPr>
+          <a:xfrm>
+            <a:off x="3024000" y="2329200"/>
+            <a:ext cx="1007280" cy="830160"/>
+          </a:xfrm>
+          <a:prstGeom prst="rect">
+            <a:avLst/>
+          </a:prstGeom>
+          <a:ln>
+            <a:noFill/>
+          </a:ln>
+        </p:spPr>
+      </p:pic>
+      <p:sp>
+        <p:nvSpPr>
+          <p:cNvPr id="456" name="CustomShape 6"/>
+          <p:cNvSpPr/>
+          <p:nvPr/>
+        </p:nvSpPr>
+        <p:spPr>
+          <a:xfrm>
+            <a:off x="1154880" y="2808000"/>
+            <a:ext cx="4823640" cy="2838240"/>
+          </a:xfrm>
+          <a:prstGeom prst="rect">
+            <a:avLst/>
+          </a:prstGeom>
+          <a:noFill/>
+          <a:ln>
+            <a:noFill/>
+          </a:ln>
+        </p:spPr>
+        <p:style>
+          <a:lnRef idx="0">
+            <a:scrgbClr r="0" g="0" b="0"/>
+          </a:lnRef>
+          <a:fillRef idx="0">
+            <a:scrgbClr r="0" g="0" b="0"/>
+          </a:fillRef>
+          <a:effectRef idx="0">
+            <a:scrgbClr r="0" g="0" b="0"/>
+          </a:effectRef>
+          <a:fontRef idx="minor"/>
+        </p:style>
+        <p:txBody>
+          <a:bodyPr lIns="90000" tIns="45000" rIns="90000" bIns="45000">
+            <a:noAutofit/>
+          </a:bodyPr>
+          <a:lstStyle/>
+          <a:p>
+            <a:pPr>
+              <a:lnSpc>
+                <a:spcPct val="100000"/>
+              </a:lnSpc>
+              <a:spcBef>
+                <a:spcPts val="1001"/>
+              </a:spcBef>
+            </a:pPr>
+            <a:endParaRPr lang="de-DE" sz="1800" b="0" strike="noStrike" spc="-1">
+              <a:latin typeface="Arial"/>
+            </a:endParaRPr>
+          </a:p>
+          <a:p>
+            <a:pPr marL="343080" indent="-341280">
+              <a:lnSpc>
+                <a:spcPct val="100000"/>
+              </a:lnSpc>
+              <a:spcBef>
+                <a:spcPts val="1001"/>
+              </a:spcBef>
+              <a:buClr>
+                <a:srgbClr val="B31166"/>
+              </a:buClr>
+              <a:buSzPct val="80000"/>
+              <a:buFont typeface="Wingdings 3" charset="2"/>
+              <a:buChar char=""/>
+            </a:pPr>
+            <a:r>
+              <a:rPr lang="de-DE" sz="1800" b="0" strike="noStrike" spc="-1">
+                <a:solidFill>
+                  <a:srgbClr val="404040"/>
+                </a:solidFill>
+                <a:latin typeface="Century Gothic"/>
+                <a:ea typeface="DejaVu Sans"/>
+              </a:rPr>
+              <a:t>Testing the functionality of individual functions</a:t>
+            </a:r>
+            <a:endParaRPr lang="de-DE" sz="1800" b="0" strike="noStrike" spc="-1">
+              <a:latin typeface="Arial"/>
+            </a:endParaRPr>
+          </a:p>
+          <a:p>
+            <a:pPr>
+              <a:lnSpc>
+                <a:spcPct val="100000"/>
+              </a:lnSpc>
+              <a:spcBef>
+                <a:spcPts val="1001"/>
+              </a:spcBef>
+            </a:pPr>
+            <a:endParaRPr lang="de-DE" sz="1800" b="0" strike="noStrike" spc="-1">
+              <a:latin typeface="Arial"/>
+            </a:endParaRPr>
+          </a:p>
+        </p:txBody>
+      </p:sp>
+      <p:sp>
+        <p:nvSpPr>
+          <p:cNvPr id="457" name="CustomShape 7"/>
+          <p:cNvSpPr/>
+          <p:nvPr/>
+        </p:nvSpPr>
+        <p:spPr>
+          <a:xfrm>
+            <a:off x="6408360" y="2808000"/>
+            <a:ext cx="4823640" cy="2838240"/>
+          </a:xfrm>
+          <a:prstGeom prst="rect">
+            <a:avLst/>
+          </a:prstGeom>
+          <a:noFill/>
+          <a:ln>
+            <a:noFill/>
+          </a:ln>
+        </p:spPr>
+        <p:style>
+          <a:lnRef idx="0">
+            <a:scrgbClr r="0" g="0" b="0"/>
+          </a:lnRef>
+          <a:fillRef idx="0">
+            <a:scrgbClr r="0" g="0" b="0"/>
+          </a:fillRef>
+          <a:effectRef idx="0">
+            <a:scrgbClr r="0" g="0" b="0"/>
+          </a:effectRef>
+          <a:fontRef idx="minor"/>
+        </p:style>
+        <p:txBody>
+          <a:bodyPr lIns="90000" tIns="45000" rIns="90000" bIns="45000">
+            <a:noAutofit/>
+          </a:bodyPr>
+          <a:lstStyle/>
+          <a:p>
+            <a:pPr>
+              <a:lnSpc>
+                <a:spcPct val="100000"/>
+              </a:lnSpc>
+              <a:spcBef>
+                <a:spcPts val="1001"/>
+              </a:spcBef>
+            </a:pPr>
+            <a:endParaRPr lang="de-DE" sz="1800" b="0" strike="noStrike" spc="-1">
+              <a:latin typeface="Arial"/>
+            </a:endParaRPr>
+          </a:p>
+          <a:p>
+            <a:pPr marL="343080" indent="-341280">
+              <a:lnSpc>
+                <a:spcPct val="100000"/>
+              </a:lnSpc>
+              <a:spcBef>
+                <a:spcPts val="1001"/>
+              </a:spcBef>
+              <a:buClr>
+                <a:srgbClr val="B31166"/>
+              </a:buClr>
+              <a:buSzPct val="80000"/>
+              <a:buFont typeface="Wingdings 3" charset="2"/>
+              <a:buChar char=""/>
+            </a:pPr>
+            <a:r>
+              <a:rPr lang="de-DE" sz="1800" b="0" strike="noStrike" spc="-1">
+                <a:solidFill>
+                  <a:srgbClr val="404040"/>
+                </a:solidFill>
+                <a:latin typeface="Century Gothic"/>
+                <a:ea typeface="DejaVu Sans"/>
+              </a:rPr>
+              <a:t>Testing a complete functionality of the application</a:t>
+            </a:r>
+            <a:endParaRPr lang="de-DE" sz="1800" b="0" strike="noStrike" spc="-1">
+              <a:latin typeface="Arial"/>
+            </a:endParaRPr>
+          </a:p>
+          <a:p>
+            <a:pPr>
+              <a:lnSpc>
+                <a:spcPct val="100000"/>
+              </a:lnSpc>
+              <a:spcBef>
+                <a:spcPts val="1001"/>
+              </a:spcBef>
+            </a:pPr>
+            <a:endParaRPr lang="de-DE" sz="1800" b="0" strike="noStrike" spc="-1">
+              <a:latin typeface="Arial"/>
+            </a:endParaRPr>
+          </a:p>
+        </p:txBody>
+      </p:sp>
+      <p:sp>
+        <p:nvSpPr>
+          <p:cNvPr id="458" name="CustomShape 8"/>
+          <p:cNvSpPr/>
+          <p:nvPr/>
+        </p:nvSpPr>
+        <p:spPr>
+          <a:xfrm>
+            <a:off x="1154880" y="4536000"/>
+            <a:ext cx="4823640" cy="2838240"/>
+          </a:xfrm>
+          <a:prstGeom prst="rect">
+            <a:avLst/>
+          </a:prstGeom>
+          <a:noFill/>
+          <a:ln>
+            <a:noFill/>
+          </a:ln>
+        </p:spPr>
+        <p:style>
+          <a:lnRef idx="0">
+            <a:scrgbClr r="0" g="0" b="0"/>
+          </a:lnRef>
+          <a:fillRef idx="0">
+            <a:scrgbClr r="0" g="0" b="0"/>
+          </a:fillRef>
+          <a:effectRef idx="0">
+            <a:scrgbClr r="0" g="0" b="0"/>
+          </a:effectRef>
+          <a:fontRef idx="minor"/>
+        </p:style>
+        <p:txBody>
+          <a:bodyPr lIns="90000" tIns="45000" rIns="90000" bIns="45000">
+            <a:noAutofit/>
+          </a:bodyPr>
+          <a:lstStyle/>
+          <a:p>
+            <a:pPr>
+              <a:lnSpc>
+                <a:spcPct val="100000"/>
+              </a:lnSpc>
+              <a:spcBef>
+                <a:spcPts val="1001"/>
+              </a:spcBef>
+            </a:pPr>
+            <a:endParaRPr lang="de-DE" sz="1800" b="0" strike="noStrike" spc="-1">
+              <a:latin typeface="Arial"/>
+            </a:endParaRPr>
+          </a:p>
+          <a:p>
+            <a:pPr marL="343080" indent="-341280">
+              <a:lnSpc>
+                <a:spcPct val="100000"/>
+              </a:lnSpc>
+              <a:spcBef>
+                <a:spcPts val="1001"/>
+              </a:spcBef>
+              <a:buClr>
+                <a:srgbClr val="B31166"/>
+              </a:buClr>
+              <a:buSzPct val="80000"/>
+              <a:buFont typeface="Wingdings 3" charset="2"/>
+              <a:buChar char=""/>
+            </a:pPr>
+            <a:r>
+              <a:rPr lang="de-DE" sz="1800" b="0" strike="noStrike" spc="-1">
+                <a:solidFill>
+                  <a:srgbClr val="404040"/>
+                </a:solidFill>
+                <a:latin typeface="Century Gothic"/>
+                <a:ea typeface="DejaVu Sans"/>
+              </a:rPr>
+              <a:t>Testing the usability</a:t>
+            </a:r>
             <a:endParaRPr lang="de-DE" sz="1800" b="0" strike="noStrike" spc="-1">
               <a:latin typeface="Arial"/>
             </a:endParaRPr>
@@ -25327,664 +25866,6 @@
       </p:grpSpPr>
       <p:sp>
         <p:nvSpPr>
-          <p:cNvPr id="449" name="CustomShape 1"/>
-          <p:cNvSpPr/>
-          <p:nvPr/>
-        </p:nvSpPr>
-        <p:spPr>
-          <a:xfrm>
-            <a:off x="1154880" y="973800"/>
-            <a:ext cx="8760240" cy="705240"/>
-          </a:xfrm>
-          <a:prstGeom prst="rect">
-            <a:avLst/>
-          </a:prstGeom>
-          <a:noFill/>
-          <a:ln>
-            <a:noFill/>
-          </a:ln>
-        </p:spPr>
-        <p:style>
-          <a:lnRef idx="0">
-            <a:scrgbClr r="0" g="0" b="0"/>
-          </a:lnRef>
-          <a:fillRef idx="0">
-            <a:scrgbClr r="0" g="0" b="0"/>
-          </a:fillRef>
-          <a:effectRef idx="0">
-            <a:scrgbClr r="0" g="0" b="0"/>
-          </a:effectRef>
-          <a:fontRef idx="minor"/>
-        </p:style>
-        <p:txBody>
-          <a:bodyPr lIns="90000" tIns="45000" rIns="90000" bIns="45000" anchor="ctr">
-            <a:noAutofit/>
-          </a:bodyPr>
-          <a:lstStyle/>
-          <a:p>
-            <a:pPr>
-              <a:lnSpc>
-                <a:spcPct val="100000"/>
-              </a:lnSpc>
-            </a:pPr>
-            <a:r>
-              <a:rPr lang="de-DE" sz="3600" b="0" strike="noStrike" spc="-1">
-                <a:solidFill>
-                  <a:srgbClr val="EBEBEB"/>
-                </a:solidFill>
-                <a:latin typeface="Century Gothic"/>
-                <a:ea typeface="DejaVu Sans"/>
-              </a:rPr>
-              <a:t>Testing</a:t>
-            </a:r>
-            <a:endParaRPr lang="de-DE" sz="3600" b="0" strike="noStrike" spc="-1">
-              <a:latin typeface="Arial"/>
-            </a:endParaRPr>
-          </a:p>
-        </p:txBody>
-      </p:sp>
-      <p:sp>
-        <p:nvSpPr>
-          <p:cNvPr id="450" name="CustomShape 2"/>
-          <p:cNvSpPr/>
-          <p:nvPr/>
-        </p:nvSpPr>
-        <p:spPr>
-          <a:xfrm>
-            <a:off x="1154880" y="2603520"/>
-            <a:ext cx="8824680" cy="3414600"/>
-          </a:xfrm>
-          <a:prstGeom prst="rect">
-            <a:avLst/>
-          </a:prstGeom>
-          <a:noFill/>
-          <a:ln>
-            <a:noFill/>
-          </a:ln>
-        </p:spPr>
-        <p:style>
-          <a:lnRef idx="0">
-            <a:scrgbClr r="0" g="0" b="0"/>
-          </a:lnRef>
-          <a:fillRef idx="0">
-            <a:scrgbClr r="0" g="0" b="0"/>
-          </a:fillRef>
-          <a:effectRef idx="0">
-            <a:scrgbClr r="0" g="0" b="0"/>
-          </a:effectRef>
-          <a:fontRef idx="minor"/>
-        </p:style>
-        <p:txBody>
-          <a:bodyPr lIns="90000" tIns="45000" rIns="90000" bIns="45000">
-            <a:noAutofit/>
-          </a:bodyPr>
-          <a:lstStyle/>
-          <a:p>
-            <a:pPr>
-              <a:lnSpc>
-                <a:spcPct val="100000"/>
-              </a:lnSpc>
-              <a:spcBef>
-                <a:spcPts val="1001"/>
-              </a:spcBef>
-            </a:pPr>
-            <a:endParaRPr lang="de-DE" sz="1800" b="0" strike="noStrike" spc="-1">
-              <a:latin typeface="Arial"/>
-            </a:endParaRPr>
-          </a:p>
-          <a:p>
-            <a:pPr>
-              <a:lnSpc>
-                <a:spcPct val="100000"/>
-              </a:lnSpc>
-              <a:spcBef>
-                <a:spcPts val="1001"/>
-              </a:spcBef>
-            </a:pPr>
-            <a:endParaRPr lang="de-DE" sz="1800" b="0" strike="noStrike" spc="-1">
-              <a:latin typeface="Arial"/>
-            </a:endParaRPr>
-          </a:p>
-        </p:txBody>
-      </p:sp>
-      <p:sp>
-        <p:nvSpPr>
-          <p:cNvPr id="451" name="CustomShape 3"/>
-          <p:cNvSpPr/>
-          <p:nvPr/>
-        </p:nvSpPr>
-        <p:spPr>
-          <a:xfrm>
-            <a:off x="6408360" y="2603520"/>
-            <a:ext cx="4823640" cy="574560"/>
-          </a:xfrm>
-          <a:prstGeom prst="rect">
-            <a:avLst/>
-          </a:prstGeom>
-          <a:noFill/>
-          <a:ln>
-            <a:noFill/>
-          </a:ln>
-        </p:spPr>
-        <p:style>
-          <a:lnRef idx="0">
-            <a:scrgbClr r="0" g="0" b="0"/>
-          </a:lnRef>
-          <a:fillRef idx="0">
-            <a:scrgbClr r="0" g="0" b="0"/>
-          </a:fillRef>
-          <a:effectRef idx="0">
-            <a:scrgbClr r="0" g="0" b="0"/>
-          </a:effectRef>
-          <a:fontRef idx="minor"/>
-        </p:style>
-        <p:txBody>
-          <a:bodyPr lIns="90000" tIns="45000" rIns="90000" bIns="45000" anchor="b">
-            <a:noAutofit/>
-          </a:bodyPr>
-          <a:lstStyle/>
-          <a:p>
-            <a:pPr>
-              <a:lnSpc>
-                <a:spcPct val="100000"/>
-              </a:lnSpc>
-              <a:spcBef>
-                <a:spcPts val="1001"/>
-              </a:spcBef>
-            </a:pPr>
-            <a:r>
-              <a:rPr lang="de-DE" sz="2400" b="0" u="sng" strike="noStrike" spc="-1">
-                <a:solidFill>
-                  <a:srgbClr val="B31166"/>
-                </a:solidFill>
-                <a:uFillTx/>
-                <a:latin typeface="Century Gothic"/>
-                <a:ea typeface="DejaVu Sans"/>
-              </a:rPr>
-              <a:t>Functional Testing</a:t>
-            </a:r>
-            <a:endParaRPr lang="de-DE" sz="2400" b="0" strike="noStrike" spc="-1">
-              <a:latin typeface="Arial"/>
-            </a:endParaRPr>
-          </a:p>
-        </p:txBody>
-      </p:sp>
-      <p:sp>
-        <p:nvSpPr>
-          <p:cNvPr id="452" name="CustomShape 4"/>
-          <p:cNvSpPr/>
-          <p:nvPr/>
-        </p:nvSpPr>
-        <p:spPr>
-          <a:xfrm>
-            <a:off x="1154880" y="2592720"/>
-            <a:ext cx="4823640" cy="574560"/>
-          </a:xfrm>
-          <a:prstGeom prst="rect">
-            <a:avLst/>
-          </a:prstGeom>
-          <a:noFill/>
-          <a:ln>
-            <a:noFill/>
-          </a:ln>
-        </p:spPr>
-        <p:style>
-          <a:lnRef idx="0">
-            <a:scrgbClr r="0" g="0" b="0"/>
-          </a:lnRef>
-          <a:fillRef idx="0">
-            <a:scrgbClr r="0" g="0" b="0"/>
-          </a:fillRef>
-          <a:effectRef idx="0">
-            <a:scrgbClr r="0" g="0" b="0"/>
-          </a:effectRef>
-          <a:fontRef idx="minor"/>
-        </p:style>
-        <p:txBody>
-          <a:bodyPr lIns="90000" tIns="45000" rIns="90000" bIns="45000" anchor="b">
-            <a:noAutofit/>
-          </a:bodyPr>
-          <a:lstStyle/>
-          <a:p>
-            <a:pPr>
-              <a:lnSpc>
-                <a:spcPct val="100000"/>
-              </a:lnSpc>
-              <a:spcBef>
-                <a:spcPts val="1001"/>
-              </a:spcBef>
-            </a:pPr>
-            <a:r>
-              <a:rPr lang="de-DE" sz="2400" b="0" u="sng" strike="noStrike" spc="-1">
-                <a:solidFill>
-                  <a:srgbClr val="B31166"/>
-                </a:solidFill>
-                <a:uFillTx/>
-                <a:latin typeface="Century Gothic"/>
-                <a:ea typeface="DejaVu Sans"/>
-              </a:rPr>
-              <a:t>Unit Testing</a:t>
-            </a:r>
-            <a:endParaRPr lang="de-DE" sz="2400" b="0" strike="noStrike" spc="-1">
-              <a:latin typeface="Arial"/>
-            </a:endParaRPr>
-          </a:p>
-        </p:txBody>
-      </p:sp>
-      <p:sp>
-        <p:nvSpPr>
-          <p:cNvPr id="453" name="CustomShape 5"/>
-          <p:cNvSpPr/>
-          <p:nvPr/>
-        </p:nvSpPr>
-        <p:spPr>
-          <a:xfrm>
-            <a:off x="1154880" y="4320000"/>
-            <a:ext cx="4823640" cy="574560"/>
-          </a:xfrm>
-          <a:prstGeom prst="rect">
-            <a:avLst/>
-          </a:prstGeom>
-          <a:noFill/>
-          <a:ln>
-            <a:noFill/>
-          </a:ln>
-        </p:spPr>
-        <p:style>
-          <a:lnRef idx="0">
-            <a:scrgbClr r="0" g="0" b="0"/>
-          </a:lnRef>
-          <a:fillRef idx="0">
-            <a:scrgbClr r="0" g="0" b="0"/>
-          </a:fillRef>
-          <a:effectRef idx="0">
-            <a:scrgbClr r="0" g="0" b="0"/>
-          </a:effectRef>
-          <a:fontRef idx="minor"/>
-        </p:style>
-        <p:txBody>
-          <a:bodyPr lIns="90000" tIns="45000" rIns="90000" bIns="45000" anchor="b">
-            <a:noAutofit/>
-          </a:bodyPr>
-          <a:lstStyle/>
-          <a:p>
-            <a:pPr>
-              <a:lnSpc>
-                <a:spcPct val="100000"/>
-              </a:lnSpc>
-              <a:spcBef>
-                <a:spcPts val="1001"/>
-              </a:spcBef>
-            </a:pPr>
-            <a:r>
-              <a:rPr lang="de-DE" sz="2400" b="0" u="sng" strike="noStrike" spc="-1">
-                <a:solidFill>
-                  <a:srgbClr val="B31166"/>
-                </a:solidFill>
-                <a:uFillTx/>
-                <a:latin typeface="Century Gothic"/>
-                <a:ea typeface="DejaVu Sans"/>
-              </a:rPr>
-              <a:t>User Testing</a:t>
-            </a:r>
-            <a:endParaRPr lang="de-DE" sz="2400" b="0" strike="noStrike" spc="-1">
-              <a:latin typeface="Arial"/>
-            </a:endParaRPr>
-          </a:p>
-        </p:txBody>
-      </p:sp>
-      <p:pic>
-        <p:nvPicPr>
-          <p:cNvPr id="454" name="Picture 453"/>
-          <p:cNvPicPr/>
-          <p:nvPr/>
-        </p:nvPicPr>
-        <p:blipFill>
-          <a:blip r:embed="rId2"/>
-          <a:stretch/>
-        </p:blipFill>
-        <p:spPr>
-          <a:xfrm>
-            <a:off x="9072720" y="2438280"/>
-            <a:ext cx="2090880" cy="729000"/>
-          </a:xfrm>
-          <a:prstGeom prst="rect">
-            <a:avLst/>
-          </a:prstGeom>
-          <a:ln>
-            <a:noFill/>
-          </a:ln>
-        </p:spPr>
-      </p:pic>
-      <p:pic>
-        <p:nvPicPr>
-          <p:cNvPr id="455" name="Picture 454"/>
-          <p:cNvPicPr/>
-          <p:nvPr/>
-        </p:nvPicPr>
-        <p:blipFill>
-          <a:blip r:embed="rId3"/>
-          <a:stretch/>
-        </p:blipFill>
-        <p:spPr>
-          <a:xfrm>
-            <a:off x="3024000" y="2329200"/>
-            <a:ext cx="1007280" cy="830160"/>
-          </a:xfrm>
-          <a:prstGeom prst="rect">
-            <a:avLst/>
-          </a:prstGeom>
-          <a:ln>
-            <a:noFill/>
-          </a:ln>
-        </p:spPr>
-      </p:pic>
-      <p:sp>
-        <p:nvSpPr>
-          <p:cNvPr id="456" name="CustomShape 6"/>
-          <p:cNvSpPr/>
-          <p:nvPr/>
-        </p:nvSpPr>
-        <p:spPr>
-          <a:xfrm>
-            <a:off x="1154880" y="2808000"/>
-            <a:ext cx="4823640" cy="2838240"/>
-          </a:xfrm>
-          <a:prstGeom prst="rect">
-            <a:avLst/>
-          </a:prstGeom>
-          <a:noFill/>
-          <a:ln>
-            <a:noFill/>
-          </a:ln>
-        </p:spPr>
-        <p:style>
-          <a:lnRef idx="0">
-            <a:scrgbClr r="0" g="0" b="0"/>
-          </a:lnRef>
-          <a:fillRef idx="0">
-            <a:scrgbClr r="0" g="0" b="0"/>
-          </a:fillRef>
-          <a:effectRef idx="0">
-            <a:scrgbClr r="0" g="0" b="0"/>
-          </a:effectRef>
-          <a:fontRef idx="minor"/>
-        </p:style>
-        <p:txBody>
-          <a:bodyPr lIns="90000" tIns="45000" rIns="90000" bIns="45000">
-            <a:noAutofit/>
-          </a:bodyPr>
-          <a:lstStyle/>
-          <a:p>
-            <a:pPr>
-              <a:lnSpc>
-                <a:spcPct val="100000"/>
-              </a:lnSpc>
-              <a:spcBef>
-                <a:spcPts val="1001"/>
-              </a:spcBef>
-            </a:pPr>
-            <a:endParaRPr lang="de-DE" sz="1800" b="0" strike="noStrike" spc="-1">
-              <a:latin typeface="Arial"/>
-            </a:endParaRPr>
-          </a:p>
-          <a:p>
-            <a:pPr marL="343080" indent="-341280">
-              <a:lnSpc>
-                <a:spcPct val="100000"/>
-              </a:lnSpc>
-              <a:spcBef>
-                <a:spcPts val="1001"/>
-              </a:spcBef>
-              <a:buClr>
-                <a:srgbClr val="B31166"/>
-              </a:buClr>
-              <a:buSzPct val="80000"/>
-              <a:buFont typeface="Wingdings 3" charset="2"/>
-              <a:buChar char=""/>
-            </a:pPr>
-            <a:r>
-              <a:rPr lang="de-DE" sz="1800" b="0" strike="noStrike" spc="-1">
-                <a:solidFill>
-                  <a:srgbClr val="404040"/>
-                </a:solidFill>
-                <a:latin typeface="Century Gothic"/>
-                <a:ea typeface="DejaVu Sans"/>
-              </a:rPr>
-              <a:t>Testing the functionality of individual functions</a:t>
-            </a:r>
-            <a:endParaRPr lang="de-DE" sz="1800" b="0" strike="noStrike" spc="-1">
-              <a:latin typeface="Arial"/>
-            </a:endParaRPr>
-          </a:p>
-          <a:p>
-            <a:pPr>
-              <a:lnSpc>
-                <a:spcPct val="100000"/>
-              </a:lnSpc>
-              <a:spcBef>
-                <a:spcPts val="1001"/>
-              </a:spcBef>
-            </a:pPr>
-            <a:endParaRPr lang="de-DE" sz="1800" b="0" strike="noStrike" spc="-1">
-              <a:latin typeface="Arial"/>
-            </a:endParaRPr>
-          </a:p>
-        </p:txBody>
-      </p:sp>
-      <p:sp>
-        <p:nvSpPr>
-          <p:cNvPr id="457" name="CustomShape 7"/>
-          <p:cNvSpPr/>
-          <p:nvPr/>
-        </p:nvSpPr>
-        <p:spPr>
-          <a:xfrm>
-            <a:off x="6408360" y="2808000"/>
-            <a:ext cx="4823640" cy="2838240"/>
-          </a:xfrm>
-          <a:prstGeom prst="rect">
-            <a:avLst/>
-          </a:prstGeom>
-          <a:noFill/>
-          <a:ln>
-            <a:noFill/>
-          </a:ln>
-        </p:spPr>
-        <p:style>
-          <a:lnRef idx="0">
-            <a:scrgbClr r="0" g="0" b="0"/>
-          </a:lnRef>
-          <a:fillRef idx="0">
-            <a:scrgbClr r="0" g="0" b="0"/>
-          </a:fillRef>
-          <a:effectRef idx="0">
-            <a:scrgbClr r="0" g="0" b="0"/>
-          </a:effectRef>
-          <a:fontRef idx="minor"/>
-        </p:style>
-        <p:txBody>
-          <a:bodyPr lIns="90000" tIns="45000" rIns="90000" bIns="45000">
-            <a:noAutofit/>
-          </a:bodyPr>
-          <a:lstStyle/>
-          <a:p>
-            <a:pPr>
-              <a:lnSpc>
-                <a:spcPct val="100000"/>
-              </a:lnSpc>
-              <a:spcBef>
-                <a:spcPts val="1001"/>
-              </a:spcBef>
-            </a:pPr>
-            <a:endParaRPr lang="de-DE" sz="1800" b="0" strike="noStrike" spc="-1">
-              <a:latin typeface="Arial"/>
-            </a:endParaRPr>
-          </a:p>
-          <a:p>
-            <a:pPr marL="343080" indent="-341280">
-              <a:lnSpc>
-                <a:spcPct val="100000"/>
-              </a:lnSpc>
-              <a:spcBef>
-                <a:spcPts val="1001"/>
-              </a:spcBef>
-              <a:buClr>
-                <a:srgbClr val="B31166"/>
-              </a:buClr>
-              <a:buSzPct val="80000"/>
-              <a:buFont typeface="Wingdings 3" charset="2"/>
-              <a:buChar char=""/>
-            </a:pPr>
-            <a:r>
-              <a:rPr lang="de-DE" sz="1800" b="0" strike="noStrike" spc="-1">
-                <a:solidFill>
-                  <a:srgbClr val="404040"/>
-                </a:solidFill>
-                <a:latin typeface="Century Gothic"/>
-                <a:ea typeface="DejaVu Sans"/>
-              </a:rPr>
-              <a:t>Testing a complete functionality of the application</a:t>
-            </a:r>
-            <a:endParaRPr lang="de-DE" sz="1800" b="0" strike="noStrike" spc="-1">
-              <a:latin typeface="Arial"/>
-            </a:endParaRPr>
-          </a:p>
-          <a:p>
-            <a:pPr>
-              <a:lnSpc>
-                <a:spcPct val="100000"/>
-              </a:lnSpc>
-              <a:spcBef>
-                <a:spcPts val="1001"/>
-              </a:spcBef>
-            </a:pPr>
-            <a:endParaRPr lang="de-DE" sz="1800" b="0" strike="noStrike" spc="-1">
-              <a:latin typeface="Arial"/>
-            </a:endParaRPr>
-          </a:p>
-        </p:txBody>
-      </p:sp>
-      <p:sp>
-        <p:nvSpPr>
-          <p:cNvPr id="458" name="CustomShape 8"/>
-          <p:cNvSpPr/>
-          <p:nvPr/>
-        </p:nvSpPr>
-        <p:spPr>
-          <a:xfrm>
-            <a:off x="1154880" y="4536000"/>
-            <a:ext cx="4823640" cy="2838240"/>
-          </a:xfrm>
-          <a:prstGeom prst="rect">
-            <a:avLst/>
-          </a:prstGeom>
-          <a:noFill/>
-          <a:ln>
-            <a:noFill/>
-          </a:ln>
-        </p:spPr>
-        <p:style>
-          <a:lnRef idx="0">
-            <a:scrgbClr r="0" g="0" b="0"/>
-          </a:lnRef>
-          <a:fillRef idx="0">
-            <a:scrgbClr r="0" g="0" b="0"/>
-          </a:fillRef>
-          <a:effectRef idx="0">
-            <a:scrgbClr r="0" g="0" b="0"/>
-          </a:effectRef>
-          <a:fontRef idx="minor"/>
-        </p:style>
-        <p:txBody>
-          <a:bodyPr lIns="90000" tIns="45000" rIns="90000" bIns="45000">
-            <a:noAutofit/>
-          </a:bodyPr>
-          <a:lstStyle/>
-          <a:p>
-            <a:pPr>
-              <a:lnSpc>
-                <a:spcPct val="100000"/>
-              </a:lnSpc>
-              <a:spcBef>
-                <a:spcPts val="1001"/>
-              </a:spcBef>
-            </a:pPr>
-            <a:endParaRPr lang="de-DE" sz="1800" b="0" strike="noStrike" spc="-1">
-              <a:latin typeface="Arial"/>
-            </a:endParaRPr>
-          </a:p>
-          <a:p>
-            <a:pPr marL="343080" indent="-341280">
-              <a:lnSpc>
-                <a:spcPct val="100000"/>
-              </a:lnSpc>
-              <a:spcBef>
-                <a:spcPts val="1001"/>
-              </a:spcBef>
-              <a:buClr>
-                <a:srgbClr val="B31166"/>
-              </a:buClr>
-              <a:buSzPct val="80000"/>
-              <a:buFont typeface="Wingdings 3" charset="2"/>
-              <a:buChar char=""/>
-            </a:pPr>
-            <a:r>
-              <a:rPr lang="de-DE" sz="1800" b="0" strike="noStrike" spc="-1">
-                <a:solidFill>
-                  <a:srgbClr val="404040"/>
-                </a:solidFill>
-                <a:latin typeface="Century Gothic"/>
-                <a:ea typeface="DejaVu Sans"/>
-              </a:rPr>
-              <a:t>Testing the usability</a:t>
-            </a:r>
-            <a:endParaRPr lang="de-DE" sz="1800" b="0" strike="noStrike" spc="-1">
-              <a:latin typeface="Arial"/>
-            </a:endParaRPr>
-          </a:p>
-          <a:p>
-            <a:pPr>
-              <a:lnSpc>
-                <a:spcPct val="100000"/>
-              </a:lnSpc>
-              <a:spcBef>
-                <a:spcPts val="1001"/>
-              </a:spcBef>
-            </a:pPr>
-            <a:endParaRPr lang="de-DE" sz="1800" b="0" strike="noStrike" spc="-1">
-              <a:latin typeface="Arial"/>
-            </a:endParaRPr>
-          </a:p>
-        </p:txBody>
-      </p:sp>
-    </p:spTree>
-  </p:cSld>
-  <p:clrMapOvr>
-    <a:masterClrMapping/>
-  </p:clrMapOvr>
-</p:sld>
-</file>
-
-<file path=ppt/slides/slide16.xml><?xml version="1.0" encoding="utf-8"?>
-<p:sld xmlns:a="http://schemas.openxmlformats.org/drawingml/2006/main" xmlns:r="http://schemas.openxmlformats.org/officeDocument/2006/relationships" xmlns:p="http://schemas.openxmlformats.org/presentationml/2006/main">
-  <p:cSld>
-    <p:spTree>
-      <p:nvGrpSpPr>
-        <p:cNvPr id="1" name=""/>
-        <p:cNvGrpSpPr/>
-        <p:nvPr/>
-      </p:nvGrpSpPr>
-      <p:grpSpPr>
-        <a:xfrm>
-          <a:off x="0" y="0"/>
-          <a:ext cx="0" cy="0"/>
-          <a:chOff x="0" y="0"/>
-          <a:chExt cx="0" cy="0"/>
-        </a:xfrm>
-      </p:grpSpPr>
-      <p:sp>
-        <p:nvSpPr>
           <p:cNvPr id="459" name="CustomShape 1"/>
           <p:cNvSpPr/>
           <p:nvPr/>
@@ -27341,7 +27222,7 @@
 </p:sld>
 </file>
 
-<file path=ppt/slides/slide17.xml><?xml version="1.0" encoding="utf-8"?>
+<file path=ppt/slides/slide16.xml><?xml version="1.0" encoding="utf-8"?>
 <p:sld xmlns:a="http://schemas.openxmlformats.org/drawingml/2006/main" xmlns:r="http://schemas.openxmlformats.org/officeDocument/2006/relationships" xmlns:p="http://schemas.openxmlformats.org/presentationml/2006/main">
   <p:cSld>
     <p:spTree>
@@ -27473,6 +27354,112 @@
 </p:sld>
 </file>
 
+<file path=ppt/slides/slide17.xml><?xml version="1.0" encoding="utf-8"?>
+<p:sld xmlns:a="http://schemas.openxmlformats.org/drawingml/2006/main" xmlns:r="http://schemas.openxmlformats.org/officeDocument/2006/relationships" xmlns:p="http://schemas.openxmlformats.org/presentationml/2006/main">
+  <p:cSld>
+    <p:spTree>
+      <p:nvGrpSpPr>
+        <p:cNvPr id="1" name=""/>
+        <p:cNvGrpSpPr/>
+        <p:nvPr/>
+      </p:nvGrpSpPr>
+      <p:grpSpPr>
+        <a:xfrm>
+          <a:off x="0" y="0"/>
+          <a:ext cx="0" cy="0"/>
+          <a:chOff x="0" y="0"/>
+          <a:chExt cx="0" cy="0"/>
+        </a:xfrm>
+      </p:grpSpPr>
+      <p:sp>
+        <p:nvSpPr>
+          <p:cNvPr id="480" name="CustomShape 1"/>
+          <p:cNvSpPr/>
+          <p:nvPr/>
+        </p:nvSpPr>
+        <p:spPr>
+          <a:xfrm>
+            <a:off x="1154880" y="973800"/>
+            <a:ext cx="8760240" cy="705240"/>
+          </a:xfrm>
+          <a:prstGeom prst="rect">
+            <a:avLst/>
+          </a:prstGeom>
+          <a:noFill/>
+          <a:ln>
+            <a:noFill/>
+          </a:ln>
+        </p:spPr>
+        <p:style>
+          <a:lnRef idx="0">
+            <a:scrgbClr r="0" g="0" b="0"/>
+          </a:lnRef>
+          <a:fillRef idx="0">
+            <a:scrgbClr r="0" g="0" b="0"/>
+          </a:fillRef>
+          <a:effectRef idx="0">
+            <a:scrgbClr r="0" g="0" b="0"/>
+          </a:effectRef>
+          <a:fontRef idx="minor"/>
+        </p:style>
+        <p:txBody>
+          <a:bodyPr lIns="90000" tIns="45000" rIns="90000" bIns="45000" anchor="ctr">
+            <a:noAutofit/>
+          </a:bodyPr>
+          <a:lstStyle/>
+          <a:p>
+            <a:pPr>
+              <a:lnSpc>
+                <a:spcPct val="100000"/>
+              </a:lnSpc>
+            </a:pPr>
+            <a:r>
+              <a:rPr lang="de-DE" sz="3600" b="0" strike="noStrike" spc="-1">
+                <a:solidFill>
+                  <a:srgbClr val="EBEBEB"/>
+                </a:solidFill>
+                <a:latin typeface="Century Gothic"/>
+                <a:ea typeface="DejaVu Sans"/>
+              </a:rPr>
+              <a:t>Architecture</a:t>
+            </a:r>
+            <a:endParaRPr lang="de-DE" sz="3600" b="0" strike="noStrike" spc="-1">
+              <a:latin typeface="Arial"/>
+            </a:endParaRPr>
+          </a:p>
+        </p:txBody>
+      </p:sp>
+      <p:pic>
+        <p:nvPicPr>
+          <p:cNvPr id="481" name="Content Placeholder 4"/>
+          <p:cNvPicPr/>
+          <p:nvPr/>
+        </p:nvPicPr>
+        <p:blipFill>
+          <a:blip r:embed="rId2"/>
+          <a:stretch/>
+        </p:blipFill>
+        <p:spPr>
+          <a:xfrm>
+            <a:off x="2403360" y="2421360"/>
+            <a:ext cx="7384320" cy="4246200"/>
+          </a:xfrm>
+          <a:prstGeom prst="rect">
+            <a:avLst/>
+          </a:prstGeom>
+          <a:ln>
+            <a:noFill/>
+          </a:ln>
+        </p:spPr>
+      </p:pic>
+    </p:spTree>
+  </p:cSld>
+  <p:clrMapOvr>
+    <a:masterClrMapping/>
+  </p:clrMapOvr>
+</p:sld>
+</file>
+
 <file path=ppt/slides/slide18.xml><?xml version="1.0" encoding="utf-8"?>
 <p:sld xmlns:a="http://schemas.openxmlformats.org/drawingml/2006/main" xmlns:r="http://schemas.openxmlformats.org/officeDocument/2006/relationships" xmlns:p="http://schemas.openxmlformats.org/presentationml/2006/main">
   <p:cSld>
@@ -27492,7 +27479,7 @@
       </p:grpSpPr>
       <p:sp>
         <p:nvSpPr>
-          <p:cNvPr id="480" name="CustomShape 1"/>
+          <p:cNvPr id="482" name="CustomShape 1"/>
           <p:cNvSpPr/>
           <p:nvPr/>
         </p:nvSpPr>
@@ -27540,7 +27527,7 @@
                 <a:latin typeface="Century Gothic"/>
                 <a:ea typeface="DejaVu Sans"/>
               </a:rPr>
-              <a:t>Architecture</a:t>
+              <a:t>Architecture II</a:t>
             </a:r>
             <a:endParaRPr lang="de-DE" sz="3600" b="0" strike="noStrike" spc="-1">
               <a:latin typeface="Arial"/>
@@ -27550,7 +27537,7 @@
       </p:sp>
       <p:pic>
         <p:nvPicPr>
-          <p:cNvPr id="481" name="Content Placeholder 4"/>
+          <p:cNvPr id="483" name="Content Placeholder 4"/>
           <p:cNvPicPr/>
           <p:nvPr/>
         </p:nvPicPr>
@@ -27560,8 +27547,8 @@
         </p:blipFill>
         <p:spPr>
           <a:xfrm>
-            <a:off x="2403360" y="2421360"/>
-            <a:ext cx="7384320" cy="4246200"/>
+            <a:off x="3560400" y="2600640"/>
+            <a:ext cx="4213080" cy="3955320"/>
           </a:xfrm>
           <a:prstGeom prst="rect">
             <a:avLst/>
@@ -27598,7 +27585,7 @@
       </p:grpSpPr>
       <p:sp>
         <p:nvSpPr>
-          <p:cNvPr id="482" name="CustomShape 1"/>
+          <p:cNvPr id="484" name="CustomShape 1"/>
           <p:cNvSpPr/>
           <p:nvPr/>
         </p:nvSpPr>
@@ -27646,7 +27633,7 @@
                 <a:latin typeface="Century Gothic"/>
                 <a:ea typeface="DejaVu Sans"/>
               </a:rPr>
-              <a:t>Architecture II</a:t>
+              <a:t>Architecture III</a:t>
             </a:r>
             <a:endParaRPr lang="de-DE" sz="3600" b="0" strike="noStrike" spc="-1">
               <a:latin typeface="Arial"/>
@@ -27656,25 +27643,38 @@
       </p:sp>
       <p:pic>
         <p:nvPicPr>
-          <p:cNvPr id="483" name="Content Placeholder 4"/>
-          <p:cNvPicPr/>
+          <p:cNvPr id="3" name="Picture 2">
+            <a:extLst>
+              <a:ext uri="{FF2B5EF4-FFF2-40B4-BE49-F238E27FC236}">
+                <a16:creationId xmlns:a16="http://schemas.microsoft.com/office/drawing/2014/main" id="{ED37510B-4110-4856-9A1F-A41FC590AEAF}"/>
+              </a:ext>
+            </a:extLst>
+          </p:cNvPr>
+          <p:cNvPicPr>
+            <a:picLocks noChangeAspect="1"/>
+          </p:cNvPicPr>
           <p:nvPr/>
         </p:nvPicPr>
         <p:blipFill>
-          <a:blip r:embed="rId2"/>
-          <a:stretch/>
+          <a:blip r:embed="rId2">
+            <a:extLst>
+              <a:ext uri="{28A0092B-C50C-407E-A947-70E740481C1C}">
+                <a14:useLocalDpi xmlns:a14="http://schemas.microsoft.com/office/drawing/2010/main" val="0"/>
+              </a:ext>
+            </a:extLst>
+          </a:blip>
+          <a:stretch>
+            <a:fillRect/>
+          </a:stretch>
         </p:blipFill>
         <p:spPr>
           <a:xfrm>
-            <a:off x="3560400" y="2600640"/>
-            <a:ext cx="4213080" cy="3955320"/>
-          </a:xfrm>
-          <a:prstGeom prst="rect">
-            <a:avLst/>
-          </a:prstGeom>
-          <a:ln>
-            <a:noFill/>
-          </a:ln>
+            <a:off x="1115008" y="2277752"/>
+            <a:ext cx="9963571" cy="4580248"/>
+          </a:xfrm>
+          <a:prstGeom prst="rect">
+            <a:avLst/>
+          </a:prstGeom>
         </p:spPr>
       </p:pic>
     </p:spTree>
@@ -27903,136 +27903,10 @@
   <p:clrMapOvr>
     <a:masterClrMapping/>
   </p:clrMapOvr>
-  <p:timing>
-    <p:tnLst>
-      <p:par>
-        <p:cTn id="1" dur="indefinite" restart="never" nodeType="tmRoot"/>
-      </p:par>
-    </p:tnLst>
-  </p:timing>
 </p:sld>
 </file>
 
 <file path=ppt/slides/slide20.xml><?xml version="1.0" encoding="utf-8"?>
-<p:sld xmlns:a="http://schemas.openxmlformats.org/drawingml/2006/main" xmlns:r="http://schemas.openxmlformats.org/officeDocument/2006/relationships" xmlns:p="http://schemas.openxmlformats.org/presentationml/2006/main">
-  <p:cSld>
-    <p:spTree>
-      <p:nvGrpSpPr>
-        <p:cNvPr id="1" name=""/>
-        <p:cNvGrpSpPr/>
-        <p:nvPr/>
-      </p:nvGrpSpPr>
-      <p:grpSpPr>
-        <a:xfrm>
-          <a:off x="0" y="0"/>
-          <a:ext cx="0" cy="0"/>
-          <a:chOff x="0" y="0"/>
-          <a:chExt cx="0" cy="0"/>
-        </a:xfrm>
-      </p:grpSpPr>
-      <p:sp>
-        <p:nvSpPr>
-          <p:cNvPr id="484" name="CustomShape 1"/>
-          <p:cNvSpPr/>
-          <p:nvPr/>
-        </p:nvSpPr>
-        <p:spPr>
-          <a:xfrm>
-            <a:off x="1154880" y="973800"/>
-            <a:ext cx="8760240" cy="705240"/>
-          </a:xfrm>
-          <a:prstGeom prst="rect">
-            <a:avLst/>
-          </a:prstGeom>
-          <a:noFill/>
-          <a:ln>
-            <a:noFill/>
-          </a:ln>
-        </p:spPr>
-        <p:style>
-          <a:lnRef idx="0">
-            <a:scrgbClr r="0" g="0" b="0"/>
-          </a:lnRef>
-          <a:fillRef idx="0">
-            <a:scrgbClr r="0" g="0" b="0"/>
-          </a:fillRef>
-          <a:effectRef idx="0">
-            <a:scrgbClr r="0" g="0" b="0"/>
-          </a:effectRef>
-          <a:fontRef idx="minor"/>
-        </p:style>
-        <p:txBody>
-          <a:bodyPr lIns="90000" tIns="45000" rIns="90000" bIns="45000" anchor="ctr">
-            <a:noAutofit/>
-          </a:bodyPr>
-          <a:lstStyle/>
-          <a:p>
-            <a:pPr>
-              <a:lnSpc>
-                <a:spcPct val="100000"/>
-              </a:lnSpc>
-            </a:pPr>
-            <a:r>
-              <a:rPr lang="de-DE" sz="3600" b="0" strike="noStrike" spc="-1">
-                <a:solidFill>
-                  <a:srgbClr val="EBEBEB"/>
-                </a:solidFill>
-                <a:latin typeface="Century Gothic"/>
-                <a:ea typeface="DejaVu Sans"/>
-              </a:rPr>
-              <a:t>Architecture III</a:t>
-            </a:r>
-            <a:endParaRPr lang="de-DE" sz="3600" b="0" strike="noStrike" spc="-1">
-              <a:latin typeface="Arial"/>
-            </a:endParaRPr>
-          </a:p>
-        </p:txBody>
-      </p:sp>
-      <p:pic>
-        <p:nvPicPr>
-          <p:cNvPr id="3" name="Picture 2">
-            <a:extLst>
-              <a:ext uri="{FF2B5EF4-FFF2-40B4-BE49-F238E27FC236}">
-                <a16:creationId xmlns:a16="http://schemas.microsoft.com/office/drawing/2014/main" id="{ED37510B-4110-4856-9A1F-A41FC590AEAF}"/>
-              </a:ext>
-            </a:extLst>
-          </p:cNvPr>
-          <p:cNvPicPr>
-            <a:picLocks noChangeAspect="1"/>
-          </p:cNvPicPr>
-          <p:nvPr/>
-        </p:nvPicPr>
-        <p:blipFill>
-          <a:blip r:embed="rId2">
-            <a:extLst>
-              <a:ext uri="{28A0092B-C50C-407E-A947-70E740481C1C}">
-                <a14:useLocalDpi xmlns:a14="http://schemas.microsoft.com/office/drawing/2010/main" val="0"/>
-              </a:ext>
-            </a:extLst>
-          </a:blip>
-          <a:stretch>
-            <a:fillRect/>
-          </a:stretch>
-        </p:blipFill>
-        <p:spPr>
-          <a:xfrm>
-            <a:off x="1115008" y="2277752"/>
-            <a:ext cx="9963571" cy="4580248"/>
-          </a:xfrm>
-          <a:prstGeom prst="rect">
-            <a:avLst/>
-          </a:prstGeom>
-        </p:spPr>
-      </p:pic>
-    </p:spTree>
-  </p:cSld>
-  <p:clrMapOvr>
-    <a:masterClrMapping/>
-  </p:clrMapOvr>
-</p:sld>
-</file>
-
-<file path=ppt/slides/slide21.xml><?xml version="1.0" encoding="utf-8"?>
 <p:sld xmlns:a="http://schemas.openxmlformats.org/drawingml/2006/main" xmlns:r="http://schemas.openxmlformats.org/officeDocument/2006/relationships" xmlns:p="http://schemas.openxmlformats.org/presentationml/2006/main">
   <p:cSld>
     <p:spTree>
@@ -28705,7 +28579,7 @@
 </p:sld>
 </file>
 
-<file path=ppt/slides/slide22.xml><?xml version="1.0" encoding="utf-8"?>
+<file path=ppt/slides/slide21.xml><?xml version="1.0" encoding="utf-8"?>
 <p:sld xmlns:a="http://schemas.openxmlformats.org/drawingml/2006/main" xmlns:r="http://schemas.openxmlformats.org/officeDocument/2006/relationships" xmlns:p="http://schemas.openxmlformats.org/presentationml/2006/main">
   <p:cSld>
     <p:spTree>
@@ -28829,7 +28703,7 @@
 </p:sld>
 </file>
 
-<file path=ppt/slides/slide23.xml><?xml version="1.0" encoding="utf-8"?>
+<file path=ppt/slides/slide22.xml><?xml version="1.0" encoding="utf-8"?>
 <p:sld xmlns:a="http://schemas.openxmlformats.org/drawingml/2006/main" xmlns:r="http://schemas.openxmlformats.org/officeDocument/2006/relationships" xmlns:p="http://schemas.openxmlformats.org/presentationml/2006/main">
   <p:cSld>
     <p:spTree>
@@ -28953,7 +28827,7 @@
 </p:sld>
 </file>
 
-<file path=ppt/slides/slide24.xml><?xml version="1.0" encoding="utf-8"?>
+<file path=ppt/slides/slide23.xml><?xml version="1.0" encoding="utf-8"?>
 <p:sld xmlns:a="http://schemas.openxmlformats.org/drawingml/2006/main" xmlns:r="http://schemas.openxmlformats.org/officeDocument/2006/relationships" xmlns:p="http://schemas.openxmlformats.org/presentationml/2006/main">
   <p:cSld>
     <p:spTree>
@@ -29123,7 +28997,7 @@
 </p:sld>
 </file>
 
-<file path=ppt/slides/slide25.xml><?xml version="1.0" encoding="utf-8"?>
+<file path=ppt/slides/slide24.xml><?xml version="1.0" encoding="utf-8"?>
 <p:sld xmlns:a="http://schemas.openxmlformats.org/drawingml/2006/main" xmlns:r="http://schemas.openxmlformats.org/officeDocument/2006/relationships" xmlns:p="http://schemas.openxmlformats.org/presentationml/2006/main">
   <p:cSld>
     <p:spTree>
@@ -29293,7 +29167,7 @@
 </p:sld>
 </file>
 
-<file path=ppt/slides/slide26.xml><?xml version="1.0" encoding="utf-8"?>
+<file path=ppt/slides/slide25.xml><?xml version="1.0" encoding="utf-8"?>
 <p:sld xmlns:a="http://schemas.openxmlformats.org/drawingml/2006/main" xmlns:r="http://schemas.openxmlformats.org/officeDocument/2006/relationships" xmlns:p="http://schemas.openxmlformats.org/presentationml/2006/main">
   <p:cSld>
     <p:spTree>
@@ -29471,9 +29345,6 @@
               </a:rPr>
               <a:t>Automated testing is important, why is it important. Are you mentioning that in your talk, </a:t>
             </a:r>
-            <a:r>
-              <a:t/>
-            </a:r>
             <a:br/>
             <a:r>
               <a:rPr lang="de-DE" sz="1800" b="0" strike="noStrike" spc="-1">
@@ -29484,9 +29355,6 @@
                 <a:ea typeface="DejaVu Sans"/>
               </a:rPr>
               <a:t>are you explaining how it is integrated into your project. what does this mean for the client? </a:t>
-            </a:r>
-            <a:r>
-              <a:t/>
             </a:r>
             <a:br/>
             <a:r>
@@ -29499,9 +29367,6 @@
               </a:rPr>
               <a:t>Present proof that yours are executed. </a:t>
             </a:r>
-            <a:r>
-              <a:t/>
-            </a:r>
             <a:br/>
             <a:r>
               <a:rPr lang="de-DE" sz="1800" b="0" strike="noStrike" spc="-1">
@@ -29512,9 +29377,6 @@
                 <a:ea typeface="DejaVu Sans"/>
               </a:rPr>
               <a:t>So - not only are you implementing it technically, but you are also arguing in your presentation </a:t>
-            </a:r>
-            <a:r>
-              <a:t/>
             </a:r>
             <a:br/>
             <a:r>
@@ -29527,9 +29389,6 @@
               </a:rPr>
               <a:t>how it is integrated into your project management and software engineering process and </a:t>
             </a:r>
-            <a:r>
-              <a:t/>
-            </a:r>
             <a:br/>
             <a:r>
               <a:rPr lang="de-DE" sz="1800" b="0" strike="noStrike" spc="-1">
@@ -29541,9 +29400,6 @@
               </a:rPr>
               <a:t>methodology of running your project. </a:t>
             </a:r>
-            <a:r>
-              <a:t/>
-            </a:r>
             <a:br/>
             <a:r>
               <a:rPr lang="de-DE" sz="1800" b="0" strike="noStrike" spc="-1">
@@ -29554,9 +29410,6 @@
                 <a:ea typeface="DejaVu Sans"/>
               </a:rPr>
               <a:t>You dont need to mention it 4 times, but for me I need to see whether you cover all aspects</a:t>
-            </a:r>
-            <a:r>
-              <a:t/>
             </a:r>
             <a:br/>
             <a:r>
@@ -29583,7 +29436,7 @@
 </p:sld>
 </file>
 
-<file path=ppt/slides/slide27.xml><?xml version="1.0" encoding="utf-8"?>
+<file path=ppt/slides/slide26.xml><?xml version="1.0" encoding="utf-8"?>
 <p:sld xmlns:a="http://schemas.openxmlformats.org/drawingml/2006/main" xmlns:r="http://schemas.openxmlformats.org/officeDocument/2006/relationships" xmlns:p="http://schemas.openxmlformats.org/presentationml/2006/main">
   <p:cSld>
     <p:spTree>
@@ -29773,7 +29626,7 @@
 </p:sld>
 </file>
 
-<file path=ppt/slides/slide28.xml><?xml version="1.0" encoding="utf-8"?>
+<file path=ppt/slides/slide27.xml><?xml version="1.0" encoding="utf-8"?>
 <p:sld xmlns:a="http://schemas.openxmlformats.org/drawingml/2006/main" xmlns:r="http://schemas.openxmlformats.org/officeDocument/2006/relationships" xmlns:p="http://schemas.openxmlformats.org/presentationml/2006/main">
   <p:cSld>
     <p:bg>
@@ -29829,6 +29682,277 @@
 </p:sld>
 </file>
 
+<file path=ppt/slides/slide28.xml><?xml version="1.0" encoding="utf-8"?>
+<p:sld xmlns:a="http://schemas.openxmlformats.org/drawingml/2006/main" xmlns:r="http://schemas.openxmlformats.org/officeDocument/2006/relationships" xmlns:p="http://schemas.openxmlformats.org/presentationml/2006/main">
+  <p:cSld>
+    <p:spTree>
+      <p:nvGrpSpPr>
+        <p:cNvPr id="1" name=""/>
+        <p:cNvGrpSpPr/>
+        <p:nvPr/>
+      </p:nvGrpSpPr>
+      <p:grpSpPr>
+        <a:xfrm>
+          <a:off x="0" y="0"/>
+          <a:ext cx="0" cy="0"/>
+          <a:chOff x="0" y="0"/>
+          <a:chExt cx="0" cy="0"/>
+        </a:xfrm>
+      </p:grpSpPr>
+      <p:sp>
+        <p:nvSpPr>
+          <p:cNvPr id="493" name="CustomShape 1"/>
+          <p:cNvSpPr/>
+          <p:nvPr/>
+        </p:nvSpPr>
+        <p:spPr>
+          <a:xfrm>
+            <a:off x="432000" y="812520"/>
+            <a:ext cx="5327280" cy="670320"/>
+          </a:xfrm>
+          <a:prstGeom prst="rect">
+            <a:avLst/>
+          </a:prstGeom>
+          <a:noFill/>
+          <a:ln>
+            <a:noFill/>
+          </a:ln>
+        </p:spPr>
+        <p:style>
+          <a:lnRef idx="0">
+            <a:scrgbClr r="0" g="0" b="0"/>
+          </a:lnRef>
+          <a:fillRef idx="0">
+            <a:scrgbClr r="0" g="0" b="0"/>
+          </a:fillRef>
+          <a:effectRef idx="0">
+            <a:scrgbClr r="0" g="0" b="0"/>
+          </a:effectRef>
+          <a:fontRef idx="minor"/>
+        </p:style>
+        <p:txBody>
+          <a:bodyPr lIns="0" tIns="0" rIns="0" bIns="0" anchor="ctr">
+            <a:noAutofit/>
+          </a:bodyPr>
+          <a:lstStyle/>
+          <a:p>
+            <a:pPr algn="ctr">
+              <a:lnSpc>
+                <a:spcPct val="100000"/>
+              </a:lnSpc>
+            </a:pPr>
+            <a:r>
+              <a:rPr lang="de-DE" sz="4400" b="0" strike="noStrike" spc="-1">
+                <a:solidFill>
+                  <a:srgbClr val="FFFFFF"/>
+                </a:solidFill>
+                <a:latin typeface="Arial"/>
+                <a:ea typeface="DejaVu Sans"/>
+              </a:rPr>
+              <a:t>Technical Ability</a:t>
+            </a:r>
+            <a:endParaRPr lang="de-DE" sz="4400" b="0" strike="noStrike" spc="-1">
+              <a:latin typeface="Arial"/>
+            </a:endParaRPr>
+          </a:p>
+        </p:txBody>
+      </p:sp>
+      <p:sp>
+        <p:nvSpPr>
+          <p:cNvPr id="494" name="CustomShape 2"/>
+          <p:cNvSpPr/>
+          <p:nvPr/>
+        </p:nvSpPr>
+        <p:spPr>
+          <a:xfrm>
+            <a:off x="609480" y="1604520"/>
+            <a:ext cx="10972440" cy="3976200"/>
+          </a:xfrm>
+          <a:prstGeom prst="rect">
+            <a:avLst/>
+          </a:prstGeom>
+          <a:noFill/>
+          <a:ln>
+            <a:noFill/>
+          </a:ln>
+        </p:spPr>
+        <p:style>
+          <a:lnRef idx="0">
+            <a:scrgbClr r="0" g="0" b="0"/>
+          </a:lnRef>
+          <a:fillRef idx="0">
+            <a:scrgbClr r="0" g="0" b="0"/>
+          </a:fillRef>
+          <a:effectRef idx="0">
+            <a:scrgbClr r="0" g="0" b="0"/>
+          </a:effectRef>
+          <a:fontRef idx="minor"/>
+        </p:style>
+      </p:sp>
+      <p:sp>
+        <p:nvSpPr>
+          <p:cNvPr id="495" name="TextShape 3"/>
+          <p:cNvSpPr txBox="1"/>
+          <p:nvPr/>
+        </p:nvSpPr>
+        <p:spPr>
+          <a:xfrm>
+            <a:off x="547560" y="2358720"/>
+            <a:ext cx="10973520" cy="3977280"/>
+          </a:xfrm>
+          <a:prstGeom prst="rect">
+            <a:avLst/>
+          </a:prstGeom>
+          <a:noFill/>
+          <a:ln>
+            <a:noFill/>
+          </a:ln>
+        </p:spPr>
+        <p:txBody>
+          <a:bodyPr lIns="0" tIns="0" rIns="0" bIns="0">
+            <a:normAutofit/>
+          </a:bodyPr>
+          <a:lstStyle/>
+          <a:p>
+            <a:pPr marL="432000" indent="-324000">
+              <a:spcBef>
+                <a:spcPts val="1414"/>
+              </a:spcBef>
+              <a:buClr>
+                <a:srgbClr val="000000"/>
+              </a:buClr>
+              <a:buSzPct val="45000"/>
+              <a:buFont typeface="Wingdings" charset="2"/>
+              <a:buChar char=""/>
+            </a:pPr>
+            <a:r>
+              <a:rPr lang="de-DE" sz="3200" b="0" strike="noStrike" spc="-1">
+                <a:latin typeface="Arial"/>
+              </a:rPr>
+              <a:t>Account</a:t>
+            </a:r>
+          </a:p>
+          <a:p>
+            <a:pPr marL="432000" indent="-324000">
+              <a:spcBef>
+                <a:spcPts val="1414"/>
+              </a:spcBef>
+              <a:buClr>
+                <a:srgbClr val="000000"/>
+              </a:buClr>
+              <a:buSzPct val="45000"/>
+              <a:buFont typeface="Wingdings" charset="2"/>
+              <a:buChar char=""/>
+            </a:pPr>
+            <a:r>
+              <a:rPr lang="de-DE" sz="3200" b="0" strike="noStrike" spc="-1">
+                <a:latin typeface="Arial"/>
+              </a:rPr>
+              <a:t>CRUD Missions</a:t>
+            </a:r>
+          </a:p>
+          <a:p>
+            <a:pPr marL="432000" indent="-324000">
+              <a:spcBef>
+                <a:spcPts val="1414"/>
+              </a:spcBef>
+              <a:buClr>
+                <a:srgbClr val="000000"/>
+              </a:buClr>
+              <a:buSzPct val="45000"/>
+              <a:buFont typeface="Wingdings" charset="2"/>
+              <a:buChar char=""/>
+            </a:pPr>
+            <a:r>
+              <a:rPr lang="de-DE" sz="3200" b="0" strike="noStrike" spc="-1">
+                <a:latin typeface="Arial"/>
+              </a:rPr>
+              <a:t>CRUD Tasks</a:t>
+            </a:r>
+          </a:p>
+          <a:p>
+            <a:pPr marL="432000" indent="-324000">
+              <a:spcBef>
+                <a:spcPts val="1414"/>
+              </a:spcBef>
+              <a:buClr>
+                <a:srgbClr val="000000"/>
+              </a:buClr>
+              <a:buSzPct val="45000"/>
+              <a:buFont typeface="Wingdings" charset="2"/>
+              <a:buChar char=""/>
+            </a:pPr>
+            <a:r>
+              <a:rPr lang="de-DE" sz="3200" b="0" strike="noStrike" spc="-1">
+                <a:latin typeface="Arial"/>
+              </a:rPr>
+              <a:t>CRUD Rewards</a:t>
+            </a:r>
+          </a:p>
+          <a:p>
+            <a:pPr marL="432000" indent="-324000">
+              <a:spcBef>
+                <a:spcPts val="1414"/>
+              </a:spcBef>
+              <a:buClr>
+                <a:srgbClr val="000000"/>
+              </a:buClr>
+              <a:buSzPct val="45000"/>
+              <a:buFont typeface="Wingdings" charset="2"/>
+              <a:buChar char=""/>
+            </a:pPr>
+            <a:r>
+              <a:rPr lang="de-DE" sz="3200" b="0" strike="noStrike" spc="-1">
+                <a:latin typeface="Arial"/>
+              </a:rPr>
+              <a:t>Statistics</a:t>
+            </a:r>
+          </a:p>
+          <a:p>
+            <a:pPr marL="432000" indent="-324000">
+              <a:spcBef>
+                <a:spcPts val="1414"/>
+              </a:spcBef>
+              <a:buClr>
+                <a:srgbClr val="000000"/>
+              </a:buClr>
+              <a:buSzPct val="45000"/>
+              <a:buFont typeface="Wingdings" charset="2"/>
+              <a:buChar char=""/>
+            </a:pPr>
+            <a:r>
+              <a:rPr lang="de-DE" sz="3200" b="0" strike="noStrike" spc="-1">
+                <a:latin typeface="Arial"/>
+              </a:rPr>
+              <a:t>Achievements</a:t>
+            </a:r>
+          </a:p>
+          <a:p>
+            <a:pPr marL="432000" indent="-324000">
+              <a:spcBef>
+                <a:spcPts val="1414"/>
+              </a:spcBef>
+              <a:buClr>
+                <a:srgbClr val="000000"/>
+              </a:buClr>
+              <a:buSzPct val="45000"/>
+              <a:buFont typeface="Wingdings" charset="2"/>
+              <a:buChar char=""/>
+            </a:pPr>
+            <a:endParaRPr lang="de-DE" sz="3200" b="0" strike="noStrike" spc="-1">
+              <a:latin typeface="Arial"/>
+            </a:endParaRPr>
+          </a:p>
+        </p:txBody>
+      </p:sp>
+    </p:spTree>
+  </p:cSld>
+  <p:clrMapOvr>
+    <a:masterClrMapping/>
+  </p:clrMapOvr>
+</p:sld>
+</file>
+
 <file path=ppt/slides/slide29.xml><?xml version="1.0" encoding="utf-8"?>
 <p:sld xmlns:a="http://schemas.openxmlformats.org/drawingml/2006/main" xmlns:r="http://schemas.openxmlformats.org/officeDocument/2006/relationships" xmlns:p="http://schemas.openxmlformats.org/presentationml/2006/main">
   <p:cSld>
@@ -29848,14 +29972,14 @@
       </p:grpSpPr>
       <p:sp>
         <p:nvSpPr>
-          <p:cNvPr id="493" name="CustomShape 1"/>
+          <p:cNvPr id="496" name="CustomShape 1"/>
           <p:cNvSpPr/>
           <p:nvPr/>
         </p:nvSpPr>
         <p:spPr>
           <a:xfrm>
-            <a:off x="432000" y="812520"/>
-            <a:ext cx="5327280" cy="670320"/>
+            <a:off x="1154880" y="973800"/>
+            <a:ext cx="8760240" cy="705240"/>
           </a:xfrm>
           <a:prstGeom prst="rect">
             <a:avLst/>
@@ -29878,215 +30002,27 @@
           <a:fontRef idx="minor"/>
         </p:style>
         <p:txBody>
-          <a:bodyPr lIns="0" tIns="0" rIns="0" bIns="0" anchor="ctr">
+          <a:bodyPr lIns="90000" tIns="45000" rIns="90000" bIns="45000" anchor="ctr">
             <a:noAutofit/>
           </a:bodyPr>
           <a:lstStyle/>
           <a:p>
-            <a:pPr algn="ctr">
+            <a:pPr>
               <a:lnSpc>
                 <a:spcPct val="100000"/>
               </a:lnSpc>
             </a:pPr>
             <a:r>
-              <a:rPr lang="de-DE" sz="4400" b="0" strike="noStrike" spc="-1">
+              <a:rPr lang="de-DE" sz="3600" b="0" strike="noStrike" spc="-1">
                 <a:solidFill>
-                  <a:srgbClr val="FFFFFF"/>
+                  <a:srgbClr val="EBEBEB"/>
                 </a:solidFill>
-                <a:latin typeface="Arial"/>
+                <a:latin typeface="Century Gothic"/>
                 <a:ea typeface="DejaVu Sans"/>
               </a:rPr>
-              <a:t>Technical Ability</a:t>
+              <a:t>Demo</a:t>
             </a:r>
-            <a:endParaRPr lang="de-DE" sz="4400" b="0" strike="noStrike" spc="-1">
-              <a:latin typeface="Arial"/>
-            </a:endParaRPr>
-          </a:p>
-        </p:txBody>
-      </p:sp>
-      <p:sp>
-        <p:nvSpPr>
-          <p:cNvPr id="494" name="CustomShape 2"/>
-          <p:cNvSpPr/>
-          <p:nvPr/>
-        </p:nvSpPr>
-        <p:spPr>
-          <a:xfrm>
-            <a:off x="609480" y="1604520"/>
-            <a:ext cx="10972440" cy="3976200"/>
-          </a:xfrm>
-          <a:prstGeom prst="rect">
-            <a:avLst/>
-          </a:prstGeom>
-          <a:noFill/>
-          <a:ln>
-            <a:noFill/>
-          </a:ln>
-        </p:spPr>
-        <p:style>
-          <a:lnRef idx="0">
-            <a:scrgbClr r="0" g="0" b="0"/>
-          </a:lnRef>
-          <a:fillRef idx="0">
-            <a:scrgbClr r="0" g="0" b="0"/>
-          </a:fillRef>
-          <a:effectRef idx="0">
-            <a:scrgbClr r="0" g="0" b="0"/>
-          </a:effectRef>
-          <a:fontRef idx="minor"/>
-        </p:style>
-      </p:sp>
-      <p:sp>
-        <p:nvSpPr>
-          <p:cNvPr id="495" name="TextShape 3"/>
-          <p:cNvSpPr txBox="1"/>
-          <p:nvPr/>
-        </p:nvSpPr>
-        <p:spPr>
-          <a:xfrm>
-            <a:off x="547560" y="2358720"/>
-            <a:ext cx="10973520" cy="3977280"/>
-          </a:xfrm>
-          <a:prstGeom prst="rect">
-            <a:avLst/>
-          </a:prstGeom>
-          <a:noFill/>
-          <a:ln>
-            <a:noFill/>
-          </a:ln>
-        </p:spPr>
-        <p:txBody>
-          <a:bodyPr lIns="0" tIns="0" rIns="0" bIns="0">
-            <a:normAutofit/>
-          </a:bodyPr>
-          <a:lstStyle/>
-          <a:p>
-            <a:pPr marL="432000" indent="-324000">
-              <a:spcBef>
-                <a:spcPts val="1414"/>
-              </a:spcBef>
-              <a:buClr>
-                <a:srgbClr val="000000"/>
-              </a:buClr>
-              <a:buSzPct val="45000"/>
-              <a:buFont typeface="Wingdings" charset="2"/>
-              <a:buChar char=""/>
-            </a:pPr>
-            <a:r>
-              <a:rPr lang="de-DE" sz="3200" b="0" strike="noStrike" spc="-1">
-                <a:latin typeface="Arial"/>
-              </a:rPr>
-              <a:t>Account</a:t>
-            </a:r>
-          </a:p>
-          <a:p>
-            <a:pPr marL="432000" indent="-324000">
-              <a:spcBef>
-                <a:spcPts val="1414"/>
-              </a:spcBef>
-              <a:buClr>
-                <a:srgbClr val="000000"/>
-              </a:buClr>
-              <a:buSzPct val="45000"/>
-              <a:buFont typeface="Wingdings" charset="2"/>
-              <a:buChar char=""/>
-            </a:pPr>
-            <a:r>
-              <a:rPr lang="de-DE" sz="3200" b="0" strike="noStrike" spc="-1">
-                <a:latin typeface="Arial"/>
-              </a:rPr>
-              <a:t>CRUD Missions</a:t>
-            </a:r>
-          </a:p>
-          <a:p>
-            <a:pPr marL="432000" indent="-324000">
-              <a:spcBef>
-                <a:spcPts val="1414"/>
-              </a:spcBef>
-              <a:buClr>
-                <a:srgbClr val="000000"/>
-              </a:buClr>
-              <a:buSzPct val="45000"/>
-              <a:buFont typeface="Wingdings" charset="2"/>
-              <a:buChar char=""/>
-            </a:pPr>
-            <a:r>
-              <a:rPr lang="de-DE" sz="3200" b="0" strike="noStrike" spc="-1">
-                <a:latin typeface="Arial"/>
-              </a:rPr>
-              <a:t>CRUD Tasks</a:t>
-            </a:r>
-          </a:p>
-          <a:p>
-            <a:pPr marL="432000" indent="-324000">
-              <a:spcBef>
-                <a:spcPts val="1414"/>
-              </a:spcBef>
-              <a:buClr>
-                <a:srgbClr val="000000"/>
-              </a:buClr>
-              <a:buSzPct val="45000"/>
-              <a:buFont typeface="Wingdings" charset="2"/>
-              <a:buChar char=""/>
-            </a:pPr>
-            <a:r>
-              <a:rPr lang="de-DE" sz="3200" b="0" strike="noStrike" spc="-1">
-                <a:latin typeface="Arial"/>
-              </a:rPr>
-              <a:t>CRUD Rewards</a:t>
-            </a:r>
-          </a:p>
-          <a:p>
-            <a:pPr marL="432000" indent="-324000">
-              <a:spcBef>
-                <a:spcPts val="1414"/>
-              </a:spcBef>
-              <a:buClr>
-                <a:srgbClr val="000000"/>
-              </a:buClr>
-              <a:buSzPct val="45000"/>
-              <a:buFont typeface="Wingdings" charset="2"/>
-              <a:buChar char=""/>
-            </a:pPr>
-            <a:r>
-              <a:rPr lang="de-DE" sz="3200" b="0" strike="noStrike" spc="-1">
-                <a:latin typeface="Arial"/>
-              </a:rPr>
-              <a:t>Statistics</a:t>
-            </a:r>
-          </a:p>
-          <a:p>
-            <a:pPr marL="432000" indent="-324000">
-              <a:spcBef>
-                <a:spcPts val="1414"/>
-              </a:spcBef>
-              <a:buClr>
-                <a:srgbClr val="000000"/>
-              </a:buClr>
-              <a:buSzPct val="45000"/>
-              <a:buFont typeface="Wingdings" charset="2"/>
-              <a:buChar char=""/>
-            </a:pPr>
-            <a:r>
-              <a:rPr lang="de-DE" sz="3200" b="0" strike="noStrike" spc="-1">
-                <a:latin typeface="Arial"/>
-              </a:rPr>
-              <a:t>Achievements</a:t>
-            </a:r>
-          </a:p>
-          <a:p>
-            <a:pPr marL="432000" indent="-324000">
-              <a:spcBef>
-                <a:spcPts val="1414"/>
-              </a:spcBef>
-              <a:buClr>
-                <a:srgbClr val="000000"/>
-              </a:buClr>
-              <a:buSzPct val="45000"/>
-              <a:buFont typeface="Wingdings" charset="2"/>
-              <a:buChar char=""/>
-            </a:pPr>
-            <a:endParaRPr lang="de-DE" sz="3200" b="0" strike="noStrike" spc="-1">
+            <a:endParaRPr lang="de-DE" sz="3600" b="0" strike="noStrike" spc="-1">
               <a:latin typeface="Arial"/>
             </a:endParaRPr>
           </a:p>
@@ -30169,9 +30105,6 @@
               </a:rPr>
               <a:t>Business</a:t>
             </a:r>
-            <a:r>
-              <a:t/>
-            </a:r>
             <a:br/>
             <a:endParaRPr lang="de-DE" sz="4000" b="0" strike="noStrike" spc="-1">
               <a:latin typeface="Arial"/>
@@ -30225,7 +30158,7 @@
               </a:spcBef>
             </a:pPr>
             <a:r>
-              <a:rPr lang="de-DE" sz="2000" b="0" strike="noStrike" cap="all" spc="-1" dirty="0">
+              <a:rPr lang="de-DE" sz="2000" b="0" strike="noStrike" cap="all" spc="-1">
                 <a:solidFill>
                   <a:srgbClr val="EF53A5"/>
                 </a:solidFill>
@@ -30234,7 +30167,7 @@
               </a:rPr>
               <a:t>Vision</a:t>
             </a:r>
-            <a:endParaRPr lang="de-DE" sz="2000" b="0" strike="noStrike" spc="-1" dirty="0">
+            <a:endParaRPr lang="de-DE" sz="2000" b="0" strike="noStrike" spc="-1">
               <a:latin typeface="Arial"/>
             </a:endParaRPr>
           </a:p>
@@ -30248,24 +30181,16 @@
               </a:spcBef>
             </a:pPr>
             <a:r>
-              <a:rPr lang="de-DE" sz="2000" cap="all" spc="-1" dirty="0" err="1" smtClean="0">
+              <a:rPr lang="de-DE" sz="2000" b="0" strike="noStrike" cap="all" spc="-1">
                 <a:solidFill>
                   <a:srgbClr val="EF53A5"/>
                 </a:solidFill>
                 <a:latin typeface="Century Gothic"/>
+                <a:ea typeface="DejaVu Sans"/>
               </a:rPr>
-              <a:t>Use</a:t>
+              <a:t>Scope //UC</a:t>
             </a:r>
-            <a:r>
-              <a:rPr lang="de-DE" sz="2000" cap="all" spc="-1" dirty="0" smtClean="0">
-                <a:solidFill>
-                  <a:srgbClr val="EF53A5"/>
-                </a:solidFill>
-                <a:latin typeface="Century Gothic"/>
-              </a:rPr>
-              <a:t> Cases</a:t>
-            </a:r>
-            <a:endParaRPr lang="de-DE" sz="2000" b="0" strike="noStrike" spc="-1" dirty="0">
+            <a:endParaRPr lang="de-DE" sz="2000" b="0" strike="noStrike" spc="-1">
               <a:latin typeface="Arial"/>
             </a:endParaRPr>
           </a:p>
@@ -30279,26 +30204,16 @@
               </a:spcBef>
             </a:pPr>
             <a:r>
-              <a:rPr lang="de-DE" sz="2000" b="0" strike="noStrike" cap="all" spc="-1" dirty="0" smtClean="0">
+              <a:rPr lang="de-DE" sz="2000" b="0" strike="noStrike" cap="all" spc="-1">
                 <a:solidFill>
                   <a:srgbClr val="EF53A5"/>
                 </a:solidFill>
                 <a:latin typeface="Century Gothic"/>
                 <a:ea typeface="DejaVu Sans"/>
               </a:rPr>
-              <a:t>Project </a:t>
+              <a:t>PM // AGILE RUp</a:t>
             </a:r>
-            <a:r>
-              <a:rPr lang="de-DE" sz="2000" b="0" strike="noStrike" cap="all" spc="-1" dirty="0" err="1" smtClean="0">
-                <a:solidFill>
-                  <a:srgbClr val="EF53A5"/>
-                </a:solidFill>
-                <a:latin typeface="Century Gothic"/>
-                <a:ea typeface="DejaVu Sans"/>
-              </a:rPr>
-              <a:t>management</a:t>
-            </a:r>
-            <a:endParaRPr lang="de-DE" sz="2000" b="0" strike="noStrike" spc="-1" dirty="0">
+            <a:endParaRPr lang="de-DE" sz="2000" b="0" strike="noStrike" spc="-1">
               <a:latin typeface="Arial"/>
             </a:endParaRPr>
           </a:p>
@@ -30312,133 +30227,16 @@
               </a:spcBef>
             </a:pPr>
             <a:r>
-              <a:rPr lang="de-DE" sz="2000" cap="all" spc="-1" dirty="0" smtClean="0">
+              <a:rPr lang="de-DE" sz="2000" b="0" strike="noStrike" cap="all" spc="-1">
                 <a:solidFill>
                   <a:srgbClr val="EF53A5"/>
                 </a:solidFill>
                 <a:latin typeface="Century Gothic"/>
-              </a:rPr>
-              <a:t>RUP</a:t>
-            </a:r>
-          </a:p>
-          <a:p>
-            <a:pPr>
-              <a:lnSpc>
-                <a:spcPct val="100000"/>
-              </a:lnSpc>
-              <a:spcBef>
-                <a:spcPts val="1001"/>
-              </a:spcBef>
-            </a:pPr>
-            <a:r>
-              <a:rPr lang="de-DE" sz="2000" b="0" strike="noStrike" cap="all" spc="-1" dirty="0" smtClean="0">
-                <a:solidFill>
-                  <a:srgbClr val="EF53A5"/>
-                </a:solidFill>
-                <a:latin typeface="Century Gothic"/>
-              </a:rPr>
-              <a:t>Time </a:t>
-            </a:r>
-            <a:r>
-              <a:rPr lang="de-DE" sz="2000" b="0" strike="noStrike" cap="all" spc="-1" dirty="0" err="1" smtClean="0">
-                <a:solidFill>
-                  <a:srgbClr val="EF53A5"/>
-                </a:solidFill>
-                <a:latin typeface="Century Gothic"/>
-              </a:rPr>
-              <a:t>estimation</a:t>
-            </a:r>
-            <a:endParaRPr lang="de-DE" sz="2000" b="0" strike="noStrike" spc="-1" dirty="0">
-              <a:latin typeface="Arial"/>
-            </a:endParaRPr>
-          </a:p>
-        </p:txBody>
-      </p:sp>
-    </p:spTree>
-  </p:cSld>
-  <p:clrMapOvr>
-    <a:masterClrMapping/>
-  </p:clrMapOvr>
-  <p:timing>
-    <p:tnLst>
-      <p:par>
-        <p:cTn id="1" dur="indefinite" restart="never" nodeType="tmRoot"/>
-      </p:par>
-    </p:tnLst>
-  </p:timing>
-</p:sld>
-</file>
-
-<file path=ppt/slides/slide30.xml><?xml version="1.0" encoding="utf-8"?>
-<p:sld xmlns:a="http://schemas.openxmlformats.org/drawingml/2006/main" xmlns:r="http://schemas.openxmlformats.org/officeDocument/2006/relationships" xmlns:p="http://schemas.openxmlformats.org/presentationml/2006/main">
-  <p:cSld>
-    <p:spTree>
-      <p:nvGrpSpPr>
-        <p:cNvPr id="1" name=""/>
-        <p:cNvGrpSpPr/>
-        <p:nvPr/>
-      </p:nvGrpSpPr>
-      <p:grpSpPr>
-        <a:xfrm>
-          <a:off x="0" y="0"/>
-          <a:ext cx="0" cy="0"/>
-          <a:chOff x="0" y="0"/>
-          <a:chExt cx="0" cy="0"/>
-        </a:xfrm>
-      </p:grpSpPr>
-      <p:sp>
-        <p:nvSpPr>
-          <p:cNvPr id="496" name="CustomShape 1"/>
-          <p:cNvSpPr/>
-          <p:nvPr/>
-        </p:nvSpPr>
-        <p:spPr>
-          <a:xfrm>
-            <a:off x="1154880" y="973800"/>
-            <a:ext cx="8760240" cy="705240"/>
-          </a:xfrm>
-          <a:prstGeom prst="rect">
-            <a:avLst/>
-          </a:prstGeom>
-          <a:noFill/>
-          <a:ln>
-            <a:noFill/>
-          </a:ln>
-        </p:spPr>
-        <p:style>
-          <a:lnRef idx="0">
-            <a:scrgbClr r="0" g="0" b="0"/>
-          </a:lnRef>
-          <a:fillRef idx="0">
-            <a:scrgbClr r="0" g="0" b="0"/>
-          </a:fillRef>
-          <a:effectRef idx="0">
-            <a:scrgbClr r="0" g="0" b="0"/>
-          </a:effectRef>
-          <a:fontRef idx="minor"/>
-        </p:style>
-        <p:txBody>
-          <a:bodyPr lIns="90000" tIns="45000" rIns="90000" bIns="45000" anchor="ctr">
-            <a:noAutofit/>
-          </a:bodyPr>
-          <a:lstStyle/>
-          <a:p>
-            <a:pPr>
-              <a:lnSpc>
-                <a:spcPct val="100000"/>
-              </a:lnSpc>
-            </a:pPr>
-            <a:r>
-              <a:rPr lang="de-DE" sz="3600" b="0" strike="noStrike" spc="-1">
-                <a:solidFill>
-                  <a:srgbClr val="EBEBEB"/>
-                </a:solidFill>
-                <a:latin typeface="Century Gothic"/>
                 <a:ea typeface="DejaVu Sans"/>
               </a:rPr>
-              <a:t>Demo</a:t>
+              <a:t>FP</a:t>
             </a:r>
-            <a:endParaRPr lang="de-DE" sz="3600" b="0" strike="noStrike" spc="-1">
+            <a:endParaRPr lang="de-DE" sz="2000" b="0" strike="noStrike" spc="-1">
               <a:latin typeface="Arial"/>
             </a:endParaRPr>
           </a:p>
@@ -30579,186 +30377,16 @@
               <a:buChar char=""/>
             </a:pPr>
             <a:r>
-              <a:rPr lang="de-DE" sz="2400" b="1" strike="noStrike" spc="-1" dirty="0" err="1">
+              <a:rPr lang="de-DE" sz="2400" b="1" strike="noStrike" spc="-1">
                 <a:solidFill>
                   <a:srgbClr val="404040"/>
                 </a:solidFill>
                 <a:latin typeface="Century Gothic"/>
                 <a:ea typeface="DejaVu Sans"/>
               </a:rPr>
-              <a:t>Blow</a:t>
+              <a:t>Blow up your motivation levels for reaching your goals!</a:t>
             </a:r>
-            <a:r>
-              <a:rPr lang="de-DE" sz="2400" b="1" strike="noStrike" spc="-1" dirty="0">
-                <a:solidFill>
-                  <a:srgbClr val="404040"/>
-                </a:solidFill>
-                <a:latin typeface="Century Gothic"/>
-                <a:ea typeface="DejaVu Sans"/>
-              </a:rPr>
-              <a:t> </a:t>
-            </a:r>
-            <a:r>
-              <a:rPr lang="de-DE" sz="2400" b="1" strike="noStrike" spc="-1" dirty="0" err="1">
-                <a:solidFill>
-                  <a:srgbClr val="404040"/>
-                </a:solidFill>
-                <a:latin typeface="Century Gothic"/>
-                <a:ea typeface="DejaVu Sans"/>
-              </a:rPr>
-              <a:t>up</a:t>
-            </a:r>
-            <a:r>
-              <a:rPr lang="de-DE" sz="2400" b="1" strike="noStrike" spc="-1" dirty="0">
-                <a:solidFill>
-                  <a:srgbClr val="404040"/>
-                </a:solidFill>
-                <a:latin typeface="Century Gothic"/>
-                <a:ea typeface="DejaVu Sans"/>
-              </a:rPr>
-              <a:t> </a:t>
-            </a:r>
-            <a:r>
-              <a:rPr lang="de-DE" sz="2400" b="1" strike="noStrike" spc="-1" dirty="0" err="1">
-                <a:solidFill>
-                  <a:srgbClr val="404040"/>
-                </a:solidFill>
-                <a:latin typeface="Century Gothic"/>
-                <a:ea typeface="DejaVu Sans"/>
-              </a:rPr>
-              <a:t>your</a:t>
-            </a:r>
-            <a:r>
-              <a:rPr lang="de-DE" sz="2400" b="1" strike="noStrike" spc="-1" dirty="0">
-                <a:solidFill>
-                  <a:srgbClr val="404040"/>
-                </a:solidFill>
-                <a:latin typeface="Century Gothic"/>
-                <a:ea typeface="DejaVu Sans"/>
-              </a:rPr>
-              <a:t> </a:t>
-            </a:r>
-            <a:r>
-              <a:rPr lang="de-DE" sz="2400" b="1" strike="noStrike" spc="-1" dirty="0" err="1">
-                <a:solidFill>
-                  <a:srgbClr val="404040"/>
-                </a:solidFill>
-                <a:latin typeface="Century Gothic"/>
-                <a:ea typeface="DejaVu Sans"/>
-              </a:rPr>
-              <a:t>motivation</a:t>
-            </a:r>
-            <a:r>
-              <a:rPr lang="de-DE" sz="2400" b="1" strike="noStrike" spc="-1" dirty="0">
-                <a:solidFill>
-                  <a:srgbClr val="404040"/>
-                </a:solidFill>
-                <a:latin typeface="Century Gothic"/>
-                <a:ea typeface="DejaVu Sans"/>
-              </a:rPr>
-              <a:t> </a:t>
-            </a:r>
-            <a:r>
-              <a:rPr lang="de-DE" sz="2400" b="1" strike="noStrike" spc="-1" dirty="0" err="1">
-                <a:solidFill>
-                  <a:srgbClr val="404040"/>
-                </a:solidFill>
-                <a:latin typeface="Century Gothic"/>
-                <a:ea typeface="DejaVu Sans"/>
-              </a:rPr>
-              <a:t>levels</a:t>
-            </a:r>
-            <a:r>
-              <a:rPr lang="de-DE" sz="2400" b="1" strike="noStrike" spc="-1" dirty="0">
-                <a:solidFill>
-                  <a:srgbClr val="404040"/>
-                </a:solidFill>
-                <a:latin typeface="Century Gothic"/>
-                <a:ea typeface="DejaVu Sans"/>
-              </a:rPr>
-              <a:t> </a:t>
-            </a:r>
-            <a:r>
-              <a:rPr lang="de-DE" sz="2400" b="1" strike="noStrike" spc="-1" dirty="0" err="1">
-                <a:solidFill>
-                  <a:srgbClr val="404040"/>
-                </a:solidFill>
-                <a:latin typeface="Century Gothic"/>
-                <a:ea typeface="DejaVu Sans"/>
-              </a:rPr>
-              <a:t>for</a:t>
-            </a:r>
-            <a:r>
-              <a:rPr lang="de-DE" sz="2400" b="1" strike="noStrike" spc="-1" dirty="0">
-                <a:solidFill>
-                  <a:srgbClr val="404040"/>
-                </a:solidFill>
-                <a:latin typeface="Century Gothic"/>
-                <a:ea typeface="DejaVu Sans"/>
-              </a:rPr>
-              <a:t> </a:t>
-            </a:r>
-            <a:r>
-              <a:rPr lang="de-DE" sz="2400" b="1" strike="noStrike" spc="-1" dirty="0" err="1">
-                <a:solidFill>
-                  <a:srgbClr val="404040"/>
-                </a:solidFill>
-                <a:latin typeface="Century Gothic"/>
-                <a:ea typeface="DejaVu Sans"/>
-              </a:rPr>
-              <a:t>reaching</a:t>
-            </a:r>
-            <a:r>
-              <a:rPr lang="de-DE" sz="2400" b="1" strike="noStrike" spc="-1" dirty="0">
-                <a:solidFill>
-                  <a:srgbClr val="404040"/>
-                </a:solidFill>
-                <a:latin typeface="Century Gothic"/>
-                <a:ea typeface="DejaVu Sans"/>
-              </a:rPr>
-              <a:t> </a:t>
-            </a:r>
-            <a:r>
-              <a:rPr lang="de-DE" sz="2400" b="1" strike="noStrike" spc="-1" dirty="0" err="1">
-                <a:solidFill>
-                  <a:srgbClr val="404040"/>
-                </a:solidFill>
-                <a:latin typeface="Century Gothic"/>
-                <a:ea typeface="DejaVu Sans"/>
-              </a:rPr>
-              <a:t>your</a:t>
-            </a:r>
-            <a:r>
-              <a:rPr lang="de-DE" sz="2400" b="1" strike="noStrike" spc="-1" dirty="0">
-                <a:solidFill>
-                  <a:srgbClr val="404040"/>
-                </a:solidFill>
-                <a:latin typeface="Century Gothic"/>
-                <a:ea typeface="DejaVu Sans"/>
-              </a:rPr>
-              <a:t> </a:t>
-            </a:r>
-            <a:r>
-              <a:rPr lang="de-DE" sz="2400" b="1" strike="noStrike" spc="-1" dirty="0" err="1">
-                <a:solidFill>
-                  <a:srgbClr val="404040"/>
-                </a:solidFill>
-                <a:latin typeface="Century Gothic"/>
-                <a:ea typeface="DejaVu Sans"/>
-              </a:rPr>
-              <a:t>goals</a:t>
-            </a:r>
-            <a:r>
-              <a:rPr lang="de-DE" sz="2400" b="1" strike="noStrike" spc="-1" dirty="0">
-                <a:solidFill>
-                  <a:srgbClr val="404040"/>
-                </a:solidFill>
-                <a:latin typeface="Century Gothic"/>
-                <a:ea typeface="DejaVu Sans"/>
-              </a:rPr>
-              <a:t>!</a:t>
-            </a:r>
-            <a:endParaRPr lang="de-DE" sz="2400" b="0" strike="noStrike" spc="-1" dirty="0">
+            <a:endParaRPr lang="de-DE" sz="2400" b="0" strike="noStrike" spc="-1">
               <a:latin typeface="Arial"/>
             </a:endParaRPr>
           </a:p>
@@ -30771,7 +30399,7 @@
                 <a:spcPts val="1001"/>
               </a:spcBef>
             </a:pPr>
-            <a:endParaRPr lang="de-DE" sz="2400" b="0" strike="noStrike" spc="-1" dirty="0">
+            <a:endParaRPr lang="de-DE" sz="2400" b="0" strike="noStrike" spc="-1">
               <a:latin typeface="Arial"/>
             </a:endParaRPr>
           </a:p>
@@ -30791,136 +30419,16 @@
               <a:buChar char=""/>
             </a:pPr>
             <a:r>
-              <a:rPr lang="de-DE" sz="2400" b="1" strike="noStrike" spc="-1" dirty="0">
+              <a:rPr lang="de-DE" sz="2400" b="1" strike="noStrike" spc="-1">
                 <a:solidFill>
                   <a:srgbClr val="404040"/>
                 </a:solidFill>
                 <a:latin typeface="Century Gothic"/>
                 <a:ea typeface="DejaVu Sans"/>
               </a:rPr>
-              <a:t>Turn </a:t>
+              <a:t>Turn mundane tasks such as studying into a game!</a:t>
             </a:r>
-            <a:r>
-              <a:rPr lang="de-DE" sz="2400" b="1" strike="noStrike" spc="-1" dirty="0" err="1">
-                <a:solidFill>
-                  <a:srgbClr val="404040"/>
-                </a:solidFill>
-                <a:latin typeface="Century Gothic"/>
-                <a:ea typeface="DejaVu Sans"/>
-              </a:rPr>
-              <a:t>mundane</a:t>
-            </a:r>
-            <a:r>
-              <a:rPr lang="de-DE" sz="2400" b="1" strike="noStrike" spc="-1" dirty="0">
-                <a:solidFill>
-                  <a:srgbClr val="404040"/>
-                </a:solidFill>
-                <a:latin typeface="Century Gothic"/>
-                <a:ea typeface="DejaVu Sans"/>
-              </a:rPr>
-              <a:t> </a:t>
-            </a:r>
-            <a:r>
-              <a:rPr lang="de-DE" sz="2400" b="1" strike="noStrike" spc="-1" dirty="0" err="1">
-                <a:solidFill>
-                  <a:srgbClr val="404040"/>
-                </a:solidFill>
-                <a:latin typeface="Century Gothic"/>
-                <a:ea typeface="DejaVu Sans"/>
-              </a:rPr>
-              <a:t>tasks</a:t>
-            </a:r>
-            <a:r>
-              <a:rPr lang="de-DE" sz="2400" b="1" strike="noStrike" spc="-1" dirty="0">
-                <a:solidFill>
-                  <a:srgbClr val="404040"/>
-                </a:solidFill>
-                <a:latin typeface="Century Gothic"/>
-                <a:ea typeface="DejaVu Sans"/>
-              </a:rPr>
-              <a:t> such </a:t>
-            </a:r>
-            <a:r>
-              <a:rPr lang="de-DE" sz="2400" b="1" strike="noStrike" spc="-1" dirty="0" err="1">
-                <a:solidFill>
-                  <a:srgbClr val="404040"/>
-                </a:solidFill>
-                <a:latin typeface="Century Gothic"/>
-                <a:ea typeface="DejaVu Sans"/>
-              </a:rPr>
-              <a:t>as</a:t>
-            </a:r>
-            <a:r>
-              <a:rPr lang="de-DE" sz="2400" b="1" strike="noStrike" spc="-1" dirty="0">
-                <a:solidFill>
-                  <a:srgbClr val="404040"/>
-                </a:solidFill>
-                <a:latin typeface="Century Gothic"/>
-                <a:ea typeface="DejaVu Sans"/>
-              </a:rPr>
-              <a:t> </a:t>
-            </a:r>
-            <a:r>
-              <a:rPr lang="de-DE" sz="2400" b="1" strike="noStrike" spc="-1" dirty="0" err="1">
-                <a:solidFill>
-                  <a:srgbClr val="404040"/>
-                </a:solidFill>
-                <a:latin typeface="Century Gothic"/>
-                <a:ea typeface="DejaVu Sans"/>
-              </a:rPr>
-              <a:t>studying</a:t>
-            </a:r>
-            <a:r>
-              <a:rPr lang="de-DE" sz="2400" b="1" strike="noStrike" spc="-1" dirty="0">
-                <a:solidFill>
-                  <a:srgbClr val="404040"/>
-                </a:solidFill>
-                <a:latin typeface="Century Gothic"/>
-                <a:ea typeface="DejaVu Sans"/>
-              </a:rPr>
-              <a:t> </a:t>
-            </a:r>
-            <a:r>
-              <a:rPr lang="de-DE" sz="2400" b="1" strike="noStrike" spc="-1" dirty="0" err="1">
-                <a:solidFill>
-                  <a:srgbClr val="404040"/>
-                </a:solidFill>
-                <a:latin typeface="Century Gothic"/>
-                <a:ea typeface="DejaVu Sans"/>
-              </a:rPr>
-              <a:t>into</a:t>
-            </a:r>
-            <a:r>
-              <a:rPr lang="de-DE" sz="2400" b="1" strike="noStrike" spc="-1" dirty="0">
-                <a:solidFill>
-                  <a:srgbClr val="404040"/>
-                </a:solidFill>
-                <a:latin typeface="Century Gothic"/>
-                <a:ea typeface="DejaVu Sans"/>
-              </a:rPr>
-              <a:t> a </a:t>
-            </a:r>
-            <a:r>
-              <a:rPr lang="de-DE" sz="2400" b="1" strike="noStrike" spc="-1" dirty="0" err="1">
-                <a:solidFill>
-                  <a:srgbClr val="404040"/>
-                </a:solidFill>
-                <a:latin typeface="Century Gothic"/>
-                <a:ea typeface="DejaVu Sans"/>
-              </a:rPr>
-              <a:t>game</a:t>
-            </a:r>
-            <a:r>
-              <a:rPr lang="de-DE" sz="2400" b="1" strike="noStrike" spc="-1" dirty="0">
-                <a:solidFill>
-                  <a:srgbClr val="404040"/>
-                </a:solidFill>
-                <a:latin typeface="Century Gothic"/>
-                <a:ea typeface="DejaVu Sans"/>
-              </a:rPr>
-              <a:t>!</a:t>
-            </a:r>
-            <a:endParaRPr lang="de-DE" sz="2400" b="0" strike="noStrike" spc="-1" dirty="0">
+            <a:endParaRPr lang="de-DE" sz="2400" b="0" strike="noStrike" spc="-1">
               <a:latin typeface="Arial"/>
             </a:endParaRPr>
           </a:p>
@@ -30933,7 +30441,7 @@
                 <a:spcPts val="1001"/>
               </a:spcBef>
             </a:pPr>
-            <a:endParaRPr lang="de-DE" sz="2400" b="0" strike="noStrike" spc="-1" dirty="0">
+            <a:endParaRPr lang="de-DE" sz="2400" b="0" strike="noStrike" spc="-1">
               <a:latin typeface="Arial"/>
             </a:endParaRPr>
           </a:p>
@@ -30944,13 +30452,6 @@
   <p:clrMapOvr>
     <a:masterClrMapping/>
   </p:clrMapOvr>
-  <p:timing>
-    <p:tnLst>
-      <p:par>
-        <p:cTn id="1" dur="indefinite" restart="never" nodeType="tmRoot"/>
-      </p:par>
-    </p:tnLst>
-  </p:timing>
 </p:sld>
 </file>
 
@@ -31014,46 +30515,16 @@
               </a:lnSpc>
             </a:pPr>
             <a:r>
-              <a:rPr lang="de-DE" sz="3600" b="0" strike="noStrike" spc="-1" dirty="0">
+              <a:rPr lang="de-DE" sz="3600" b="0" strike="noStrike" spc="-1">
                 <a:solidFill>
                   <a:srgbClr val="EBEBEB"/>
                 </a:solidFill>
                 <a:latin typeface="Century Gothic"/>
                 <a:ea typeface="DejaVu Sans"/>
               </a:rPr>
-              <a:t>Vision </a:t>
+              <a:t>Vision - Mission</a:t>
             </a:r>
-            <a:r>
-              <a:rPr lang="de-DE" sz="3600" b="0" strike="noStrike" spc="-1" dirty="0" smtClean="0">
-                <a:solidFill>
-                  <a:srgbClr val="EBEBEB"/>
-                </a:solidFill>
-                <a:latin typeface="Century Gothic"/>
-                <a:ea typeface="DejaVu Sans"/>
-              </a:rPr>
-              <a:t>– </a:t>
-            </a:r>
-            <a:r>
-              <a:rPr lang="de-DE" sz="3600" spc="-1" dirty="0" smtClean="0">
-                <a:solidFill>
-                  <a:srgbClr val="EBEBEB"/>
-                </a:solidFill>
-                <a:latin typeface="Century Gothic"/>
-                <a:ea typeface="DejaVu Sans"/>
-              </a:rPr>
-              <a:t>Structured </a:t>
-            </a:r>
-            <a:r>
-              <a:rPr lang="de-DE" sz="3600" spc="-1" dirty="0" err="1" smtClean="0">
-                <a:solidFill>
-                  <a:srgbClr val="EBEBEB"/>
-                </a:solidFill>
-                <a:latin typeface="Century Gothic"/>
-                <a:ea typeface="DejaVu Sans"/>
-              </a:rPr>
-              <a:t>learning</a:t>
-            </a:r>
-            <a:endParaRPr lang="de-DE" sz="3600" b="0" strike="noStrike" spc="-1" dirty="0">
+            <a:endParaRPr lang="de-DE" sz="3600" b="0" strike="noStrike" spc="-1">
               <a:latin typeface="Arial"/>
             </a:endParaRPr>
           </a:p>
@@ -31111,140 +30582,76 @@
               <a:buChar char=""/>
             </a:pPr>
             <a:r>
-              <a:rPr lang="de-DE" sz="2400" spc="-1" dirty="0" err="1" smtClean="0">
+              <a:rPr lang="de-DE" sz="1800" b="0" strike="noStrike" spc="-1">
                 <a:solidFill>
                   <a:srgbClr val="404040"/>
                 </a:solidFill>
-                <a:latin typeface="Century Gothic" panose="020B0502020202020204" pitchFamily="34" charset="0"/>
+                <a:latin typeface="Century Gothic"/>
                 <a:ea typeface="DejaVu Sans"/>
               </a:rPr>
-              <a:t>Make</a:t>
+              <a:t>You can create your own </a:t>
             </a:r>
             <a:r>
-              <a:rPr lang="de-DE" sz="2400" spc="-1" dirty="0" smtClean="0">
+              <a:rPr lang="de-DE" sz="1800" b="1" strike="noStrike" spc="-1">
                 <a:solidFill>
                   <a:srgbClr val="404040"/>
                 </a:solidFill>
-                <a:latin typeface="Century Gothic" panose="020B0502020202020204" pitchFamily="34" charset="0"/>
+                <a:latin typeface="Century Gothic"/>
                 <a:ea typeface="DejaVu Sans"/>
               </a:rPr>
-              <a:t> </a:t>
+              <a:t>mission</a:t>
             </a:r>
+            <a:endParaRPr lang="de-DE" sz="1800" b="0" strike="noStrike" spc="-1">
+              <a:latin typeface="Arial"/>
+            </a:endParaRPr>
+          </a:p>
+          <a:p>
+            <a:pPr marL="743040" lvl="1" indent="-284040">
+              <a:lnSpc>
+                <a:spcPct val="100000"/>
+              </a:lnSpc>
+              <a:spcBef>
+                <a:spcPts val="1001"/>
+              </a:spcBef>
+              <a:buClr>
+                <a:srgbClr val="B31166"/>
+              </a:buClr>
+              <a:buSzPct val="80000"/>
+              <a:buFont typeface="Wingdings 3" charset="2"/>
+              <a:buChar char=""/>
+            </a:pPr>
             <a:r>
-              <a:rPr lang="de-DE" sz="2400" spc="-1" dirty="0" err="1" smtClean="0">
+              <a:rPr lang="de-DE" sz="1600" b="0" strike="noStrike" spc="-1">
                 <a:solidFill>
                   <a:srgbClr val="404040"/>
                 </a:solidFill>
-                <a:latin typeface="Century Gothic" panose="020B0502020202020204" pitchFamily="34" charset="0"/>
+                <a:latin typeface="Century Gothic"/>
                 <a:ea typeface="DejaVu Sans"/>
               </a:rPr>
-              <a:t>progress</a:t>
+              <a:t>Consists of </a:t>
             </a:r>
             <a:r>
-              <a:rPr lang="de-DE" sz="2400" spc="-1" dirty="0" smtClean="0">
+              <a:rPr lang="de-DE" sz="1600" b="1" strike="noStrike" spc="-1">
                 <a:solidFill>
                   <a:srgbClr val="404040"/>
                 </a:solidFill>
-                <a:latin typeface="Century Gothic" panose="020B0502020202020204" pitchFamily="34" charset="0"/>
+                <a:latin typeface="Century Gothic"/>
                 <a:ea typeface="DejaVu Sans"/>
               </a:rPr>
-              <a:t> </a:t>
+              <a:t>tasks</a:t>
             </a:r>
-            <a:r>
-              <a:rPr lang="de-DE" sz="2400" spc="-1" dirty="0" err="1" smtClean="0">
-                <a:solidFill>
-                  <a:srgbClr val="404040"/>
-                </a:solidFill>
-                <a:latin typeface="Century Gothic" panose="020B0502020202020204" pitchFamily="34" charset="0"/>
-                <a:ea typeface="DejaVu Sans"/>
-              </a:rPr>
-              <a:t>of</a:t>
-            </a:r>
-            <a:r>
-              <a:rPr lang="de-DE" sz="2400" spc="-1" dirty="0" smtClean="0">
-                <a:solidFill>
-                  <a:srgbClr val="404040"/>
-                </a:solidFill>
-                <a:latin typeface="Century Gothic" panose="020B0502020202020204" pitchFamily="34" charset="0"/>
-                <a:ea typeface="DejaVu Sans"/>
-              </a:rPr>
-              <a:t> </a:t>
-            </a:r>
-            <a:r>
-              <a:rPr lang="de-DE" sz="2400" spc="-1" dirty="0" err="1" smtClean="0">
-                <a:solidFill>
-                  <a:srgbClr val="404040"/>
-                </a:solidFill>
-                <a:latin typeface="Century Gothic" panose="020B0502020202020204" pitchFamily="34" charset="0"/>
-                <a:ea typeface="DejaVu Sans"/>
-              </a:rPr>
-              <a:t>learning</a:t>
-            </a:r>
-            <a:r>
-              <a:rPr lang="de-DE" sz="2400" spc="-1" dirty="0" smtClean="0">
-                <a:solidFill>
-                  <a:srgbClr val="404040"/>
-                </a:solidFill>
-                <a:latin typeface="Century Gothic" panose="020B0502020202020204" pitchFamily="34" charset="0"/>
-                <a:ea typeface="DejaVu Sans"/>
-              </a:rPr>
-              <a:t> digital </a:t>
-            </a:r>
-            <a:r>
-              <a:rPr lang="de-DE" sz="2400" spc="-1" dirty="0" err="1" smtClean="0">
-                <a:solidFill>
-                  <a:srgbClr val="404040"/>
-                </a:solidFill>
-                <a:latin typeface="Century Gothic" panose="020B0502020202020204" pitchFamily="34" charset="0"/>
-                <a:ea typeface="DejaVu Sans"/>
-              </a:rPr>
-              <a:t>and</a:t>
-            </a:r>
-            <a:r>
-              <a:rPr lang="de-DE" sz="2400" spc="-1" dirty="0" smtClean="0">
-                <a:solidFill>
-                  <a:srgbClr val="404040"/>
-                </a:solidFill>
-                <a:latin typeface="Century Gothic" panose="020B0502020202020204" pitchFamily="34" charset="0"/>
-                <a:ea typeface="DejaVu Sans"/>
-              </a:rPr>
-              <a:t> </a:t>
-            </a:r>
-            <a:r>
-              <a:rPr lang="de-DE" sz="2400" spc="-1" dirty="0" err="1" smtClean="0">
-                <a:solidFill>
-                  <a:srgbClr val="404040"/>
-                </a:solidFill>
-                <a:latin typeface="Century Gothic" panose="020B0502020202020204" pitchFamily="34" charset="0"/>
-                <a:ea typeface="DejaVu Sans"/>
-              </a:rPr>
-              <a:t>competitive</a:t>
-            </a:r>
-            <a:r>
-              <a:rPr lang="de-DE" sz="2400" spc="-1" dirty="0">
-                <a:solidFill>
-                  <a:srgbClr val="404040"/>
-                </a:solidFill>
-                <a:latin typeface="Century Gothic" panose="020B0502020202020204" pitchFamily="34" charset="0"/>
-                <a:ea typeface="DejaVu Sans"/>
-              </a:rPr>
-              <a:t/>
-            </a:r>
-            <a:br>
-              <a:rPr lang="de-DE" sz="2400" spc="-1" dirty="0">
-                <a:solidFill>
-                  <a:srgbClr val="404040"/>
-                </a:solidFill>
-                <a:latin typeface="Century Gothic" panose="020B0502020202020204" pitchFamily="34" charset="0"/>
-                <a:ea typeface="DejaVu Sans"/>
-              </a:rPr>
-            </a:br>
-            <a:endParaRPr lang="de-DE" sz="2400" spc="-1" dirty="0">
-              <a:solidFill>
-                <a:srgbClr val="404040"/>
-              </a:solidFill>
-              <a:latin typeface="Century Gothic" panose="020B0502020202020204" pitchFamily="34" charset="0"/>
-              <a:ea typeface="DejaVu Sans"/>
+            <a:endParaRPr lang="de-DE" sz="1600" b="0" strike="noStrike" spc="-1">
+              <a:latin typeface="Arial"/>
+            </a:endParaRPr>
+          </a:p>
+          <a:p>
+            <a:pPr>
+              <a:lnSpc>
+                <a:spcPct val="100000"/>
+              </a:lnSpc>
+            </a:pPr>
+            <a:endParaRPr lang="de-DE" sz="1600" b="0" strike="noStrike" spc="-1">
+              <a:latin typeface="Arial"/>
             </a:endParaRPr>
           </a:p>
           <a:p>
@@ -31263,279 +30670,17 @@
               <a:buChar char=""/>
             </a:pPr>
             <a:r>
-              <a:rPr lang="de-DE" sz="2400" spc="-1" dirty="0" err="1" smtClean="0">
+              <a:rPr lang="de-DE" sz="1800" b="0" strike="noStrike" spc="-1">
                 <a:solidFill>
                   <a:srgbClr val="404040"/>
                 </a:solidFill>
-                <a:latin typeface="Century Gothic" panose="020B0502020202020204" pitchFamily="34" charset="0"/>
+                <a:latin typeface="Century Gothic"/>
+                <a:ea typeface="DejaVu Sans"/>
               </a:rPr>
-              <a:t>Stay</a:t>
+              <a:t>Definition of a „Mission“ is up to you!!</a:t>
             </a:r>
-            <a:r>
-              <a:rPr lang="de-DE" sz="2400" spc="-1" dirty="0" smtClean="0">
-                <a:solidFill>
-                  <a:srgbClr val="404040"/>
-                </a:solidFill>
-                <a:latin typeface="Century Gothic" panose="020B0502020202020204" pitchFamily="34" charset="0"/>
-              </a:rPr>
-              <a:t> </a:t>
-            </a:r>
-            <a:r>
-              <a:rPr lang="de-DE" sz="2400" spc="-1" dirty="0" err="1" smtClean="0">
-                <a:solidFill>
-                  <a:srgbClr val="404040"/>
-                </a:solidFill>
-                <a:latin typeface="Century Gothic" panose="020B0502020202020204" pitchFamily="34" charset="0"/>
-              </a:rPr>
-              <a:t>as</a:t>
-            </a:r>
-            <a:r>
-              <a:rPr lang="de-DE" sz="2400" spc="-1" dirty="0" smtClean="0">
-                <a:solidFill>
-                  <a:srgbClr val="404040"/>
-                </a:solidFill>
-                <a:latin typeface="Century Gothic" panose="020B0502020202020204" pitchFamily="34" charset="0"/>
-              </a:rPr>
-              <a:t> </a:t>
-            </a:r>
-            <a:r>
-              <a:rPr lang="de-DE" sz="2400" spc="-1" dirty="0" err="1" smtClean="0">
-                <a:solidFill>
-                  <a:srgbClr val="404040"/>
-                </a:solidFill>
-                <a:latin typeface="Century Gothic" panose="020B0502020202020204" pitchFamily="34" charset="0"/>
-              </a:rPr>
-              <a:t>motivated</a:t>
-            </a:r>
-            <a:r>
-              <a:rPr lang="de-DE" sz="2400" spc="-1" dirty="0" smtClean="0">
-                <a:solidFill>
-                  <a:srgbClr val="404040"/>
-                </a:solidFill>
-                <a:latin typeface="Century Gothic" panose="020B0502020202020204" pitchFamily="34" charset="0"/>
-              </a:rPr>
-              <a:t> </a:t>
-            </a:r>
-            <a:r>
-              <a:rPr lang="de-DE" sz="2400" spc="-1" dirty="0" err="1" smtClean="0">
-                <a:solidFill>
-                  <a:srgbClr val="404040"/>
-                </a:solidFill>
-                <a:latin typeface="Century Gothic" panose="020B0502020202020204" pitchFamily="34" charset="0"/>
-              </a:rPr>
-              <a:t>as</a:t>
-            </a:r>
-            <a:r>
-              <a:rPr lang="de-DE" sz="2400" spc="-1" dirty="0" smtClean="0">
-                <a:solidFill>
-                  <a:srgbClr val="404040"/>
-                </a:solidFill>
-                <a:latin typeface="Century Gothic" panose="020B0502020202020204" pitchFamily="34" charset="0"/>
-              </a:rPr>
-              <a:t> </a:t>
-            </a:r>
-            <a:r>
-              <a:rPr lang="de-DE" sz="2400" spc="-1" dirty="0" err="1" smtClean="0">
-                <a:solidFill>
-                  <a:srgbClr val="404040"/>
-                </a:solidFill>
-                <a:latin typeface="Century Gothic" panose="020B0502020202020204" pitchFamily="34" charset="0"/>
-              </a:rPr>
-              <a:t>you</a:t>
-            </a:r>
-            <a:r>
-              <a:rPr lang="de-DE" sz="2400" spc="-1" dirty="0" smtClean="0">
-                <a:solidFill>
-                  <a:srgbClr val="404040"/>
-                </a:solidFill>
-                <a:latin typeface="Century Gothic" panose="020B0502020202020204" pitchFamily="34" charset="0"/>
-              </a:rPr>
-              <a:t> </a:t>
-            </a:r>
-            <a:r>
-              <a:rPr lang="de-DE" sz="2400" spc="-1" dirty="0" err="1" smtClean="0">
-                <a:solidFill>
-                  <a:srgbClr val="404040"/>
-                </a:solidFill>
-                <a:latin typeface="Century Gothic" panose="020B0502020202020204" pitchFamily="34" charset="0"/>
-              </a:rPr>
-              <a:t>were</a:t>
-            </a:r>
-            <a:r>
-              <a:rPr lang="de-DE" sz="2400" spc="-1" dirty="0" smtClean="0">
-                <a:solidFill>
-                  <a:srgbClr val="404040"/>
-                </a:solidFill>
-                <a:latin typeface="Century Gothic" panose="020B0502020202020204" pitchFamily="34" charset="0"/>
-              </a:rPr>
-              <a:t> in </a:t>
-            </a:r>
-            <a:r>
-              <a:rPr lang="de-DE" sz="2400" spc="-1" dirty="0" err="1" smtClean="0">
-                <a:solidFill>
-                  <a:srgbClr val="404040"/>
-                </a:solidFill>
-                <a:latin typeface="Century Gothic" panose="020B0502020202020204" pitchFamily="34" charset="0"/>
-              </a:rPr>
-              <a:t>the</a:t>
-            </a:r>
-            <a:r>
-              <a:rPr lang="de-DE" sz="2400" spc="-1" dirty="0" smtClean="0">
-                <a:solidFill>
-                  <a:srgbClr val="404040"/>
-                </a:solidFill>
-                <a:latin typeface="Century Gothic" panose="020B0502020202020204" pitchFamily="34" charset="0"/>
-              </a:rPr>
-              <a:t> </a:t>
-            </a:r>
-            <a:r>
-              <a:rPr lang="de-DE" sz="2400" spc="-1" dirty="0" err="1" smtClean="0">
-                <a:solidFill>
-                  <a:srgbClr val="404040"/>
-                </a:solidFill>
-                <a:latin typeface="Century Gothic" panose="020B0502020202020204" pitchFamily="34" charset="0"/>
-              </a:rPr>
-              <a:t>beginning</a:t>
-            </a:r>
-            <a:endParaRPr lang="de-DE" sz="2400" b="0" strike="noStrike" spc="-1" dirty="0">
-              <a:latin typeface="Century Gothic" panose="020B0502020202020204" pitchFamily="34" charset="0"/>
-            </a:endParaRPr>
-          </a:p>
-          <a:p>
-            <a:pPr>
-              <a:lnSpc>
-                <a:spcPct val="100000"/>
-              </a:lnSpc>
-            </a:pPr>
-            <a:endParaRPr lang="de-DE" sz="2400" b="0" strike="noStrike" spc="-1" dirty="0">
-              <a:latin typeface="Century Gothic" panose="020B0502020202020204" pitchFamily="34" charset="0"/>
-            </a:endParaRPr>
-          </a:p>
-          <a:p>
-            <a:pPr marL="343080" indent="-341280">
-              <a:lnSpc>
-                <a:spcPct val="100000"/>
-              </a:lnSpc>
-              <a:spcBef>
-                <a:spcPts val="1001"/>
-              </a:spcBef>
-              <a:buClr>
-                <a:srgbClr val="B31166"/>
-              </a:buClr>
-              <a:buSzPct val="80000"/>
-              <a:buFont typeface="Wingdings 3" charset="2"/>
-              <a:buChar char=""/>
-            </a:pPr>
-            <a:r>
-              <a:rPr lang="de-DE" sz="2400" spc="-1" dirty="0" smtClean="0">
-                <a:solidFill>
-                  <a:srgbClr val="404040"/>
-                </a:solidFill>
-                <a:latin typeface="Century Gothic" panose="020B0502020202020204" pitchFamily="34" charset="0"/>
-              </a:rPr>
-              <a:t>Split </a:t>
-            </a:r>
-            <a:r>
-              <a:rPr lang="de-DE" sz="2400" spc="-1" dirty="0" err="1" smtClean="0">
-                <a:solidFill>
-                  <a:srgbClr val="404040"/>
-                </a:solidFill>
-                <a:latin typeface="Century Gothic" panose="020B0502020202020204" pitchFamily="34" charset="0"/>
-              </a:rPr>
-              <a:t>your</a:t>
-            </a:r>
-            <a:r>
-              <a:rPr lang="de-DE" sz="2400" spc="-1" dirty="0" smtClean="0">
-                <a:solidFill>
-                  <a:srgbClr val="404040"/>
-                </a:solidFill>
-                <a:latin typeface="Century Gothic" panose="020B0502020202020204" pitchFamily="34" charset="0"/>
-              </a:rPr>
-              <a:t> </a:t>
-            </a:r>
-            <a:r>
-              <a:rPr lang="de-DE" sz="2400" spc="-1" dirty="0" err="1" smtClean="0">
-                <a:solidFill>
-                  <a:srgbClr val="404040"/>
-                </a:solidFill>
-                <a:latin typeface="Century Gothic" panose="020B0502020202020204" pitchFamily="34" charset="0"/>
-              </a:rPr>
-              <a:t>learning</a:t>
-            </a:r>
-            <a:r>
-              <a:rPr lang="de-DE" sz="2400" spc="-1" dirty="0" smtClean="0">
-                <a:solidFill>
-                  <a:srgbClr val="404040"/>
-                </a:solidFill>
-                <a:latin typeface="Century Gothic" panose="020B0502020202020204" pitchFamily="34" charset="0"/>
-              </a:rPr>
-              <a:t> </a:t>
-            </a:r>
-            <a:r>
-              <a:rPr lang="de-DE" sz="2400" spc="-1" dirty="0" err="1" smtClean="0">
-                <a:solidFill>
-                  <a:srgbClr val="404040"/>
-                </a:solidFill>
-                <a:latin typeface="Century Gothic" panose="020B0502020202020204" pitchFamily="34" charset="0"/>
-              </a:rPr>
-              <a:t>goal</a:t>
-            </a:r>
-            <a:r>
-              <a:rPr lang="de-DE" sz="2400" spc="-1" dirty="0" smtClean="0">
-                <a:solidFill>
-                  <a:srgbClr val="404040"/>
-                </a:solidFill>
-                <a:latin typeface="Century Gothic" panose="020B0502020202020204" pitchFamily="34" charset="0"/>
-              </a:rPr>
-              <a:t> </a:t>
-            </a:r>
-            <a:r>
-              <a:rPr lang="de-DE" sz="2400" spc="-1" dirty="0" err="1" smtClean="0">
-                <a:solidFill>
-                  <a:srgbClr val="404040"/>
-                </a:solidFill>
-                <a:latin typeface="Century Gothic" panose="020B0502020202020204" pitchFamily="34" charset="0"/>
-              </a:rPr>
-              <a:t>into</a:t>
-            </a:r>
-            <a:r>
-              <a:rPr lang="de-DE" sz="2400" spc="-1" dirty="0" smtClean="0">
-                <a:solidFill>
-                  <a:srgbClr val="404040"/>
-                </a:solidFill>
-                <a:latin typeface="Century Gothic" panose="020B0502020202020204" pitchFamily="34" charset="0"/>
-              </a:rPr>
-              <a:t> </a:t>
-            </a:r>
-            <a:r>
-              <a:rPr lang="de-DE" sz="2400" spc="-1" dirty="0" err="1" smtClean="0">
-                <a:solidFill>
-                  <a:srgbClr val="404040"/>
-                </a:solidFill>
-                <a:latin typeface="Century Gothic" panose="020B0502020202020204" pitchFamily="34" charset="0"/>
-              </a:rPr>
-              <a:t>various</a:t>
-            </a:r>
-            <a:r>
-              <a:rPr lang="de-DE" sz="2400" spc="-1" dirty="0" smtClean="0">
-                <a:solidFill>
-                  <a:srgbClr val="404040"/>
-                </a:solidFill>
-                <a:latin typeface="Century Gothic" panose="020B0502020202020204" pitchFamily="34" charset="0"/>
-              </a:rPr>
-              <a:t> </a:t>
-            </a:r>
-            <a:r>
-              <a:rPr lang="de-DE" sz="2400" spc="-1" dirty="0" err="1" smtClean="0">
-                <a:solidFill>
-                  <a:srgbClr val="404040"/>
-                </a:solidFill>
-                <a:latin typeface="Century Gothic" panose="020B0502020202020204" pitchFamily="34" charset="0"/>
-              </a:rPr>
-              <a:t>tasks</a:t>
-            </a:r>
-            <a:endParaRPr lang="de-DE" sz="2400" b="0" strike="noStrike" spc="-1" dirty="0">
-              <a:latin typeface="Century Gothic" panose="020B0502020202020204" pitchFamily="34" charset="0"/>
+            <a:endParaRPr lang="de-DE" sz="1800" b="0" strike="noStrike" spc="-1">
+              <a:latin typeface="Arial"/>
             </a:endParaRPr>
           </a:p>
         </p:txBody>
@@ -31545,13 +30690,6 @@
   <p:clrMapOvr>
     <a:masterClrMapping/>
   </p:clrMapOvr>
-  <p:timing>
-    <p:tnLst>
-      <p:par>
-        <p:cTn id="1" dur="indefinite" restart="never" nodeType="tmRoot"/>
-      </p:par>
-    </p:tnLst>
-  </p:timing>
 </p:sld>
 </file>
 
@@ -31737,7 +30875,7 @@
                 <a:spcPts val="1001"/>
               </a:spcBef>
             </a:pPr>
-            <a:endParaRPr lang="de-DE" sz="1800" b="0" strike="noStrike" spc="-1" dirty="0">
+            <a:endParaRPr lang="de-DE" sz="1800" b="0" strike="noStrike" spc="-1">
               <a:latin typeface="Arial"/>
             </a:endParaRPr>
           </a:p>
@@ -31757,66 +30895,16 @@
               <a:buChar char=""/>
             </a:pPr>
             <a:r>
-              <a:rPr lang="de-DE" sz="2400" b="0" strike="noStrike" spc="-1" dirty="0">
+              <a:rPr lang="de-DE" sz="1800" b="0" strike="noStrike" spc="-1">
                 <a:solidFill>
                   <a:srgbClr val="404040"/>
                 </a:solidFill>
                 <a:latin typeface="Century Gothic"/>
                 <a:ea typeface="DejaVu Sans"/>
               </a:rPr>
-              <a:t>Points </a:t>
+              <a:t>Points for completing tasks</a:t>
             </a:r>
-            <a:r>
-              <a:rPr lang="de-DE" sz="2400" b="0" strike="noStrike" spc="-1" dirty="0" err="1">
-                <a:solidFill>
-                  <a:srgbClr val="404040"/>
-                </a:solidFill>
-                <a:latin typeface="Century Gothic"/>
-                <a:ea typeface="DejaVu Sans"/>
-              </a:rPr>
-              <a:t>for</a:t>
-            </a:r>
-            <a:r>
-              <a:rPr lang="de-DE" sz="2400" b="0" strike="noStrike" spc="-1" dirty="0">
-                <a:solidFill>
-                  <a:srgbClr val="404040"/>
-                </a:solidFill>
-                <a:latin typeface="Century Gothic"/>
-                <a:ea typeface="DejaVu Sans"/>
-              </a:rPr>
-              <a:t> </a:t>
-            </a:r>
-            <a:r>
-              <a:rPr lang="de-DE" sz="2400" b="0" strike="noStrike" spc="-1" dirty="0" err="1">
-                <a:solidFill>
-                  <a:srgbClr val="404040"/>
-                </a:solidFill>
-                <a:latin typeface="Century Gothic"/>
-                <a:ea typeface="DejaVu Sans"/>
-              </a:rPr>
-              <a:t>completing</a:t>
-            </a:r>
-            <a:r>
-              <a:rPr lang="de-DE" sz="2400" b="0" strike="noStrike" spc="-1" dirty="0">
-                <a:solidFill>
-                  <a:srgbClr val="404040"/>
-                </a:solidFill>
-                <a:latin typeface="Century Gothic"/>
-                <a:ea typeface="DejaVu Sans"/>
-              </a:rPr>
-              <a:t> </a:t>
-            </a:r>
-            <a:r>
-              <a:rPr lang="de-DE" sz="2400" b="0" strike="noStrike" spc="-1" dirty="0" err="1">
-                <a:solidFill>
-                  <a:srgbClr val="404040"/>
-                </a:solidFill>
-                <a:latin typeface="Century Gothic"/>
-                <a:ea typeface="DejaVu Sans"/>
-              </a:rPr>
-              <a:t>tasks</a:t>
-            </a:r>
-            <a:endParaRPr lang="de-DE" sz="2400" b="0" strike="noStrike" spc="-1" dirty="0">
+            <a:endParaRPr lang="de-DE" sz="1800" b="0" strike="noStrike" spc="-1">
               <a:latin typeface="Arial"/>
             </a:endParaRPr>
           </a:p>
@@ -31836,36 +30924,16 @@
               <a:buChar char=""/>
             </a:pPr>
             <a:r>
-              <a:rPr lang="de-DE" sz="2400" b="0" strike="noStrike" spc="-1" dirty="0" err="1">
+              <a:rPr lang="de-DE" sz="1800" b="0" strike="noStrike" spc="-1">
                 <a:solidFill>
                   <a:srgbClr val="404040"/>
                 </a:solidFill>
                 <a:latin typeface="Century Gothic"/>
                 <a:ea typeface="DejaVu Sans"/>
               </a:rPr>
-              <a:t>Highscore</a:t>
+              <a:t>Highscore system</a:t>
             </a:r>
-            <a:r>
-              <a:rPr lang="de-DE" sz="2400" b="0" strike="noStrike" spc="-1" dirty="0">
-                <a:solidFill>
-                  <a:srgbClr val="404040"/>
-                </a:solidFill>
-                <a:latin typeface="Century Gothic"/>
-                <a:ea typeface="DejaVu Sans"/>
-              </a:rPr>
-              <a:t> </a:t>
-            </a:r>
-            <a:r>
-              <a:rPr lang="de-DE" sz="2400" b="0" strike="noStrike" spc="-1" dirty="0" err="1">
-                <a:solidFill>
-                  <a:srgbClr val="404040"/>
-                </a:solidFill>
-                <a:latin typeface="Century Gothic"/>
-                <a:ea typeface="DejaVu Sans"/>
-              </a:rPr>
-              <a:t>system</a:t>
-            </a:r>
-            <a:endParaRPr lang="de-DE" sz="2400" b="0" strike="noStrike" spc="-1" dirty="0">
+            <a:endParaRPr lang="de-DE" sz="1800" b="0" strike="noStrike" spc="-1">
               <a:latin typeface="Arial"/>
             </a:endParaRPr>
           </a:p>
@@ -31885,26 +30953,45 @@
               <a:buChar char=""/>
             </a:pPr>
             <a:r>
-              <a:rPr lang="de-DE" sz="2400" b="0" strike="noStrike" spc="-1" dirty="0">
+              <a:rPr lang="de-DE" sz="1800" b="0" strike="noStrike" spc="-1">
                 <a:solidFill>
                   <a:srgbClr val="404040"/>
                 </a:solidFill>
                 <a:latin typeface="Century Gothic"/>
                 <a:ea typeface="DejaVu Sans"/>
               </a:rPr>
-              <a:t>Group </a:t>
+              <a:t>Group statistics</a:t>
             </a:r>
+            <a:endParaRPr lang="de-DE" sz="1800" b="0" strike="noStrike" spc="-1">
+              <a:latin typeface="Arial"/>
+            </a:endParaRPr>
+          </a:p>
+          <a:p>
+            <a:pPr marL="343080" indent="-341280">
+              <a:lnSpc>
+                <a:spcPct val="100000"/>
+              </a:lnSpc>
+              <a:spcBef>
+                <a:spcPts val="1001"/>
+              </a:spcBef>
+              <a:buClr>
+                <a:srgbClr val="B31166"/>
+              </a:buClr>
+              <a:buSzPct val="80000"/>
+              <a:buFont typeface="Wingdings 3" charset="2"/>
+              <a:buChar char=""/>
+            </a:pPr>
             <a:r>
-              <a:rPr lang="de-DE" sz="2400" b="0" strike="noStrike" spc="-1" dirty="0" err="1" smtClean="0">
+              <a:rPr lang="de-DE" sz="1800" b="0" strike="noStrike" spc="-1">
                 <a:solidFill>
                   <a:srgbClr val="404040"/>
                 </a:solidFill>
                 <a:latin typeface="Century Gothic"/>
                 <a:ea typeface="DejaVu Sans"/>
               </a:rPr>
-              <a:t>statistics</a:t>
+              <a:t>Push notification</a:t>
             </a:r>
-            <a:endParaRPr lang="de-DE" sz="2400" b="0" strike="noStrike" spc="-1" dirty="0">
+            <a:endParaRPr lang="de-DE" sz="1800" b="0" strike="noStrike" spc="-1">
               <a:latin typeface="Arial"/>
             </a:endParaRPr>
           </a:p>
@@ -31917,7 +31004,7 @@
                 <a:spcPts val="1001"/>
               </a:spcBef>
             </a:pPr>
-            <a:endParaRPr lang="de-DE" sz="1800" b="0" strike="noStrike" spc="-1" dirty="0">
+            <a:endParaRPr lang="de-DE" sz="1800" b="0" strike="noStrike" spc="-1">
               <a:latin typeface="Arial"/>
             </a:endParaRPr>
           </a:p>
@@ -31993,8 +31080,8 @@
         </p:nvSpPr>
         <p:spPr>
           <a:xfrm>
-            <a:off x="6208919" y="3179880"/>
-            <a:ext cx="5442753" cy="2838240"/>
+            <a:off x="6208920" y="3179880"/>
+            <a:ext cx="4823640" cy="2838240"/>
           </a:xfrm>
           <a:prstGeom prst="rect">
             <a:avLst/>
@@ -32030,7 +31117,7 @@
                 <a:spcPts val="1001"/>
               </a:spcBef>
             </a:pPr>
-            <a:endParaRPr lang="de-DE" sz="1800" b="0" strike="noStrike" spc="-1" dirty="0">
+            <a:endParaRPr lang="de-DE" sz="1800" b="0" strike="noStrike" spc="-1">
               <a:latin typeface="Arial"/>
             </a:endParaRPr>
           </a:p>
@@ -32050,86 +31137,16 @@
               <a:buChar char=""/>
             </a:pPr>
             <a:r>
-              <a:rPr lang="de-DE" sz="2400" b="0" strike="noStrike" spc="-1" dirty="0">
+              <a:rPr lang="de-DE" sz="1800" b="0" strike="noStrike" spc="-1">
                 <a:solidFill>
                   <a:srgbClr val="404040"/>
                 </a:solidFill>
                 <a:latin typeface="Century Gothic"/>
                 <a:ea typeface="DejaVu Sans"/>
               </a:rPr>
-              <a:t>Individual </a:t>
+              <a:t>Individual rating of (completed) tasks</a:t>
             </a:r>
-            <a:r>
-              <a:rPr lang="de-DE" sz="2400" b="0" strike="noStrike" spc="-1" dirty="0" err="1">
-                <a:solidFill>
-                  <a:srgbClr val="404040"/>
-                </a:solidFill>
-                <a:latin typeface="Century Gothic"/>
-                <a:ea typeface="DejaVu Sans"/>
-              </a:rPr>
-              <a:t>rating</a:t>
-            </a:r>
-            <a:r>
-              <a:rPr lang="de-DE" sz="2400" b="0" strike="noStrike" spc="-1" dirty="0">
-                <a:solidFill>
-                  <a:srgbClr val="404040"/>
-                </a:solidFill>
-                <a:latin typeface="Century Gothic"/>
-                <a:ea typeface="DejaVu Sans"/>
-              </a:rPr>
-              <a:t> </a:t>
-            </a:r>
-            <a:r>
-              <a:rPr lang="de-DE" sz="2400" b="0" strike="noStrike" spc="-1" dirty="0" err="1">
-                <a:solidFill>
-                  <a:srgbClr val="404040"/>
-                </a:solidFill>
-                <a:latin typeface="Century Gothic"/>
-                <a:ea typeface="DejaVu Sans"/>
-              </a:rPr>
-              <a:t>of</a:t>
-            </a:r>
-            <a:r>
-              <a:rPr lang="de-DE" sz="2400" b="0" strike="noStrike" spc="-1" dirty="0">
-                <a:solidFill>
-                  <a:srgbClr val="404040"/>
-                </a:solidFill>
-                <a:latin typeface="Century Gothic"/>
-                <a:ea typeface="DejaVu Sans"/>
-              </a:rPr>
-              <a:t> (</a:t>
-            </a:r>
-            <a:r>
-              <a:rPr lang="de-DE" sz="2400" b="0" strike="noStrike" spc="-1" dirty="0" err="1">
-                <a:solidFill>
-                  <a:srgbClr val="404040"/>
-                </a:solidFill>
-                <a:latin typeface="Century Gothic"/>
-                <a:ea typeface="DejaVu Sans"/>
-              </a:rPr>
-              <a:t>completed</a:t>
-            </a:r>
-            <a:r>
-              <a:rPr lang="de-DE" sz="2400" b="0" strike="noStrike" spc="-1" dirty="0">
-                <a:solidFill>
-                  <a:srgbClr val="404040"/>
-                </a:solidFill>
-                <a:latin typeface="Century Gothic"/>
-                <a:ea typeface="DejaVu Sans"/>
-              </a:rPr>
-              <a:t>) </a:t>
-            </a:r>
-            <a:r>
-              <a:rPr lang="de-DE" sz="2400" b="0" strike="noStrike" spc="-1" dirty="0" err="1">
-                <a:solidFill>
-                  <a:srgbClr val="404040"/>
-                </a:solidFill>
-                <a:latin typeface="Century Gothic"/>
-                <a:ea typeface="DejaVu Sans"/>
-              </a:rPr>
-              <a:t>tasks</a:t>
-            </a:r>
-            <a:endParaRPr lang="de-DE" sz="2400" b="0" strike="noStrike" spc="-1" dirty="0">
+            <a:endParaRPr lang="de-DE" sz="1800" b="0" strike="noStrike" spc="-1">
               <a:latin typeface="Arial"/>
             </a:endParaRPr>
           </a:p>
@@ -32149,56 +31166,16 @@
               <a:buChar char=""/>
             </a:pPr>
             <a:r>
-              <a:rPr lang="de-DE" sz="2400" b="0" strike="noStrike" spc="-1" dirty="0" err="1">
+              <a:rPr lang="de-DE" sz="1800" b="0" strike="noStrike" spc="-1">
                 <a:solidFill>
                   <a:srgbClr val="404040"/>
                 </a:solidFill>
                 <a:latin typeface="Century Gothic"/>
                 <a:ea typeface="DejaVu Sans"/>
               </a:rPr>
-              <a:t>Reward</a:t>
+              <a:t>Reward system outside groups</a:t>
             </a:r>
-            <a:r>
-              <a:rPr lang="de-DE" sz="2400" b="0" strike="noStrike" spc="-1" dirty="0">
-                <a:solidFill>
-                  <a:srgbClr val="404040"/>
-                </a:solidFill>
-                <a:latin typeface="Century Gothic"/>
-                <a:ea typeface="DejaVu Sans"/>
-              </a:rPr>
-              <a:t> </a:t>
-            </a:r>
-            <a:r>
-              <a:rPr lang="de-DE" sz="2400" b="0" strike="noStrike" spc="-1" dirty="0" err="1">
-                <a:solidFill>
-                  <a:srgbClr val="404040"/>
-                </a:solidFill>
-                <a:latin typeface="Century Gothic"/>
-                <a:ea typeface="DejaVu Sans"/>
-              </a:rPr>
-              <a:t>system</a:t>
-            </a:r>
-            <a:r>
-              <a:rPr lang="de-DE" sz="2400" b="0" strike="noStrike" spc="-1" dirty="0">
-                <a:solidFill>
-                  <a:srgbClr val="404040"/>
-                </a:solidFill>
-                <a:latin typeface="Century Gothic"/>
-                <a:ea typeface="DejaVu Sans"/>
-              </a:rPr>
-              <a:t> outside </a:t>
-            </a:r>
-            <a:r>
-              <a:rPr lang="de-DE" sz="2400" b="0" strike="noStrike" spc="-1" dirty="0" err="1">
-                <a:solidFill>
-                  <a:srgbClr val="404040"/>
-                </a:solidFill>
-                <a:latin typeface="Century Gothic"/>
-                <a:ea typeface="DejaVu Sans"/>
-              </a:rPr>
-              <a:t>groups</a:t>
-            </a:r>
-            <a:endParaRPr lang="de-DE" sz="2400" b="0" strike="noStrike" spc="-1" dirty="0">
+            <a:endParaRPr lang="de-DE" sz="1800" b="0" strike="noStrike" spc="-1">
               <a:latin typeface="Arial"/>
             </a:endParaRPr>
           </a:p>
@@ -32218,56 +31195,16 @@
               <a:buChar char=""/>
             </a:pPr>
             <a:r>
-              <a:rPr lang="de-DE" sz="2400" b="0" strike="noStrike" spc="-1" dirty="0" err="1">
+              <a:rPr lang="de-DE" sz="1800" b="0" strike="noStrike" spc="-1">
                 <a:solidFill>
                   <a:srgbClr val="404040"/>
                 </a:solidFill>
                 <a:latin typeface="Century Gothic"/>
                 <a:ea typeface="DejaVu Sans"/>
               </a:rPr>
-              <a:t>Spend</a:t>
+              <a:t>Spend points on personal rewards</a:t>
             </a:r>
-            <a:r>
-              <a:rPr lang="de-DE" sz="2400" b="0" strike="noStrike" spc="-1" dirty="0">
-                <a:solidFill>
-                  <a:srgbClr val="404040"/>
-                </a:solidFill>
-                <a:latin typeface="Century Gothic"/>
-                <a:ea typeface="DejaVu Sans"/>
-              </a:rPr>
-              <a:t> </a:t>
-            </a:r>
-            <a:r>
-              <a:rPr lang="de-DE" sz="2400" b="0" strike="noStrike" spc="-1" dirty="0" err="1">
-                <a:solidFill>
-                  <a:srgbClr val="404040"/>
-                </a:solidFill>
-                <a:latin typeface="Century Gothic"/>
-                <a:ea typeface="DejaVu Sans"/>
-              </a:rPr>
-              <a:t>points</a:t>
-            </a:r>
-            <a:r>
-              <a:rPr lang="de-DE" sz="2400" b="0" strike="noStrike" spc="-1" dirty="0">
-                <a:solidFill>
-                  <a:srgbClr val="404040"/>
-                </a:solidFill>
-                <a:latin typeface="Century Gothic"/>
-                <a:ea typeface="DejaVu Sans"/>
-              </a:rPr>
-              <a:t> on personal </a:t>
-            </a:r>
-            <a:r>
-              <a:rPr lang="de-DE" sz="2400" b="0" strike="noStrike" spc="-1" dirty="0" err="1">
-                <a:solidFill>
-                  <a:srgbClr val="404040"/>
-                </a:solidFill>
-                <a:latin typeface="Century Gothic"/>
-                <a:ea typeface="DejaVu Sans"/>
-              </a:rPr>
-              <a:t>rewards</a:t>
-            </a:r>
-            <a:endParaRPr lang="de-DE" sz="2400" b="0" strike="noStrike" spc="-1" dirty="0">
+            <a:endParaRPr lang="de-DE" sz="1800" b="0" strike="noStrike" spc="-1">
               <a:latin typeface="Arial"/>
             </a:endParaRPr>
           </a:p>
@@ -32280,7 +31217,7 @@
                 <a:spcPts val="1001"/>
               </a:spcBef>
             </a:pPr>
-            <a:endParaRPr lang="de-DE" sz="1800" b="0" strike="noStrike" spc="-1" dirty="0">
+            <a:endParaRPr lang="de-DE" sz="1800" b="0" strike="noStrike" spc="-1">
               <a:latin typeface="Arial"/>
             </a:endParaRPr>
           </a:p>
@@ -32291,13 +31228,6 @@
   <p:clrMapOvr>
     <a:masterClrMapping/>
   </p:clrMapOvr>
-  <p:timing>
-    <p:tnLst>
-      <p:par>
-        <p:cTn id="1" dur="indefinite" restart="never" nodeType="tmRoot"/>
-      </p:par>
-    </p:tnLst>
-  </p:timing>
 </p:sld>
 </file>
 
@@ -32361,68 +31291,55 @@
               </a:lnSpc>
             </a:pPr>
             <a:r>
-              <a:rPr lang="de-DE" sz="3600" b="0" strike="noStrike" spc="-1" dirty="0" err="1">
+              <a:rPr lang="de-DE" sz="3600" b="0" strike="noStrike" spc="-1">
                 <a:solidFill>
                   <a:srgbClr val="EBEBEB"/>
                 </a:solidFill>
                 <a:latin typeface="Century Gothic"/>
                 <a:ea typeface="DejaVu Sans"/>
               </a:rPr>
-              <a:t>Scope</a:t>
+              <a:t>Scope:</a:t>
             </a:r>
+            <a:br/>
             <a:r>
-              <a:rPr lang="de-DE" sz="3600" b="0" strike="noStrike" spc="-1" dirty="0">
+              <a:rPr lang="de-DE" sz="3600" b="0" strike="noStrike" spc="-1">
                 <a:solidFill>
                   <a:srgbClr val="EBEBEB"/>
                 </a:solidFill>
                 <a:latin typeface="Century Gothic"/>
                 <a:ea typeface="DejaVu Sans"/>
               </a:rPr>
-              <a:t>:</a:t>
+              <a:t>Use-Case Diagram</a:t>
             </a:r>
-            <a:r>
-              <a:rPr dirty="0"/>
-              <a:t/>
-            </a:r>
-            <a:br>
-              <a:rPr dirty="0"/>
-            </a:br>
-            <a:r>
-              <a:rPr lang="de-DE" sz="3600" b="0" strike="noStrike" spc="-1" dirty="0" err="1">
-                <a:solidFill>
-                  <a:srgbClr val="EBEBEB"/>
-                </a:solidFill>
-                <a:latin typeface="Century Gothic"/>
-                <a:ea typeface="DejaVu Sans"/>
-              </a:rPr>
-              <a:t>Use</a:t>
-            </a:r>
-            <a:r>
-              <a:rPr lang="de-DE" sz="3600" b="0" strike="noStrike" spc="-1" dirty="0">
-                <a:solidFill>
-                  <a:srgbClr val="EBEBEB"/>
-                </a:solidFill>
-                <a:latin typeface="Century Gothic"/>
-                <a:ea typeface="DejaVu Sans"/>
-              </a:rPr>
-              <a:t>-Case </a:t>
-            </a:r>
-            <a:r>
-              <a:rPr lang="de-DE" sz="3600" b="0" strike="noStrike" spc="-1" dirty="0" err="1">
-                <a:solidFill>
-                  <a:srgbClr val="EBEBEB"/>
-                </a:solidFill>
-                <a:latin typeface="Century Gothic"/>
-                <a:ea typeface="DejaVu Sans"/>
-              </a:rPr>
-              <a:t>Diagram</a:t>
-            </a:r>
-            <a:endParaRPr lang="de-DE" sz="3600" b="0" strike="noStrike" spc="-1" dirty="0">
-              <a:latin typeface="Arial"/>
-            </a:endParaRPr>
-          </a:p>
-        </p:txBody>
-      </p:sp>
+            <a:endParaRPr lang="de-DE" sz="3600" b="0" strike="noStrike" spc="-1">
+              <a:latin typeface="Arial"/>
+            </a:endParaRPr>
+          </a:p>
+        </p:txBody>
+      </p:sp>
+      <p:pic>
+        <p:nvPicPr>
+          <p:cNvPr id="433" name="Content Placeholder 4"/>
+          <p:cNvPicPr/>
+          <p:nvPr/>
+        </p:nvPicPr>
+        <p:blipFill>
+          <a:blip r:embed="rId2"/>
+          <a:stretch/>
+        </p:blipFill>
+        <p:spPr>
+          <a:xfrm>
+            <a:off x="5525640" y="416160"/>
+            <a:ext cx="6740280" cy="6440040"/>
+          </a:xfrm>
+          <a:prstGeom prst="rect">
+            <a:avLst/>
+          </a:prstGeom>
+          <a:ln>
+            <a:noFill/>
+          </a:ln>
+        </p:spPr>
+      </p:pic>
       <p:sp>
         <p:nvSpPr>
           <p:cNvPr id="434" name="CustomShape 2"/>
@@ -32470,7 +31387,102 @@
               <a:buFont typeface="StarSymbol"/>
               <a:buAutoNum type="arabicParenR"/>
             </a:pPr>
-            <a:endParaRPr lang="de-DE" sz="1800" b="0" strike="noStrike" spc="-1" dirty="0">
+            <a:r>
+              <a:rPr lang="de-DE" sz="1800" b="0" strike="noStrike" spc="-1">
+                <a:solidFill>
+                  <a:srgbClr val="000000"/>
+                </a:solidFill>
+                <a:latin typeface="Century Gothic"/>
+                <a:ea typeface="DejaVu Sans"/>
+              </a:rPr>
+              <a:t>Account system </a:t>
+            </a:r>
+            <a:r>
+              <a:rPr lang="de-DE" sz="1800" b="0" strike="noStrike" spc="-1">
+                <a:solidFill>
+                  <a:srgbClr val="000000"/>
+                </a:solidFill>
+                <a:latin typeface="Wingdings"/>
+                <a:ea typeface="DejaVu Sans"/>
+              </a:rPr>
+              <a:t></a:t>
+            </a:r>
+            <a:endParaRPr lang="de-DE" sz="1800" b="0" strike="noStrike" spc="-1">
+              <a:latin typeface="Arial"/>
+            </a:endParaRPr>
+          </a:p>
+          <a:p>
+            <a:pPr marL="343080" indent="-341280">
+              <a:lnSpc>
+                <a:spcPct val="100000"/>
+              </a:lnSpc>
+              <a:buClr>
+                <a:srgbClr val="000000"/>
+              </a:buClr>
+              <a:buFont typeface="StarSymbol"/>
+              <a:buAutoNum type="arabicParenR"/>
+            </a:pPr>
+            <a:r>
+              <a:rPr lang="de-DE" sz="1800" b="0" strike="noStrike" spc="-1">
+                <a:solidFill>
+                  <a:srgbClr val="000000"/>
+                </a:solidFill>
+                <a:latin typeface="Century Gothic"/>
+                <a:ea typeface="DejaVu Sans"/>
+              </a:rPr>
+              <a:t>Create/View Mission</a:t>
+            </a:r>
+            <a:endParaRPr lang="de-DE" sz="1800" b="0" strike="noStrike" spc="-1">
+              <a:latin typeface="Arial"/>
+            </a:endParaRPr>
+          </a:p>
+          <a:p>
+            <a:pPr marL="343080" indent="-341280">
+              <a:lnSpc>
+                <a:spcPct val="100000"/>
+              </a:lnSpc>
+              <a:buClr>
+                <a:srgbClr val="000000"/>
+              </a:buClr>
+              <a:buFont typeface="StarSymbol"/>
+              <a:buAutoNum type="arabicParenR"/>
+            </a:pPr>
+            <a:r>
+              <a:rPr lang="de-DE" sz="1800" b="0" strike="noStrike" spc="-1">
+                <a:solidFill>
+                  <a:srgbClr val="000000"/>
+                </a:solidFill>
+                <a:latin typeface="Century Gothic"/>
+                <a:ea typeface="DejaVu Sans"/>
+              </a:rPr>
+              <a:t>Add user</a:t>
+            </a:r>
+            <a:endParaRPr lang="de-DE" sz="1800" b="0" strike="noStrike" spc="-1">
+              <a:latin typeface="Arial"/>
+            </a:endParaRPr>
+          </a:p>
+          <a:p>
+            <a:pPr marL="343080" indent="-341280">
+              <a:lnSpc>
+                <a:spcPct val="100000"/>
+              </a:lnSpc>
+              <a:buClr>
+                <a:srgbClr val="000000"/>
+              </a:buClr>
+              <a:buFont typeface="StarSymbol"/>
+              <a:buAutoNum type="arabicParenR"/>
+            </a:pPr>
+            <a:r>
+              <a:rPr lang="de-DE" sz="1800" b="0" strike="noStrike" spc="-1">
+                <a:solidFill>
+                  <a:srgbClr val="000000"/>
+                </a:solidFill>
+                <a:latin typeface="Century Gothic"/>
+                <a:ea typeface="DejaVu Sans"/>
+              </a:rPr>
+              <a:t>Manage Tasks</a:t>
+            </a:r>
+            <a:endParaRPr lang="de-DE" sz="1800" b="0" strike="noStrike" spc="-1">
               <a:latin typeface="Arial"/>
             </a:endParaRPr>
           </a:p>
@@ -32518,251 +31530,78 @@
                 <a:spcPct val="100000"/>
               </a:lnSpc>
             </a:pPr>
-            <a:endParaRPr lang="de-DE" sz="1800" b="0" strike="noStrike" spc="-1" dirty="0">
-              <a:latin typeface="Arial"/>
-            </a:endParaRPr>
-          </a:p>
-        </p:txBody>
-      </p:sp>
-      <p:pic>
-        <p:nvPicPr>
-          <p:cNvPr id="2" name="Grafik 1"/>
-          <p:cNvPicPr>
-            <a:picLocks noChangeAspect="1"/>
-          </p:cNvPicPr>
+            <a:r>
+              <a:rPr lang="de-DE" sz="3200" b="1" i="1" strike="noStrike" spc="-1">
+                <a:solidFill>
+                  <a:srgbClr val="000000"/>
+                </a:solidFill>
+                <a:latin typeface="Century Gothic"/>
+                <a:ea typeface="DejaVu Sans"/>
+              </a:rPr>
+              <a:t>Gamification</a:t>
+            </a:r>
+            <a:br/>
+            <a:r>
+              <a:rPr lang="de-DE" sz="1800" b="1" i="1" strike="noStrike" spc="-1">
+                <a:solidFill>
+                  <a:srgbClr val="000000"/>
+                </a:solidFill>
+                <a:latin typeface="Century Gothic"/>
+                <a:ea typeface="DejaVu Sans"/>
+              </a:rPr>
+              <a:t>coming next semester!</a:t>
+            </a:r>
+            <a:endParaRPr lang="de-DE" sz="1800" b="0" strike="noStrike" spc="-1">
+              <a:latin typeface="Arial"/>
+            </a:endParaRPr>
+          </a:p>
+        </p:txBody>
+      </p:sp>
+      <p:sp>
+        <p:nvSpPr>
+          <p:cNvPr id="436" name="CustomShape 4"/>
+          <p:cNvSpPr/>
           <p:nvPr/>
-        </p:nvPicPr>
-        <p:blipFill>
-          <a:blip r:embed="rId2">
-            <a:extLst>
-              <a:ext uri="{28A0092B-C50C-407E-A947-70E740481C1C}">
-                <a14:useLocalDpi xmlns:a14="http://schemas.microsoft.com/office/drawing/2010/main" val="0"/>
-              </a:ext>
-            </a:extLst>
-          </a:blip>
-          <a:stretch>
-            <a:fillRect/>
-          </a:stretch>
-        </p:blipFill>
-        <p:spPr>
-          <a:xfrm>
-            <a:off x="5490720" y="204829"/>
-            <a:ext cx="6800920" cy="6498905"/>
-          </a:xfrm>
-          <a:prstGeom prst="rect">
-            <a:avLst/>
-          </a:prstGeom>
-        </p:spPr>
-      </p:pic>
-      <p:sp>
-        <p:nvSpPr>
-          <p:cNvPr id="3" name="Textfeld 2"/>
-          <p:cNvSpPr txBox="1"/>
-          <p:nvPr/>
-        </p:nvSpPr>
-        <p:spPr>
-          <a:xfrm>
-            <a:off x="527798" y="5339880"/>
-            <a:ext cx="2872902" cy="830997"/>
-          </a:xfrm>
-          <a:prstGeom prst="rect">
-            <a:avLst/>
-          </a:prstGeom>
-          <a:noFill/>
-        </p:spPr>
-        <p:txBody>
-          <a:bodyPr wrap="none" rtlCol="0">
-            <a:spAutoFit/>
-          </a:bodyPr>
-          <a:lstStyle/>
-          <a:p>
-            <a:r>
-              <a:rPr lang="de-DE" sz="2400" dirty="0" err="1" smtClean="0">
-                <a:latin typeface="Century Gothic" panose="020B0502020202020204" pitchFamily="34" charset="0"/>
-              </a:rPr>
-              <a:t>Dropped</a:t>
-            </a:r>
-            <a:endParaRPr lang="de-DE" sz="2400" dirty="0" smtClean="0">
-              <a:latin typeface="Century Gothic" panose="020B0502020202020204" pitchFamily="34" charset="0"/>
-            </a:endParaRPr>
-          </a:p>
-          <a:p>
-            <a:r>
-              <a:rPr lang="de-DE" sz="2400" dirty="0">
-                <a:latin typeface="Century Gothic" panose="020B0502020202020204" pitchFamily="34" charset="0"/>
-              </a:rPr>
-              <a:t> </a:t>
-            </a:r>
-            <a:r>
-              <a:rPr lang="de-DE" sz="2400" dirty="0" smtClean="0">
-                <a:latin typeface="Century Gothic" panose="020B0502020202020204" pitchFamily="34" charset="0"/>
-              </a:rPr>
-              <a:t>* Delete Account</a:t>
-            </a:r>
-            <a:endParaRPr lang="de-DE" sz="2400" dirty="0">
-              <a:latin typeface="Century Gothic" panose="020B0502020202020204" pitchFamily="34" charset="0"/>
-            </a:endParaRPr>
-          </a:p>
-        </p:txBody>
-      </p:sp>
-      <p:sp>
-        <p:nvSpPr>
-          <p:cNvPr id="4" name="Textfeld 3"/>
-          <p:cNvSpPr txBox="1"/>
-          <p:nvPr/>
-        </p:nvSpPr>
-        <p:spPr>
-          <a:xfrm>
-            <a:off x="527798" y="2518382"/>
-            <a:ext cx="3348994" cy="2308324"/>
-          </a:xfrm>
-          <a:prstGeom prst="rect">
-            <a:avLst/>
-          </a:prstGeom>
-          <a:noFill/>
-        </p:spPr>
-        <p:txBody>
-          <a:bodyPr wrap="none" rtlCol="0">
-            <a:spAutoFit/>
-          </a:bodyPr>
-          <a:lstStyle/>
-          <a:p>
-            <a:r>
-              <a:rPr lang="de-DE" sz="2400" dirty="0" err="1" smtClean="0">
-                <a:latin typeface="Century Gothic" panose="020B0502020202020204" pitchFamily="34" charset="0"/>
-              </a:rPr>
-              <a:t>Important</a:t>
-            </a:r>
-            <a:r>
-              <a:rPr lang="de-DE" sz="2400" dirty="0" smtClean="0">
-                <a:latin typeface="Century Gothic" panose="020B0502020202020204" pitchFamily="34" charset="0"/>
-              </a:rPr>
-              <a:t> </a:t>
-            </a:r>
-            <a:r>
-              <a:rPr lang="de-DE" sz="2400" dirty="0" err="1" smtClean="0">
-                <a:latin typeface="Century Gothic" panose="020B0502020202020204" pitchFamily="34" charset="0"/>
-              </a:rPr>
-              <a:t>Use</a:t>
-            </a:r>
-            <a:r>
-              <a:rPr lang="de-DE" sz="2400" dirty="0" smtClean="0">
-                <a:latin typeface="Century Gothic" panose="020B0502020202020204" pitchFamily="34" charset="0"/>
-              </a:rPr>
-              <a:t>-Cases:</a:t>
-            </a:r>
-          </a:p>
-          <a:p>
-            <a:r>
-              <a:rPr lang="de-DE" sz="2400" dirty="0">
-                <a:latin typeface="Century Gothic" panose="020B0502020202020204" pitchFamily="34" charset="0"/>
-              </a:rPr>
-              <a:t> </a:t>
-            </a:r>
-            <a:r>
-              <a:rPr lang="de-DE" sz="2400" dirty="0" smtClean="0">
-                <a:latin typeface="Century Gothic" panose="020B0502020202020204" pitchFamily="34" charset="0"/>
-              </a:rPr>
-              <a:t>* Create Mission</a:t>
-            </a:r>
-          </a:p>
-          <a:p>
-            <a:r>
-              <a:rPr lang="de-DE" sz="2400" dirty="0">
-                <a:latin typeface="Century Gothic" panose="020B0502020202020204" pitchFamily="34" charset="0"/>
-              </a:rPr>
-              <a:t> </a:t>
-            </a:r>
-            <a:r>
-              <a:rPr lang="de-DE" sz="2400" dirty="0" smtClean="0">
-                <a:latin typeface="Century Gothic" panose="020B0502020202020204" pitchFamily="34" charset="0"/>
-              </a:rPr>
-              <a:t>* Manage Tasks</a:t>
-            </a:r>
-          </a:p>
-          <a:p>
-            <a:r>
-              <a:rPr lang="de-DE" sz="2400" dirty="0">
-                <a:latin typeface="Century Gothic" panose="020B0502020202020204" pitchFamily="34" charset="0"/>
-              </a:rPr>
-              <a:t> </a:t>
-            </a:r>
-            <a:r>
-              <a:rPr lang="de-DE" sz="2400" dirty="0" smtClean="0">
-                <a:latin typeface="Century Gothic" panose="020B0502020202020204" pitchFamily="34" charset="0"/>
-              </a:rPr>
-              <a:t>* </a:t>
-            </a:r>
-            <a:r>
-              <a:rPr lang="de-DE" sz="2400" dirty="0" err="1" smtClean="0">
-                <a:latin typeface="Century Gothic" panose="020B0502020202020204" pitchFamily="34" charset="0"/>
-              </a:rPr>
-              <a:t>Rewards</a:t>
-            </a:r>
-            <a:endParaRPr lang="de-DE" sz="2400" dirty="0" smtClean="0">
-              <a:latin typeface="Century Gothic" panose="020B0502020202020204" pitchFamily="34" charset="0"/>
-            </a:endParaRPr>
-          </a:p>
-          <a:p>
-            <a:r>
-              <a:rPr lang="de-DE" sz="2400" dirty="0">
-                <a:latin typeface="Century Gothic" panose="020B0502020202020204" pitchFamily="34" charset="0"/>
-              </a:rPr>
-              <a:t> </a:t>
-            </a:r>
-            <a:r>
-              <a:rPr lang="de-DE" sz="2400" dirty="0" smtClean="0">
-                <a:latin typeface="Century Gothic" panose="020B0502020202020204" pitchFamily="34" charset="0"/>
-              </a:rPr>
-              <a:t>* </a:t>
-            </a:r>
-            <a:r>
-              <a:rPr lang="de-DE" sz="2400" dirty="0" err="1" smtClean="0">
-                <a:latin typeface="Century Gothic" panose="020B0502020202020204" pitchFamily="34" charset="0"/>
-              </a:rPr>
-              <a:t>Achievements</a:t>
-            </a:r>
-            <a:endParaRPr lang="de-DE" sz="2400" dirty="0" smtClean="0">
-              <a:latin typeface="Century Gothic" panose="020B0502020202020204" pitchFamily="34" charset="0"/>
-            </a:endParaRPr>
-          </a:p>
-          <a:p>
-            <a:r>
-              <a:rPr lang="de-DE" sz="2400" dirty="0">
-                <a:latin typeface="Century Gothic" panose="020B0502020202020204" pitchFamily="34" charset="0"/>
-              </a:rPr>
-              <a:t> </a:t>
-            </a:r>
-            <a:r>
-              <a:rPr lang="de-DE" sz="2400" dirty="0" smtClean="0">
-                <a:latin typeface="Century Gothic" panose="020B0502020202020204" pitchFamily="34" charset="0"/>
-              </a:rPr>
-              <a:t>* </a:t>
-            </a:r>
-            <a:r>
-              <a:rPr lang="de-DE" sz="2400" dirty="0" err="1" smtClean="0">
-                <a:latin typeface="Century Gothic" panose="020B0502020202020204" pitchFamily="34" charset="0"/>
-              </a:rPr>
-              <a:t>Statistics</a:t>
-            </a:r>
-            <a:endParaRPr lang="de-DE" sz="2400" dirty="0">
-              <a:latin typeface="Century Gothic" panose="020B0502020202020204" pitchFamily="34" charset="0"/>
-            </a:endParaRPr>
-          </a:p>
-        </p:txBody>
+        </p:nvSpPr>
+        <p:spPr>
+          <a:xfrm>
+            <a:off x="182520" y="5414400"/>
+            <a:ext cx="825120" cy="446040"/>
+          </a:xfrm>
+          <a:prstGeom prst="rightArrow">
+            <a:avLst>
+              <a:gd name="adj1" fmla="val 50000"/>
+              <a:gd name="adj2" fmla="val 50000"/>
+            </a:avLst>
+          </a:prstGeom>
+          <a:solidFill>
+            <a:srgbClr val="B31166"/>
+          </a:solidFill>
+          <a:ln w="25560">
+            <a:solidFill>
+              <a:srgbClr val="840C4B"/>
+            </a:solidFill>
+            <a:round/>
+          </a:ln>
+        </p:spPr>
+        <p:style>
+          <a:lnRef idx="0">
+            <a:scrgbClr r="0" g="0" b="0"/>
+          </a:lnRef>
+          <a:fillRef idx="0">
+            <a:scrgbClr r="0" g="0" b="0"/>
+          </a:fillRef>
+          <a:effectRef idx="0">
+            <a:scrgbClr r="0" g="0" b="0"/>
+          </a:effectRef>
+          <a:fontRef idx="minor"/>
+        </p:style>
       </p:sp>
     </p:spTree>
   </p:cSld>
   <p:clrMapOvr>
     <a:masterClrMapping/>
   </p:clrMapOvr>
-  <p:timing>
-    <p:tnLst>
-      <p:par>
-        <p:cTn id="1" dur="indefinite" restart="never" nodeType="tmRoot"/>
-      </p:par>
-    </p:tnLst>
-  </p:timing>
 </p:sld>
 </file>
 
@@ -32826,26 +31665,16 @@
               </a:lnSpc>
             </a:pPr>
             <a:r>
-              <a:rPr lang="de-DE" sz="3600" b="0" strike="noStrike" spc="-1" dirty="0">
+              <a:rPr lang="de-DE" sz="3600" b="0" strike="noStrike" spc="-1">
                 <a:solidFill>
                   <a:srgbClr val="EBEBEB"/>
                 </a:solidFill>
                 <a:latin typeface="Century Gothic"/>
                 <a:ea typeface="DejaVu Sans"/>
               </a:rPr>
-              <a:t>Project </a:t>
+              <a:t>Project management</a:t>
             </a:r>
-            <a:r>
-              <a:rPr lang="de-DE" sz="3600" b="0" strike="noStrike" spc="-1" dirty="0" err="1">
-                <a:solidFill>
-                  <a:srgbClr val="EBEBEB"/>
-                </a:solidFill>
-                <a:latin typeface="Century Gothic"/>
-                <a:ea typeface="DejaVu Sans"/>
-              </a:rPr>
-              <a:t>management</a:t>
-            </a:r>
-            <a:endParaRPr lang="de-DE" sz="3600" b="0" strike="noStrike" spc="-1" dirty="0">
+            <a:endParaRPr lang="de-DE" sz="3600" b="0" strike="noStrike" spc="-1">
               <a:latin typeface="Arial"/>
             </a:endParaRPr>
           </a:p>
@@ -32903,125 +31732,38 @@
               <a:buChar char=""/>
             </a:pPr>
             <a:r>
-              <a:rPr lang="de-DE" sz="2400" b="1" strike="noStrike" spc="-1" dirty="0">
+              <a:rPr lang="de-DE" sz="1800" b="1" strike="noStrike" spc="-1">
                 <a:solidFill>
                   <a:srgbClr val="404040"/>
                 </a:solidFill>
-                <a:latin typeface="Century Gothic" panose="020B0502020202020204" pitchFamily="34" charset="0"/>
+                <a:latin typeface="Century Gothic"/>
                 <a:ea typeface="DejaVu Sans"/>
               </a:rPr>
               <a:t>SCRUMMING</a:t>
             </a:r>
             <a:r>
-              <a:rPr lang="de-DE" sz="2400" strike="noStrike" spc="-1" dirty="0">
+              <a:rPr lang="de-DE" sz="1800" b="0" strike="noStrike" spc="-1">
                 <a:solidFill>
                   <a:srgbClr val="404040"/>
                 </a:solidFill>
-                <a:latin typeface="Century Gothic" panose="020B0502020202020204" pitchFamily="34" charset="0"/>
+                <a:latin typeface="Century Gothic"/>
                 <a:ea typeface="DejaVu Sans"/>
               </a:rPr>
-              <a:t> </a:t>
+              <a:t> with </a:t>
             </a:r>
             <a:r>
-              <a:rPr lang="de-DE" sz="2400" strike="noStrike" spc="-1" dirty="0" err="1">
+              <a:rPr lang="de-DE" sz="1800" b="1" strike="noStrike" spc="-1">
                 <a:solidFill>
                   <a:srgbClr val="404040"/>
                 </a:solidFill>
-                <a:latin typeface="Century Gothic" panose="020B0502020202020204" pitchFamily="34" charset="0"/>
-                <a:ea typeface="DejaVu Sans"/>
-              </a:rPr>
-              <a:t>with</a:t>
-            </a:r>
-            <a:r>
-              <a:rPr lang="de-DE" sz="2400" strike="noStrike" spc="-1" dirty="0">
-                <a:solidFill>
-                  <a:srgbClr val="404040"/>
-                </a:solidFill>
-                <a:latin typeface="Century Gothic" panose="020B0502020202020204" pitchFamily="34" charset="0"/>
-                <a:ea typeface="DejaVu Sans"/>
-              </a:rPr>
-              <a:t> </a:t>
-            </a:r>
-            <a:r>
-              <a:rPr lang="de-DE" sz="2400" spc="-1" dirty="0" err="1" smtClean="0">
-                <a:solidFill>
-                  <a:srgbClr val="404040"/>
-                </a:solidFill>
-                <a:latin typeface="Century Gothic" panose="020B0502020202020204" pitchFamily="34" charset="0"/>
-                <a:ea typeface="DejaVu Sans"/>
-              </a:rPr>
-              <a:t>project</a:t>
-            </a:r>
-            <a:r>
-              <a:rPr lang="de-DE" sz="2400" spc="-1" dirty="0" smtClean="0">
-                <a:solidFill>
-                  <a:srgbClr val="404040"/>
-                </a:solidFill>
-                <a:latin typeface="Century Gothic" panose="020B0502020202020204" pitchFamily="34" charset="0"/>
-                <a:ea typeface="DejaVu Sans"/>
-              </a:rPr>
-              <a:t> </a:t>
-            </a:r>
-            <a:r>
-              <a:rPr lang="de-DE" sz="2400" spc="-1" dirty="0" err="1" smtClean="0">
-                <a:solidFill>
-                  <a:srgbClr val="404040"/>
-                </a:solidFill>
-                <a:latin typeface="Century Gothic" panose="020B0502020202020204" pitchFamily="34" charset="0"/>
-                <a:ea typeface="DejaVu Sans"/>
-              </a:rPr>
-              <a:t>management</a:t>
-            </a:r>
-            <a:r>
-              <a:rPr lang="de-DE" sz="2400" spc="-1" dirty="0" smtClean="0">
-                <a:solidFill>
-                  <a:srgbClr val="404040"/>
-                </a:solidFill>
-                <a:latin typeface="Century Gothic" panose="020B0502020202020204" pitchFamily="34" charset="0"/>
-                <a:ea typeface="DejaVu Sans"/>
-              </a:rPr>
-              <a:t> </a:t>
-            </a:r>
-            <a:r>
-              <a:rPr lang="de-DE" sz="2400" spc="-1" dirty="0" err="1" smtClean="0">
-                <a:solidFill>
-                  <a:srgbClr val="404040"/>
-                </a:solidFill>
-                <a:latin typeface="Century Gothic" panose="020B0502020202020204" pitchFamily="34" charset="0"/>
-                <a:ea typeface="DejaVu Sans"/>
-              </a:rPr>
-              <a:t>tool</a:t>
-            </a:r>
-            <a:r>
-              <a:rPr lang="de-DE" sz="2400" spc="-1" dirty="0" smtClean="0">
-                <a:solidFill>
-                  <a:srgbClr val="404040"/>
-                </a:solidFill>
-                <a:latin typeface="Century Gothic" panose="020B0502020202020204" pitchFamily="34" charset="0"/>
-                <a:ea typeface="DejaVu Sans"/>
-              </a:rPr>
-              <a:t> „</a:t>
-            </a:r>
-            <a:r>
-              <a:rPr lang="de-DE" sz="2400" strike="noStrike" spc="-1" dirty="0" err="1" smtClean="0">
-                <a:solidFill>
-                  <a:srgbClr val="404040"/>
-                </a:solidFill>
-                <a:latin typeface="Century Gothic" panose="020B0502020202020204" pitchFamily="34" charset="0"/>
+                <a:latin typeface="Century Gothic"/>
                 <a:ea typeface="DejaVu Sans"/>
               </a:rPr>
               <a:t>YouTrack</a:t>
             </a:r>
-            <a:r>
-              <a:rPr lang="de-DE" sz="2400" strike="noStrike" spc="-1" dirty="0" smtClean="0">
-                <a:solidFill>
-                  <a:srgbClr val="404040"/>
-                </a:solidFill>
-                <a:latin typeface="Century Gothic" panose="020B0502020202020204" pitchFamily="34" charset="0"/>
-                <a:ea typeface="DejaVu Sans"/>
-              </a:rPr>
-              <a:t>“</a:t>
-            </a:r>
+            <a:endParaRPr lang="de-DE" sz="1800" b="0" strike="noStrike" spc="-1">
+              <a:latin typeface="Arial"/>
+            </a:endParaRPr>
           </a:p>
           <a:p>
             <a:pPr marL="343080" indent="-341280">
@@ -33039,82 +31781,17 @@
               <a:buChar char=""/>
             </a:pPr>
             <a:r>
-              <a:rPr lang="de-DE" sz="2400" spc="-1" dirty="0" smtClean="0">
+              <a:rPr lang="de-DE" sz="1800" b="0" strike="noStrike" spc="-1">
                 <a:solidFill>
                   <a:srgbClr val="404040"/>
                 </a:solidFill>
-                <a:latin typeface="Century Gothic" panose="020B0502020202020204" pitchFamily="34" charset="0"/>
+                <a:latin typeface="Century Gothic"/>
+                <a:ea typeface="DejaVu Sans"/>
               </a:rPr>
-              <a:t>Every </a:t>
+              <a:t>Dont assume that the people you present to know what scrum is.</a:t>
             </a:r>
-            <a:r>
-              <a:rPr lang="de-DE" sz="2400" spc="-1" dirty="0" err="1" smtClean="0">
-                <a:solidFill>
-                  <a:srgbClr val="404040"/>
-                </a:solidFill>
-                <a:latin typeface="Century Gothic" panose="020B0502020202020204" pitchFamily="34" charset="0"/>
-              </a:rPr>
-              <a:t>week</a:t>
-            </a:r>
-            <a:r>
-              <a:rPr lang="de-DE" sz="2400" spc="-1" dirty="0" smtClean="0">
-                <a:solidFill>
-                  <a:srgbClr val="404040"/>
-                </a:solidFill>
-                <a:latin typeface="Century Gothic" panose="020B0502020202020204" pitchFamily="34" charset="0"/>
-              </a:rPr>
-              <a:t> </a:t>
-            </a:r>
-            <a:r>
-              <a:rPr lang="de-DE" sz="2400" spc="-1" dirty="0" err="1" smtClean="0">
-                <a:solidFill>
-                  <a:srgbClr val="404040"/>
-                </a:solidFill>
-                <a:latin typeface="Century Gothic" panose="020B0502020202020204" pitchFamily="34" charset="0"/>
-              </a:rPr>
-              <a:t>new</a:t>
-            </a:r>
-            <a:r>
-              <a:rPr lang="de-DE" sz="2400" spc="-1" dirty="0" smtClean="0">
-                <a:solidFill>
-                  <a:srgbClr val="404040"/>
-                </a:solidFill>
-                <a:latin typeface="Century Gothic" panose="020B0502020202020204" pitchFamily="34" charset="0"/>
-              </a:rPr>
-              <a:t> </a:t>
-            </a:r>
-            <a:r>
-              <a:rPr lang="de-DE" sz="2400" spc="-1" dirty="0" err="1" smtClean="0">
-                <a:solidFill>
-                  <a:srgbClr val="404040"/>
-                </a:solidFill>
-                <a:latin typeface="Century Gothic" panose="020B0502020202020204" pitchFamily="34" charset="0"/>
-              </a:rPr>
-              <a:t>sprint</a:t>
-            </a:r>
-            <a:r>
-              <a:rPr lang="de-DE" sz="2400" spc="-1" dirty="0" smtClean="0">
-                <a:solidFill>
-                  <a:srgbClr val="404040"/>
-                </a:solidFill>
-                <a:latin typeface="Century Gothic" panose="020B0502020202020204" pitchFamily="34" charset="0"/>
-              </a:rPr>
-              <a:t> </a:t>
-            </a:r>
-            <a:r>
-              <a:rPr lang="de-DE" sz="2400" spc="-1" dirty="0" err="1" smtClean="0">
-                <a:solidFill>
-                  <a:srgbClr val="404040"/>
-                </a:solidFill>
-                <a:latin typeface="Century Gothic" panose="020B0502020202020204" pitchFamily="34" charset="0"/>
-              </a:rPr>
-              <a:t>planning</a:t>
-            </a:r>
-            <a:endParaRPr lang="de-DE" sz="2400" spc="-1" dirty="0" smtClean="0">
-              <a:solidFill>
-                <a:srgbClr val="404040"/>
-              </a:solidFill>
-              <a:latin typeface="Century Gothic" panose="020B0502020202020204" pitchFamily="34" charset="0"/>
+            <a:endParaRPr lang="de-DE" sz="1800" b="0" strike="noStrike" spc="-1">
+              <a:latin typeface="Arial"/>
             </a:endParaRPr>
           </a:p>
           <a:p>
@@ -33133,200 +31810,17 @@
               <a:buChar char=""/>
             </a:pPr>
             <a:r>
-              <a:rPr lang="de-DE" sz="2400" spc="-1" dirty="0" err="1" smtClean="0">
+              <a:rPr lang="de-DE" sz="1800" b="0" strike="noStrike" spc="-1">
                 <a:solidFill>
                   <a:srgbClr val="404040"/>
                 </a:solidFill>
-                <a:latin typeface="Century Gothic" panose="020B0502020202020204" pitchFamily="34" charset="0"/>
+                <a:latin typeface="Century Gothic"/>
+                <a:ea typeface="DejaVu Sans"/>
               </a:rPr>
-              <a:t>Gives</a:t>
+              <a:t>So you can explain why you pick this method and how it affects the client.</a:t>
             </a:r>
-            <a:r>
-              <a:rPr lang="de-DE" sz="2400" spc="-1" dirty="0" smtClean="0">
-                <a:solidFill>
-                  <a:srgbClr val="404040"/>
-                </a:solidFill>
-                <a:latin typeface="Century Gothic" panose="020B0502020202020204" pitchFamily="34" charset="0"/>
-              </a:rPr>
-              <a:t> an </a:t>
-            </a:r>
-            <a:r>
-              <a:rPr lang="de-DE" sz="2400" spc="-1" dirty="0" err="1" smtClean="0">
-                <a:solidFill>
-                  <a:srgbClr val="404040"/>
-                </a:solidFill>
-                <a:latin typeface="Century Gothic" panose="020B0502020202020204" pitchFamily="34" charset="0"/>
-              </a:rPr>
-              <a:t>overview</a:t>
-            </a:r>
-            <a:r>
-              <a:rPr lang="de-DE" sz="2400" spc="-1" dirty="0" smtClean="0">
-                <a:solidFill>
-                  <a:srgbClr val="404040"/>
-                </a:solidFill>
-                <a:latin typeface="Century Gothic" panose="020B0502020202020204" pitchFamily="34" charset="0"/>
-              </a:rPr>
-              <a:t> </a:t>
-            </a:r>
-            <a:r>
-              <a:rPr lang="de-DE" sz="2400" spc="-1" dirty="0" err="1" smtClean="0">
-                <a:solidFill>
-                  <a:srgbClr val="404040"/>
-                </a:solidFill>
-                <a:latin typeface="Century Gothic" panose="020B0502020202020204" pitchFamily="34" charset="0"/>
-              </a:rPr>
-              <a:t>of</a:t>
-            </a:r>
-            <a:r>
-              <a:rPr lang="de-DE" sz="2400" spc="-1" dirty="0" smtClean="0">
-                <a:solidFill>
-                  <a:srgbClr val="404040"/>
-                </a:solidFill>
-                <a:latin typeface="Century Gothic" panose="020B0502020202020204" pitchFamily="34" charset="0"/>
-              </a:rPr>
-              <a:t>:</a:t>
-            </a:r>
-          </a:p>
-          <a:p>
-            <a:pPr marL="800280" lvl="1" indent="-341280">
-              <a:spcBef>
-                <a:spcPts val="1001"/>
-              </a:spcBef>
-              <a:buClr>
-                <a:srgbClr val="B31166"/>
-              </a:buClr>
-              <a:buSzPct val="80000"/>
-              <a:buFont typeface="Wingdings 3" charset="2"/>
-              <a:buChar char=""/>
-            </a:pPr>
-            <a:r>
-              <a:rPr lang="de-DE" sz="2400" spc="-1" dirty="0" err="1" smtClean="0">
-                <a:solidFill>
-                  <a:srgbClr val="404040"/>
-                </a:solidFill>
-                <a:latin typeface="Century Gothic" panose="020B0502020202020204" pitchFamily="34" charset="0"/>
-              </a:rPr>
-              <a:t>Spent</a:t>
-            </a:r>
-            <a:r>
-              <a:rPr lang="de-DE" sz="2400" spc="-1" dirty="0" smtClean="0">
-                <a:solidFill>
-                  <a:srgbClr val="404040"/>
-                </a:solidFill>
-                <a:latin typeface="Century Gothic" panose="020B0502020202020204" pitchFamily="34" charset="0"/>
-              </a:rPr>
-              <a:t> time</a:t>
-            </a:r>
-          </a:p>
-          <a:p>
-            <a:pPr marL="800280" lvl="1" indent="-341280">
-              <a:spcBef>
-                <a:spcPts val="1001"/>
-              </a:spcBef>
-              <a:buClr>
-                <a:srgbClr val="B31166"/>
-              </a:buClr>
-              <a:buSzPct val="80000"/>
-              <a:buFont typeface="Wingdings 3" charset="2"/>
-              <a:buChar char=""/>
-            </a:pPr>
-            <a:r>
-              <a:rPr lang="de-DE" sz="2400" spc="-1" dirty="0" smtClean="0">
-                <a:solidFill>
-                  <a:srgbClr val="404040"/>
-                </a:solidFill>
-                <a:latin typeface="Century Gothic" panose="020B0502020202020204" pitchFamily="34" charset="0"/>
-              </a:rPr>
-              <a:t>Tasks </a:t>
-            </a:r>
-            <a:r>
-              <a:rPr lang="de-DE" sz="2400" spc="-1" dirty="0" err="1" smtClean="0">
-                <a:solidFill>
-                  <a:srgbClr val="404040"/>
-                </a:solidFill>
-                <a:latin typeface="Century Gothic" panose="020B0502020202020204" pitchFamily="34" charset="0"/>
-              </a:rPr>
-              <a:t>ToDo</a:t>
-            </a:r>
-            <a:r>
-              <a:rPr lang="de-DE" sz="2400" spc="-1" dirty="0" smtClean="0">
-                <a:solidFill>
-                  <a:srgbClr val="404040"/>
-                </a:solidFill>
-                <a:latin typeface="Century Gothic" panose="020B0502020202020204" pitchFamily="34" charset="0"/>
-              </a:rPr>
-              <a:t>/ in Progress/ </a:t>
-            </a:r>
-            <a:r>
-              <a:rPr lang="de-DE" sz="2400" spc="-1" dirty="0" err="1" smtClean="0">
-                <a:solidFill>
-                  <a:srgbClr val="404040"/>
-                </a:solidFill>
-                <a:latin typeface="Century Gothic" panose="020B0502020202020204" pitchFamily="34" charset="0"/>
-              </a:rPr>
-              <a:t>Done</a:t>
-            </a:r>
-            <a:endParaRPr lang="de-DE" sz="2400" spc="-1" dirty="0" smtClean="0">
-              <a:solidFill>
-                <a:srgbClr val="404040"/>
-              </a:solidFill>
-              <a:latin typeface="Century Gothic" panose="020B0502020202020204" pitchFamily="34" charset="0"/>
-            </a:endParaRPr>
-          </a:p>
-          <a:p>
-            <a:pPr marL="800280" lvl="1" indent="-341280">
-              <a:spcBef>
-                <a:spcPts val="1001"/>
-              </a:spcBef>
-              <a:buClr>
-                <a:srgbClr val="B31166"/>
-              </a:buClr>
-              <a:buSzPct val="80000"/>
-              <a:buFont typeface="Wingdings 3" charset="2"/>
-              <a:buChar char=""/>
-            </a:pPr>
-            <a:r>
-              <a:rPr lang="de-DE" sz="2400" spc="-1" dirty="0" smtClean="0">
-                <a:solidFill>
-                  <a:srgbClr val="404040"/>
-                </a:solidFill>
-                <a:latin typeface="Century Gothic" panose="020B0502020202020204" pitchFamily="34" charset="0"/>
-              </a:rPr>
-              <a:t>Work </a:t>
-            </a:r>
-            <a:r>
-              <a:rPr lang="de-DE" sz="2400" spc="-1" dirty="0" err="1" smtClean="0">
-                <a:solidFill>
-                  <a:srgbClr val="404040"/>
-                </a:solidFill>
-                <a:latin typeface="Century Gothic" panose="020B0502020202020204" pitchFamily="34" charset="0"/>
-              </a:rPr>
-              <a:t>history</a:t>
-            </a:r>
-            <a:endParaRPr lang="de-DE" sz="2400" spc="-1" dirty="0" smtClean="0">
-              <a:solidFill>
-                <a:srgbClr val="404040"/>
-              </a:solidFill>
-              <a:latin typeface="Century Gothic" panose="020B0502020202020204" pitchFamily="34" charset="0"/>
-            </a:endParaRPr>
-          </a:p>
-          <a:p>
-            <a:pPr marL="343080" indent="-341280">
-              <a:lnSpc>
-                <a:spcPct val="100000"/>
-              </a:lnSpc>
-              <a:spcBef>
-                <a:spcPts val="1001"/>
-              </a:spcBef>
-              <a:buClr>
-                <a:srgbClr val="B31166"/>
-              </a:buClr>
-              <a:buSzPct val="80000"/>
-              <a:buFont typeface="Wingdings 3" charset="2"/>
-              <a:buChar char=""/>
-            </a:pPr>
-            <a:endParaRPr lang="de-DE" sz="2400" b="0" strike="noStrike" spc="-1" dirty="0" smtClean="0">
-              <a:latin typeface="Century Gothic" panose="020B0502020202020204" pitchFamily="34" charset="0"/>
+            <a:endParaRPr lang="de-DE" sz="1800" b="0" strike="noStrike" spc="-1">
+              <a:latin typeface="Arial"/>
             </a:endParaRPr>
           </a:p>
         </p:txBody>
@@ -33336,13 +31830,6 @@
   <p:clrMapOvr>
     <a:masterClrMapping/>
   </p:clrMapOvr>
-  <p:timing>
-    <p:tnLst>
-      <p:par>
-        <p:cTn id="1" dur="indefinite" restart="never" nodeType="tmRoot"/>
-      </p:par>
-    </p:tnLst>
-  </p:timing>
 </p:sld>
 </file>
 
@@ -33365,97 +31852,95 @@
       </p:grpSpPr>
       <p:sp>
         <p:nvSpPr>
-          <p:cNvPr id="2" name="Titel 1"/>
-          <p:cNvSpPr>
-            <a:spLocks noGrp="1"/>
-          </p:cNvSpPr>
-          <p:nvPr>
-            <p:ph type="title"/>
-          </p:nvPr>
-        </p:nvSpPr>
-        <p:spPr>
-          <a:xfrm>
-            <a:off x="609480" y="729437"/>
-            <a:ext cx="10973520" cy="498598"/>
-          </a:xfrm>
-        </p:spPr>
-        <p:txBody>
-          <a:bodyPr/>
-          <a:lstStyle/>
-          <a:p>
+          <p:cNvPr id="439" name="CustomShape 1"/>
+          <p:cNvSpPr/>
+          <p:nvPr/>
+        </p:nvSpPr>
+        <p:spPr>
+          <a:xfrm>
+            <a:off x="1154880" y="973800"/>
+            <a:ext cx="8760240" cy="705240"/>
+          </a:xfrm>
+          <a:prstGeom prst="rect">
+            <a:avLst/>
+          </a:prstGeom>
+          <a:noFill/>
+          <a:ln>
+            <a:noFill/>
+          </a:ln>
+        </p:spPr>
+        <p:style>
+          <a:lnRef idx="0">
+            <a:scrgbClr r="0" g="0" b="0"/>
+          </a:lnRef>
+          <a:fillRef idx="0">
+            <a:scrgbClr r="0" g="0" b="0"/>
+          </a:fillRef>
+          <a:effectRef idx="0">
+            <a:scrgbClr r="0" g="0" b="0"/>
+          </a:effectRef>
+          <a:fontRef idx="minor"/>
+        </p:style>
+        <p:txBody>
+          <a:bodyPr lIns="90000" tIns="45000" rIns="90000" bIns="45000" anchor="ctr">
+            <a:noAutofit/>
+          </a:bodyPr>
+          <a:lstStyle/>
+          <a:p>
+            <a:pPr>
+              <a:lnSpc>
+                <a:spcPct val="100000"/>
+              </a:lnSpc>
+            </a:pPr>
             <a:r>
-              <a:rPr lang="de-DE" sz="3600" dirty="0" err="1" smtClean="0">
+              <a:rPr lang="de-DE" sz="3600" b="0" strike="noStrike" spc="-1">
                 <a:solidFill>
-                  <a:schemeClr val="bg1"/>
+                  <a:srgbClr val="EBEBEB"/>
                 </a:solidFill>
-                <a:latin typeface="Century Gothic" panose="020B0502020202020204" pitchFamily="34" charset="0"/>
+                <a:latin typeface="Century Gothic"/>
+                <a:ea typeface="DejaVu Sans"/>
               </a:rPr>
-              <a:t>Youtrack</a:t>
+              <a:t>SRS</a:t>
             </a:r>
-            <a:endParaRPr lang="de-DE" sz="3600" dirty="0">
-              <a:solidFill>
-                <a:schemeClr val="bg1"/>
-              </a:solidFill>
-              <a:latin typeface="Century Gothic" panose="020B0502020202020204" pitchFamily="34" charset="0"/>
-            </a:endParaRPr>
-          </a:p>
-        </p:txBody>
-      </p:sp>
-      <p:sp>
-        <p:nvSpPr>
-          <p:cNvPr id="3" name="Untertitel 2"/>
-          <p:cNvSpPr>
-            <a:spLocks noGrp="1"/>
-          </p:cNvSpPr>
-          <p:nvPr>
-            <p:ph type="subTitle"/>
-          </p:nvPr>
-        </p:nvSpPr>
-        <p:spPr/>
-        <p:txBody>
-          <a:bodyPr/>
-          <a:lstStyle/>
-          <a:p>
-            <a:endParaRPr lang="de-DE"/>
-          </a:p>
-        </p:txBody>
-      </p:sp>
-      <p:pic>
-        <p:nvPicPr>
-          <p:cNvPr id="4" name="Grafik 3"/>
-          <p:cNvPicPr>
-            <a:picLocks noChangeAspect="1"/>
-          </p:cNvPicPr>
+            <a:endParaRPr lang="de-DE" sz="3600" b="0" strike="noStrike" spc="-1">
+              <a:latin typeface="Arial"/>
+            </a:endParaRPr>
+          </a:p>
+        </p:txBody>
+      </p:sp>
+      <p:sp>
+        <p:nvSpPr>
+          <p:cNvPr id="440" name="CustomShape 2"/>
+          <p:cNvSpPr/>
           <p:nvPr/>
-        </p:nvPicPr>
-        <p:blipFill>
-          <a:blip r:embed="rId2">
-            <a:extLst>
-              <a:ext uri="{28A0092B-C50C-407E-A947-70E740481C1C}">
-                <a14:useLocalDpi xmlns:a14="http://schemas.microsoft.com/office/drawing/2010/main" val="0"/>
-              </a:ext>
-            </a:extLst>
-          </a:blip>
-          <a:stretch>
-            <a:fillRect/>
-          </a:stretch>
-        </p:blipFill>
-        <p:spPr>
-          <a:xfrm>
-            <a:off x="0" y="1604520"/>
-            <a:ext cx="12193588" cy="5184708"/>
-          </a:xfrm>
-          <a:prstGeom prst="rect">
-            <a:avLst/>
-          </a:prstGeom>
-        </p:spPr>
-      </p:pic>
+        </p:nvSpPr>
+        <p:spPr>
+          <a:xfrm>
+            <a:off x="1154880" y="2603520"/>
+            <a:ext cx="8824680" cy="3414600"/>
+          </a:xfrm>
+          <a:prstGeom prst="rect">
+            <a:avLst/>
+          </a:prstGeom>
+          <a:noFill/>
+          <a:ln>
+            <a:noFill/>
+          </a:ln>
+        </p:spPr>
+        <p:style>
+          <a:lnRef idx="0">
+            <a:scrgbClr r="0" g="0" b="0"/>
+          </a:lnRef>
+          <a:fillRef idx="0">
+            <a:scrgbClr r="0" g="0" b="0"/>
+          </a:fillRef>
+          <a:effectRef idx="0">
+            <a:scrgbClr r="0" g="0" b="0"/>
+          </a:effectRef>
+          <a:fontRef idx="minor"/>
+        </p:style>
+      </p:sp>
     </p:spTree>
-    <p:extLst>
-      <p:ext uri="{BB962C8B-B14F-4D97-AF65-F5344CB8AC3E}">
-        <p14:creationId xmlns:p14="http://schemas.microsoft.com/office/powerpoint/2010/main" val="1858774367"/>
-      </p:ext>
-    </p:extLst>
   </p:cSld>
   <p:clrMapOvr>
     <a:masterClrMapping/>
